--- a/Map Timeline.pptx
+++ b/Map Timeline.pptx
@@ -4,6 +4,9 @@
   <p:sldMasterIdLst>
     <p:sldMasterId id="2147483660" r:id="rId1"/>
   </p:sldMasterIdLst>
+  <p:notesMasterIdLst>
+    <p:notesMasterId r:id="rId34"/>
+  </p:notesMasterIdLst>
   <p:sldIdLst>
     <p:sldId id="270" r:id="rId2"/>
     <p:sldId id="257" r:id="rId3"/>
@@ -31,6 +34,12 @@
     <p:sldId id="283" r:id="rId25"/>
     <p:sldId id="284" r:id="rId26"/>
     <p:sldId id="285" r:id="rId27"/>
+    <p:sldId id="286" r:id="rId28"/>
+    <p:sldId id="287" r:id="rId29"/>
+    <p:sldId id="288" r:id="rId30"/>
+    <p:sldId id="289" r:id="rId31"/>
+    <p:sldId id="290" r:id="rId32"/>
+    <p:sldId id="291" r:id="rId33"/>
   </p:sldIdLst>
   <p:sldSz cx="12192000" cy="6858000"/>
   <p:notesSz cx="6858000" cy="9144000"/>
@@ -948,15 +957,15 @@
             <a:buChar char="•"/>
           </a:pPr>
           <a:r>
-            <a:rPr lang="en-US" sz="2400" dirty="0"/>
+            <a:rPr lang="en-US" sz="1800" dirty="0"/>
             <a:t>Ptolemy II marries his own sister Arsinoe. They become known as </a:t>
           </a:r>
           <a:r>
-            <a:rPr lang="en-US" sz="2400" dirty="0" err="1"/>
+            <a:rPr lang="en-US" sz="1800" dirty="0" err="1"/>
             <a:t>Philadelphoi</a:t>
           </a:r>
           <a:r>
-            <a:rPr lang="en-US" sz="2400" dirty="0"/>
+            <a:rPr lang="en-US" sz="1800" dirty="0"/>
             <a:t> (“sibling-lovers”).</a:t>
           </a:r>
         </a:p>
@@ -1219,12 +1228,12 @@
         <a:fontRef idx="minor"/>
       </dsp:style>
       <dsp:txBody>
-        <a:bodyPr spcFirstLastPara="0" vert="horz" wrap="square" lIns="91440" tIns="91440" rIns="91440" bIns="91440" numCol="1" spcCol="1270" anchor="t" anchorCtr="0">
+        <a:bodyPr spcFirstLastPara="0" vert="horz" wrap="square" lIns="68580" tIns="68580" rIns="68580" bIns="68580" numCol="1" spcCol="1270" anchor="t" anchorCtr="0">
           <a:noAutofit/>
         </a:bodyPr>
         <a:lstStyle/>
         <a:p>
-          <a:pPr marL="0" lvl="0" indent="0" algn="l" defTabSz="1066800">
+          <a:pPr marL="0" lvl="0" indent="0" algn="l" defTabSz="800100">
             <a:lnSpc>
               <a:spcPct val="90000"/>
             </a:lnSpc>
@@ -1238,15 +1247,15 @@
             <a:buNone/>
           </a:pPr>
           <a:r>
-            <a:rPr lang="en-US" sz="2400" kern="1200" dirty="0"/>
+            <a:rPr lang="en-US" sz="1800" kern="1200" dirty="0"/>
             <a:t>Ptolemy II marries his own sister Arsinoe. They become known as </a:t>
           </a:r>
           <a:r>
-            <a:rPr lang="en-US" sz="2400" kern="1200" dirty="0" err="1"/>
+            <a:rPr lang="en-US" sz="1800" kern="1200" dirty="0" err="1"/>
             <a:t>Philadelphoi</a:t>
           </a:r>
           <a:r>
-            <a:rPr lang="en-US" sz="2400" kern="1200" dirty="0"/>
+            <a:rPr lang="en-US" sz="1800" kern="1200" dirty="0"/>
             <a:t> (“sibling-lovers”).</a:t>
           </a:r>
         </a:p>
@@ -2809,6 +2818,439 @@
 </dgm:styleDef>
 </file>
 
+<file path=ppt/notesMasters/notesMaster1.xml><?xml version="1.0" encoding="utf-8"?>
+<p:notesMaster xmlns:a="http://schemas.openxmlformats.org/drawingml/2006/main" xmlns:r="http://schemas.openxmlformats.org/officeDocument/2006/relationships" xmlns:p="http://schemas.openxmlformats.org/presentationml/2006/main">
+  <p:cSld>
+    <p:bg>
+      <p:bgRef idx="1001">
+        <a:schemeClr val="bg1"/>
+      </p:bgRef>
+    </p:bg>
+    <p:spTree>
+      <p:nvGrpSpPr>
+        <p:cNvPr id="1" name=""/>
+        <p:cNvGrpSpPr/>
+        <p:nvPr/>
+      </p:nvGrpSpPr>
+      <p:grpSpPr>
+        <a:xfrm>
+          <a:off x="0" y="0"/>
+          <a:ext cx="0" cy="0"/>
+          <a:chOff x="0" y="0"/>
+          <a:chExt cx="0" cy="0"/>
+        </a:xfrm>
+      </p:grpSpPr>
+      <p:sp>
+        <p:nvSpPr>
+          <p:cNvPr id="2" name="Header Placeholder 1"/>
+          <p:cNvSpPr>
+            <a:spLocks noGrp="1"/>
+          </p:cNvSpPr>
+          <p:nvPr>
+            <p:ph type="hdr" sz="quarter"/>
+          </p:nvPr>
+        </p:nvSpPr>
+        <p:spPr>
+          <a:xfrm>
+            <a:off x="0" y="0"/>
+            <a:ext cx="2971800" cy="458788"/>
+          </a:xfrm>
+          <a:prstGeom prst="rect">
+            <a:avLst/>
+          </a:prstGeom>
+        </p:spPr>
+        <p:txBody>
+          <a:bodyPr vert="horz" lIns="91440" tIns="45720" rIns="91440" bIns="45720" rtlCol="0"/>
+          <a:lstStyle>
+            <a:lvl1pPr algn="l">
+              <a:defRPr sz="1200"/>
+            </a:lvl1pPr>
+          </a:lstStyle>
+          <a:p>
+            <a:endParaRPr lang="en-US"/>
+          </a:p>
+        </p:txBody>
+      </p:sp>
+      <p:sp>
+        <p:nvSpPr>
+          <p:cNvPr id="3" name="Date Placeholder 2"/>
+          <p:cNvSpPr>
+            <a:spLocks noGrp="1"/>
+          </p:cNvSpPr>
+          <p:nvPr>
+            <p:ph type="dt" idx="1"/>
+          </p:nvPr>
+        </p:nvSpPr>
+        <p:spPr>
+          <a:xfrm>
+            <a:off x="3884613" y="0"/>
+            <a:ext cx="2971800" cy="458788"/>
+          </a:xfrm>
+          <a:prstGeom prst="rect">
+            <a:avLst/>
+          </a:prstGeom>
+        </p:spPr>
+        <p:txBody>
+          <a:bodyPr vert="horz" lIns="91440" tIns="45720" rIns="91440" bIns="45720" rtlCol="0"/>
+          <a:lstStyle>
+            <a:lvl1pPr algn="r">
+              <a:defRPr sz="1200"/>
+            </a:lvl1pPr>
+          </a:lstStyle>
+          <a:p>
+            <a:fld id="{BEFD42AF-006F-46D7-B59B-3B047E7F57DC}" type="datetimeFigureOut">
+              <a:rPr lang="en-US" smtClean="0"/>
+              <a:t>20-Aug-21</a:t>
+            </a:fld>
+            <a:endParaRPr lang="en-US"/>
+          </a:p>
+        </p:txBody>
+      </p:sp>
+      <p:sp>
+        <p:nvSpPr>
+          <p:cNvPr id="4" name="Slide Image Placeholder 3"/>
+          <p:cNvSpPr>
+            <a:spLocks noGrp="1" noRot="1" noChangeAspect="1"/>
+          </p:cNvSpPr>
+          <p:nvPr>
+            <p:ph type="sldImg" idx="2"/>
+          </p:nvPr>
+        </p:nvSpPr>
+        <p:spPr>
+          <a:xfrm>
+            <a:off x="685800" y="1143000"/>
+            <a:ext cx="5486400" cy="3086100"/>
+          </a:xfrm>
+          <a:prstGeom prst="rect">
+            <a:avLst/>
+          </a:prstGeom>
+          <a:noFill/>
+          <a:ln w="12700">
+            <a:solidFill>
+              <a:prstClr val="black"/>
+            </a:solidFill>
+          </a:ln>
+        </p:spPr>
+        <p:txBody>
+          <a:bodyPr vert="horz" lIns="91440" tIns="45720" rIns="91440" bIns="45720" rtlCol="0" anchor="ctr"/>
+          <a:lstStyle/>
+          <a:p>
+            <a:endParaRPr lang="en-US"/>
+          </a:p>
+        </p:txBody>
+      </p:sp>
+      <p:sp>
+        <p:nvSpPr>
+          <p:cNvPr id="5" name="Notes Placeholder 4"/>
+          <p:cNvSpPr>
+            <a:spLocks noGrp="1"/>
+          </p:cNvSpPr>
+          <p:nvPr>
+            <p:ph type="body" sz="quarter" idx="3"/>
+          </p:nvPr>
+        </p:nvSpPr>
+        <p:spPr>
+          <a:xfrm>
+            <a:off x="685800" y="4400550"/>
+            <a:ext cx="5486400" cy="3600450"/>
+          </a:xfrm>
+          <a:prstGeom prst="rect">
+            <a:avLst/>
+          </a:prstGeom>
+        </p:spPr>
+        <p:txBody>
+          <a:bodyPr vert="horz" lIns="91440" tIns="45720" rIns="91440" bIns="45720" rtlCol="0"/>
+          <a:lstStyle/>
+          <a:p>
+            <a:pPr lvl="0"/>
+            <a:r>
+              <a:rPr lang="en-US"/>
+              <a:t>Click to edit Master text styles</a:t>
+            </a:r>
+          </a:p>
+          <a:p>
+            <a:pPr lvl="1"/>
+            <a:r>
+              <a:rPr lang="en-US"/>
+              <a:t>Second level</a:t>
+            </a:r>
+          </a:p>
+          <a:p>
+            <a:pPr lvl="2"/>
+            <a:r>
+              <a:rPr lang="en-US"/>
+              <a:t>Third level</a:t>
+            </a:r>
+          </a:p>
+          <a:p>
+            <a:pPr lvl="3"/>
+            <a:r>
+              <a:rPr lang="en-US"/>
+              <a:t>Fourth level</a:t>
+            </a:r>
+          </a:p>
+          <a:p>
+            <a:pPr lvl="4"/>
+            <a:r>
+              <a:rPr lang="en-US"/>
+              <a:t>Fifth level</a:t>
+            </a:r>
+          </a:p>
+        </p:txBody>
+      </p:sp>
+      <p:sp>
+        <p:nvSpPr>
+          <p:cNvPr id="6" name="Footer Placeholder 5"/>
+          <p:cNvSpPr>
+            <a:spLocks noGrp="1"/>
+          </p:cNvSpPr>
+          <p:nvPr>
+            <p:ph type="ftr" sz="quarter" idx="4"/>
+          </p:nvPr>
+        </p:nvSpPr>
+        <p:spPr>
+          <a:xfrm>
+            <a:off x="0" y="8685213"/>
+            <a:ext cx="2971800" cy="458787"/>
+          </a:xfrm>
+          <a:prstGeom prst="rect">
+            <a:avLst/>
+          </a:prstGeom>
+        </p:spPr>
+        <p:txBody>
+          <a:bodyPr vert="horz" lIns="91440" tIns="45720" rIns="91440" bIns="45720" rtlCol="0" anchor="b"/>
+          <a:lstStyle>
+            <a:lvl1pPr algn="l">
+              <a:defRPr sz="1200"/>
+            </a:lvl1pPr>
+          </a:lstStyle>
+          <a:p>
+            <a:endParaRPr lang="en-US"/>
+          </a:p>
+        </p:txBody>
+      </p:sp>
+      <p:sp>
+        <p:nvSpPr>
+          <p:cNvPr id="7" name="Slide Number Placeholder 6"/>
+          <p:cNvSpPr>
+            <a:spLocks noGrp="1"/>
+          </p:cNvSpPr>
+          <p:nvPr>
+            <p:ph type="sldNum" sz="quarter" idx="5"/>
+          </p:nvPr>
+        </p:nvSpPr>
+        <p:spPr>
+          <a:xfrm>
+            <a:off x="3884613" y="8685213"/>
+            <a:ext cx="2971800" cy="458787"/>
+          </a:xfrm>
+          <a:prstGeom prst="rect">
+            <a:avLst/>
+          </a:prstGeom>
+        </p:spPr>
+        <p:txBody>
+          <a:bodyPr vert="horz" lIns="91440" tIns="45720" rIns="91440" bIns="45720" rtlCol="0" anchor="b"/>
+          <a:lstStyle>
+            <a:lvl1pPr algn="r">
+              <a:defRPr sz="1200"/>
+            </a:lvl1pPr>
+          </a:lstStyle>
+          <a:p>
+            <a:fld id="{F687679A-9FB6-43B6-864A-7FDC6149F2D5}" type="slidenum">
+              <a:rPr lang="en-US" smtClean="0"/>
+              <a:t>‹#›</a:t>
+            </a:fld>
+            <a:endParaRPr lang="en-US"/>
+          </a:p>
+        </p:txBody>
+      </p:sp>
+    </p:spTree>
+    <p:extLst>
+      <p:ext uri="{BB962C8B-B14F-4D97-AF65-F5344CB8AC3E}">
+        <p14:creationId xmlns:p14="http://schemas.microsoft.com/office/powerpoint/2010/main" val="3535127947"/>
+      </p:ext>
+    </p:extLst>
+  </p:cSld>
+  <p:clrMap bg1="lt1" tx1="dk1" bg2="lt2" tx2="dk2" accent1="accent1" accent2="accent2" accent3="accent3" accent4="accent4" accent5="accent5" accent6="accent6" hlink="hlink" folHlink="folHlink"/>
+  <p:notesStyle>
+    <a:lvl1pPr marL="0" algn="l" defTabSz="914400" rtl="0" eaLnBrk="1" latinLnBrk="0" hangingPunct="1">
+      <a:defRPr sz="1200" kern="1200">
+        <a:solidFill>
+          <a:schemeClr val="tx1"/>
+        </a:solidFill>
+        <a:latin typeface="+mn-lt"/>
+        <a:ea typeface="+mn-ea"/>
+        <a:cs typeface="+mn-cs"/>
+      </a:defRPr>
+    </a:lvl1pPr>
+    <a:lvl2pPr marL="457200" algn="l" defTabSz="914400" rtl="0" eaLnBrk="1" latinLnBrk="0" hangingPunct="1">
+      <a:defRPr sz="1200" kern="1200">
+        <a:solidFill>
+          <a:schemeClr val="tx1"/>
+        </a:solidFill>
+        <a:latin typeface="+mn-lt"/>
+        <a:ea typeface="+mn-ea"/>
+        <a:cs typeface="+mn-cs"/>
+      </a:defRPr>
+    </a:lvl2pPr>
+    <a:lvl3pPr marL="914400" algn="l" defTabSz="914400" rtl="0" eaLnBrk="1" latinLnBrk="0" hangingPunct="1">
+      <a:defRPr sz="1200" kern="1200">
+        <a:solidFill>
+          <a:schemeClr val="tx1"/>
+        </a:solidFill>
+        <a:latin typeface="+mn-lt"/>
+        <a:ea typeface="+mn-ea"/>
+        <a:cs typeface="+mn-cs"/>
+      </a:defRPr>
+    </a:lvl3pPr>
+    <a:lvl4pPr marL="1371600" algn="l" defTabSz="914400" rtl="0" eaLnBrk="1" latinLnBrk="0" hangingPunct="1">
+      <a:defRPr sz="1200" kern="1200">
+        <a:solidFill>
+          <a:schemeClr val="tx1"/>
+        </a:solidFill>
+        <a:latin typeface="+mn-lt"/>
+        <a:ea typeface="+mn-ea"/>
+        <a:cs typeface="+mn-cs"/>
+      </a:defRPr>
+    </a:lvl4pPr>
+    <a:lvl5pPr marL="1828800" algn="l" defTabSz="914400" rtl="0" eaLnBrk="1" latinLnBrk="0" hangingPunct="1">
+      <a:defRPr sz="1200" kern="1200">
+        <a:solidFill>
+          <a:schemeClr val="tx1"/>
+        </a:solidFill>
+        <a:latin typeface="+mn-lt"/>
+        <a:ea typeface="+mn-ea"/>
+        <a:cs typeface="+mn-cs"/>
+      </a:defRPr>
+    </a:lvl5pPr>
+    <a:lvl6pPr marL="2286000" algn="l" defTabSz="914400" rtl="0" eaLnBrk="1" latinLnBrk="0" hangingPunct="1">
+      <a:defRPr sz="1200" kern="1200">
+        <a:solidFill>
+          <a:schemeClr val="tx1"/>
+        </a:solidFill>
+        <a:latin typeface="+mn-lt"/>
+        <a:ea typeface="+mn-ea"/>
+        <a:cs typeface="+mn-cs"/>
+      </a:defRPr>
+    </a:lvl6pPr>
+    <a:lvl7pPr marL="2743200" algn="l" defTabSz="914400" rtl="0" eaLnBrk="1" latinLnBrk="0" hangingPunct="1">
+      <a:defRPr sz="1200" kern="1200">
+        <a:solidFill>
+          <a:schemeClr val="tx1"/>
+        </a:solidFill>
+        <a:latin typeface="+mn-lt"/>
+        <a:ea typeface="+mn-ea"/>
+        <a:cs typeface="+mn-cs"/>
+      </a:defRPr>
+    </a:lvl7pPr>
+    <a:lvl8pPr marL="3200400" algn="l" defTabSz="914400" rtl="0" eaLnBrk="1" latinLnBrk="0" hangingPunct="1">
+      <a:defRPr sz="1200" kern="1200">
+        <a:solidFill>
+          <a:schemeClr val="tx1"/>
+        </a:solidFill>
+        <a:latin typeface="+mn-lt"/>
+        <a:ea typeface="+mn-ea"/>
+        <a:cs typeface="+mn-cs"/>
+      </a:defRPr>
+    </a:lvl8pPr>
+    <a:lvl9pPr marL="3657600" algn="l" defTabSz="914400" rtl="0" eaLnBrk="1" latinLnBrk="0" hangingPunct="1">
+      <a:defRPr sz="1200" kern="1200">
+        <a:solidFill>
+          <a:schemeClr val="tx1"/>
+        </a:solidFill>
+        <a:latin typeface="+mn-lt"/>
+        <a:ea typeface="+mn-ea"/>
+        <a:cs typeface="+mn-cs"/>
+      </a:defRPr>
+    </a:lvl9pPr>
+  </p:notesStyle>
+</p:notesMaster>
+</file>
+
+<file path=ppt/notesSlides/notesSlide1.xml><?xml version="1.0" encoding="utf-8"?>
+<p:notes xmlns:a="http://schemas.openxmlformats.org/drawingml/2006/main" xmlns:r="http://schemas.openxmlformats.org/officeDocument/2006/relationships" xmlns:p="http://schemas.openxmlformats.org/presentationml/2006/main">
+  <p:cSld>
+    <p:spTree>
+      <p:nvGrpSpPr>
+        <p:cNvPr id="1" name=""/>
+        <p:cNvGrpSpPr/>
+        <p:nvPr/>
+      </p:nvGrpSpPr>
+      <p:grpSpPr>
+        <a:xfrm>
+          <a:off x="0" y="0"/>
+          <a:ext cx="0" cy="0"/>
+          <a:chOff x="0" y="0"/>
+          <a:chExt cx="0" cy="0"/>
+        </a:xfrm>
+      </p:grpSpPr>
+      <p:sp>
+        <p:nvSpPr>
+          <p:cNvPr id="2" name="Slide Image Placeholder 1"/>
+          <p:cNvSpPr>
+            <a:spLocks noGrp="1" noRot="1" noChangeAspect="1"/>
+          </p:cNvSpPr>
+          <p:nvPr>
+            <p:ph type="sldImg"/>
+          </p:nvPr>
+        </p:nvSpPr>
+        <p:spPr/>
+      </p:sp>
+      <p:sp>
+        <p:nvSpPr>
+          <p:cNvPr id="3" name="Notes Placeholder 2"/>
+          <p:cNvSpPr>
+            <a:spLocks noGrp="1"/>
+          </p:cNvSpPr>
+          <p:nvPr>
+            <p:ph type="body" idx="1"/>
+          </p:nvPr>
+        </p:nvSpPr>
+        <p:spPr/>
+        <p:txBody>
+          <a:bodyPr/>
+          <a:lstStyle/>
+          <a:p>
+            <a:endParaRPr lang="en-US" dirty="0"/>
+          </a:p>
+        </p:txBody>
+      </p:sp>
+      <p:sp>
+        <p:nvSpPr>
+          <p:cNvPr id="4" name="Slide Number Placeholder 3"/>
+          <p:cNvSpPr>
+            <a:spLocks noGrp="1"/>
+          </p:cNvSpPr>
+          <p:nvPr>
+            <p:ph type="sldNum" sz="quarter" idx="5"/>
+          </p:nvPr>
+        </p:nvSpPr>
+        <p:spPr/>
+        <p:txBody>
+          <a:bodyPr/>
+          <a:lstStyle/>
+          <a:p>
+            <a:fld id="{F687679A-9FB6-43B6-864A-7FDC6149F2D5}" type="slidenum">
+              <a:rPr lang="en-US" smtClean="0"/>
+              <a:t>28</a:t>
+            </a:fld>
+            <a:endParaRPr lang="en-US"/>
+          </a:p>
+        </p:txBody>
+      </p:sp>
+    </p:spTree>
+    <p:extLst>
+      <p:ext uri="{BB962C8B-B14F-4D97-AF65-F5344CB8AC3E}">
+        <p14:creationId xmlns:p14="http://schemas.microsoft.com/office/powerpoint/2010/main" val="4246058175"/>
+      </p:ext>
+    </p:extLst>
+  </p:cSld>
+  <p:clrMapOvr>
+    <a:masterClrMapping/>
+  </p:clrMapOvr>
+</p:notes>
+</file>
+
 <file path=ppt/slideLayouts/slideLayout1.xml><?xml version="1.0" encoding="utf-8"?>
 <p:sldLayout xmlns:a="http://schemas.openxmlformats.org/drawingml/2006/main" xmlns:r="http://schemas.openxmlformats.org/officeDocument/2006/relationships" xmlns:p="http://schemas.openxmlformats.org/presentationml/2006/main" type="title" preserve="1">
   <p:cSld name="Title Slide">
@@ -2940,7 +3382,7 @@
           <a:p>
             <a:fld id="{A4604AD4-558F-449A-A004-D90B40E68DCA}" type="datetimeFigureOut">
               <a:rPr lang="en-US" smtClean="0"/>
-              <a:t>17-Aug-21</a:t>
+              <a:t>20-Aug-21</a:t>
             </a:fld>
             <a:endParaRPr lang="en-US"/>
           </a:p>
@@ -3110,7 +3552,7 @@
           <a:p>
             <a:fld id="{A4604AD4-558F-449A-A004-D90B40E68DCA}" type="datetimeFigureOut">
               <a:rPr lang="en-US" smtClean="0"/>
-              <a:t>17-Aug-21</a:t>
+              <a:t>20-Aug-21</a:t>
             </a:fld>
             <a:endParaRPr lang="en-US"/>
           </a:p>
@@ -3290,7 +3732,7 @@
           <a:p>
             <a:fld id="{A4604AD4-558F-449A-A004-D90B40E68DCA}" type="datetimeFigureOut">
               <a:rPr lang="en-US" smtClean="0"/>
-              <a:t>17-Aug-21</a:t>
+              <a:t>20-Aug-21</a:t>
             </a:fld>
             <a:endParaRPr lang="en-US"/>
           </a:p>
@@ -3460,7 +3902,7 @@
           <a:p>
             <a:fld id="{A4604AD4-558F-449A-A004-D90B40E68DCA}" type="datetimeFigureOut">
               <a:rPr lang="en-US" smtClean="0"/>
-              <a:t>17-Aug-21</a:t>
+              <a:t>20-Aug-21</a:t>
             </a:fld>
             <a:endParaRPr lang="en-US"/>
           </a:p>
@@ -3706,7 +4148,7 @@
           <a:p>
             <a:fld id="{A4604AD4-558F-449A-A004-D90B40E68DCA}" type="datetimeFigureOut">
               <a:rPr lang="en-US" smtClean="0"/>
-              <a:t>17-Aug-21</a:t>
+              <a:t>20-Aug-21</a:t>
             </a:fld>
             <a:endParaRPr lang="en-US"/>
           </a:p>
@@ -3938,7 +4380,7 @@
           <a:p>
             <a:fld id="{A4604AD4-558F-449A-A004-D90B40E68DCA}" type="datetimeFigureOut">
               <a:rPr lang="en-US" smtClean="0"/>
-              <a:t>17-Aug-21</a:t>
+              <a:t>20-Aug-21</a:t>
             </a:fld>
             <a:endParaRPr lang="en-US"/>
           </a:p>
@@ -4305,7 +4747,7 @@
           <a:p>
             <a:fld id="{A4604AD4-558F-449A-A004-D90B40E68DCA}" type="datetimeFigureOut">
               <a:rPr lang="en-US" smtClean="0"/>
-              <a:t>17-Aug-21</a:t>
+              <a:t>20-Aug-21</a:t>
             </a:fld>
             <a:endParaRPr lang="en-US"/>
           </a:p>
@@ -4423,7 +4865,7 @@
           <a:p>
             <a:fld id="{A4604AD4-558F-449A-A004-D90B40E68DCA}" type="datetimeFigureOut">
               <a:rPr lang="en-US" smtClean="0"/>
-              <a:t>17-Aug-21</a:t>
+              <a:t>20-Aug-21</a:t>
             </a:fld>
             <a:endParaRPr lang="en-US"/>
           </a:p>
@@ -4518,7 +4960,7 @@
           <a:p>
             <a:fld id="{A4604AD4-558F-449A-A004-D90B40E68DCA}" type="datetimeFigureOut">
               <a:rPr lang="en-US" smtClean="0"/>
-              <a:t>17-Aug-21</a:t>
+              <a:t>20-Aug-21</a:t>
             </a:fld>
             <a:endParaRPr lang="en-US"/>
           </a:p>
@@ -4795,7 +5237,7 @@
           <a:p>
             <a:fld id="{A4604AD4-558F-449A-A004-D90B40E68DCA}" type="datetimeFigureOut">
               <a:rPr lang="en-US" smtClean="0"/>
-              <a:t>17-Aug-21</a:t>
+              <a:t>20-Aug-21</a:t>
             </a:fld>
             <a:endParaRPr lang="en-US"/>
           </a:p>
@@ -5052,7 +5494,7 @@
           <a:p>
             <a:fld id="{A4604AD4-558F-449A-A004-D90B40E68DCA}" type="datetimeFigureOut">
               <a:rPr lang="en-US" smtClean="0"/>
-              <a:t>17-Aug-21</a:t>
+              <a:t>20-Aug-21</a:t>
             </a:fld>
             <a:endParaRPr lang="en-US"/>
           </a:p>
@@ -5265,7 +5707,7 @@
           <a:p>
             <a:fld id="{A4604AD4-558F-449A-A004-D90B40E68DCA}" type="datetimeFigureOut">
               <a:rPr lang="en-US" smtClean="0"/>
-              <a:t>17-Aug-21</a:t>
+              <a:t>20-Aug-21</a:t>
             </a:fld>
             <a:endParaRPr lang="en-US"/>
           </a:p>
@@ -6020,15 +6462,7 @@
             </a:pPr>
             <a:r>
               <a:rPr lang="en-US" dirty="0"/>
-              <a:t>Here we have projected the happenings in the alternate history of Lux </a:t>
-            </a:r>
-            <a:r>
-              <a:rPr lang="en-US" dirty="0" err="1"/>
-              <a:t>Invicta</a:t>
-            </a:r>
-            <a:r>
-              <a:rPr lang="en-US" dirty="0"/>
-              <a:t>, event for event, in the form of maps showing names and places.</a:t>
+              <a:t>Here we have projected the happenings in the alternate history of Lux Invicta, event for event, in the form of maps showing names and places.</a:t>
             </a:r>
           </a:p>
           <a:p>
@@ -6045,15 +6479,7 @@
             </a:r>
             <a:r>
               <a:rPr lang="en-US" dirty="0"/>
-              <a:t>, the creator of Lux </a:t>
-            </a:r>
-            <a:r>
-              <a:rPr lang="en-US" dirty="0" err="1"/>
-              <a:t>Invicta</a:t>
-            </a:r>
-            <a:r>
-              <a:rPr lang="en-US" dirty="0"/>
-              <a:t>. Most significant events that haven’t specifically been referenced or changed by </a:t>
+              <a:t>, the creator of Lux Invicta. Most significant events that haven’t specifically been referenced or changed by </a:t>
             </a:r>
             <a:r>
               <a:rPr lang="en-US" dirty="0" err="1"/>
@@ -6061,15 +6487,7 @@
             </a:r>
             <a:r>
               <a:rPr lang="en-US" dirty="0"/>
-              <a:t> are assumed to have happened as they did in our timeline. Additional details have been added to the timeline to explain the complex global relationships found in the world of Lux </a:t>
-            </a:r>
-            <a:r>
-              <a:rPr lang="en-US" dirty="0" err="1"/>
-              <a:t>Invicta</a:t>
-            </a:r>
-            <a:r>
-              <a:rPr lang="en-US" dirty="0"/>
-              <a:t>. Original content is always preserved in its entirety whenever possible, and changes are only made when necessary.</a:t>
+              <a:t> are assumed to have happened as they did in our timeline. Additional details have been added to the timeline to explain the complex global relationships found in the world of Lux Invicta. Original content is always preserved in its entirety whenever possible, and changes are only made when necessary.</a:t>
             </a:r>
           </a:p>
           <a:p>
@@ -9015,23 +9433,7 @@
                   <a:schemeClr val="bg1"/>
                 </a:solidFill>
               </a:rPr>
-              <a:t>: </a:t>
-            </a:r>
-            <a:r>
-              <a:rPr lang="en-US" sz="1600" dirty="0" err="1">
-                <a:solidFill>
-                  <a:schemeClr val="bg1"/>
-                </a:solidFill>
-              </a:rPr>
-              <a:t>Seleukos</a:t>
-            </a:r>
-            <a:r>
-              <a:rPr lang="en-US" sz="1600" dirty="0">
-                <a:solidFill>
-                  <a:schemeClr val="bg1"/>
-                </a:solidFill>
-              </a:rPr>
-              <a:t> kills Lysimachus in battle but is assassinated by Ptolemy Keraunos. He is succeeded by his son Antiochus.</a:t>
+              <a:t>: Seleukos kills Lysimachus in battle but is assassinated by Ptolemy Keraunos. He is succeeded by his son Antiochus.</a:t>
             </a:r>
           </a:p>
           <a:p>
@@ -11317,7 +11719,7 @@
           <p:nvPr>
             <p:extLst>
               <p:ext uri="{D42A27DB-BD31-4B8C-83A1-F6EECF244321}">
-                <p14:modId xmlns:p14="http://schemas.microsoft.com/office/powerpoint/2010/main" val="584116154"/>
+                <p14:modId xmlns:p14="http://schemas.microsoft.com/office/powerpoint/2010/main" val="2315966212"/>
               </p:ext>
             </p:extLst>
           </p:nvPr>
@@ -11517,7 +11919,7 @@
             </a:pPr>
             <a:r>
               <a:rPr lang="en-US" i="1" dirty="0"/>
-              <a:t>Following the Treaty of Taxila, Sindhia becomes a quasi-independent kingdom under his direct rule. He marries the Seleukid princess Olympia as part of the peace negotiations.</a:t>
+              <a:t>Following the Treaty of Taxila, the “Great Satrapy of Sindhia” becomes subject to his direct rule. He marries the Seleukid princess Olympia as part of the peace negotiations.</a:t>
             </a:r>
           </a:p>
         </p:txBody>
@@ -11544,7 +11946,7 @@
               </a:ext>
             </a:extLst>
           </a:blip>
-          <a:srcRect t="16018" b="16018"/>
+          <a:srcRect t="7588" b="7588"/>
           <a:stretch/>
         </p:blipFill>
         <p:spPr>
@@ -13940,7 +14342,7 @@
               </a:ext>
             </a:extLst>
           </a:blip>
-          <a:srcRect l="6247" r="6247"/>
+          <a:srcRect l="1770" r="1770"/>
           <a:stretch/>
         </p:blipFill>
         <p:spPr>
@@ -14078,6 +14480,781 @@
 </p:sld>
 </file>
 
+<file path=ppt/slides/slide27.xml><?xml version="1.0" encoding="utf-8"?>
+<p:sld xmlns:a="http://schemas.openxmlformats.org/drawingml/2006/main" xmlns:r="http://schemas.openxmlformats.org/officeDocument/2006/relationships" xmlns:p="http://schemas.openxmlformats.org/presentationml/2006/main">
+  <p:cSld>
+    <p:bg>
+      <p:bgPr>
+        <a:solidFill>
+          <a:schemeClr val="bg1"/>
+        </a:solidFill>
+        <a:effectLst/>
+      </p:bgPr>
+    </p:bg>
+    <p:spTree>
+      <p:nvGrpSpPr>
+        <p:cNvPr id="1" name=""/>
+        <p:cNvGrpSpPr/>
+        <p:nvPr/>
+      </p:nvGrpSpPr>
+      <p:grpSpPr>
+        <a:xfrm>
+          <a:off x="0" y="0"/>
+          <a:ext cx="0" cy="0"/>
+          <a:chOff x="0" y="0"/>
+          <a:chExt cx="0" cy="0"/>
+        </a:xfrm>
+      </p:grpSpPr>
+      <p:sp>
+        <p:nvSpPr>
+          <p:cNvPr id="4" name="TextBox 3">
+            <a:extLst>
+              <a:ext uri="{FF2B5EF4-FFF2-40B4-BE49-F238E27FC236}">
+                <a16:creationId xmlns:a16="http://schemas.microsoft.com/office/drawing/2014/main" id="{03DDB894-502D-4473-8189-C7F7050B360F}"/>
+              </a:ext>
+            </a:extLst>
+          </p:cNvPr>
+          <p:cNvSpPr txBox="1"/>
+          <p:nvPr/>
+        </p:nvSpPr>
+        <p:spPr>
+          <a:xfrm>
+            <a:off x="648931" y="2438401"/>
+            <a:ext cx="3667036" cy="3779520"/>
+          </a:xfrm>
+          <a:prstGeom prst="rect">
+            <a:avLst/>
+          </a:prstGeom>
+        </p:spPr>
+        <p:txBody>
+          <a:bodyPr vert="horz" lIns="91440" tIns="45720" rIns="91440" bIns="45720" rtlCol="0">
+            <a:normAutofit/>
+          </a:bodyPr>
+          <a:lstStyle/>
+          <a:p>
+            <a:pPr defTabSz="914400">
+              <a:lnSpc>
+                <a:spcPct val="90000"/>
+              </a:lnSpc>
+              <a:spcAft>
+                <a:spcPts val="600"/>
+              </a:spcAft>
+            </a:pPr>
+            <a:r>
+              <a:rPr lang="en-US" sz="2800" dirty="0">
+                <a:latin typeface="+mj-lt"/>
+              </a:rPr>
+              <a:t>264 BCE</a:t>
+            </a:r>
+          </a:p>
+          <a:p>
+            <a:pPr marL="285750" indent="-228600" defTabSz="914400">
+              <a:lnSpc>
+                <a:spcPct val="90000"/>
+              </a:lnSpc>
+              <a:spcAft>
+                <a:spcPts val="600"/>
+              </a:spcAft>
+              <a:buFont typeface="Arial" panose="020B0604020202020204" pitchFamily="34" charset="0"/>
+              <a:buChar char="•"/>
+            </a:pPr>
+            <a:r>
+              <a:rPr lang="en-US" dirty="0"/>
+              <a:t>Carthaginians invade Sicily. </a:t>
+            </a:r>
+            <a:r>
+              <a:rPr lang="en-US" dirty="0" err="1"/>
+              <a:t>Hieron</a:t>
+            </a:r>
+            <a:r>
+              <a:rPr lang="en-US" dirty="0"/>
+              <a:t> II asks for Roman support.</a:t>
+            </a:r>
+          </a:p>
+          <a:p>
+            <a:pPr marL="285750" indent="-228600" defTabSz="914400">
+              <a:lnSpc>
+                <a:spcPct val="90000"/>
+              </a:lnSpc>
+              <a:spcAft>
+                <a:spcPts val="600"/>
+              </a:spcAft>
+              <a:buFont typeface="Arial" panose="020B0604020202020204" pitchFamily="34" charset="0"/>
+              <a:buChar char="•"/>
+            </a:pPr>
+            <a:r>
+              <a:rPr lang="en-US" dirty="0"/>
+              <a:t>Beginning of First Punic War. </a:t>
+            </a:r>
+            <a:r>
+              <a:rPr lang="en-US" dirty="0" err="1"/>
+              <a:t>Hieron</a:t>
+            </a:r>
+            <a:r>
+              <a:rPr lang="en-US" dirty="0"/>
+              <a:t> II acknowledged as King of Sicily by the Romans. Beginning of the Roman-Syracusan Alliance.</a:t>
+            </a:r>
+            <a:endParaRPr lang="en-US" i="1" dirty="0"/>
+          </a:p>
+        </p:txBody>
+      </p:sp>
+      <p:sp>
+        <p:nvSpPr>
+          <p:cNvPr id="50" name="Rectangle 49">
+            <a:extLst>
+              <a:ext uri="{FF2B5EF4-FFF2-40B4-BE49-F238E27FC236}">
+                <a16:creationId xmlns:a16="http://schemas.microsoft.com/office/drawing/2014/main" id="{F2B38F72-8FC4-4001-8C67-FA6B86DEC767}"/>
+              </a:ext>
+              <a:ext uri="{C183D7F6-B498-43B3-948B-1728B52AA6E4}">
+                <adec:decorative xmlns:adec="http://schemas.microsoft.com/office/drawing/2017/decorative" val="1"/>
+              </a:ext>
+            </a:extLst>
+          </p:cNvPr>
+          <p:cNvSpPr>
+            <a:spLocks noGrp="1" noRot="1" noChangeAspect="1" noMove="1" noResize="1" noEditPoints="1" noAdjustHandles="1" noChangeArrowheads="1" noChangeShapeType="1" noTextEdit="1"/>
+          </p:cNvSpPr>
+          <p:nvPr>
+            <p:extLst>
+              <p:ext uri="{386F3935-93C4-4BCD-93E2-E3B085C9AB24}">
+                <p16:designElem xmlns:p16="http://schemas.microsoft.com/office/powerpoint/2015/main" val="1"/>
+              </p:ext>
+            </p:extLst>
+          </p:nvPr>
+        </p:nvSpPr>
+        <p:spPr>
+          <a:xfrm>
+            <a:off x="4636008" y="2"/>
+            <a:ext cx="7555992" cy="6857998"/>
+          </a:xfrm>
+          <a:prstGeom prst="rect">
+            <a:avLst/>
+          </a:prstGeom>
+          <a:solidFill>
+            <a:schemeClr val="tx1"/>
+          </a:solidFill>
+          <a:ln>
+            <a:noFill/>
+          </a:ln>
+        </p:spPr>
+        <p:style>
+          <a:lnRef idx="2">
+            <a:schemeClr val="accent1">
+              <a:shade val="50000"/>
+            </a:schemeClr>
+          </a:lnRef>
+          <a:fillRef idx="1">
+            <a:schemeClr val="accent1"/>
+          </a:fillRef>
+          <a:effectRef idx="0">
+            <a:schemeClr val="accent1"/>
+          </a:effectRef>
+          <a:fontRef idx="minor">
+            <a:schemeClr val="lt1"/>
+          </a:fontRef>
+        </p:style>
+        <p:txBody>
+          <a:bodyPr rtlCol="0" anchor="ctr"/>
+          <a:lstStyle/>
+          <a:p>
+            <a:pPr algn="ctr"/>
+            <a:endParaRPr lang="en-US"/>
+          </a:p>
+        </p:txBody>
+      </p:sp>
+      <p:pic>
+        <p:nvPicPr>
+          <p:cNvPr id="3" name="Picture 2">
+            <a:extLst>
+              <a:ext uri="{FF2B5EF4-FFF2-40B4-BE49-F238E27FC236}">
+                <a16:creationId xmlns:a16="http://schemas.microsoft.com/office/drawing/2014/main" id="{DF48942B-53F6-45ED-9B7A-D117C19EB58F}"/>
+              </a:ext>
+            </a:extLst>
+          </p:cNvPr>
+          <p:cNvPicPr>
+            <a:picLocks noChangeAspect="1"/>
+          </p:cNvPicPr>
+          <p:nvPr/>
+        </p:nvPicPr>
+        <p:blipFill rotWithShape="1">
+          <a:blip r:embed="rId2">
+            <a:extLst>
+              <a:ext uri="{28A0092B-C50C-407E-A947-70E740481C1C}">
+                <a14:useLocalDpi xmlns:a14="http://schemas.microsoft.com/office/drawing/2010/main" val="0"/>
+              </a:ext>
+            </a:extLst>
+          </a:blip>
+          <a:srcRect l="4429" r="4431" b="3"/>
+          <a:stretch/>
+        </p:blipFill>
+        <p:spPr>
+          <a:xfrm>
+            <a:off x="5276088" y="640082"/>
+            <a:ext cx="6276250" cy="5577838"/>
+          </a:xfrm>
+          <a:prstGeom prst="rect">
+            <a:avLst/>
+          </a:prstGeom>
+          <a:effectLst/>
+        </p:spPr>
+      </p:pic>
+      <p:sp>
+        <p:nvSpPr>
+          <p:cNvPr id="2" name="TextBox 1">
+            <a:extLst>
+              <a:ext uri="{FF2B5EF4-FFF2-40B4-BE49-F238E27FC236}">
+                <a16:creationId xmlns:a16="http://schemas.microsoft.com/office/drawing/2014/main" id="{FB9EF24D-E1AA-4492-A342-7955A2A1A925}"/>
+              </a:ext>
+            </a:extLst>
+          </p:cNvPr>
+          <p:cNvSpPr txBox="1"/>
+          <p:nvPr/>
+        </p:nvSpPr>
+        <p:spPr>
+          <a:xfrm>
+            <a:off x="236306" y="5956310"/>
+            <a:ext cx="4079661" cy="523220"/>
+          </a:xfrm>
+          <a:prstGeom prst="rect">
+            <a:avLst/>
+          </a:prstGeom>
+          <a:noFill/>
+        </p:spPr>
+        <p:txBody>
+          <a:bodyPr wrap="square" rtlCol="0">
+            <a:spAutoFit/>
+          </a:bodyPr>
+          <a:lstStyle/>
+          <a:p>
+            <a:r>
+              <a:rPr lang="en-US" sz="1400" dirty="0"/>
+              <a:t>*By now, Rome has conquered the Etruscans and has most of the Italian peninsula under its control.</a:t>
+            </a:r>
+          </a:p>
+        </p:txBody>
+      </p:sp>
+    </p:spTree>
+    <p:extLst>
+      <p:ext uri="{BB962C8B-B14F-4D97-AF65-F5344CB8AC3E}">
+        <p14:creationId xmlns:p14="http://schemas.microsoft.com/office/powerpoint/2010/main" val="3057993246"/>
+      </p:ext>
+    </p:extLst>
+  </p:cSld>
+  <p:clrMapOvr>
+    <a:overrideClrMapping bg1="dk1" tx1="lt1" bg2="dk2" tx2="lt2" accent1="accent1" accent2="accent2" accent3="accent3" accent4="accent4" accent5="accent5" accent6="accent6" hlink="hlink" folHlink="folHlink"/>
+  </p:clrMapOvr>
+</p:sld>
+</file>
+
+<file path=ppt/slides/slide28.xml><?xml version="1.0" encoding="utf-8"?>
+<p:sld xmlns:a="http://schemas.openxmlformats.org/drawingml/2006/main" xmlns:r="http://schemas.openxmlformats.org/officeDocument/2006/relationships" xmlns:p="http://schemas.openxmlformats.org/presentationml/2006/main">
+  <p:cSld>
+    <p:bg>
+      <p:bgPr>
+        <a:solidFill>
+          <a:schemeClr val="bg1"/>
+        </a:solidFill>
+        <a:effectLst/>
+      </p:bgPr>
+    </p:bg>
+    <p:spTree>
+      <p:nvGrpSpPr>
+        <p:cNvPr id="1" name=""/>
+        <p:cNvGrpSpPr/>
+        <p:nvPr/>
+      </p:nvGrpSpPr>
+      <p:grpSpPr>
+        <a:xfrm>
+          <a:off x="0" y="0"/>
+          <a:ext cx="0" cy="0"/>
+          <a:chOff x="0" y="0"/>
+          <a:chExt cx="0" cy="0"/>
+        </a:xfrm>
+      </p:grpSpPr>
+      <p:sp>
+        <p:nvSpPr>
+          <p:cNvPr id="4" name="TextBox 3">
+            <a:extLst>
+              <a:ext uri="{FF2B5EF4-FFF2-40B4-BE49-F238E27FC236}">
+                <a16:creationId xmlns:a16="http://schemas.microsoft.com/office/drawing/2014/main" id="{03DDB894-502D-4473-8189-C7F7050B360F}"/>
+              </a:ext>
+            </a:extLst>
+          </p:cNvPr>
+          <p:cNvSpPr txBox="1"/>
+          <p:nvPr/>
+        </p:nvSpPr>
+        <p:spPr>
+          <a:xfrm>
+            <a:off x="648931" y="2438401"/>
+            <a:ext cx="3667036" cy="3779520"/>
+          </a:xfrm>
+          <a:prstGeom prst="rect">
+            <a:avLst/>
+          </a:prstGeom>
+        </p:spPr>
+        <p:txBody>
+          <a:bodyPr vert="horz" lIns="91440" tIns="45720" rIns="91440" bIns="45720" rtlCol="0">
+            <a:normAutofit/>
+          </a:bodyPr>
+          <a:lstStyle/>
+          <a:p>
+            <a:pPr defTabSz="914400">
+              <a:lnSpc>
+                <a:spcPct val="90000"/>
+              </a:lnSpc>
+              <a:spcAft>
+                <a:spcPts val="600"/>
+              </a:spcAft>
+            </a:pPr>
+            <a:r>
+              <a:rPr lang="en-US" sz="2800" dirty="0">
+                <a:latin typeface="+mj-lt"/>
+              </a:rPr>
+              <a:t>262 BCE</a:t>
+            </a:r>
+          </a:p>
+          <a:p>
+            <a:pPr marL="285750" indent="-228600" defTabSz="914400">
+              <a:lnSpc>
+                <a:spcPct val="90000"/>
+              </a:lnSpc>
+              <a:spcAft>
+                <a:spcPts val="600"/>
+              </a:spcAft>
+              <a:buFont typeface="Arial" panose="020B0604020202020204" pitchFamily="34" charset="0"/>
+              <a:buChar char="•"/>
+            </a:pPr>
+            <a:r>
+              <a:rPr lang="en-US" dirty="0"/>
+              <a:t>Supported by the Ptolemaic navy and army, Athens rebels.</a:t>
+            </a:r>
+          </a:p>
+          <a:p>
+            <a:pPr marL="285750" indent="-228600" defTabSz="914400">
+              <a:lnSpc>
+                <a:spcPct val="90000"/>
+              </a:lnSpc>
+              <a:spcAft>
+                <a:spcPts val="600"/>
+              </a:spcAft>
+              <a:buFont typeface="Arial" panose="020B0604020202020204" pitchFamily="34" charset="0"/>
+              <a:buChar char="•"/>
+            </a:pPr>
+            <a:r>
+              <a:rPr lang="en-US" dirty="0"/>
+              <a:t>Antigonus tries to besiege the city but is defeated and forced to acknowledge an independent Athenian state.</a:t>
+            </a:r>
+          </a:p>
+          <a:p>
+            <a:pPr marL="285750" indent="-228600" defTabSz="914400">
+              <a:lnSpc>
+                <a:spcPct val="90000"/>
+              </a:lnSpc>
+              <a:spcAft>
+                <a:spcPts val="600"/>
+              </a:spcAft>
+              <a:buFont typeface="Arial" panose="020B0604020202020204" pitchFamily="34" charset="0"/>
+              <a:buChar char="•"/>
+            </a:pPr>
+            <a:r>
+              <a:rPr lang="en-US" dirty="0"/>
+              <a:t>Eumenes I of Pergamum defeats Antiochus and founds an independent kingdom.</a:t>
+            </a:r>
+            <a:endParaRPr lang="en-US" i="1" dirty="0"/>
+          </a:p>
+        </p:txBody>
+      </p:sp>
+      <p:sp>
+        <p:nvSpPr>
+          <p:cNvPr id="50" name="Rectangle 49">
+            <a:extLst>
+              <a:ext uri="{FF2B5EF4-FFF2-40B4-BE49-F238E27FC236}">
+                <a16:creationId xmlns:a16="http://schemas.microsoft.com/office/drawing/2014/main" id="{F2B38F72-8FC4-4001-8C67-FA6B86DEC767}"/>
+              </a:ext>
+              <a:ext uri="{C183D7F6-B498-43B3-948B-1728B52AA6E4}">
+                <adec:decorative xmlns:adec="http://schemas.microsoft.com/office/drawing/2017/decorative" val="1"/>
+              </a:ext>
+            </a:extLst>
+          </p:cNvPr>
+          <p:cNvSpPr>
+            <a:spLocks noGrp="1" noRot="1" noChangeAspect="1" noMove="1" noResize="1" noEditPoints="1" noAdjustHandles="1" noChangeArrowheads="1" noChangeShapeType="1" noTextEdit="1"/>
+          </p:cNvSpPr>
+          <p:nvPr>
+            <p:extLst>
+              <p:ext uri="{386F3935-93C4-4BCD-93E2-E3B085C9AB24}">
+                <p16:designElem xmlns:p16="http://schemas.microsoft.com/office/powerpoint/2015/main" val="1"/>
+              </p:ext>
+            </p:extLst>
+          </p:nvPr>
+        </p:nvSpPr>
+        <p:spPr>
+          <a:xfrm>
+            <a:off x="4636008" y="2"/>
+            <a:ext cx="7555992" cy="6857998"/>
+          </a:xfrm>
+          <a:prstGeom prst="rect">
+            <a:avLst/>
+          </a:prstGeom>
+          <a:solidFill>
+            <a:schemeClr val="tx1"/>
+          </a:solidFill>
+          <a:ln>
+            <a:noFill/>
+          </a:ln>
+        </p:spPr>
+        <p:style>
+          <a:lnRef idx="2">
+            <a:schemeClr val="accent1">
+              <a:shade val="50000"/>
+            </a:schemeClr>
+          </a:lnRef>
+          <a:fillRef idx="1">
+            <a:schemeClr val="accent1"/>
+          </a:fillRef>
+          <a:effectRef idx="0">
+            <a:schemeClr val="accent1"/>
+          </a:effectRef>
+          <a:fontRef idx="minor">
+            <a:schemeClr val="lt1"/>
+          </a:fontRef>
+        </p:style>
+        <p:txBody>
+          <a:bodyPr rtlCol="0" anchor="ctr"/>
+          <a:lstStyle/>
+          <a:p>
+            <a:pPr algn="ctr"/>
+            <a:endParaRPr lang="en-US"/>
+          </a:p>
+        </p:txBody>
+      </p:sp>
+      <p:pic>
+        <p:nvPicPr>
+          <p:cNvPr id="3" name="Picture 2">
+            <a:extLst>
+              <a:ext uri="{FF2B5EF4-FFF2-40B4-BE49-F238E27FC236}">
+                <a16:creationId xmlns:a16="http://schemas.microsoft.com/office/drawing/2014/main" id="{DF48942B-53F6-45ED-9B7A-D117C19EB58F}"/>
+              </a:ext>
+            </a:extLst>
+          </p:cNvPr>
+          <p:cNvPicPr>
+            <a:picLocks noChangeAspect="1"/>
+          </p:cNvPicPr>
+          <p:nvPr/>
+        </p:nvPicPr>
+        <p:blipFill rotWithShape="1">
+          <a:blip r:embed="rId3">
+            <a:extLst>
+              <a:ext uri="{28A0092B-C50C-407E-A947-70E740481C1C}">
+                <a14:useLocalDpi xmlns:a14="http://schemas.microsoft.com/office/drawing/2010/main" val="0"/>
+              </a:ext>
+            </a:extLst>
+          </a:blip>
+          <a:srcRect l="818" r="818"/>
+          <a:stretch/>
+        </p:blipFill>
+        <p:spPr>
+          <a:xfrm>
+            <a:off x="5276088" y="640082"/>
+            <a:ext cx="6276250" cy="5577838"/>
+          </a:xfrm>
+          <a:prstGeom prst="rect">
+            <a:avLst/>
+          </a:prstGeom>
+          <a:effectLst/>
+        </p:spPr>
+      </p:pic>
+    </p:spTree>
+    <p:extLst>
+      <p:ext uri="{BB962C8B-B14F-4D97-AF65-F5344CB8AC3E}">
+        <p14:creationId xmlns:p14="http://schemas.microsoft.com/office/powerpoint/2010/main" val="930642349"/>
+      </p:ext>
+    </p:extLst>
+  </p:cSld>
+  <p:clrMapOvr>
+    <a:overrideClrMapping bg1="dk1" tx1="lt1" bg2="dk2" tx2="lt2" accent1="accent1" accent2="accent2" accent3="accent3" accent4="accent4" accent5="accent5" accent6="accent6" hlink="hlink" folHlink="folHlink"/>
+  </p:clrMapOvr>
+</p:sld>
+</file>
+
+<file path=ppt/slides/slide29.xml><?xml version="1.0" encoding="utf-8"?>
+<p:sld xmlns:a="http://schemas.openxmlformats.org/drawingml/2006/main" xmlns:r="http://schemas.openxmlformats.org/officeDocument/2006/relationships" xmlns:p="http://schemas.openxmlformats.org/presentationml/2006/main">
+  <p:cSld>
+    <p:bg>
+      <p:bgPr>
+        <a:solidFill>
+          <a:schemeClr val="bg1">
+            <a:tint val="95000"/>
+            <a:satMod val="170000"/>
+          </a:schemeClr>
+        </a:solidFill>
+        <a:effectLst/>
+      </p:bgPr>
+    </p:bg>
+    <p:spTree>
+      <p:nvGrpSpPr>
+        <p:cNvPr id="1" name=""/>
+        <p:cNvGrpSpPr/>
+        <p:nvPr/>
+      </p:nvGrpSpPr>
+      <p:grpSpPr>
+        <a:xfrm>
+          <a:off x="0" y="0"/>
+          <a:ext cx="0" cy="0"/>
+          <a:chOff x="0" y="0"/>
+          <a:chExt cx="0" cy="0"/>
+        </a:xfrm>
+      </p:grpSpPr>
+      <p:pic>
+        <p:nvPicPr>
+          <p:cNvPr id="3" name="Picture 2">
+            <a:extLst>
+              <a:ext uri="{FF2B5EF4-FFF2-40B4-BE49-F238E27FC236}">
+                <a16:creationId xmlns:a16="http://schemas.microsoft.com/office/drawing/2014/main" id="{DF48942B-53F6-45ED-9B7A-D117C19EB58F}"/>
+              </a:ext>
+            </a:extLst>
+          </p:cNvPr>
+          <p:cNvPicPr>
+            <a:picLocks noChangeAspect="1"/>
+          </p:cNvPicPr>
+          <p:nvPr/>
+        </p:nvPicPr>
+        <p:blipFill rotWithShape="1">
+          <a:blip r:embed="rId2">
+            <a:extLst>
+              <a:ext uri="{28A0092B-C50C-407E-A947-70E740481C1C}">
+                <a14:useLocalDpi xmlns:a14="http://schemas.microsoft.com/office/drawing/2010/main" val="0"/>
+              </a:ext>
+            </a:extLst>
+          </a:blip>
+          <a:srcRect l="4251" r="4251"/>
+          <a:stretch/>
+        </p:blipFill>
+        <p:spPr>
+          <a:xfrm>
+            <a:off x="20" y="10"/>
+            <a:ext cx="12188932" cy="6857990"/>
+          </a:xfrm>
+          <a:prstGeom prst="rect">
+            <a:avLst/>
+          </a:prstGeom>
+        </p:spPr>
+      </p:pic>
+      <p:sp>
+        <p:nvSpPr>
+          <p:cNvPr id="27" name="Freeform: Shape 26">
+            <a:extLst>
+              <a:ext uri="{FF2B5EF4-FFF2-40B4-BE49-F238E27FC236}">
+                <a16:creationId xmlns:a16="http://schemas.microsoft.com/office/drawing/2014/main" id="{5E8D2E83-FB3A-40E7-A9E5-7AB389D612B4}"/>
+              </a:ext>
+              <a:ext uri="{C183D7F6-B498-43B3-948B-1728B52AA6E4}">
+                <adec:decorative xmlns:adec="http://schemas.microsoft.com/office/drawing/2017/decorative" val="1"/>
+              </a:ext>
+            </a:extLst>
+          </p:cNvPr>
+          <p:cNvSpPr>
+            <a:spLocks noGrp="1" noRot="1" noChangeAspect="1" noMove="1" noResize="1" noEditPoints="1" noAdjustHandles="1" noChangeArrowheads="1" noChangeShapeType="1" noTextEdit="1"/>
+          </p:cNvSpPr>
+          <p:nvPr>
+            <p:extLst>
+              <p:ext uri="{386F3935-93C4-4BCD-93E2-E3B085C9AB24}">
+                <p16:designElem xmlns:p16="http://schemas.microsoft.com/office/powerpoint/2015/main" val="1"/>
+              </p:ext>
+            </p:extLst>
+          </p:nvPr>
+        </p:nvSpPr>
+        <p:spPr>
+          <a:xfrm>
+            <a:off x="0" y="4023809"/>
+            <a:ext cx="11016943" cy="2262375"/>
+          </a:xfrm>
+          <a:custGeom>
+            <a:avLst/>
+            <a:gdLst>
+              <a:gd name="connsiteX0" fmla="*/ 0 w 11016943"/>
+              <a:gd name="connsiteY0" fmla="*/ 0 h 2262375"/>
+              <a:gd name="connsiteX1" fmla="*/ 9969166 w 11016943"/>
+              <a:gd name="connsiteY1" fmla="*/ 0 h 2262375"/>
+              <a:gd name="connsiteX2" fmla="*/ 11016943 w 11016943"/>
+              <a:gd name="connsiteY2" fmla="*/ 2262375 h 2262375"/>
+              <a:gd name="connsiteX3" fmla="*/ 4942050 w 11016943"/>
+              <a:gd name="connsiteY3" fmla="*/ 2262375 h 2262375"/>
+              <a:gd name="connsiteX4" fmla="*/ 4582160 w 11016943"/>
+              <a:gd name="connsiteY4" fmla="*/ 2262375 h 2262375"/>
+              <a:gd name="connsiteX5" fmla="*/ 0 w 11016943"/>
+              <a:gd name="connsiteY5" fmla="*/ 2262375 h 2262375"/>
+            </a:gdLst>
+            <a:ahLst/>
+            <a:cxnLst>
+              <a:cxn ang="0">
+                <a:pos x="connsiteX0" y="connsiteY0"/>
+              </a:cxn>
+              <a:cxn ang="0">
+                <a:pos x="connsiteX1" y="connsiteY1"/>
+              </a:cxn>
+              <a:cxn ang="0">
+                <a:pos x="connsiteX2" y="connsiteY2"/>
+              </a:cxn>
+              <a:cxn ang="0">
+                <a:pos x="connsiteX3" y="connsiteY3"/>
+              </a:cxn>
+              <a:cxn ang="0">
+                <a:pos x="connsiteX4" y="connsiteY4"/>
+              </a:cxn>
+              <a:cxn ang="0">
+                <a:pos x="connsiteX5" y="connsiteY5"/>
+              </a:cxn>
+            </a:cxnLst>
+            <a:rect l="l" t="t" r="r" b="b"/>
+            <a:pathLst>
+              <a:path w="11016943" h="2262375">
+                <a:moveTo>
+                  <a:pt x="0" y="0"/>
+                </a:moveTo>
+                <a:lnTo>
+                  <a:pt x="9969166" y="0"/>
+                </a:lnTo>
+                <a:lnTo>
+                  <a:pt x="11016943" y="2262375"/>
+                </a:lnTo>
+                <a:lnTo>
+                  <a:pt x="4942050" y="2262375"/>
+                </a:lnTo>
+                <a:lnTo>
+                  <a:pt x="4582160" y="2262375"/>
+                </a:lnTo>
+                <a:lnTo>
+                  <a:pt x="0" y="2262375"/>
+                </a:lnTo>
+                <a:close/>
+              </a:path>
+            </a:pathLst>
+          </a:custGeom>
+          <a:solidFill>
+            <a:schemeClr val="bg1">
+              <a:lumMod val="85000"/>
+              <a:lumOff val="15000"/>
+              <a:alpha val="88000"/>
+            </a:schemeClr>
+          </a:solidFill>
+          <a:ln>
+            <a:noFill/>
+          </a:ln>
+        </p:spPr>
+        <p:style>
+          <a:lnRef idx="2">
+            <a:schemeClr val="accent1">
+              <a:shade val="50000"/>
+            </a:schemeClr>
+          </a:lnRef>
+          <a:fillRef idx="1">
+            <a:schemeClr val="accent1"/>
+          </a:fillRef>
+          <a:effectRef idx="0">
+            <a:schemeClr val="accent1"/>
+          </a:effectRef>
+          <a:fontRef idx="minor">
+            <a:schemeClr val="lt1"/>
+          </a:fontRef>
+        </p:style>
+        <p:txBody>
+          <a:bodyPr wrap="square" rtlCol="0" anchor="ctr">
+            <a:noAutofit/>
+          </a:bodyPr>
+          <a:lstStyle/>
+          <a:p>
+            <a:pPr algn="ctr"/>
+            <a:endParaRPr lang="en-US"/>
+          </a:p>
+        </p:txBody>
+      </p:sp>
+      <p:sp>
+        <p:nvSpPr>
+          <p:cNvPr id="4" name="TextBox 3">
+            <a:extLst>
+              <a:ext uri="{FF2B5EF4-FFF2-40B4-BE49-F238E27FC236}">
+                <a16:creationId xmlns:a16="http://schemas.microsoft.com/office/drawing/2014/main" id="{03DDB894-502D-4473-8189-C7F7050B360F}"/>
+              </a:ext>
+            </a:extLst>
+          </p:cNvPr>
+          <p:cNvSpPr txBox="1"/>
+          <p:nvPr/>
+        </p:nvSpPr>
+        <p:spPr>
+          <a:xfrm>
+            <a:off x="618063" y="4856921"/>
+            <a:ext cx="9565028" cy="1249240"/>
+          </a:xfrm>
+          <a:prstGeom prst="rect">
+            <a:avLst/>
+          </a:prstGeom>
+        </p:spPr>
+        <p:txBody>
+          <a:bodyPr vert="horz" lIns="91440" tIns="45720" rIns="91440" bIns="45720" rtlCol="0">
+            <a:normAutofit lnSpcReduction="10000"/>
+          </a:bodyPr>
+          <a:lstStyle/>
+          <a:p>
+            <a:pPr defTabSz="914400">
+              <a:lnSpc>
+                <a:spcPct val="90000"/>
+              </a:lnSpc>
+              <a:spcAft>
+                <a:spcPts val="600"/>
+              </a:spcAft>
+            </a:pPr>
+            <a:r>
+              <a:rPr lang="en-US" sz="2800" dirty="0">
+                <a:latin typeface="+mj-lt"/>
+              </a:rPr>
+              <a:t>260 BCE</a:t>
+            </a:r>
+          </a:p>
+          <a:p>
+            <a:pPr marL="285750" indent="-228600" defTabSz="914400">
+              <a:lnSpc>
+                <a:spcPct val="90000"/>
+              </a:lnSpc>
+              <a:spcAft>
+                <a:spcPts val="600"/>
+              </a:spcAft>
+              <a:buFont typeface="Arial" panose="020B0604020202020204" pitchFamily="34" charset="0"/>
+              <a:buChar char="•"/>
+            </a:pPr>
+            <a:r>
+              <a:rPr lang="en-US" dirty="0"/>
+              <a:t>Qin overruns the state of Zhao.</a:t>
+            </a:r>
+          </a:p>
+          <a:p>
+            <a:pPr marL="285750" indent="-228600" defTabSz="914400">
+              <a:lnSpc>
+                <a:spcPct val="90000"/>
+              </a:lnSpc>
+              <a:spcAft>
+                <a:spcPts val="600"/>
+              </a:spcAft>
+              <a:buFont typeface="Arial" panose="020B0604020202020204" pitchFamily="34" charset="0"/>
+              <a:buChar char="•"/>
+            </a:pPr>
+            <a:r>
+              <a:rPr lang="en-US" dirty="0"/>
+              <a:t>The Great Western Exodus follows with several hundred thousand Zhao citizens migrating west, eventually settling in Central Asia and Baktria where they become Hellenic subjects.</a:t>
+            </a:r>
+          </a:p>
+        </p:txBody>
+      </p:sp>
+    </p:spTree>
+    <p:extLst>
+      <p:ext uri="{BB962C8B-B14F-4D97-AF65-F5344CB8AC3E}">
+        <p14:creationId xmlns:p14="http://schemas.microsoft.com/office/powerpoint/2010/main" val="4022570867"/>
+      </p:ext>
+    </p:extLst>
+  </p:cSld>
+  <p:clrMapOvr>
+    <a:overrideClrMapping bg1="dk1" tx1="lt1" bg2="dk2" tx2="lt2" accent1="accent1" accent2="accent2" accent3="accent3" accent4="accent4" accent5="accent5" accent6="accent6" hlink="hlink" folHlink="folHlink"/>
+  </p:clrMapOvr>
+</p:sld>
+</file>
+
 <file path=ppt/slides/slide3.xml><?xml version="1.0" encoding="utf-8"?>
 <p:sld xmlns:a="http://schemas.openxmlformats.org/drawingml/2006/main" xmlns:r="http://schemas.openxmlformats.org/officeDocument/2006/relationships" xmlns:p="http://schemas.openxmlformats.org/presentationml/2006/main">
   <p:cSld>
@@ -14342,6 +15519,5064 @@
     <p:extLst>
       <p:ext uri="{BB962C8B-B14F-4D97-AF65-F5344CB8AC3E}">
         <p14:creationId xmlns:p14="http://schemas.microsoft.com/office/powerpoint/2010/main" val="308673197"/>
+      </p:ext>
+    </p:extLst>
+  </p:cSld>
+  <p:clrMapOvr>
+    <a:masterClrMapping/>
+  </p:clrMapOvr>
+</p:sld>
+</file>
+
+<file path=ppt/slides/slide30.xml><?xml version="1.0" encoding="utf-8"?>
+<p:sld xmlns:a="http://schemas.openxmlformats.org/drawingml/2006/main" xmlns:r="http://schemas.openxmlformats.org/officeDocument/2006/relationships" xmlns:p="http://schemas.openxmlformats.org/presentationml/2006/main">
+  <p:cSld>
+    <p:bg>
+      <p:bgPr>
+        <a:solidFill>
+          <a:schemeClr val="bg1"/>
+        </a:solidFill>
+        <a:effectLst/>
+      </p:bgPr>
+    </p:bg>
+    <p:spTree>
+      <p:nvGrpSpPr>
+        <p:cNvPr id="1" name=""/>
+        <p:cNvGrpSpPr/>
+        <p:nvPr/>
+      </p:nvGrpSpPr>
+      <p:grpSpPr>
+        <a:xfrm>
+          <a:off x="0" y="0"/>
+          <a:ext cx="0" cy="0"/>
+          <a:chOff x="0" y="0"/>
+          <a:chExt cx="0" cy="0"/>
+        </a:xfrm>
+      </p:grpSpPr>
+      <p:sp useBgFill="1">
+        <p:nvSpPr>
+          <p:cNvPr id="34" name="Rectangle 33">
+            <a:extLst>
+              <a:ext uri="{FF2B5EF4-FFF2-40B4-BE49-F238E27FC236}">
+                <a16:creationId xmlns:a16="http://schemas.microsoft.com/office/drawing/2014/main" id="{4D1248EE-67D1-4BDE-AB0E-01D7CD8DD7ED}"/>
+              </a:ext>
+              <a:ext uri="{C183D7F6-B498-43B3-948B-1728B52AA6E4}">
+                <adec:decorative xmlns:adec="http://schemas.microsoft.com/office/drawing/2017/decorative" val="1"/>
+              </a:ext>
+            </a:extLst>
+          </p:cNvPr>
+          <p:cNvSpPr>
+            <a:spLocks noGrp="1" noRot="1" noChangeAspect="1" noMove="1" noResize="1" noEditPoints="1" noAdjustHandles="1" noChangeArrowheads="1" noChangeShapeType="1" noTextEdit="1"/>
+          </p:cNvSpPr>
+          <p:nvPr>
+            <p:extLst>
+              <p:ext uri="{386F3935-93C4-4BCD-93E2-E3B085C9AB24}">
+                <p16:designElem xmlns:p16="http://schemas.microsoft.com/office/powerpoint/2015/main" val="1"/>
+              </p:ext>
+            </p:extLst>
+          </p:nvPr>
+        </p:nvSpPr>
+        <p:spPr>
+          <a:xfrm>
+            <a:off x="0" y="2"/>
+            <a:ext cx="12192000" cy="6857997"/>
+          </a:xfrm>
+          <a:prstGeom prst="rect">
+            <a:avLst/>
+          </a:prstGeom>
+          <a:ln>
+            <a:noFill/>
+          </a:ln>
+        </p:spPr>
+        <p:style>
+          <a:lnRef idx="2">
+            <a:schemeClr val="accent1">
+              <a:shade val="50000"/>
+            </a:schemeClr>
+          </a:lnRef>
+          <a:fillRef idx="1">
+            <a:schemeClr val="accent1"/>
+          </a:fillRef>
+          <a:effectRef idx="0">
+            <a:schemeClr val="accent1"/>
+          </a:effectRef>
+          <a:fontRef idx="minor">
+            <a:schemeClr val="lt1"/>
+          </a:fontRef>
+        </p:style>
+        <p:txBody>
+          <a:bodyPr rtlCol="0" anchor="ctr"/>
+          <a:lstStyle/>
+          <a:p>
+            <a:pPr algn="ctr"/>
+            <a:endParaRPr lang="en-US"/>
+          </a:p>
+        </p:txBody>
+      </p:sp>
+      <p:sp>
+        <p:nvSpPr>
+          <p:cNvPr id="4" name="TextBox 3">
+            <a:extLst>
+              <a:ext uri="{FF2B5EF4-FFF2-40B4-BE49-F238E27FC236}">
+                <a16:creationId xmlns:a16="http://schemas.microsoft.com/office/drawing/2014/main" id="{03DDB894-502D-4473-8189-C7F7050B360F}"/>
+              </a:ext>
+            </a:extLst>
+          </p:cNvPr>
+          <p:cNvSpPr txBox="1"/>
+          <p:nvPr/>
+        </p:nvSpPr>
+        <p:spPr>
+          <a:xfrm>
+            <a:off x="923927" y="457198"/>
+            <a:ext cx="2980253" cy="4628272"/>
+          </a:xfrm>
+          <a:prstGeom prst="rect">
+            <a:avLst/>
+          </a:prstGeom>
+        </p:spPr>
+        <p:txBody>
+          <a:bodyPr vert="horz" lIns="91440" tIns="45720" rIns="91440" bIns="45720" rtlCol="0" anchor="b">
+            <a:normAutofit fontScale="92500" lnSpcReduction="10000"/>
+          </a:bodyPr>
+          <a:lstStyle/>
+          <a:p>
+            <a:pPr defTabSz="914400">
+              <a:lnSpc>
+                <a:spcPct val="90000"/>
+              </a:lnSpc>
+              <a:spcAft>
+                <a:spcPts val="600"/>
+              </a:spcAft>
+            </a:pPr>
+            <a:r>
+              <a:rPr lang="en-US" sz="2900" dirty="0">
+                <a:latin typeface="+mj-lt"/>
+              </a:rPr>
+              <a:t>255 BCE</a:t>
+            </a:r>
+          </a:p>
+          <a:p>
+            <a:pPr marL="285750" indent="-228600" algn="l" defTabSz="914400">
+              <a:lnSpc>
+                <a:spcPct val="90000"/>
+              </a:lnSpc>
+              <a:spcAft>
+                <a:spcPts val="600"/>
+              </a:spcAft>
+              <a:buFont typeface="Arial" panose="020B0604020202020204" pitchFamily="34" charset="0"/>
+              <a:buChar char="•"/>
+            </a:pPr>
+            <a:r>
+              <a:rPr lang="en-US" sz="1900" dirty="0" err="1"/>
+              <a:t>Diodotus</a:t>
+            </a:r>
+            <a:r>
+              <a:rPr lang="en-US" sz="1900" dirty="0"/>
+              <a:t>, Satrap of Baktria, rebels and establishes an independent kingdom. His dominions are expanded with the help of the Zhao refugees and Galatian military colonies.</a:t>
+            </a:r>
+          </a:p>
+          <a:p>
+            <a:pPr marL="285750" indent="-228600" algn="l" defTabSz="914400">
+              <a:lnSpc>
+                <a:spcPct val="90000"/>
+              </a:lnSpc>
+              <a:spcAft>
+                <a:spcPts val="600"/>
+              </a:spcAft>
+              <a:buFont typeface="Arial" panose="020B0604020202020204" pitchFamily="34" charset="0"/>
+              <a:buChar char="•"/>
+            </a:pPr>
+            <a:r>
+              <a:rPr lang="en-US" sz="1900" b="1" dirty="0"/>
+              <a:t>Ashoka the Great sends Buddhist missionaries in all directions, particularly towards the Hellenistic satrapies in the west.</a:t>
+            </a:r>
+          </a:p>
+          <a:p>
+            <a:pPr marL="285750" indent="-228600" algn="l" defTabSz="914400">
+              <a:lnSpc>
+                <a:spcPct val="90000"/>
+              </a:lnSpc>
+              <a:spcAft>
+                <a:spcPts val="600"/>
+              </a:spcAft>
+              <a:buFont typeface="Arial" panose="020B0604020202020204" pitchFamily="34" charset="0"/>
+              <a:buChar char="•"/>
+            </a:pPr>
+            <a:r>
+              <a:rPr lang="en-US" sz="1900" b="1" dirty="0"/>
+              <a:t>Buddhism starts to become the dominant faith of India.</a:t>
+            </a:r>
+          </a:p>
+        </p:txBody>
+      </p:sp>
+      <p:pic>
+        <p:nvPicPr>
+          <p:cNvPr id="3" name="Picture 2">
+            <a:extLst>
+              <a:ext uri="{FF2B5EF4-FFF2-40B4-BE49-F238E27FC236}">
+                <a16:creationId xmlns:a16="http://schemas.microsoft.com/office/drawing/2014/main" id="{DF48942B-53F6-45ED-9B7A-D117C19EB58F}"/>
+              </a:ext>
+            </a:extLst>
+          </p:cNvPr>
+          <p:cNvPicPr>
+            <a:picLocks noChangeAspect="1"/>
+          </p:cNvPicPr>
+          <p:nvPr/>
+        </p:nvPicPr>
+        <p:blipFill rotWithShape="1">
+          <a:blip r:embed="rId2">
+            <a:extLst>
+              <a:ext uri="{28A0092B-C50C-407E-A947-70E740481C1C}">
+                <a14:useLocalDpi xmlns:a14="http://schemas.microsoft.com/office/drawing/2010/main" val="0"/>
+              </a:ext>
+            </a:extLst>
+          </a:blip>
+          <a:srcRect t="2723" b="2723"/>
+          <a:stretch/>
+        </p:blipFill>
+        <p:spPr>
+          <a:xfrm>
+            <a:off x="4038600" y="457199"/>
+            <a:ext cx="7696201" cy="4628272"/>
+          </a:xfrm>
+          <a:prstGeom prst="rect">
+            <a:avLst/>
+          </a:prstGeom>
+        </p:spPr>
+      </p:pic>
+      <p:sp>
+        <p:nvSpPr>
+          <p:cNvPr id="36" name="Rectangle 35">
+            <a:extLst>
+              <a:ext uri="{FF2B5EF4-FFF2-40B4-BE49-F238E27FC236}">
+                <a16:creationId xmlns:a16="http://schemas.microsoft.com/office/drawing/2014/main" id="{A344AAA5-41F4-4862-97EF-688D31DC7567}"/>
+              </a:ext>
+              <a:ext uri="{C183D7F6-B498-43B3-948B-1728B52AA6E4}">
+                <adec:decorative xmlns:adec="http://schemas.microsoft.com/office/drawing/2017/decorative" val="1"/>
+              </a:ext>
+            </a:extLst>
+          </p:cNvPr>
+          <p:cNvSpPr>
+            <a:spLocks noGrp="1" noRot="1" noChangeAspect="1" noMove="1" noResize="1" noEditPoints="1" noAdjustHandles="1" noChangeArrowheads="1" noChangeShapeType="1" noTextEdit="1"/>
+          </p:cNvSpPr>
+          <p:nvPr>
+            <p:extLst>
+              <p:ext uri="{386F3935-93C4-4BCD-93E2-E3B085C9AB24}">
+                <p16:designElem xmlns:p16="http://schemas.microsoft.com/office/powerpoint/2015/main" val="1"/>
+              </p:ext>
+            </p:extLst>
+          </p:nvPr>
+        </p:nvSpPr>
+        <p:spPr>
+          <a:xfrm rot="10800000" flipH="1">
+            <a:off x="0" y="6400799"/>
+            <a:ext cx="12192000" cy="456773"/>
+          </a:xfrm>
+          <a:prstGeom prst="rect">
+            <a:avLst/>
+          </a:prstGeom>
+          <a:gradFill>
+            <a:gsLst>
+              <a:gs pos="0">
+                <a:schemeClr val="accent1"/>
+              </a:gs>
+              <a:gs pos="78000">
+                <a:srgbClr val="000000"/>
+              </a:gs>
+            </a:gsLst>
+            <a:lin ang="2400000" scaled="0"/>
+          </a:gradFill>
+          <a:ln>
+            <a:noFill/>
+          </a:ln>
+        </p:spPr>
+        <p:style>
+          <a:lnRef idx="2">
+            <a:schemeClr val="accent1">
+              <a:shade val="50000"/>
+            </a:schemeClr>
+          </a:lnRef>
+          <a:fillRef idx="1">
+            <a:schemeClr val="accent1"/>
+          </a:fillRef>
+          <a:effectRef idx="0">
+            <a:schemeClr val="accent1"/>
+          </a:effectRef>
+          <a:fontRef idx="minor">
+            <a:schemeClr val="lt1"/>
+          </a:fontRef>
+        </p:style>
+        <p:txBody>
+          <a:bodyPr rtlCol="0" anchor="ctr"/>
+          <a:lstStyle/>
+          <a:p>
+            <a:pPr algn="ctr"/>
+            <a:endParaRPr lang="en-US"/>
+          </a:p>
+        </p:txBody>
+      </p:sp>
+      <p:sp>
+        <p:nvSpPr>
+          <p:cNvPr id="38" name="Rectangle 37">
+            <a:extLst>
+              <a:ext uri="{FF2B5EF4-FFF2-40B4-BE49-F238E27FC236}">
+                <a16:creationId xmlns:a16="http://schemas.microsoft.com/office/drawing/2014/main" id="{69E1A62C-2AAF-4B3E-8CDB-65E237080997}"/>
+              </a:ext>
+              <a:ext uri="{C183D7F6-B498-43B3-948B-1728B52AA6E4}">
+                <adec:decorative xmlns:adec="http://schemas.microsoft.com/office/drawing/2017/decorative" val="1"/>
+              </a:ext>
+            </a:extLst>
+          </p:cNvPr>
+          <p:cNvSpPr>
+            <a:spLocks noGrp="1" noRot="1" noChangeAspect="1" noMove="1" noResize="1" noEditPoints="1" noAdjustHandles="1" noChangeArrowheads="1" noChangeShapeType="1" noTextEdit="1"/>
+          </p:cNvSpPr>
+          <p:nvPr>
+            <p:extLst>
+              <p:ext uri="{386F3935-93C4-4BCD-93E2-E3B085C9AB24}">
+                <p16:designElem xmlns:p16="http://schemas.microsoft.com/office/powerpoint/2015/main" val="1"/>
+              </p:ext>
+            </p:extLst>
+          </p:nvPr>
+        </p:nvSpPr>
+        <p:spPr>
+          <a:xfrm flipH="1">
+            <a:off x="4038600" y="6400799"/>
+            <a:ext cx="8153398" cy="456772"/>
+          </a:xfrm>
+          <a:prstGeom prst="rect">
+            <a:avLst/>
+          </a:prstGeom>
+          <a:gradFill>
+            <a:gsLst>
+              <a:gs pos="0">
+                <a:srgbClr val="000000">
+                  <a:alpha val="63000"/>
+                </a:srgbClr>
+              </a:gs>
+              <a:gs pos="100000">
+                <a:schemeClr val="accent1">
+                  <a:lumMod val="75000"/>
+                </a:schemeClr>
+              </a:gs>
+            </a:gsLst>
+            <a:lin ang="13800000" scaled="0"/>
+          </a:gradFill>
+          <a:ln>
+            <a:noFill/>
+          </a:ln>
+        </p:spPr>
+        <p:style>
+          <a:lnRef idx="2">
+            <a:schemeClr val="accent1">
+              <a:shade val="50000"/>
+            </a:schemeClr>
+          </a:lnRef>
+          <a:fillRef idx="1">
+            <a:schemeClr val="accent1"/>
+          </a:fillRef>
+          <a:effectRef idx="0">
+            <a:schemeClr val="accent1"/>
+          </a:effectRef>
+          <a:fontRef idx="minor">
+            <a:schemeClr val="lt1"/>
+          </a:fontRef>
+        </p:style>
+        <p:txBody>
+          <a:bodyPr rtlCol="0" anchor="ctr"/>
+          <a:lstStyle/>
+          <a:p>
+            <a:pPr algn="ctr"/>
+            <a:endParaRPr lang="en-US"/>
+          </a:p>
+        </p:txBody>
+      </p:sp>
+      <p:sp>
+        <p:nvSpPr>
+          <p:cNvPr id="5" name="TextBox 4">
+            <a:extLst>
+              <a:ext uri="{FF2B5EF4-FFF2-40B4-BE49-F238E27FC236}">
+                <a16:creationId xmlns:a16="http://schemas.microsoft.com/office/drawing/2014/main" id="{0597EC8A-B715-48E2-A796-6DDA0FC6C313}"/>
+              </a:ext>
+            </a:extLst>
+          </p:cNvPr>
+          <p:cNvSpPr txBox="1"/>
+          <p:nvPr/>
+        </p:nvSpPr>
+        <p:spPr>
+          <a:xfrm>
+            <a:off x="4038598" y="5085470"/>
+            <a:ext cx="7704762" cy="1107996"/>
+          </a:xfrm>
+          <a:prstGeom prst="rect">
+            <a:avLst/>
+          </a:prstGeom>
+          <a:noFill/>
+        </p:spPr>
+        <p:txBody>
+          <a:bodyPr wrap="square" rtlCol="0">
+            <a:spAutoFit/>
+          </a:bodyPr>
+          <a:lstStyle/>
+          <a:p>
+            <a:r>
+              <a:rPr lang="en-US" sz="1400" dirty="0"/>
+              <a:t>*Sri Lanka is the main hotbed of Buddhism in the south of India. Most of Tamilakam keeps their Brahmanical beliefs, although several Buddhist stupas and viharas are erected there.</a:t>
+            </a:r>
+          </a:p>
+          <a:p>
+            <a:endParaRPr lang="en-US" sz="1000" dirty="0"/>
+          </a:p>
+          <a:p>
+            <a:r>
+              <a:rPr lang="en-US" sz="1400" dirty="0"/>
+              <a:t>**In the Far East, Qin has grown slightly; the Warring States period in Lux Invicta happens earlier than it does in our timeline.</a:t>
+            </a:r>
+          </a:p>
+        </p:txBody>
+      </p:sp>
+    </p:spTree>
+    <p:extLst>
+      <p:ext uri="{BB962C8B-B14F-4D97-AF65-F5344CB8AC3E}">
+        <p14:creationId xmlns:p14="http://schemas.microsoft.com/office/powerpoint/2010/main" val="3912372307"/>
+      </p:ext>
+    </p:extLst>
+  </p:cSld>
+  <p:clrMapOvr>
+    <a:masterClrMapping/>
+  </p:clrMapOvr>
+</p:sld>
+</file>
+
+<file path=ppt/slides/slide31.xml><?xml version="1.0" encoding="utf-8"?>
+<p:sld xmlns:a="http://schemas.openxmlformats.org/drawingml/2006/main" xmlns:r="http://schemas.openxmlformats.org/officeDocument/2006/relationships" xmlns:p="http://schemas.openxmlformats.org/presentationml/2006/main">
+  <p:cSld>
+    <p:bg>
+      <p:bgPr>
+        <a:solidFill>
+          <a:schemeClr val="bg1"/>
+        </a:solidFill>
+        <a:effectLst/>
+      </p:bgPr>
+    </p:bg>
+    <p:spTree>
+      <p:nvGrpSpPr>
+        <p:cNvPr id="1" name=""/>
+        <p:cNvGrpSpPr/>
+        <p:nvPr/>
+      </p:nvGrpSpPr>
+      <p:grpSpPr>
+        <a:xfrm>
+          <a:off x="0" y="0"/>
+          <a:ext cx="0" cy="0"/>
+          <a:chOff x="0" y="0"/>
+          <a:chExt cx="0" cy="0"/>
+        </a:xfrm>
+      </p:grpSpPr>
+      <p:sp useBgFill="1">
+        <p:nvSpPr>
+          <p:cNvPr id="52" name="Rectangle 51">
+            <a:extLst>
+              <a:ext uri="{FF2B5EF4-FFF2-40B4-BE49-F238E27FC236}">
+                <a16:creationId xmlns:a16="http://schemas.microsoft.com/office/drawing/2014/main" id="{3AFE8227-C443-417B-BA91-520EB1EF4559}"/>
+              </a:ext>
+              <a:ext uri="{C183D7F6-B498-43B3-948B-1728B52AA6E4}">
+                <adec:decorative xmlns:adec="http://schemas.microsoft.com/office/drawing/2017/decorative" val="1"/>
+              </a:ext>
+            </a:extLst>
+          </p:cNvPr>
+          <p:cNvSpPr>
+            <a:spLocks noGrp="1" noRot="1" noChangeAspect="1" noMove="1" noResize="1" noEditPoints="1" noAdjustHandles="1" noChangeArrowheads="1" noChangeShapeType="1" noTextEdit="1"/>
+          </p:cNvSpPr>
+          <p:nvPr>
+            <p:extLst>
+              <p:ext uri="{386F3935-93C4-4BCD-93E2-E3B085C9AB24}">
+                <p16:designElem xmlns:p16="http://schemas.microsoft.com/office/powerpoint/2015/main" val="1"/>
+              </p:ext>
+            </p:extLst>
+          </p:nvPr>
+        </p:nvSpPr>
+        <p:spPr>
+          <a:xfrm>
+            <a:off x="0" y="2"/>
+            <a:ext cx="12192000" cy="6857997"/>
+          </a:xfrm>
+          <a:prstGeom prst="rect">
+            <a:avLst/>
+          </a:prstGeom>
+          <a:ln>
+            <a:noFill/>
+          </a:ln>
+        </p:spPr>
+        <p:style>
+          <a:lnRef idx="2">
+            <a:schemeClr val="accent1">
+              <a:shade val="50000"/>
+            </a:schemeClr>
+          </a:lnRef>
+          <a:fillRef idx="1">
+            <a:schemeClr val="accent1"/>
+          </a:fillRef>
+          <a:effectRef idx="0">
+            <a:schemeClr val="accent1"/>
+          </a:effectRef>
+          <a:fontRef idx="minor">
+            <a:schemeClr val="lt1"/>
+          </a:fontRef>
+        </p:style>
+        <p:txBody>
+          <a:bodyPr rtlCol="0" anchor="ctr"/>
+          <a:lstStyle/>
+          <a:p>
+            <a:pPr algn="ctr"/>
+            <a:endParaRPr lang="en-US"/>
+          </a:p>
+        </p:txBody>
+      </p:sp>
+      <p:pic>
+        <p:nvPicPr>
+          <p:cNvPr id="3" name="Picture 2">
+            <a:extLst>
+              <a:ext uri="{FF2B5EF4-FFF2-40B4-BE49-F238E27FC236}">
+                <a16:creationId xmlns:a16="http://schemas.microsoft.com/office/drawing/2014/main" id="{DF48942B-53F6-45ED-9B7A-D117C19EB58F}"/>
+              </a:ext>
+            </a:extLst>
+          </p:cNvPr>
+          <p:cNvPicPr>
+            <a:picLocks noChangeAspect="1"/>
+          </p:cNvPicPr>
+          <p:nvPr/>
+        </p:nvPicPr>
+        <p:blipFill rotWithShape="1">
+          <a:blip r:embed="rId2">
+            <a:extLst>
+              <a:ext uri="{28A0092B-C50C-407E-A947-70E740481C1C}">
+                <a14:useLocalDpi xmlns:a14="http://schemas.microsoft.com/office/drawing/2010/main" val="0"/>
+              </a:ext>
+            </a:extLst>
+          </a:blip>
+          <a:srcRect l="26799" r="13682" b="1"/>
+          <a:stretch/>
+        </p:blipFill>
+        <p:spPr>
+          <a:xfrm>
+            <a:off x="20" y="431"/>
+            <a:ext cx="8115280" cy="6408311"/>
+          </a:xfrm>
+          <a:prstGeom prst="rect">
+            <a:avLst/>
+          </a:prstGeom>
+        </p:spPr>
+      </p:pic>
+      <p:sp>
+        <p:nvSpPr>
+          <p:cNvPr id="4" name="TextBox 3">
+            <a:extLst>
+              <a:ext uri="{FF2B5EF4-FFF2-40B4-BE49-F238E27FC236}">
+                <a16:creationId xmlns:a16="http://schemas.microsoft.com/office/drawing/2014/main" id="{03DDB894-502D-4473-8189-C7F7050B360F}"/>
+              </a:ext>
+            </a:extLst>
+          </p:cNvPr>
+          <p:cNvSpPr txBox="1"/>
+          <p:nvPr/>
+        </p:nvSpPr>
+        <p:spPr>
+          <a:xfrm>
+            <a:off x="8643193" y="595902"/>
+            <a:ext cx="2942813" cy="4643918"/>
+          </a:xfrm>
+          <a:prstGeom prst="rect">
+            <a:avLst/>
+          </a:prstGeom>
+        </p:spPr>
+        <p:txBody>
+          <a:bodyPr vert="horz" lIns="91440" tIns="45720" rIns="91440" bIns="45720" rtlCol="0">
+            <a:normAutofit lnSpcReduction="10000"/>
+          </a:bodyPr>
+          <a:lstStyle/>
+          <a:p>
+            <a:pPr defTabSz="914400">
+              <a:lnSpc>
+                <a:spcPct val="90000"/>
+              </a:lnSpc>
+              <a:spcAft>
+                <a:spcPts val="600"/>
+              </a:spcAft>
+            </a:pPr>
+            <a:r>
+              <a:rPr lang="en-US" sz="2400" b="1" dirty="0">
+                <a:latin typeface="+mj-lt"/>
+              </a:rPr>
+              <a:t>250 BCE</a:t>
+            </a:r>
+          </a:p>
+          <a:p>
+            <a:pPr marL="285750" indent="-228600" defTabSz="914400">
+              <a:lnSpc>
+                <a:spcPct val="90000"/>
+              </a:lnSpc>
+              <a:spcAft>
+                <a:spcPts val="600"/>
+              </a:spcAft>
+              <a:buFont typeface="Arial" panose="020B0604020202020204" pitchFamily="34" charset="0"/>
+              <a:buChar char="•"/>
+            </a:pPr>
+            <a:r>
+              <a:rPr lang="en-US" b="1" dirty="0"/>
+              <a:t>Ashoka the Great constructs a temple and the Diamond Throne at Bodh Gaya where the Buddha was said to have attained enlightenment.</a:t>
+            </a:r>
+          </a:p>
+          <a:p>
+            <a:pPr marL="285750" indent="-228600" defTabSz="914400">
+              <a:lnSpc>
+                <a:spcPct val="90000"/>
+              </a:lnSpc>
+              <a:spcAft>
+                <a:spcPts val="600"/>
+              </a:spcAft>
+              <a:buFont typeface="Arial" panose="020B0604020202020204" pitchFamily="34" charset="0"/>
+              <a:buChar char="•"/>
+            </a:pPr>
+            <a:r>
+              <a:rPr lang="en-US" b="1" dirty="0"/>
+              <a:t>The nine-year-old King Zheng of Qin accepts the unconditional surrender of Qi, completing the unification of China. He is coronated Qin Shi Huang (“First Emperor of Qin”) in his capital of Xianyang.</a:t>
+            </a:r>
+          </a:p>
+          <a:p>
+            <a:pPr marL="285750" indent="-228600" defTabSz="914400">
+              <a:lnSpc>
+                <a:spcPct val="90000"/>
+              </a:lnSpc>
+              <a:spcAft>
+                <a:spcPts val="600"/>
+              </a:spcAft>
+              <a:buFont typeface="Arial" panose="020B0604020202020204" pitchFamily="34" charset="0"/>
+              <a:buChar char="•"/>
+            </a:pPr>
+            <a:r>
+              <a:rPr lang="en-US" b="1" dirty="0"/>
+              <a:t>End of the Warring States period and beginning of the Qin dynasty.</a:t>
+            </a:r>
+          </a:p>
+        </p:txBody>
+      </p:sp>
+      <p:sp>
+        <p:nvSpPr>
+          <p:cNvPr id="54" name="Rectangle 53">
+            <a:extLst>
+              <a:ext uri="{FF2B5EF4-FFF2-40B4-BE49-F238E27FC236}">
+                <a16:creationId xmlns:a16="http://schemas.microsoft.com/office/drawing/2014/main" id="{907741FC-B544-4A6E-B831-6789D042333D}"/>
+              </a:ext>
+              <a:ext uri="{C183D7F6-B498-43B3-948B-1728B52AA6E4}">
+                <adec:decorative xmlns:adec="http://schemas.microsoft.com/office/drawing/2017/decorative" val="1"/>
+              </a:ext>
+            </a:extLst>
+          </p:cNvPr>
+          <p:cNvSpPr>
+            <a:spLocks noGrp="1" noRot="1" noChangeAspect="1" noMove="1" noResize="1" noEditPoints="1" noAdjustHandles="1" noChangeArrowheads="1" noChangeShapeType="1" noTextEdit="1"/>
+          </p:cNvSpPr>
+          <p:nvPr>
+            <p:extLst>
+              <p:ext uri="{386F3935-93C4-4BCD-93E2-E3B085C9AB24}">
+                <p16:designElem xmlns:p16="http://schemas.microsoft.com/office/powerpoint/2015/main" val="1"/>
+              </p:ext>
+            </p:extLst>
+          </p:nvPr>
+        </p:nvSpPr>
+        <p:spPr>
+          <a:xfrm flipH="1">
+            <a:off x="-1" y="6408741"/>
+            <a:ext cx="12191998" cy="457202"/>
+          </a:xfrm>
+          <a:prstGeom prst="rect">
+            <a:avLst/>
+          </a:prstGeom>
+          <a:gradFill>
+            <a:gsLst>
+              <a:gs pos="34000">
+                <a:srgbClr val="000000">
+                  <a:alpha val="96000"/>
+                </a:srgbClr>
+              </a:gs>
+              <a:gs pos="100000">
+                <a:schemeClr val="accent1"/>
+              </a:gs>
+            </a:gsLst>
+            <a:lin ang="8400000" scaled="0"/>
+          </a:gradFill>
+          <a:ln>
+            <a:noFill/>
+          </a:ln>
+        </p:spPr>
+        <p:style>
+          <a:lnRef idx="2">
+            <a:schemeClr val="accent1">
+              <a:shade val="50000"/>
+            </a:schemeClr>
+          </a:lnRef>
+          <a:fillRef idx="1">
+            <a:schemeClr val="accent1"/>
+          </a:fillRef>
+          <a:effectRef idx="0">
+            <a:schemeClr val="accent1"/>
+          </a:effectRef>
+          <a:fontRef idx="minor">
+            <a:schemeClr val="lt1"/>
+          </a:fontRef>
+        </p:style>
+        <p:txBody>
+          <a:bodyPr rtlCol="0" anchor="ctr"/>
+          <a:lstStyle/>
+          <a:p>
+            <a:pPr algn="ctr"/>
+            <a:endParaRPr lang="en-US"/>
+          </a:p>
+        </p:txBody>
+      </p:sp>
+      <p:sp>
+        <p:nvSpPr>
+          <p:cNvPr id="56" name="Rectangle 55">
+            <a:extLst>
+              <a:ext uri="{FF2B5EF4-FFF2-40B4-BE49-F238E27FC236}">
+                <a16:creationId xmlns:a16="http://schemas.microsoft.com/office/drawing/2014/main" id="{3F0BE7ED-7814-4273-B18A-F26CC0380380}"/>
+              </a:ext>
+              <a:ext uri="{C183D7F6-B498-43B3-948B-1728B52AA6E4}">
+                <adec:decorative xmlns:adec="http://schemas.microsoft.com/office/drawing/2017/decorative" val="1"/>
+              </a:ext>
+            </a:extLst>
+          </p:cNvPr>
+          <p:cNvSpPr>
+            <a:spLocks noGrp="1" noRot="1" noChangeAspect="1" noMove="1" noResize="1" noEditPoints="1" noAdjustHandles="1" noChangeArrowheads="1" noChangeShapeType="1" noTextEdit="1"/>
+          </p:cNvSpPr>
+          <p:nvPr>
+            <p:extLst>
+              <p:ext uri="{386F3935-93C4-4BCD-93E2-E3B085C9AB24}">
+                <p16:designElem xmlns:p16="http://schemas.microsoft.com/office/powerpoint/2015/main" val="1"/>
+              </p:ext>
+            </p:extLst>
+          </p:nvPr>
+        </p:nvSpPr>
+        <p:spPr>
+          <a:xfrm flipH="1">
+            <a:off x="-4" y="6408742"/>
+            <a:ext cx="8115300" cy="449258"/>
+          </a:xfrm>
+          <a:prstGeom prst="rect">
+            <a:avLst/>
+          </a:prstGeom>
+          <a:gradFill>
+            <a:gsLst>
+              <a:gs pos="28000">
+                <a:schemeClr val="accent1">
+                  <a:lumMod val="75000"/>
+                  <a:alpha val="59000"/>
+                </a:schemeClr>
+              </a:gs>
+              <a:gs pos="100000">
+                <a:srgbClr val="000000">
+                  <a:alpha val="70000"/>
+                </a:srgbClr>
+              </a:gs>
+            </a:gsLst>
+            <a:lin ang="11400000" scaled="0"/>
+          </a:gradFill>
+          <a:ln>
+            <a:noFill/>
+          </a:ln>
+        </p:spPr>
+        <p:style>
+          <a:lnRef idx="2">
+            <a:schemeClr val="accent1">
+              <a:shade val="50000"/>
+            </a:schemeClr>
+          </a:lnRef>
+          <a:fillRef idx="1">
+            <a:schemeClr val="accent1"/>
+          </a:fillRef>
+          <a:effectRef idx="0">
+            <a:schemeClr val="accent1"/>
+          </a:effectRef>
+          <a:fontRef idx="minor">
+            <a:schemeClr val="lt1"/>
+          </a:fontRef>
+        </p:style>
+        <p:txBody>
+          <a:bodyPr rtlCol="0" anchor="ctr"/>
+          <a:lstStyle/>
+          <a:p>
+            <a:pPr algn="ctr"/>
+            <a:endParaRPr lang="en-US"/>
+          </a:p>
+        </p:txBody>
+      </p:sp>
+      <p:sp>
+        <p:nvSpPr>
+          <p:cNvPr id="2" name="TextBox 1">
+            <a:extLst>
+              <a:ext uri="{FF2B5EF4-FFF2-40B4-BE49-F238E27FC236}">
+                <a16:creationId xmlns:a16="http://schemas.microsoft.com/office/drawing/2014/main" id="{A7E28A58-DC20-43F0-B517-1560E2B5E01C}"/>
+              </a:ext>
+            </a:extLst>
+          </p:cNvPr>
+          <p:cNvSpPr txBox="1"/>
+          <p:nvPr/>
+        </p:nvSpPr>
+        <p:spPr>
+          <a:xfrm>
+            <a:off x="8482629" y="5239820"/>
+            <a:ext cx="3263939" cy="954107"/>
+          </a:xfrm>
+          <a:prstGeom prst="rect">
+            <a:avLst/>
+          </a:prstGeom>
+          <a:noFill/>
+        </p:spPr>
+        <p:txBody>
+          <a:bodyPr wrap="square" rtlCol="0">
+            <a:spAutoFit/>
+          </a:bodyPr>
+          <a:lstStyle/>
+          <a:p>
+            <a:r>
+              <a:rPr lang="en-US" sz="1400" dirty="0"/>
+              <a:t>*For age-related reasons, Qin Shi Huang did not conquer the other states on his own – though he did study closely under his regent </a:t>
+            </a:r>
+            <a:r>
+              <a:rPr lang="en-US" sz="1400" dirty="0" err="1"/>
+              <a:t>Lü</a:t>
+            </a:r>
+            <a:r>
+              <a:rPr lang="en-US" sz="1400" dirty="0"/>
+              <a:t> </a:t>
+            </a:r>
+            <a:r>
+              <a:rPr lang="en-US" sz="1400" dirty="0" err="1"/>
+              <a:t>Buwei</a:t>
+            </a:r>
+            <a:r>
+              <a:rPr lang="en-US" sz="1400" dirty="0"/>
+              <a:t>.</a:t>
+            </a:r>
+          </a:p>
+        </p:txBody>
+      </p:sp>
+    </p:spTree>
+    <p:extLst>
+      <p:ext uri="{BB962C8B-B14F-4D97-AF65-F5344CB8AC3E}">
+        <p14:creationId xmlns:p14="http://schemas.microsoft.com/office/powerpoint/2010/main" val="277024405"/>
+      </p:ext>
+    </p:extLst>
+  </p:cSld>
+  <p:clrMapOvr>
+    <a:masterClrMapping/>
+  </p:clrMapOvr>
+</p:sld>
+</file>
+
+<file path=ppt/slides/slide32.xml><?xml version="1.0" encoding="utf-8"?>
+<p:sld xmlns:a="http://schemas.openxmlformats.org/drawingml/2006/main" xmlns:r="http://schemas.openxmlformats.org/officeDocument/2006/relationships" xmlns:p="http://schemas.openxmlformats.org/presentationml/2006/main">
+  <p:cSld>
+    <p:bg>
+      <p:bgPr>
+        <a:solidFill>
+          <a:schemeClr val="bg1"/>
+        </a:solidFill>
+        <a:effectLst/>
+      </p:bgPr>
+    </p:bg>
+    <p:spTree>
+      <p:nvGrpSpPr>
+        <p:cNvPr id="1" name=""/>
+        <p:cNvGrpSpPr/>
+        <p:nvPr/>
+      </p:nvGrpSpPr>
+      <p:grpSpPr>
+        <a:xfrm>
+          <a:off x="0" y="0"/>
+          <a:ext cx="0" cy="0"/>
+          <a:chOff x="0" y="0"/>
+          <a:chExt cx="0" cy="0"/>
+        </a:xfrm>
+      </p:grpSpPr>
+      <p:sp useBgFill="1">
+        <p:nvSpPr>
+          <p:cNvPr id="61" name="Rectangle 60">
+            <a:extLst>
+              <a:ext uri="{FF2B5EF4-FFF2-40B4-BE49-F238E27FC236}">
+                <a16:creationId xmlns:a16="http://schemas.microsoft.com/office/drawing/2014/main" id="{73AD41DB-DF9F-49BC-85AE-6AB1840AD517}"/>
+              </a:ext>
+              <a:ext uri="{C183D7F6-B498-43B3-948B-1728B52AA6E4}">
+                <adec:decorative xmlns:adec="http://schemas.microsoft.com/office/drawing/2017/decorative" val="1"/>
+              </a:ext>
+            </a:extLst>
+          </p:cNvPr>
+          <p:cNvSpPr>
+            <a:spLocks noGrp="1" noRot="1" noChangeAspect="1" noMove="1" noResize="1" noEditPoints="1" noAdjustHandles="1" noChangeArrowheads="1" noChangeShapeType="1" noTextEdit="1"/>
+          </p:cNvSpPr>
+          <p:nvPr>
+            <p:extLst>
+              <p:ext uri="{386F3935-93C4-4BCD-93E2-E3B085C9AB24}">
+                <p16:designElem xmlns:p16="http://schemas.microsoft.com/office/powerpoint/2015/main" val="1"/>
+              </p:ext>
+            </p:extLst>
+          </p:nvPr>
+        </p:nvSpPr>
+        <p:spPr>
+          <a:xfrm>
+            <a:off x="0" y="0"/>
+            <a:ext cx="12192000" cy="6858000"/>
+          </a:xfrm>
+          <a:prstGeom prst="rect">
+            <a:avLst/>
+          </a:prstGeom>
+          <a:solidFill>
+            <a:schemeClr val="tx1"/>
+          </a:solidFill>
+          <a:ln w="12700" cap="flat" cmpd="sng" algn="ctr">
+            <a:noFill/>
+            <a:prstDash val="solid"/>
+            <a:miter lim="800000"/>
+          </a:ln>
+          <a:effectLst/>
+        </p:spPr>
+        <p:style>
+          <a:lnRef idx="2">
+            <a:schemeClr val="accent1">
+              <a:shade val="50000"/>
+            </a:schemeClr>
+          </a:lnRef>
+          <a:fillRef idx="1">
+            <a:schemeClr val="accent1"/>
+          </a:fillRef>
+          <a:effectRef idx="0">
+            <a:schemeClr val="accent1"/>
+          </a:effectRef>
+          <a:fontRef idx="minor">
+            <a:schemeClr val="lt1"/>
+          </a:fontRef>
+        </p:style>
+        <p:txBody>
+          <a:bodyPr rtlCol="0" anchor="ctr"/>
+          <a:lstStyle/>
+          <a:p>
+            <a:pPr algn="ctr"/>
+            <a:endParaRPr lang="en-US"/>
+          </a:p>
+        </p:txBody>
+      </p:sp>
+      <p:pic>
+        <p:nvPicPr>
+          <p:cNvPr id="3" name="Picture 2" descr="Map&#10;&#10;Description automatically generated">
+            <a:extLst>
+              <a:ext uri="{FF2B5EF4-FFF2-40B4-BE49-F238E27FC236}">
+                <a16:creationId xmlns:a16="http://schemas.microsoft.com/office/drawing/2014/main" id="{DF48942B-53F6-45ED-9B7A-D117C19EB58F}"/>
+              </a:ext>
+            </a:extLst>
+          </p:cNvPr>
+          <p:cNvPicPr>
+            <a:picLocks noChangeAspect="1"/>
+          </p:cNvPicPr>
+          <p:nvPr/>
+        </p:nvPicPr>
+        <p:blipFill rotWithShape="1">
+          <a:blip r:embed="rId2">
+            <a:extLst>
+              <a:ext uri="{28A0092B-C50C-407E-A947-70E740481C1C}">
+                <a14:useLocalDpi xmlns:a14="http://schemas.microsoft.com/office/drawing/2010/main" val="0"/>
+              </a:ext>
+            </a:extLst>
+          </a:blip>
+          <a:srcRect t="27383" b="11808"/>
+          <a:stretch/>
+        </p:blipFill>
+        <p:spPr>
+          <a:xfrm>
+            <a:off x="20" y="-1"/>
+            <a:ext cx="12191980" cy="3984912"/>
+          </a:xfrm>
+          <a:custGeom>
+            <a:avLst/>
+            <a:gdLst/>
+            <a:ahLst/>
+            <a:cxnLst/>
+            <a:rect l="l" t="t" r="r" b="b"/>
+            <a:pathLst>
+              <a:path w="12192000" h="3984912">
+                <a:moveTo>
+                  <a:pt x="0" y="0"/>
+                </a:moveTo>
+                <a:lnTo>
+                  <a:pt x="12192000" y="0"/>
+                </a:lnTo>
+                <a:lnTo>
+                  <a:pt x="12192000" y="566059"/>
+                </a:lnTo>
+                <a:lnTo>
+                  <a:pt x="12192000" y="794037"/>
+                </a:lnTo>
+                <a:lnTo>
+                  <a:pt x="12192000" y="2336800"/>
+                </a:lnTo>
+                <a:lnTo>
+                  <a:pt x="12192000" y="2631227"/>
+                </a:lnTo>
+                <a:lnTo>
+                  <a:pt x="12192000" y="3908712"/>
+                </a:lnTo>
+                <a:lnTo>
+                  <a:pt x="9439275" y="3984912"/>
+                </a:lnTo>
+                <a:lnTo>
+                  <a:pt x="5572127" y="3737262"/>
+                </a:lnTo>
+                <a:lnTo>
+                  <a:pt x="0" y="3908712"/>
+                </a:lnTo>
+                <a:lnTo>
+                  <a:pt x="0" y="2631227"/>
+                </a:lnTo>
+                <a:lnTo>
+                  <a:pt x="0" y="2336800"/>
+                </a:lnTo>
+                <a:lnTo>
+                  <a:pt x="0" y="794037"/>
+                </a:lnTo>
+                <a:lnTo>
+                  <a:pt x="0" y="566059"/>
+                </a:lnTo>
+                <a:close/>
+              </a:path>
+            </a:pathLst>
+          </a:custGeom>
+        </p:spPr>
+      </p:pic>
+      <p:grpSp>
+        <p:nvGrpSpPr>
+          <p:cNvPr id="63" name="Group 62">
+            <a:extLst>
+              <a:ext uri="{FF2B5EF4-FFF2-40B4-BE49-F238E27FC236}">
+                <a16:creationId xmlns:a16="http://schemas.microsoft.com/office/drawing/2014/main" id="{A4AE1828-51FD-4AD7-BCF6-9AF5C696CE5D}"/>
+              </a:ext>
+              <a:ext uri="{C183D7F6-B498-43B3-948B-1728B52AA6E4}">
+                <adec:decorative xmlns:adec="http://schemas.microsoft.com/office/drawing/2017/decorative" val="1"/>
+              </a:ext>
+            </a:extLst>
+          </p:cNvPr>
+          <p:cNvGrpSpPr>
+            <a:grpSpLocks noGrp="1" noUngrp="1" noRot="1" noChangeAspect="1" noMove="1" noResize="1"/>
+          </p:cNvGrpSpPr>
+          <p:nvPr>
+            <p:extLst>
+              <p:ext uri="{386F3935-93C4-4BCD-93E2-E3B085C9AB24}">
+                <p16:designElem xmlns:p16="http://schemas.microsoft.com/office/powerpoint/2015/main" val="1"/>
+              </p:ext>
+            </p:extLst>
+          </p:nvPr>
+        </p:nvGrpSpPr>
+        <p:grpSpPr>
+          <a:xfrm>
+            <a:off x="0" y="3528992"/>
+            <a:ext cx="12192000" cy="757168"/>
+            <a:chOff x="0" y="2959818"/>
+            <a:chExt cx="12192000" cy="757168"/>
+          </a:xfrm>
+        </p:grpSpPr>
+        <p:sp>
+          <p:nvSpPr>
+            <p:cNvPr id="64" name="Freeform: Shape 63">
+              <a:extLst>
+                <a:ext uri="{FF2B5EF4-FFF2-40B4-BE49-F238E27FC236}">
+                  <a16:creationId xmlns:a16="http://schemas.microsoft.com/office/drawing/2014/main" id="{8542C7CD-02BE-4ADE-8D2F-DFB759D71A39}"/>
+                </a:ext>
+                <a:ext uri="{C183D7F6-B498-43B3-948B-1728B52AA6E4}">
+                  <adec:decorative xmlns:adec="http://schemas.microsoft.com/office/drawing/2017/decorative" val="1"/>
+                </a:ext>
+              </a:extLst>
+            </p:cNvPr>
+            <p:cNvSpPr/>
+            <p:nvPr>
+              <p:extLst>
+                <p:ext uri="{386F3935-93C4-4BCD-93E2-E3B085C9AB24}">
+                  <p16:designElem xmlns:p16="http://schemas.microsoft.com/office/powerpoint/2015/main" val="1"/>
+                </p:ext>
+              </p:extLst>
+            </p:nvPr>
+          </p:nvSpPr>
+          <p:spPr>
+            <a:xfrm>
+              <a:off x="0" y="2959818"/>
+              <a:ext cx="12192000" cy="757168"/>
+            </a:xfrm>
+            <a:custGeom>
+              <a:avLst/>
+              <a:gdLst>
+                <a:gd name="connsiteX0" fmla="*/ 0 w 12192000"/>
+                <a:gd name="connsiteY0" fmla="*/ 0 h 757168"/>
+                <a:gd name="connsiteX1" fmla="*/ 41653 w 12192000"/>
+                <a:gd name="connsiteY1" fmla="*/ 6945 h 757168"/>
+                <a:gd name="connsiteX2" fmla="*/ 81317 w 12192000"/>
+                <a:gd name="connsiteY2" fmla="*/ 15509 h 757168"/>
+                <a:gd name="connsiteX3" fmla="*/ 114150 w 12192000"/>
+                <a:gd name="connsiteY3" fmla="*/ 28105 h 757168"/>
+                <a:gd name="connsiteX4" fmla="*/ 214865 w 12192000"/>
+                <a:gd name="connsiteY4" fmla="*/ 58374 h 757168"/>
+                <a:gd name="connsiteX5" fmla="*/ 299237 w 12192000"/>
+                <a:gd name="connsiteY5" fmla="*/ 63560 h 757168"/>
+                <a:gd name="connsiteX6" fmla="*/ 415570 w 12192000"/>
+                <a:gd name="connsiteY6" fmla="*/ 83774 h 757168"/>
+                <a:gd name="connsiteX7" fmla="*/ 633210 w 12192000"/>
+                <a:gd name="connsiteY7" fmla="*/ 109108 h 757168"/>
+                <a:gd name="connsiteX8" fmla="*/ 677567 w 12192000"/>
+                <a:gd name="connsiteY8" fmla="*/ 119446 h 757168"/>
+                <a:gd name="connsiteX9" fmla="*/ 946429 w 12192000"/>
+                <a:gd name="connsiteY9" fmla="*/ 171502 h 757168"/>
+                <a:gd name="connsiteX10" fmla="*/ 1163367 w 12192000"/>
+                <a:gd name="connsiteY10" fmla="*/ 182106 h 757168"/>
+                <a:gd name="connsiteX11" fmla="*/ 1180337 w 12192000"/>
+                <a:gd name="connsiteY11" fmla="*/ 181279 h 757168"/>
+                <a:gd name="connsiteX12" fmla="*/ 1263939 w 12192000"/>
+                <a:gd name="connsiteY12" fmla="*/ 173070 h 757168"/>
+                <a:gd name="connsiteX13" fmla="*/ 1392213 w 12192000"/>
+                <a:gd name="connsiteY13" fmla="*/ 183225 h 757168"/>
+                <a:gd name="connsiteX14" fmla="*/ 1479752 w 12192000"/>
+                <a:gd name="connsiteY14" fmla="*/ 205174 h 757168"/>
+                <a:gd name="connsiteX15" fmla="*/ 1589813 w 12192000"/>
+                <a:gd name="connsiteY15" fmla="*/ 211706 h 757168"/>
+                <a:gd name="connsiteX16" fmla="*/ 1716264 w 12192000"/>
+                <a:gd name="connsiteY16" fmla="*/ 207459 h 757168"/>
+                <a:gd name="connsiteX17" fmla="*/ 1772900 w 12192000"/>
+                <a:gd name="connsiteY17" fmla="*/ 208137 h 757168"/>
+                <a:gd name="connsiteX18" fmla="*/ 1929319 w 12192000"/>
+                <a:gd name="connsiteY18" fmla="*/ 193822 h 757168"/>
+                <a:gd name="connsiteX19" fmla="*/ 2021514 w 12192000"/>
+                <a:gd name="connsiteY19" fmla="*/ 204186 h 757168"/>
+                <a:gd name="connsiteX20" fmla="*/ 2111753 w 12192000"/>
+                <a:gd name="connsiteY20" fmla="*/ 223797 h 757168"/>
+                <a:gd name="connsiteX21" fmla="*/ 2169356 w 12192000"/>
+                <a:gd name="connsiteY21" fmla="*/ 241125 h 757168"/>
+                <a:gd name="connsiteX22" fmla="*/ 2286638 w 12192000"/>
+                <a:gd name="connsiteY22" fmla="*/ 257382 h 757168"/>
+                <a:gd name="connsiteX23" fmla="*/ 2308368 w 12192000"/>
+                <a:gd name="connsiteY23" fmla="*/ 256995 h 757168"/>
+                <a:gd name="connsiteX24" fmla="*/ 2660621 w 12192000"/>
+                <a:gd name="connsiteY24" fmla="*/ 262863 h 757168"/>
+                <a:gd name="connsiteX25" fmla="*/ 2801134 w 12192000"/>
+                <a:gd name="connsiteY25" fmla="*/ 250006 h 757168"/>
+                <a:gd name="connsiteX26" fmla="*/ 2830994 w 12192000"/>
+                <a:gd name="connsiteY26" fmla="*/ 249091 h 757168"/>
+                <a:gd name="connsiteX27" fmla="*/ 3129084 w 12192000"/>
+                <a:gd name="connsiteY27" fmla="*/ 242009 h 757168"/>
+                <a:gd name="connsiteX28" fmla="*/ 3162162 w 12192000"/>
+                <a:gd name="connsiteY28" fmla="*/ 242789 h 757168"/>
+                <a:gd name="connsiteX29" fmla="*/ 3254072 w 12192000"/>
+                <a:gd name="connsiteY29" fmla="*/ 251612 h 757168"/>
+                <a:gd name="connsiteX30" fmla="*/ 3473491 w 12192000"/>
+                <a:gd name="connsiteY30" fmla="*/ 221903 h 757168"/>
+                <a:gd name="connsiteX31" fmla="*/ 3691860 w 12192000"/>
+                <a:gd name="connsiteY31" fmla="*/ 219228 h 757168"/>
+                <a:gd name="connsiteX32" fmla="*/ 3811494 w 12192000"/>
+                <a:gd name="connsiteY32" fmla="*/ 225691 h 757168"/>
+                <a:gd name="connsiteX33" fmla="*/ 3897533 w 12192000"/>
+                <a:gd name="connsiteY33" fmla="*/ 220087 h 757168"/>
+                <a:gd name="connsiteX34" fmla="*/ 4109430 w 12192000"/>
+                <a:gd name="connsiteY34" fmla="*/ 200477 h 757168"/>
+                <a:gd name="connsiteX35" fmla="*/ 4208772 w 12192000"/>
+                <a:gd name="connsiteY35" fmla="*/ 200914 h 757168"/>
+                <a:gd name="connsiteX36" fmla="*/ 4314641 w 12192000"/>
+                <a:gd name="connsiteY36" fmla="*/ 196159 h 757168"/>
+                <a:gd name="connsiteX37" fmla="*/ 4577622 w 12192000"/>
+                <a:gd name="connsiteY37" fmla="*/ 163774 h 757168"/>
+                <a:gd name="connsiteX38" fmla="*/ 4790345 w 12192000"/>
+                <a:gd name="connsiteY38" fmla="*/ 177592 h 757168"/>
+                <a:gd name="connsiteX39" fmla="*/ 4926164 w 12192000"/>
+                <a:gd name="connsiteY39" fmla="*/ 184139 h 757168"/>
+                <a:gd name="connsiteX40" fmla="*/ 5088812 w 12192000"/>
+                <a:gd name="connsiteY40" fmla="*/ 177401 h 757168"/>
+                <a:gd name="connsiteX41" fmla="*/ 5222466 w 12192000"/>
+                <a:gd name="connsiteY41" fmla="*/ 162082 h 757168"/>
+                <a:gd name="connsiteX42" fmla="*/ 5406528 w 12192000"/>
+                <a:gd name="connsiteY42" fmla="*/ 153987 h 757168"/>
+                <a:gd name="connsiteX43" fmla="*/ 5590716 w 12192000"/>
+                <a:gd name="connsiteY43" fmla="*/ 129490 h 757168"/>
+                <a:gd name="connsiteX44" fmla="*/ 5719429 w 12192000"/>
+                <a:gd name="connsiteY44" fmla="*/ 110099 h 757168"/>
+                <a:gd name="connsiteX45" fmla="*/ 5897895 w 12192000"/>
+                <a:gd name="connsiteY45" fmla="*/ 96368 h 757168"/>
+                <a:gd name="connsiteX46" fmla="*/ 6169957 w 12192000"/>
+                <a:gd name="connsiteY46" fmla="*/ 94411 h 757168"/>
+                <a:gd name="connsiteX47" fmla="*/ 6294827 w 12192000"/>
+                <a:gd name="connsiteY47" fmla="*/ 99236 h 757168"/>
+                <a:gd name="connsiteX48" fmla="*/ 6494261 w 12192000"/>
+                <a:gd name="connsiteY48" fmla="*/ 71724 h 757168"/>
+                <a:gd name="connsiteX49" fmla="*/ 6579627 w 12192000"/>
+                <a:gd name="connsiteY49" fmla="*/ 57883 h 757168"/>
+                <a:gd name="connsiteX50" fmla="*/ 6654800 w 12192000"/>
+                <a:gd name="connsiteY50" fmla="*/ 77086 h 757168"/>
+                <a:gd name="connsiteX51" fmla="*/ 6703059 w 12192000"/>
+                <a:gd name="connsiteY51" fmla="*/ 97166 h 757168"/>
+                <a:gd name="connsiteX52" fmla="*/ 6859445 w 12192000"/>
+                <a:gd name="connsiteY52" fmla="*/ 90481 h 757168"/>
+                <a:gd name="connsiteX53" fmla="*/ 7025414 w 12192000"/>
+                <a:gd name="connsiteY53" fmla="*/ 83536 h 757168"/>
+                <a:gd name="connsiteX54" fmla="*/ 7144137 w 12192000"/>
+                <a:gd name="connsiteY54" fmla="*/ 79264 h 757168"/>
+                <a:gd name="connsiteX55" fmla="*/ 7291235 w 12192000"/>
+                <a:gd name="connsiteY55" fmla="*/ 95367 h 757168"/>
+                <a:gd name="connsiteX56" fmla="*/ 7407395 w 12192000"/>
+                <a:gd name="connsiteY56" fmla="*/ 104888 h 757168"/>
+                <a:gd name="connsiteX57" fmla="*/ 7500837 w 12192000"/>
+                <a:gd name="connsiteY57" fmla="*/ 119515 h 757168"/>
+                <a:gd name="connsiteX58" fmla="*/ 7533567 w 12192000"/>
+                <a:gd name="connsiteY58" fmla="*/ 126955 h 757168"/>
+                <a:gd name="connsiteX59" fmla="*/ 7792910 w 12192000"/>
+                <a:gd name="connsiteY59" fmla="*/ 185188 h 757168"/>
+                <a:gd name="connsiteX60" fmla="*/ 8070699 w 12192000"/>
+                <a:gd name="connsiteY60" fmla="*/ 235423 h 757168"/>
+                <a:gd name="connsiteX61" fmla="*/ 8253177 w 12192000"/>
+                <a:gd name="connsiteY61" fmla="*/ 222473 h 757168"/>
+                <a:gd name="connsiteX62" fmla="*/ 8320683 w 12192000"/>
+                <a:gd name="connsiteY62" fmla="*/ 226393 h 757168"/>
+                <a:gd name="connsiteX63" fmla="*/ 8631438 w 12192000"/>
+                <a:gd name="connsiteY63" fmla="*/ 237528 h 757168"/>
+                <a:gd name="connsiteX64" fmla="*/ 8686410 w 12192000"/>
+                <a:gd name="connsiteY64" fmla="*/ 234877 h 757168"/>
+                <a:gd name="connsiteX65" fmla="*/ 8980658 w 12192000"/>
+                <a:gd name="connsiteY65" fmla="*/ 273001 h 757168"/>
+                <a:gd name="connsiteX66" fmla="*/ 9087625 w 12192000"/>
+                <a:gd name="connsiteY66" fmla="*/ 282423 h 757168"/>
+                <a:gd name="connsiteX67" fmla="*/ 9186017 w 12192000"/>
+                <a:gd name="connsiteY67" fmla="*/ 293875 h 757168"/>
+                <a:gd name="connsiteX68" fmla="*/ 9323931 w 12192000"/>
+                <a:gd name="connsiteY68" fmla="*/ 302628 h 757168"/>
+                <a:gd name="connsiteX69" fmla="*/ 9467213 w 12192000"/>
+                <a:gd name="connsiteY69" fmla="*/ 307275 h 757168"/>
+                <a:gd name="connsiteX70" fmla="*/ 9626826 w 12192000"/>
+                <a:gd name="connsiteY70" fmla="*/ 316213 h 757168"/>
+                <a:gd name="connsiteX71" fmla="*/ 9689696 w 12192000"/>
+                <a:gd name="connsiteY71" fmla="*/ 324467 h 757168"/>
+                <a:gd name="connsiteX72" fmla="*/ 9860526 w 12192000"/>
+                <a:gd name="connsiteY72" fmla="*/ 329986 h 757168"/>
+                <a:gd name="connsiteX73" fmla="*/ 9949775 w 12192000"/>
+                <a:gd name="connsiteY73" fmla="*/ 340386 h 757168"/>
+                <a:gd name="connsiteX74" fmla="*/ 10097252 w 12192000"/>
+                <a:gd name="connsiteY74" fmla="*/ 349262 h 757168"/>
+                <a:gd name="connsiteX75" fmla="*/ 10145261 w 12192000"/>
+                <a:gd name="connsiteY75" fmla="*/ 353113 h 757168"/>
+                <a:gd name="connsiteX76" fmla="*/ 10188159 w 12192000"/>
+                <a:gd name="connsiteY76" fmla="*/ 356124 h 757168"/>
+                <a:gd name="connsiteX77" fmla="*/ 10336144 w 12192000"/>
+                <a:gd name="connsiteY77" fmla="*/ 348235 h 757168"/>
+                <a:gd name="connsiteX78" fmla="*/ 10466847 w 12192000"/>
+                <a:gd name="connsiteY78" fmla="*/ 354131 h 757168"/>
+                <a:gd name="connsiteX79" fmla="*/ 10696514 w 12192000"/>
+                <a:gd name="connsiteY79" fmla="*/ 353575 h 757168"/>
+                <a:gd name="connsiteX80" fmla="*/ 10746932 w 12192000"/>
+                <a:gd name="connsiteY80" fmla="*/ 360606 h 757168"/>
+                <a:gd name="connsiteX81" fmla="*/ 10905388 w 12192000"/>
+                <a:gd name="connsiteY81" fmla="*/ 370627 h 757168"/>
+                <a:gd name="connsiteX82" fmla="*/ 10995602 w 12192000"/>
+                <a:gd name="connsiteY82" fmla="*/ 376691 h 757168"/>
+                <a:gd name="connsiteX83" fmla="*/ 11107647 w 12192000"/>
+                <a:gd name="connsiteY83" fmla="*/ 373405 h 757168"/>
+                <a:gd name="connsiteX84" fmla="*/ 11302440 w 12192000"/>
+                <a:gd name="connsiteY84" fmla="*/ 364156 h 757168"/>
+                <a:gd name="connsiteX85" fmla="*/ 11353613 w 12192000"/>
+                <a:gd name="connsiteY85" fmla="*/ 363785 h 757168"/>
+                <a:gd name="connsiteX86" fmla="*/ 11447323 w 12192000"/>
+                <a:gd name="connsiteY86" fmla="*/ 359346 h 757168"/>
+                <a:gd name="connsiteX87" fmla="*/ 11464292 w 12192000"/>
+                <a:gd name="connsiteY87" fmla="*/ 358519 h 757168"/>
+                <a:gd name="connsiteX88" fmla="*/ 11607560 w 12192000"/>
+                <a:gd name="connsiteY88" fmla="*/ 342370 h 757168"/>
+                <a:gd name="connsiteX89" fmla="*/ 11681426 w 12192000"/>
+                <a:gd name="connsiteY89" fmla="*/ 344335 h 757168"/>
+                <a:gd name="connsiteX90" fmla="*/ 11893565 w 12192000"/>
+                <a:gd name="connsiteY90" fmla="*/ 355261 h 757168"/>
+                <a:gd name="connsiteX91" fmla="*/ 11983290 w 12192000"/>
+                <a:gd name="connsiteY91" fmla="*/ 363588 h 757168"/>
+                <a:gd name="connsiteX92" fmla="*/ 12192000 w 12192000"/>
+                <a:gd name="connsiteY92" fmla="*/ 388018 h 757168"/>
+                <a:gd name="connsiteX93" fmla="*/ 12192000 w 12192000"/>
+                <a:gd name="connsiteY93" fmla="*/ 577115 h 757168"/>
+                <a:gd name="connsiteX94" fmla="*/ 12157329 w 12192000"/>
+                <a:gd name="connsiteY94" fmla="*/ 588862 h 757168"/>
+                <a:gd name="connsiteX95" fmla="*/ 12066948 w 12192000"/>
+                <a:gd name="connsiteY95" fmla="*/ 586034 h 757168"/>
+                <a:gd name="connsiteX96" fmla="*/ 11911344 w 12192000"/>
+                <a:gd name="connsiteY96" fmla="*/ 521599 h 757168"/>
+                <a:gd name="connsiteX97" fmla="*/ 11847823 w 12192000"/>
+                <a:gd name="connsiteY97" fmla="*/ 511785 h 757168"/>
+                <a:gd name="connsiteX98" fmla="*/ 11737547 w 12192000"/>
+                <a:gd name="connsiteY98" fmla="*/ 502380 h 757168"/>
+                <a:gd name="connsiteX99" fmla="*/ 11636052 w 12192000"/>
+                <a:gd name="connsiteY99" fmla="*/ 514993 h 757168"/>
+                <a:gd name="connsiteX100" fmla="*/ 11394706 w 12192000"/>
+                <a:gd name="connsiteY100" fmla="*/ 590867 h 757168"/>
+                <a:gd name="connsiteX101" fmla="*/ 11354978 w 12192000"/>
+                <a:gd name="connsiteY101" fmla="*/ 597561 h 757168"/>
+                <a:gd name="connsiteX102" fmla="*/ 11285306 w 12192000"/>
+                <a:gd name="connsiteY102" fmla="*/ 599825 h 757168"/>
+                <a:gd name="connsiteX103" fmla="*/ 11008528 w 12192000"/>
+                <a:gd name="connsiteY103" fmla="*/ 656670 h 757168"/>
+                <a:gd name="connsiteX104" fmla="*/ 10948735 w 12192000"/>
+                <a:gd name="connsiteY104" fmla="*/ 652964 h 757168"/>
+                <a:gd name="connsiteX105" fmla="*/ 10850698 w 12192000"/>
+                <a:gd name="connsiteY105" fmla="*/ 641721 h 757168"/>
+                <a:gd name="connsiteX106" fmla="*/ 10744026 w 12192000"/>
+                <a:gd name="connsiteY106" fmla="*/ 647769 h 757168"/>
+                <a:gd name="connsiteX107" fmla="*/ 10666160 w 12192000"/>
+                <a:gd name="connsiteY107" fmla="*/ 651891 h 757168"/>
+                <a:gd name="connsiteX108" fmla="*/ 10450521 w 12192000"/>
+                <a:gd name="connsiteY108" fmla="*/ 616552 h 757168"/>
+                <a:gd name="connsiteX109" fmla="*/ 10271192 w 12192000"/>
+                <a:gd name="connsiteY109" fmla="*/ 583498 h 757168"/>
+                <a:gd name="connsiteX110" fmla="*/ 10246067 w 12192000"/>
+                <a:gd name="connsiteY110" fmla="*/ 585423 h 757168"/>
+                <a:gd name="connsiteX111" fmla="*/ 10005027 w 12192000"/>
+                <a:gd name="connsiteY111" fmla="*/ 592252 h 757168"/>
+                <a:gd name="connsiteX112" fmla="*/ 9898681 w 12192000"/>
+                <a:gd name="connsiteY112" fmla="*/ 613195 h 757168"/>
+                <a:gd name="connsiteX113" fmla="*/ 9753225 w 12192000"/>
+                <a:gd name="connsiteY113" fmla="*/ 629038 h 757168"/>
+                <a:gd name="connsiteX114" fmla="*/ 9591376 w 12192000"/>
+                <a:gd name="connsiteY114" fmla="*/ 648601 h 757168"/>
+                <a:gd name="connsiteX115" fmla="*/ 9472860 w 12192000"/>
+                <a:gd name="connsiteY115" fmla="*/ 655936 h 757168"/>
+                <a:gd name="connsiteX116" fmla="*/ 9299788 w 12192000"/>
+                <a:gd name="connsiteY116" fmla="*/ 636945 h 757168"/>
+                <a:gd name="connsiteX117" fmla="*/ 9264605 w 12192000"/>
+                <a:gd name="connsiteY117" fmla="*/ 627087 h 757168"/>
+                <a:gd name="connsiteX118" fmla="*/ 8926435 w 12192000"/>
+                <a:gd name="connsiteY118" fmla="*/ 549269 h 757168"/>
+                <a:gd name="connsiteX119" fmla="*/ 8698934 w 12192000"/>
+                <a:gd name="connsiteY119" fmla="*/ 536583 h 757168"/>
+                <a:gd name="connsiteX120" fmla="*/ 8622862 w 12192000"/>
+                <a:gd name="connsiteY120" fmla="*/ 541563 h 757168"/>
+                <a:gd name="connsiteX121" fmla="*/ 8482784 w 12192000"/>
+                <a:gd name="connsiteY121" fmla="*/ 574094 h 757168"/>
+                <a:gd name="connsiteX122" fmla="*/ 8421565 w 12192000"/>
+                <a:gd name="connsiteY122" fmla="*/ 576610 h 757168"/>
+                <a:gd name="connsiteX123" fmla="*/ 8313469 w 12192000"/>
+                <a:gd name="connsiteY123" fmla="*/ 574762 h 757168"/>
+                <a:gd name="connsiteX124" fmla="*/ 8079520 w 12192000"/>
+                <a:gd name="connsiteY124" fmla="*/ 558685 h 757168"/>
+                <a:gd name="connsiteX125" fmla="*/ 7773327 w 12192000"/>
+                <a:gd name="connsiteY125" fmla="*/ 558854 h 757168"/>
+                <a:gd name="connsiteX126" fmla="*/ 7652477 w 12192000"/>
+                <a:gd name="connsiteY126" fmla="*/ 547561 h 757168"/>
+                <a:gd name="connsiteX127" fmla="*/ 7522274 w 12192000"/>
+                <a:gd name="connsiteY127" fmla="*/ 532150 h 757168"/>
+                <a:gd name="connsiteX128" fmla="*/ 7484080 w 12192000"/>
+                <a:gd name="connsiteY128" fmla="*/ 530532 h 757168"/>
+                <a:gd name="connsiteX129" fmla="*/ 7282277 w 12192000"/>
+                <a:gd name="connsiteY129" fmla="*/ 540177 h 757168"/>
+                <a:gd name="connsiteX130" fmla="*/ 7235690 w 12192000"/>
+                <a:gd name="connsiteY130" fmla="*/ 551282 h 757168"/>
+                <a:gd name="connsiteX131" fmla="*/ 7116339 w 12192000"/>
+                <a:gd name="connsiteY131" fmla="*/ 539494 h 757168"/>
+                <a:gd name="connsiteX132" fmla="*/ 7011067 w 12192000"/>
+                <a:gd name="connsiteY132" fmla="*/ 511848 h 757168"/>
+                <a:gd name="connsiteX133" fmla="*/ 6403234 w 12192000"/>
+                <a:gd name="connsiteY133" fmla="*/ 432296 h 757168"/>
+                <a:gd name="connsiteX134" fmla="*/ 6036273 w 12192000"/>
+                <a:gd name="connsiteY134" fmla="*/ 412301 h 757168"/>
+                <a:gd name="connsiteX135" fmla="*/ 5780467 w 12192000"/>
+                <a:gd name="connsiteY135" fmla="*/ 377910 h 757168"/>
+                <a:gd name="connsiteX136" fmla="*/ 5739051 w 12192000"/>
+                <a:gd name="connsiteY136" fmla="*/ 353609 h 757168"/>
+                <a:gd name="connsiteX137" fmla="*/ 5583566 w 12192000"/>
+                <a:gd name="connsiteY137" fmla="*/ 321995 h 757168"/>
+                <a:gd name="connsiteX138" fmla="*/ 5432030 w 12192000"/>
+                <a:gd name="connsiteY138" fmla="*/ 362512 h 757168"/>
+                <a:gd name="connsiteX139" fmla="*/ 5241398 w 12192000"/>
+                <a:gd name="connsiteY139" fmla="*/ 425781 h 757168"/>
+                <a:gd name="connsiteX140" fmla="*/ 5139710 w 12192000"/>
+                <a:gd name="connsiteY140" fmla="*/ 421022 h 757168"/>
+                <a:gd name="connsiteX141" fmla="*/ 4929402 w 12192000"/>
+                <a:gd name="connsiteY141" fmla="*/ 424310 h 757168"/>
+                <a:gd name="connsiteX142" fmla="*/ 4782793 w 12192000"/>
+                <a:gd name="connsiteY142" fmla="*/ 441046 h 757168"/>
+                <a:gd name="connsiteX143" fmla="*/ 4577594 w 12192000"/>
+                <a:gd name="connsiteY143" fmla="*/ 459290 h 757168"/>
+                <a:gd name="connsiteX144" fmla="*/ 4500826 w 12192000"/>
+                <a:gd name="connsiteY144" fmla="*/ 470529 h 757168"/>
+                <a:gd name="connsiteX145" fmla="*/ 4317973 w 12192000"/>
+                <a:gd name="connsiteY145" fmla="*/ 483649 h 757168"/>
+                <a:gd name="connsiteX146" fmla="*/ 4166722 w 12192000"/>
+                <a:gd name="connsiteY146" fmla="*/ 490602 h 757168"/>
+                <a:gd name="connsiteX147" fmla="*/ 4042814 w 12192000"/>
+                <a:gd name="connsiteY147" fmla="*/ 530660 h 757168"/>
+                <a:gd name="connsiteX148" fmla="*/ 4002653 w 12192000"/>
+                <a:gd name="connsiteY148" fmla="*/ 552594 h 757168"/>
+                <a:gd name="connsiteX149" fmla="*/ 3969549 w 12192000"/>
+                <a:gd name="connsiteY149" fmla="*/ 566312 h 757168"/>
+                <a:gd name="connsiteX150" fmla="*/ 3821685 w 12192000"/>
+                <a:gd name="connsiteY150" fmla="*/ 649183 h 757168"/>
+                <a:gd name="connsiteX151" fmla="*/ 3805138 w 12192000"/>
+                <a:gd name="connsiteY151" fmla="*/ 655947 h 757168"/>
+                <a:gd name="connsiteX152" fmla="*/ 3609177 w 12192000"/>
+                <a:gd name="connsiteY152" fmla="*/ 687459 h 757168"/>
+                <a:gd name="connsiteX153" fmla="*/ 3539727 w 12192000"/>
+                <a:gd name="connsiteY153" fmla="*/ 706521 h 757168"/>
+                <a:gd name="connsiteX154" fmla="*/ 3396572 w 12192000"/>
+                <a:gd name="connsiteY154" fmla="*/ 755681 h 757168"/>
+                <a:gd name="connsiteX155" fmla="*/ 3341054 w 12192000"/>
+                <a:gd name="connsiteY155" fmla="*/ 754679 h 757168"/>
+                <a:gd name="connsiteX156" fmla="*/ 3138775 w 12192000"/>
+                <a:gd name="connsiteY156" fmla="*/ 710120 h 757168"/>
+                <a:gd name="connsiteX157" fmla="*/ 3037283 w 12192000"/>
+                <a:gd name="connsiteY157" fmla="*/ 666453 h 757168"/>
+                <a:gd name="connsiteX158" fmla="*/ 3002117 w 12192000"/>
+                <a:gd name="connsiteY158" fmla="*/ 649347 h 757168"/>
+                <a:gd name="connsiteX159" fmla="*/ 2747294 w 12192000"/>
+                <a:gd name="connsiteY159" fmla="*/ 652400 h 757168"/>
+                <a:gd name="connsiteX160" fmla="*/ 2676273 w 12192000"/>
+                <a:gd name="connsiteY160" fmla="*/ 652304 h 757168"/>
+                <a:gd name="connsiteX161" fmla="*/ 2432360 w 12192000"/>
+                <a:gd name="connsiteY161" fmla="*/ 657836 h 757168"/>
+                <a:gd name="connsiteX162" fmla="*/ 2382311 w 12192000"/>
+                <a:gd name="connsiteY162" fmla="*/ 650824 h 757168"/>
+                <a:gd name="connsiteX163" fmla="*/ 2055134 w 12192000"/>
+                <a:gd name="connsiteY163" fmla="*/ 630053 h 757168"/>
+                <a:gd name="connsiteX164" fmla="*/ 2031829 w 12192000"/>
+                <a:gd name="connsiteY164" fmla="*/ 639324 h 757168"/>
+                <a:gd name="connsiteX165" fmla="*/ 1912764 w 12192000"/>
+                <a:gd name="connsiteY165" fmla="*/ 664183 h 757168"/>
+                <a:gd name="connsiteX166" fmla="*/ 1755637 w 12192000"/>
+                <a:gd name="connsiteY166" fmla="*/ 663960 h 757168"/>
+                <a:gd name="connsiteX167" fmla="*/ 1727159 w 12192000"/>
+                <a:gd name="connsiteY167" fmla="*/ 659605 h 757168"/>
+                <a:gd name="connsiteX168" fmla="*/ 1622470 w 12192000"/>
+                <a:gd name="connsiteY168" fmla="*/ 634850 h 757168"/>
+                <a:gd name="connsiteX169" fmla="*/ 1385955 w 12192000"/>
+                <a:gd name="connsiteY169" fmla="*/ 604522 h 757168"/>
+                <a:gd name="connsiteX170" fmla="*/ 1340055 w 12192000"/>
+                <a:gd name="connsiteY170" fmla="*/ 595629 h 757168"/>
+                <a:gd name="connsiteX171" fmla="*/ 1257271 w 12192000"/>
+                <a:gd name="connsiteY171" fmla="*/ 581180 h 757168"/>
+                <a:gd name="connsiteX172" fmla="*/ 1031914 w 12192000"/>
+                <a:gd name="connsiteY172" fmla="*/ 562692 h 757168"/>
+                <a:gd name="connsiteX173" fmla="*/ 922031 w 12192000"/>
+                <a:gd name="connsiteY173" fmla="*/ 566853 h 757168"/>
+                <a:gd name="connsiteX174" fmla="*/ 873250 w 12192000"/>
+                <a:gd name="connsiteY174" fmla="*/ 563724 h 757168"/>
+                <a:gd name="connsiteX175" fmla="*/ 711627 w 12192000"/>
+                <a:gd name="connsiteY175" fmla="*/ 529880 h 757168"/>
+                <a:gd name="connsiteX176" fmla="*/ 311112 w 12192000"/>
+                <a:gd name="connsiteY176" fmla="*/ 525106 h 757168"/>
+                <a:gd name="connsiteX177" fmla="*/ 184145 w 12192000"/>
+                <a:gd name="connsiteY177" fmla="*/ 532188 h 757168"/>
+                <a:gd name="connsiteX178" fmla="*/ 116886 w 12192000"/>
+                <a:gd name="connsiteY178" fmla="*/ 530572 h 757168"/>
+                <a:gd name="connsiteX179" fmla="*/ 23941 w 12192000"/>
+                <a:gd name="connsiteY179" fmla="*/ 506433 h 757168"/>
+                <a:gd name="connsiteX180" fmla="*/ 0 w 12192000"/>
+                <a:gd name="connsiteY180" fmla="*/ 502149 h 757168"/>
+              </a:gdLst>
+              <a:ahLst/>
+              <a:cxnLst>
+                <a:cxn ang="0">
+                  <a:pos x="connsiteX0" y="connsiteY0"/>
+                </a:cxn>
+                <a:cxn ang="0">
+                  <a:pos x="connsiteX1" y="connsiteY1"/>
+                </a:cxn>
+                <a:cxn ang="0">
+                  <a:pos x="connsiteX2" y="connsiteY2"/>
+                </a:cxn>
+                <a:cxn ang="0">
+                  <a:pos x="connsiteX3" y="connsiteY3"/>
+                </a:cxn>
+                <a:cxn ang="0">
+                  <a:pos x="connsiteX4" y="connsiteY4"/>
+                </a:cxn>
+                <a:cxn ang="0">
+                  <a:pos x="connsiteX5" y="connsiteY5"/>
+                </a:cxn>
+                <a:cxn ang="0">
+                  <a:pos x="connsiteX6" y="connsiteY6"/>
+                </a:cxn>
+                <a:cxn ang="0">
+                  <a:pos x="connsiteX7" y="connsiteY7"/>
+                </a:cxn>
+                <a:cxn ang="0">
+                  <a:pos x="connsiteX8" y="connsiteY8"/>
+                </a:cxn>
+                <a:cxn ang="0">
+                  <a:pos x="connsiteX9" y="connsiteY9"/>
+                </a:cxn>
+                <a:cxn ang="0">
+                  <a:pos x="connsiteX10" y="connsiteY10"/>
+                </a:cxn>
+                <a:cxn ang="0">
+                  <a:pos x="connsiteX11" y="connsiteY11"/>
+                </a:cxn>
+                <a:cxn ang="0">
+                  <a:pos x="connsiteX12" y="connsiteY12"/>
+                </a:cxn>
+                <a:cxn ang="0">
+                  <a:pos x="connsiteX13" y="connsiteY13"/>
+                </a:cxn>
+                <a:cxn ang="0">
+                  <a:pos x="connsiteX14" y="connsiteY14"/>
+                </a:cxn>
+                <a:cxn ang="0">
+                  <a:pos x="connsiteX15" y="connsiteY15"/>
+                </a:cxn>
+                <a:cxn ang="0">
+                  <a:pos x="connsiteX16" y="connsiteY16"/>
+                </a:cxn>
+                <a:cxn ang="0">
+                  <a:pos x="connsiteX17" y="connsiteY17"/>
+                </a:cxn>
+                <a:cxn ang="0">
+                  <a:pos x="connsiteX18" y="connsiteY18"/>
+                </a:cxn>
+                <a:cxn ang="0">
+                  <a:pos x="connsiteX19" y="connsiteY19"/>
+                </a:cxn>
+                <a:cxn ang="0">
+                  <a:pos x="connsiteX20" y="connsiteY20"/>
+                </a:cxn>
+                <a:cxn ang="0">
+                  <a:pos x="connsiteX21" y="connsiteY21"/>
+                </a:cxn>
+                <a:cxn ang="0">
+                  <a:pos x="connsiteX22" y="connsiteY22"/>
+                </a:cxn>
+                <a:cxn ang="0">
+                  <a:pos x="connsiteX23" y="connsiteY23"/>
+                </a:cxn>
+                <a:cxn ang="0">
+                  <a:pos x="connsiteX24" y="connsiteY24"/>
+                </a:cxn>
+                <a:cxn ang="0">
+                  <a:pos x="connsiteX25" y="connsiteY25"/>
+                </a:cxn>
+                <a:cxn ang="0">
+                  <a:pos x="connsiteX26" y="connsiteY26"/>
+                </a:cxn>
+                <a:cxn ang="0">
+                  <a:pos x="connsiteX27" y="connsiteY27"/>
+                </a:cxn>
+                <a:cxn ang="0">
+                  <a:pos x="connsiteX28" y="connsiteY28"/>
+                </a:cxn>
+                <a:cxn ang="0">
+                  <a:pos x="connsiteX29" y="connsiteY29"/>
+                </a:cxn>
+                <a:cxn ang="0">
+                  <a:pos x="connsiteX30" y="connsiteY30"/>
+                </a:cxn>
+                <a:cxn ang="0">
+                  <a:pos x="connsiteX31" y="connsiteY31"/>
+                </a:cxn>
+                <a:cxn ang="0">
+                  <a:pos x="connsiteX32" y="connsiteY32"/>
+                </a:cxn>
+                <a:cxn ang="0">
+                  <a:pos x="connsiteX33" y="connsiteY33"/>
+                </a:cxn>
+                <a:cxn ang="0">
+                  <a:pos x="connsiteX34" y="connsiteY34"/>
+                </a:cxn>
+                <a:cxn ang="0">
+                  <a:pos x="connsiteX35" y="connsiteY35"/>
+                </a:cxn>
+                <a:cxn ang="0">
+                  <a:pos x="connsiteX36" y="connsiteY36"/>
+                </a:cxn>
+                <a:cxn ang="0">
+                  <a:pos x="connsiteX37" y="connsiteY37"/>
+                </a:cxn>
+                <a:cxn ang="0">
+                  <a:pos x="connsiteX38" y="connsiteY38"/>
+                </a:cxn>
+                <a:cxn ang="0">
+                  <a:pos x="connsiteX39" y="connsiteY39"/>
+                </a:cxn>
+                <a:cxn ang="0">
+                  <a:pos x="connsiteX40" y="connsiteY40"/>
+                </a:cxn>
+                <a:cxn ang="0">
+                  <a:pos x="connsiteX41" y="connsiteY41"/>
+                </a:cxn>
+                <a:cxn ang="0">
+                  <a:pos x="connsiteX42" y="connsiteY42"/>
+                </a:cxn>
+                <a:cxn ang="0">
+                  <a:pos x="connsiteX43" y="connsiteY43"/>
+                </a:cxn>
+                <a:cxn ang="0">
+                  <a:pos x="connsiteX44" y="connsiteY44"/>
+                </a:cxn>
+                <a:cxn ang="0">
+                  <a:pos x="connsiteX45" y="connsiteY45"/>
+                </a:cxn>
+                <a:cxn ang="0">
+                  <a:pos x="connsiteX46" y="connsiteY46"/>
+                </a:cxn>
+                <a:cxn ang="0">
+                  <a:pos x="connsiteX47" y="connsiteY47"/>
+                </a:cxn>
+                <a:cxn ang="0">
+                  <a:pos x="connsiteX48" y="connsiteY48"/>
+                </a:cxn>
+                <a:cxn ang="0">
+                  <a:pos x="connsiteX49" y="connsiteY49"/>
+                </a:cxn>
+                <a:cxn ang="0">
+                  <a:pos x="connsiteX50" y="connsiteY50"/>
+                </a:cxn>
+                <a:cxn ang="0">
+                  <a:pos x="connsiteX51" y="connsiteY51"/>
+                </a:cxn>
+                <a:cxn ang="0">
+                  <a:pos x="connsiteX52" y="connsiteY52"/>
+                </a:cxn>
+                <a:cxn ang="0">
+                  <a:pos x="connsiteX53" y="connsiteY53"/>
+                </a:cxn>
+                <a:cxn ang="0">
+                  <a:pos x="connsiteX54" y="connsiteY54"/>
+                </a:cxn>
+                <a:cxn ang="0">
+                  <a:pos x="connsiteX55" y="connsiteY55"/>
+                </a:cxn>
+                <a:cxn ang="0">
+                  <a:pos x="connsiteX56" y="connsiteY56"/>
+                </a:cxn>
+                <a:cxn ang="0">
+                  <a:pos x="connsiteX57" y="connsiteY57"/>
+                </a:cxn>
+                <a:cxn ang="0">
+                  <a:pos x="connsiteX58" y="connsiteY58"/>
+                </a:cxn>
+                <a:cxn ang="0">
+                  <a:pos x="connsiteX59" y="connsiteY59"/>
+                </a:cxn>
+                <a:cxn ang="0">
+                  <a:pos x="connsiteX60" y="connsiteY60"/>
+                </a:cxn>
+                <a:cxn ang="0">
+                  <a:pos x="connsiteX61" y="connsiteY61"/>
+                </a:cxn>
+                <a:cxn ang="0">
+                  <a:pos x="connsiteX62" y="connsiteY62"/>
+                </a:cxn>
+                <a:cxn ang="0">
+                  <a:pos x="connsiteX63" y="connsiteY63"/>
+                </a:cxn>
+                <a:cxn ang="0">
+                  <a:pos x="connsiteX64" y="connsiteY64"/>
+                </a:cxn>
+                <a:cxn ang="0">
+                  <a:pos x="connsiteX65" y="connsiteY65"/>
+                </a:cxn>
+                <a:cxn ang="0">
+                  <a:pos x="connsiteX66" y="connsiteY66"/>
+                </a:cxn>
+                <a:cxn ang="0">
+                  <a:pos x="connsiteX67" y="connsiteY67"/>
+                </a:cxn>
+                <a:cxn ang="0">
+                  <a:pos x="connsiteX68" y="connsiteY68"/>
+                </a:cxn>
+                <a:cxn ang="0">
+                  <a:pos x="connsiteX69" y="connsiteY69"/>
+                </a:cxn>
+                <a:cxn ang="0">
+                  <a:pos x="connsiteX70" y="connsiteY70"/>
+                </a:cxn>
+                <a:cxn ang="0">
+                  <a:pos x="connsiteX71" y="connsiteY71"/>
+                </a:cxn>
+                <a:cxn ang="0">
+                  <a:pos x="connsiteX72" y="connsiteY72"/>
+                </a:cxn>
+                <a:cxn ang="0">
+                  <a:pos x="connsiteX73" y="connsiteY73"/>
+                </a:cxn>
+                <a:cxn ang="0">
+                  <a:pos x="connsiteX74" y="connsiteY74"/>
+                </a:cxn>
+                <a:cxn ang="0">
+                  <a:pos x="connsiteX75" y="connsiteY75"/>
+                </a:cxn>
+                <a:cxn ang="0">
+                  <a:pos x="connsiteX76" y="connsiteY76"/>
+                </a:cxn>
+                <a:cxn ang="0">
+                  <a:pos x="connsiteX77" y="connsiteY77"/>
+                </a:cxn>
+                <a:cxn ang="0">
+                  <a:pos x="connsiteX78" y="connsiteY78"/>
+                </a:cxn>
+                <a:cxn ang="0">
+                  <a:pos x="connsiteX79" y="connsiteY79"/>
+                </a:cxn>
+                <a:cxn ang="0">
+                  <a:pos x="connsiteX80" y="connsiteY80"/>
+                </a:cxn>
+                <a:cxn ang="0">
+                  <a:pos x="connsiteX81" y="connsiteY81"/>
+                </a:cxn>
+                <a:cxn ang="0">
+                  <a:pos x="connsiteX82" y="connsiteY82"/>
+                </a:cxn>
+                <a:cxn ang="0">
+                  <a:pos x="connsiteX83" y="connsiteY83"/>
+                </a:cxn>
+                <a:cxn ang="0">
+                  <a:pos x="connsiteX84" y="connsiteY84"/>
+                </a:cxn>
+                <a:cxn ang="0">
+                  <a:pos x="connsiteX85" y="connsiteY85"/>
+                </a:cxn>
+                <a:cxn ang="0">
+                  <a:pos x="connsiteX86" y="connsiteY86"/>
+                </a:cxn>
+                <a:cxn ang="0">
+                  <a:pos x="connsiteX87" y="connsiteY87"/>
+                </a:cxn>
+                <a:cxn ang="0">
+                  <a:pos x="connsiteX88" y="connsiteY88"/>
+                </a:cxn>
+                <a:cxn ang="0">
+                  <a:pos x="connsiteX89" y="connsiteY89"/>
+                </a:cxn>
+                <a:cxn ang="0">
+                  <a:pos x="connsiteX90" y="connsiteY90"/>
+                </a:cxn>
+                <a:cxn ang="0">
+                  <a:pos x="connsiteX91" y="connsiteY91"/>
+                </a:cxn>
+                <a:cxn ang="0">
+                  <a:pos x="connsiteX92" y="connsiteY92"/>
+                </a:cxn>
+                <a:cxn ang="0">
+                  <a:pos x="connsiteX93" y="connsiteY93"/>
+                </a:cxn>
+                <a:cxn ang="0">
+                  <a:pos x="connsiteX94" y="connsiteY94"/>
+                </a:cxn>
+                <a:cxn ang="0">
+                  <a:pos x="connsiteX95" y="connsiteY95"/>
+                </a:cxn>
+                <a:cxn ang="0">
+                  <a:pos x="connsiteX96" y="connsiteY96"/>
+                </a:cxn>
+                <a:cxn ang="0">
+                  <a:pos x="connsiteX97" y="connsiteY97"/>
+                </a:cxn>
+                <a:cxn ang="0">
+                  <a:pos x="connsiteX98" y="connsiteY98"/>
+                </a:cxn>
+                <a:cxn ang="0">
+                  <a:pos x="connsiteX99" y="connsiteY99"/>
+                </a:cxn>
+                <a:cxn ang="0">
+                  <a:pos x="connsiteX100" y="connsiteY100"/>
+                </a:cxn>
+                <a:cxn ang="0">
+                  <a:pos x="connsiteX101" y="connsiteY101"/>
+                </a:cxn>
+                <a:cxn ang="0">
+                  <a:pos x="connsiteX102" y="connsiteY102"/>
+                </a:cxn>
+                <a:cxn ang="0">
+                  <a:pos x="connsiteX103" y="connsiteY103"/>
+                </a:cxn>
+                <a:cxn ang="0">
+                  <a:pos x="connsiteX104" y="connsiteY104"/>
+                </a:cxn>
+                <a:cxn ang="0">
+                  <a:pos x="connsiteX105" y="connsiteY105"/>
+                </a:cxn>
+                <a:cxn ang="0">
+                  <a:pos x="connsiteX106" y="connsiteY106"/>
+                </a:cxn>
+                <a:cxn ang="0">
+                  <a:pos x="connsiteX107" y="connsiteY107"/>
+                </a:cxn>
+                <a:cxn ang="0">
+                  <a:pos x="connsiteX108" y="connsiteY108"/>
+                </a:cxn>
+                <a:cxn ang="0">
+                  <a:pos x="connsiteX109" y="connsiteY109"/>
+                </a:cxn>
+                <a:cxn ang="0">
+                  <a:pos x="connsiteX110" y="connsiteY110"/>
+                </a:cxn>
+                <a:cxn ang="0">
+                  <a:pos x="connsiteX111" y="connsiteY111"/>
+                </a:cxn>
+                <a:cxn ang="0">
+                  <a:pos x="connsiteX112" y="connsiteY112"/>
+                </a:cxn>
+                <a:cxn ang="0">
+                  <a:pos x="connsiteX113" y="connsiteY113"/>
+                </a:cxn>
+                <a:cxn ang="0">
+                  <a:pos x="connsiteX114" y="connsiteY114"/>
+                </a:cxn>
+                <a:cxn ang="0">
+                  <a:pos x="connsiteX115" y="connsiteY115"/>
+                </a:cxn>
+                <a:cxn ang="0">
+                  <a:pos x="connsiteX116" y="connsiteY116"/>
+                </a:cxn>
+                <a:cxn ang="0">
+                  <a:pos x="connsiteX117" y="connsiteY117"/>
+                </a:cxn>
+                <a:cxn ang="0">
+                  <a:pos x="connsiteX118" y="connsiteY118"/>
+                </a:cxn>
+                <a:cxn ang="0">
+                  <a:pos x="connsiteX119" y="connsiteY119"/>
+                </a:cxn>
+                <a:cxn ang="0">
+                  <a:pos x="connsiteX120" y="connsiteY120"/>
+                </a:cxn>
+                <a:cxn ang="0">
+                  <a:pos x="connsiteX121" y="connsiteY121"/>
+                </a:cxn>
+                <a:cxn ang="0">
+                  <a:pos x="connsiteX122" y="connsiteY122"/>
+                </a:cxn>
+                <a:cxn ang="0">
+                  <a:pos x="connsiteX123" y="connsiteY123"/>
+                </a:cxn>
+                <a:cxn ang="0">
+                  <a:pos x="connsiteX124" y="connsiteY124"/>
+                </a:cxn>
+                <a:cxn ang="0">
+                  <a:pos x="connsiteX125" y="connsiteY125"/>
+                </a:cxn>
+                <a:cxn ang="0">
+                  <a:pos x="connsiteX126" y="connsiteY126"/>
+                </a:cxn>
+                <a:cxn ang="0">
+                  <a:pos x="connsiteX127" y="connsiteY127"/>
+                </a:cxn>
+                <a:cxn ang="0">
+                  <a:pos x="connsiteX128" y="connsiteY128"/>
+                </a:cxn>
+                <a:cxn ang="0">
+                  <a:pos x="connsiteX129" y="connsiteY129"/>
+                </a:cxn>
+                <a:cxn ang="0">
+                  <a:pos x="connsiteX130" y="connsiteY130"/>
+                </a:cxn>
+                <a:cxn ang="0">
+                  <a:pos x="connsiteX131" y="connsiteY131"/>
+                </a:cxn>
+                <a:cxn ang="0">
+                  <a:pos x="connsiteX132" y="connsiteY132"/>
+                </a:cxn>
+                <a:cxn ang="0">
+                  <a:pos x="connsiteX133" y="connsiteY133"/>
+                </a:cxn>
+                <a:cxn ang="0">
+                  <a:pos x="connsiteX134" y="connsiteY134"/>
+                </a:cxn>
+                <a:cxn ang="0">
+                  <a:pos x="connsiteX135" y="connsiteY135"/>
+                </a:cxn>
+                <a:cxn ang="0">
+                  <a:pos x="connsiteX136" y="connsiteY136"/>
+                </a:cxn>
+                <a:cxn ang="0">
+                  <a:pos x="connsiteX137" y="connsiteY137"/>
+                </a:cxn>
+                <a:cxn ang="0">
+                  <a:pos x="connsiteX138" y="connsiteY138"/>
+                </a:cxn>
+                <a:cxn ang="0">
+                  <a:pos x="connsiteX139" y="connsiteY139"/>
+                </a:cxn>
+                <a:cxn ang="0">
+                  <a:pos x="connsiteX140" y="connsiteY140"/>
+                </a:cxn>
+                <a:cxn ang="0">
+                  <a:pos x="connsiteX141" y="connsiteY141"/>
+                </a:cxn>
+                <a:cxn ang="0">
+                  <a:pos x="connsiteX142" y="connsiteY142"/>
+                </a:cxn>
+                <a:cxn ang="0">
+                  <a:pos x="connsiteX143" y="connsiteY143"/>
+                </a:cxn>
+                <a:cxn ang="0">
+                  <a:pos x="connsiteX144" y="connsiteY144"/>
+                </a:cxn>
+                <a:cxn ang="0">
+                  <a:pos x="connsiteX145" y="connsiteY145"/>
+                </a:cxn>
+                <a:cxn ang="0">
+                  <a:pos x="connsiteX146" y="connsiteY146"/>
+                </a:cxn>
+                <a:cxn ang="0">
+                  <a:pos x="connsiteX147" y="connsiteY147"/>
+                </a:cxn>
+                <a:cxn ang="0">
+                  <a:pos x="connsiteX148" y="connsiteY148"/>
+                </a:cxn>
+                <a:cxn ang="0">
+                  <a:pos x="connsiteX149" y="connsiteY149"/>
+                </a:cxn>
+                <a:cxn ang="0">
+                  <a:pos x="connsiteX150" y="connsiteY150"/>
+                </a:cxn>
+                <a:cxn ang="0">
+                  <a:pos x="connsiteX151" y="connsiteY151"/>
+                </a:cxn>
+                <a:cxn ang="0">
+                  <a:pos x="connsiteX152" y="connsiteY152"/>
+                </a:cxn>
+                <a:cxn ang="0">
+                  <a:pos x="connsiteX153" y="connsiteY153"/>
+                </a:cxn>
+                <a:cxn ang="0">
+                  <a:pos x="connsiteX154" y="connsiteY154"/>
+                </a:cxn>
+                <a:cxn ang="0">
+                  <a:pos x="connsiteX155" y="connsiteY155"/>
+                </a:cxn>
+                <a:cxn ang="0">
+                  <a:pos x="connsiteX156" y="connsiteY156"/>
+                </a:cxn>
+                <a:cxn ang="0">
+                  <a:pos x="connsiteX157" y="connsiteY157"/>
+                </a:cxn>
+                <a:cxn ang="0">
+                  <a:pos x="connsiteX158" y="connsiteY158"/>
+                </a:cxn>
+                <a:cxn ang="0">
+                  <a:pos x="connsiteX159" y="connsiteY159"/>
+                </a:cxn>
+                <a:cxn ang="0">
+                  <a:pos x="connsiteX160" y="connsiteY160"/>
+                </a:cxn>
+                <a:cxn ang="0">
+                  <a:pos x="connsiteX161" y="connsiteY161"/>
+                </a:cxn>
+                <a:cxn ang="0">
+                  <a:pos x="connsiteX162" y="connsiteY162"/>
+                </a:cxn>
+                <a:cxn ang="0">
+                  <a:pos x="connsiteX163" y="connsiteY163"/>
+                </a:cxn>
+                <a:cxn ang="0">
+                  <a:pos x="connsiteX164" y="connsiteY164"/>
+                </a:cxn>
+                <a:cxn ang="0">
+                  <a:pos x="connsiteX165" y="connsiteY165"/>
+                </a:cxn>
+                <a:cxn ang="0">
+                  <a:pos x="connsiteX166" y="connsiteY166"/>
+                </a:cxn>
+                <a:cxn ang="0">
+                  <a:pos x="connsiteX167" y="connsiteY167"/>
+                </a:cxn>
+                <a:cxn ang="0">
+                  <a:pos x="connsiteX168" y="connsiteY168"/>
+                </a:cxn>
+                <a:cxn ang="0">
+                  <a:pos x="connsiteX169" y="connsiteY169"/>
+                </a:cxn>
+                <a:cxn ang="0">
+                  <a:pos x="connsiteX170" y="connsiteY170"/>
+                </a:cxn>
+                <a:cxn ang="0">
+                  <a:pos x="connsiteX171" y="connsiteY171"/>
+                </a:cxn>
+                <a:cxn ang="0">
+                  <a:pos x="connsiteX172" y="connsiteY172"/>
+                </a:cxn>
+                <a:cxn ang="0">
+                  <a:pos x="connsiteX173" y="connsiteY173"/>
+                </a:cxn>
+                <a:cxn ang="0">
+                  <a:pos x="connsiteX174" y="connsiteY174"/>
+                </a:cxn>
+                <a:cxn ang="0">
+                  <a:pos x="connsiteX175" y="connsiteY175"/>
+                </a:cxn>
+                <a:cxn ang="0">
+                  <a:pos x="connsiteX176" y="connsiteY176"/>
+                </a:cxn>
+                <a:cxn ang="0">
+                  <a:pos x="connsiteX177" y="connsiteY177"/>
+                </a:cxn>
+                <a:cxn ang="0">
+                  <a:pos x="connsiteX178" y="connsiteY178"/>
+                </a:cxn>
+                <a:cxn ang="0">
+                  <a:pos x="connsiteX179" y="connsiteY179"/>
+                </a:cxn>
+                <a:cxn ang="0">
+                  <a:pos x="connsiteX180" y="connsiteY180"/>
+                </a:cxn>
+              </a:cxnLst>
+              <a:rect l="l" t="t" r="r" b="b"/>
+              <a:pathLst>
+                <a:path w="12192000" h="757168">
+                  <a:moveTo>
+                    <a:pt x="0" y="0"/>
+                  </a:moveTo>
+                  <a:lnTo>
+                    <a:pt x="41653" y="6945"/>
+                  </a:lnTo>
+                  <a:cubicBezTo>
+                    <a:pt x="55151" y="9178"/>
+                    <a:pt x="68996" y="11810"/>
+                    <a:pt x="81317" y="15509"/>
+                  </a:cubicBezTo>
+                  <a:cubicBezTo>
+                    <a:pt x="92911" y="18978"/>
+                    <a:pt x="102562" y="24446"/>
+                    <a:pt x="114150" y="28105"/>
+                  </a:cubicBezTo>
+                  <a:cubicBezTo>
+                    <a:pt x="145644" y="37958"/>
+                    <a:pt x="177914" y="47281"/>
+                    <a:pt x="214865" y="58374"/>
+                  </a:cubicBezTo>
+                  <a:cubicBezTo>
+                    <a:pt x="236680" y="42349"/>
+                    <a:pt x="264438" y="53534"/>
+                    <a:pt x="299237" y="63560"/>
+                  </a:cubicBezTo>
+                  <a:cubicBezTo>
+                    <a:pt x="334763" y="73816"/>
+                    <a:pt x="376093" y="78654"/>
+                    <a:pt x="415570" y="83774"/>
+                  </a:cubicBezTo>
+                  <a:cubicBezTo>
+                    <a:pt x="487949" y="93100"/>
+                    <a:pt x="560804" y="100354"/>
+                    <a:pt x="633210" y="109108"/>
+                  </a:cubicBezTo>
+                  <a:cubicBezTo>
+                    <a:pt x="648566" y="111058"/>
+                    <a:pt x="666073" y="114072"/>
+                    <a:pt x="677567" y="119446"/>
+                  </a:cubicBezTo>
+                  <a:cubicBezTo>
+                    <a:pt x="756262" y="155621"/>
+                    <a:pt x="853422" y="169678"/>
+                    <a:pt x="946429" y="171502"/>
+                  </a:cubicBezTo>
+                  <a:cubicBezTo>
+                    <a:pt x="1019582" y="173044"/>
+                    <a:pt x="1091239" y="175083"/>
+                    <a:pt x="1163367" y="182106"/>
+                  </a:cubicBezTo>
+                  <a:cubicBezTo>
+                    <a:pt x="1168863" y="182586"/>
+                    <a:pt x="1176224" y="182589"/>
+                    <a:pt x="1180337" y="181279"/>
+                  </a:cubicBezTo>
+                  <a:cubicBezTo>
+                    <a:pt x="1205822" y="172503"/>
+                    <a:pt x="1231920" y="173109"/>
+                    <a:pt x="1263939" y="173070"/>
+                  </a:cubicBezTo>
+                  <a:cubicBezTo>
+                    <a:pt x="1309211" y="172961"/>
+                    <a:pt x="1350592" y="176848"/>
+                    <a:pt x="1392213" y="183225"/>
+                  </a:cubicBezTo>
+                  <a:cubicBezTo>
+                    <a:pt x="1422516" y="187866"/>
+                    <a:pt x="1453010" y="195759"/>
+                    <a:pt x="1479752" y="205174"/>
+                  </a:cubicBezTo>
+                  <a:cubicBezTo>
+                    <a:pt x="1516962" y="218381"/>
+                    <a:pt x="1553071" y="224660"/>
+                    <a:pt x="1589813" y="211706"/>
+                  </a:cubicBezTo>
+                  <a:cubicBezTo>
+                    <a:pt x="1629541" y="197953"/>
+                    <a:pt x="1673292" y="205778"/>
+                    <a:pt x="1716264" y="207459"/>
+                  </a:cubicBezTo>
+                  <a:cubicBezTo>
+                    <a:pt x="1734988" y="208248"/>
+                    <a:pt x="1754789" y="209668"/>
+                    <a:pt x="1772900" y="208137"/>
+                  </a:cubicBezTo>
+                  <a:cubicBezTo>
+                    <a:pt x="1825381" y="203828"/>
+                    <a:pt x="1876222" y="195808"/>
+                    <a:pt x="1929319" y="193822"/>
+                  </a:cubicBezTo>
+                  <a:cubicBezTo>
+                    <a:pt x="1958819" y="192698"/>
+                    <a:pt x="1991232" y="199166"/>
+                    <a:pt x="2021514" y="204186"/>
+                  </a:cubicBezTo>
+                  <a:cubicBezTo>
+                    <a:pt x="2052154" y="209417"/>
+                    <a:pt x="2082323" y="216530"/>
+                    <a:pt x="2111753" y="223797"/>
+                  </a:cubicBezTo>
+                  <a:cubicBezTo>
+                    <a:pt x="2131736" y="228659"/>
+                    <a:pt x="2153567" y="233429"/>
+                    <a:pt x="2169356" y="241125"/>
+                  </a:cubicBezTo>
+                  <a:cubicBezTo>
+                    <a:pt x="2205243" y="258649"/>
+                    <a:pt x="2242901" y="263295"/>
+                    <a:pt x="2286638" y="257382"/>
+                  </a:cubicBezTo>
+                  <a:cubicBezTo>
+                    <a:pt x="2293313" y="256396"/>
+                    <a:pt x="2301018" y="256799"/>
+                    <a:pt x="2308368" y="256995"/>
+                  </a:cubicBezTo>
+                  <a:cubicBezTo>
+                    <a:pt x="2426026" y="259155"/>
+                    <a:pt x="2543593" y="262834"/>
+                    <a:pt x="2660621" y="262863"/>
+                  </a:cubicBezTo>
+                  <a:cubicBezTo>
+                    <a:pt x="2708088" y="262871"/>
+                    <a:pt x="2754165" y="254412"/>
+                    <a:pt x="2801134" y="250006"/>
+                  </a:cubicBezTo>
+                  <a:cubicBezTo>
+                    <a:pt x="2810748" y="249174"/>
+                    <a:pt x="2821504" y="247638"/>
+                    <a:pt x="2830994" y="249091"/>
+                  </a:cubicBezTo>
+                  <a:cubicBezTo>
+                    <a:pt x="2934354" y="264045"/>
+                    <a:pt x="3032340" y="255254"/>
+                    <a:pt x="3129084" y="242009"/>
+                  </a:cubicBezTo>
+                  <a:cubicBezTo>
+                    <a:pt x="3139090" y="240625"/>
+                    <a:pt x="3151170" y="241831"/>
+                    <a:pt x="3162162" y="242789"/>
+                  </a:cubicBezTo>
+                  <a:cubicBezTo>
+                    <a:pt x="3192925" y="245736"/>
+                    <a:pt x="3225969" y="254145"/>
+                    <a:pt x="3254072" y="251612"/>
+                  </a:cubicBezTo>
+                  <a:cubicBezTo>
+                    <a:pt x="3328782" y="244461"/>
+                    <a:pt x="3402881" y="234992"/>
+                    <a:pt x="3473491" y="221903"/>
+                  </a:cubicBezTo>
+                  <a:cubicBezTo>
+                    <a:pt x="3545212" y="208683"/>
+                    <a:pt x="3611651" y="197856"/>
+                    <a:pt x="3691860" y="219228"/>
+                  </a:cubicBezTo>
+                  <a:cubicBezTo>
+                    <a:pt x="3725977" y="228268"/>
+                    <a:pt x="3771754" y="225515"/>
+                    <a:pt x="3811494" y="225691"/>
+                  </a:cubicBezTo>
+                  <a:cubicBezTo>
+                    <a:pt x="3840564" y="225687"/>
+                    <a:pt x="3868906" y="218586"/>
+                    <a:pt x="3897533" y="220087"/>
+                  </a:cubicBezTo>
+                  <a:cubicBezTo>
+                    <a:pt x="3973874" y="224087"/>
+                    <a:pt x="4042293" y="217563"/>
+                    <a:pt x="4109430" y="200477"/>
+                  </a:cubicBezTo>
+                  <a:cubicBezTo>
+                    <a:pt x="4135544" y="193834"/>
+                    <a:pt x="4175268" y="201258"/>
+                    <a:pt x="4208772" y="200914"/>
+                  </a:cubicBezTo>
+                  <a:cubicBezTo>
+                    <a:pt x="4244136" y="200288"/>
+                    <a:pt x="4280583" y="199908"/>
+                    <a:pt x="4314641" y="196159"/>
+                  </a:cubicBezTo>
+                  <a:cubicBezTo>
+                    <a:pt x="4402743" y="186278"/>
+                    <a:pt x="4489848" y="174436"/>
+                    <a:pt x="4577622" y="163774"/>
+                  </a:cubicBezTo>
+                  <a:cubicBezTo>
+                    <a:pt x="4649843" y="154967"/>
+                    <a:pt x="4719794" y="168553"/>
+                    <a:pt x="4790345" y="177592"/>
+                  </a:cubicBezTo>
+                  <a:cubicBezTo>
+                    <a:pt x="4834576" y="183345"/>
+                    <a:pt x="4875614" y="193701"/>
+                    <a:pt x="4926164" y="184139"/>
+                  </a:cubicBezTo>
+                  <a:cubicBezTo>
+                    <a:pt x="4974485" y="175032"/>
+                    <a:pt x="5034899" y="180870"/>
+                    <a:pt x="5088812" y="177401"/>
+                  </a:cubicBezTo>
+                  <a:cubicBezTo>
+                    <a:pt x="5134238" y="174439"/>
+                    <a:pt x="5178353" y="168165"/>
+                    <a:pt x="5222466" y="162082"/>
+                  </a:cubicBezTo>
+                  <a:cubicBezTo>
+                    <a:pt x="5282519" y="153783"/>
+                    <a:pt x="5341864" y="144876"/>
+                    <a:pt x="5406528" y="153987"/>
+                  </a:cubicBezTo>
+                  <a:cubicBezTo>
+                    <a:pt x="5479960" y="164323"/>
+                    <a:pt x="5531876" y="142624"/>
+                    <a:pt x="5590716" y="129490"/>
+                  </a:cubicBezTo>
+                  <a:cubicBezTo>
+                    <a:pt x="5631296" y="120553"/>
+                    <a:pt x="5675395" y="114659"/>
+                    <a:pt x="5719429" y="110099"/>
+                  </a:cubicBezTo>
+                  <a:cubicBezTo>
+                    <a:pt x="5778247" y="104215"/>
+                    <a:pt x="5838715" y="102042"/>
+                    <a:pt x="5897895" y="96368"/>
+                  </a:cubicBezTo>
+                  <a:cubicBezTo>
+                    <a:pt x="5987399" y="87895"/>
+                    <a:pt x="6077855" y="82333"/>
+                    <a:pt x="6169957" y="94411"/>
+                  </a:cubicBezTo>
+                  <a:cubicBezTo>
+                    <a:pt x="6212360" y="99875"/>
+                    <a:pt x="6252010" y="101763"/>
+                    <a:pt x="6294827" y="99236"/>
+                  </a:cubicBezTo>
+                  <a:cubicBezTo>
+                    <a:pt x="6364965" y="95091"/>
+                    <a:pt x="6436581" y="97891"/>
+                    <a:pt x="6494261" y="71724"/>
+                  </a:cubicBezTo>
+                  <a:cubicBezTo>
+                    <a:pt x="6514615" y="62488"/>
+                    <a:pt x="6550354" y="61691"/>
+                    <a:pt x="6579627" y="57883"/>
+                  </a:cubicBezTo>
+                  <a:cubicBezTo>
+                    <a:pt x="6613354" y="53353"/>
+                    <a:pt x="6637770" y="57878"/>
+                    <a:pt x="6654800" y="77086"/>
+                  </a:cubicBezTo>
+                  <a:cubicBezTo>
+                    <a:pt x="6662444" y="85688"/>
+                    <a:pt x="6685147" y="94892"/>
+                    <a:pt x="6703059" y="97166"/>
+                  </a:cubicBezTo>
+                  <a:cubicBezTo>
+                    <a:pt x="6756799" y="103989"/>
+                    <a:pt x="6806654" y="100687"/>
+                    <a:pt x="6859445" y="90481"/>
+                  </a:cubicBezTo>
+                  <a:cubicBezTo>
+                    <a:pt x="6908894" y="80861"/>
+                    <a:pt x="6969747" y="85387"/>
+                    <a:pt x="7025414" y="83536"/>
+                  </a:cubicBezTo>
+                  <a:cubicBezTo>
+                    <a:pt x="7064862" y="82168"/>
+                    <a:pt x="7104501" y="77186"/>
+                    <a:pt x="7144137" y="79264"/>
+                  </a:cubicBezTo>
+                  <a:cubicBezTo>
+                    <a:pt x="7193316" y="81841"/>
+                    <a:pt x="7241809" y="90488"/>
+                    <a:pt x="7291235" y="95367"/>
+                  </a:cubicBezTo>
+                  <a:cubicBezTo>
+                    <a:pt x="7329668" y="99288"/>
+                    <a:pt x="7368978" y="100585"/>
+                    <a:pt x="7407395" y="104888"/>
+                  </a:cubicBezTo>
+                  <a:cubicBezTo>
+                    <a:pt x="7438868" y="108256"/>
+                    <a:pt x="7469832" y="114265"/>
+                    <a:pt x="7500837" y="119515"/>
+                  </a:cubicBezTo>
+                  <a:cubicBezTo>
+                    <a:pt x="7512146" y="121444"/>
+                    <a:pt x="7523255" y="127178"/>
+                    <a:pt x="7533567" y="126955"/>
+                  </a:cubicBezTo>
+                  <a:cubicBezTo>
+                    <a:pt x="7636025" y="124121"/>
+                    <a:pt x="7707510" y="164497"/>
+                    <a:pt x="7792910" y="185188"/>
+                  </a:cubicBezTo>
+                  <a:cubicBezTo>
+                    <a:pt x="7882663" y="207063"/>
+                    <a:pt x="7969001" y="237914"/>
+                    <a:pt x="8070699" y="235423"/>
+                  </a:cubicBezTo>
+                  <a:cubicBezTo>
+                    <a:pt x="8132239" y="233879"/>
+                    <a:pt x="8191903" y="225939"/>
+                    <a:pt x="8253177" y="222473"/>
+                  </a:cubicBezTo>
+                  <a:cubicBezTo>
+                    <a:pt x="8274949" y="221324"/>
+                    <a:pt x="8299150" y="222976"/>
+                    <a:pt x="8320683" y="226393"/>
+                  </a:cubicBezTo>
+                  <a:cubicBezTo>
+                    <a:pt x="8424731" y="242340"/>
+                    <a:pt x="8527777" y="249266"/>
+                    <a:pt x="8631438" y="237528"/>
+                  </a:cubicBezTo>
+                  <a:cubicBezTo>
+                    <a:pt x="8649201" y="235596"/>
+                    <a:pt x="8668058" y="233915"/>
+                    <a:pt x="8686410" y="234877"/>
+                  </a:cubicBezTo>
+                  <a:cubicBezTo>
+                    <a:pt x="8786966" y="240146"/>
+                    <a:pt x="8885480" y="249315"/>
+                    <a:pt x="8980658" y="273001"/>
+                  </a:cubicBezTo>
+                  <a:cubicBezTo>
+                    <a:pt x="9012626" y="280972"/>
+                    <a:pt x="9052108" y="279035"/>
+                    <a:pt x="9087625" y="282423"/>
+                  </a:cubicBezTo>
+                  <a:cubicBezTo>
+                    <a:pt x="9120583" y="285484"/>
+                    <a:pt x="9154319" y="287825"/>
+                    <a:pt x="9186017" y="293875"/>
+                  </a:cubicBezTo>
+                  <a:cubicBezTo>
+                    <a:pt x="9232288" y="302785"/>
+                    <a:pt x="9275554" y="305815"/>
+                    <a:pt x="9323931" y="302628"/>
+                  </a:cubicBezTo>
+                  <a:cubicBezTo>
+                    <a:pt x="9370084" y="299705"/>
+                    <a:pt x="9419491" y="304964"/>
+                    <a:pt x="9467213" y="307275"/>
+                  </a:cubicBezTo>
+                  <a:cubicBezTo>
+                    <a:pt x="9520438" y="309874"/>
+                    <a:pt x="9573661" y="312473"/>
+                    <a:pt x="9626826" y="316213"/>
+                  </a:cubicBezTo>
+                  <a:cubicBezTo>
+                    <a:pt x="9648094" y="317708"/>
+                    <a:pt x="9671915" y="326588"/>
+                    <a:pt x="9689696" y="324467"/>
+                  </a:cubicBezTo>
+                  <a:cubicBezTo>
+                    <a:pt x="9747117" y="317175"/>
+                    <a:pt x="9803355" y="332523"/>
+                    <a:pt x="9860526" y="329986"/>
+                  </a:cubicBezTo>
+                  <a:cubicBezTo>
+                    <a:pt x="9888572" y="328594"/>
+                    <a:pt x="9919723" y="338048"/>
+                    <a:pt x="9949775" y="340386"/>
+                  </a:cubicBezTo>
+                  <a:cubicBezTo>
+                    <a:pt x="9998886" y="344296"/>
+                    <a:pt x="10048092" y="346302"/>
+                    <a:pt x="10097252" y="349262"/>
+                  </a:cubicBezTo>
+                  <a:cubicBezTo>
+                    <a:pt x="10113390" y="350297"/>
+                    <a:pt x="10129133" y="351886"/>
+                    <a:pt x="10145261" y="353113"/>
+                  </a:cubicBezTo>
+                  <a:cubicBezTo>
+                    <a:pt x="10159555" y="354243"/>
+                    <a:pt x="10174512" y="356743"/>
+                    <a:pt x="10188159" y="356124"/>
+                  </a:cubicBezTo>
+                  <a:cubicBezTo>
+                    <a:pt x="10237589" y="353944"/>
+                    <a:pt x="10286441" y="348682"/>
+                    <a:pt x="10336144" y="348235"/>
+                  </a:cubicBezTo>
+                  <a:cubicBezTo>
+                    <a:pt x="10379222" y="347822"/>
+                    <a:pt x="10423443" y="353764"/>
+                    <a:pt x="10466847" y="354131"/>
+                  </a:cubicBezTo>
+                  <a:cubicBezTo>
+                    <a:pt x="10543353" y="354898"/>
+                    <a:pt x="10619988" y="353190"/>
+                    <a:pt x="10696514" y="353575"/>
+                  </a:cubicBezTo>
+                  <a:cubicBezTo>
+                    <a:pt x="10713071" y="353680"/>
+                    <a:pt x="10730069" y="359342"/>
+                    <a:pt x="10746932" y="360606"/>
+                  </a:cubicBezTo>
+                  <a:cubicBezTo>
+                    <a:pt x="10799731" y="364326"/>
+                    <a:pt x="10852569" y="367289"/>
+                    <a:pt x="10905388" y="370627"/>
+                  </a:cubicBezTo>
+                  <a:cubicBezTo>
+                    <a:pt x="10935470" y="372396"/>
+                    <a:pt x="10965963" y="373421"/>
+                    <a:pt x="10995602" y="376691"/>
+                  </a:cubicBezTo>
+                  <a:cubicBezTo>
+                    <a:pt x="11034750" y="381032"/>
+                    <a:pt x="11070168" y="386324"/>
+                    <a:pt x="11107647" y="373405"/>
+                  </a:cubicBezTo>
+                  <a:cubicBezTo>
+                    <a:pt x="11165372" y="353347"/>
+                    <a:pt x="11236837" y="366060"/>
+                    <a:pt x="11302440" y="364156"/>
+                  </a:cubicBezTo>
+                  <a:cubicBezTo>
+                    <a:pt x="11319394" y="363708"/>
+                    <a:pt x="11336655" y="364422"/>
+                    <a:pt x="11353613" y="363785"/>
+                  </a:cubicBezTo>
+                  <a:cubicBezTo>
+                    <a:pt x="11384961" y="362566"/>
+                    <a:pt x="11415955" y="360947"/>
+                    <a:pt x="11447323" y="359346"/>
+                  </a:cubicBezTo>
+                  <a:cubicBezTo>
+                    <a:pt x="11452855" y="359066"/>
+                    <a:pt x="11459104" y="359200"/>
+                    <a:pt x="11464292" y="358519"/>
+                  </a:cubicBezTo>
+                  <a:cubicBezTo>
+                    <a:pt x="11512058" y="353010"/>
+                    <a:pt x="11559143" y="346321"/>
+                    <a:pt x="11607560" y="342370"/>
+                  </a:cubicBezTo>
+                  <a:cubicBezTo>
+                    <a:pt x="11631218" y="340368"/>
+                    <a:pt x="11657295" y="341352"/>
+                    <a:pt x="11681426" y="344335"/>
+                  </a:cubicBezTo>
+                  <a:cubicBezTo>
+                    <a:pt x="11751997" y="352993"/>
+                    <a:pt x="11821986" y="358760"/>
+                    <a:pt x="11893565" y="355261"/>
+                  </a:cubicBezTo>
+                  <a:cubicBezTo>
+                    <a:pt x="11921973" y="353889"/>
+                    <a:pt x="11953288" y="360300"/>
+                    <a:pt x="11983290" y="363588"/>
+                  </a:cubicBezTo>
+                  <a:lnTo>
+                    <a:pt x="12192000" y="388018"/>
+                  </a:lnTo>
+                  <a:lnTo>
+                    <a:pt x="12192000" y="577115"/>
+                  </a:lnTo>
+                  <a:lnTo>
+                    <a:pt x="12157329" y="588862"/>
+                  </a:lnTo>
+                  <a:cubicBezTo>
+                    <a:pt x="12118393" y="608572"/>
+                    <a:pt x="12109715" y="605637"/>
+                    <a:pt x="12066948" y="586034"/>
+                  </a:cubicBezTo>
+                  <a:cubicBezTo>
+                    <a:pt x="12016991" y="563193"/>
+                    <a:pt x="11965119" y="541779"/>
+                    <a:pt x="11911344" y="521599"/>
+                  </a:cubicBezTo>
+                  <a:cubicBezTo>
+                    <a:pt x="11894383" y="515178"/>
+                    <a:pt x="11869417" y="514060"/>
+                    <a:pt x="11847823" y="511785"/>
+                  </a:cubicBezTo>
+                  <a:cubicBezTo>
+                    <a:pt x="11811233" y="507768"/>
+                    <a:pt x="11773630" y="501982"/>
+                    <a:pt x="11737547" y="502380"/>
+                  </a:cubicBezTo>
+                  <a:cubicBezTo>
+                    <a:pt x="11702930" y="502855"/>
+                    <a:pt x="11668388" y="508866"/>
+                    <a:pt x="11636052" y="514993"/>
+                  </a:cubicBezTo>
+                  <a:cubicBezTo>
+                    <a:pt x="11545722" y="532199"/>
+                    <a:pt x="11462455" y="555118"/>
+                    <a:pt x="11394706" y="590867"/>
+                  </a:cubicBezTo>
+                  <a:cubicBezTo>
+                    <a:pt x="11385999" y="595562"/>
+                    <a:pt x="11369016" y="596581"/>
+                    <a:pt x="11354978" y="597561"/>
+                  </a:cubicBezTo>
+                  <a:cubicBezTo>
+                    <a:pt x="11332076" y="599224"/>
+                    <a:pt x="11308448" y="600655"/>
+                    <a:pt x="11285306" y="599825"/>
+                  </a:cubicBezTo>
+                  <a:cubicBezTo>
+                    <a:pt x="11172906" y="595841"/>
+                    <a:pt x="11083430" y="617861"/>
+                    <a:pt x="11008528" y="656670"/>
+                  </a:cubicBezTo>
+                  <a:cubicBezTo>
+                    <a:pt x="10986971" y="667750"/>
+                    <a:pt x="10970753" y="668236"/>
+                    <a:pt x="10948735" y="652964"/>
+                  </a:cubicBezTo>
+                  <a:cubicBezTo>
+                    <a:pt x="10923173" y="635218"/>
+                    <a:pt x="10885031" y="639705"/>
+                    <a:pt x="10850698" y="641721"/>
+                  </a:cubicBezTo>
+                  <a:cubicBezTo>
+                    <a:pt x="10815269" y="643680"/>
+                    <a:pt x="10779458" y="645811"/>
+                    <a:pt x="10744026" y="647769"/>
+                  </a:cubicBezTo>
+                  <a:cubicBezTo>
+                    <a:pt x="10717832" y="649066"/>
+                    <a:pt x="10692021" y="650003"/>
+                    <a:pt x="10666160" y="651891"/>
+                  </a:cubicBezTo>
+                  <a:cubicBezTo>
+                    <a:pt x="10585627" y="657783"/>
+                    <a:pt x="10513854" y="650969"/>
+                    <a:pt x="10450521" y="616552"/>
+                  </a:cubicBezTo>
+                  <a:cubicBezTo>
+                    <a:pt x="10402221" y="590175"/>
+                    <a:pt x="10339099" y="579806"/>
+                    <a:pt x="10271192" y="583498"/>
+                  </a:cubicBezTo>
+                  <a:cubicBezTo>
+                    <a:pt x="10262701" y="584006"/>
+                    <a:pt x="10251859" y="587254"/>
+                    <a:pt x="10246067" y="585423"/>
+                  </a:cubicBezTo>
+                  <a:cubicBezTo>
+                    <a:pt x="10158786" y="558528"/>
+                    <a:pt x="10086634" y="594049"/>
+                    <a:pt x="10005027" y="592252"/>
+                  </a:cubicBezTo>
+                  <a:cubicBezTo>
+                    <a:pt x="9969004" y="591507"/>
+                    <a:pt x="9931565" y="603664"/>
+                    <a:pt x="9898681" y="613195"/>
+                  </a:cubicBezTo>
+                  <a:cubicBezTo>
+                    <a:pt x="9853463" y="626281"/>
+                    <a:pt x="9813049" y="639042"/>
+                    <a:pt x="9753225" y="629038"/>
+                  </a:cubicBezTo>
+                  <a:cubicBezTo>
+                    <a:pt x="9693404" y="618845"/>
+                    <a:pt x="9637675" y="628898"/>
+                    <a:pt x="9591376" y="648601"/>
+                  </a:cubicBezTo>
+                  <a:cubicBezTo>
+                    <a:pt x="9556001" y="663537"/>
+                    <a:pt x="9518120" y="663077"/>
+                    <a:pt x="9472860" y="655936"/>
+                  </a:cubicBezTo>
+                  <a:cubicBezTo>
+                    <a:pt x="9416283" y="647056"/>
+                    <a:pt x="9357217" y="643578"/>
+                    <a:pt x="9299788" y="636945"/>
+                  </a:cubicBezTo>
+                  <a:cubicBezTo>
+                    <a:pt x="9287347" y="635531"/>
+                    <a:pt x="9271710" y="632039"/>
+                    <a:pt x="9264605" y="627087"/>
+                  </a:cubicBezTo>
+                  <a:cubicBezTo>
+                    <a:pt x="9177661" y="565680"/>
+                    <a:pt x="9051076" y="558473"/>
+                    <a:pt x="8926435" y="549269"/>
+                  </a:cubicBezTo>
+                  <a:cubicBezTo>
+                    <a:pt x="8850925" y="543595"/>
+                    <a:pt x="8774954" y="539613"/>
+                    <a:pt x="8698934" y="536583"/>
+                  </a:cubicBezTo>
+                  <a:cubicBezTo>
+                    <a:pt x="8673232" y="535428"/>
+                    <a:pt x="8645916" y="537050"/>
+                    <a:pt x="8622862" y="541563"/>
+                  </a:cubicBezTo>
+                  <a:cubicBezTo>
+                    <a:pt x="8574890" y="551069"/>
+                    <a:pt x="8530403" y="564380"/>
+                    <a:pt x="8482784" y="574094"/>
+                  </a:cubicBezTo>
+                  <a:cubicBezTo>
+                    <a:pt x="8464923" y="577929"/>
+                    <a:pt x="8442157" y="576927"/>
+                    <a:pt x="8421565" y="576610"/>
+                  </a:cubicBezTo>
+                  <a:cubicBezTo>
+                    <a:pt x="8385152" y="576229"/>
+                    <a:pt x="8345023" y="569546"/>
+                    <a:pt x="8313469" y="574762"/>
+                  </a:cubicBezTo>
+                  <a:cubicBezTo>
+                    <a:pt x="8231431" y="588203"/>
+                    <a:pt x="8155671" y="580227"/>
+                    <a:pt x="8079520" y="558685"/>
+                  </a:cubicBezTo>
+                  <a:cubicBezTo>
+                    <a:pt x="7972906" y="528487"/>
+                    <a:pt x="7870782" y="525043"/>
+                    <a:pt x="7773327" y="558854"/>
+                  </a:cubicBezTo>
+                  <a:cubicBezTo>
+                    <a:pt x="7729470" y="574107"/>
+                    <a:pt x="7688069" y="563543"/>
+                    <a:pt x="7652477" y="547561"/>
+                  </a:cubicBezTo>
+                  <a:cubicBezTo>
+                    <a:pt x="7611494" y="529005"/>
+                    <a:pt x="7570974" y="522685"/>
+                    <a:pt x="7522274" y="532150"/>
+                  </a:cubicBezTo>
+                  <a:cubicBezTo>
+                    <a:pt x="7511488" y="534257"/>
+                    <a:pt x="7496511" y="532136"/>
+                    <a:pt x="7484080" y="530532"/>
+                  </a:cubicBezTo>
+                  <a:cubicBezTo>
+                    <a:pt x="7413133" y="522044"/>
+                    <a:pt x="7341987" y="510303"/>
+                    <a:pt x="7282277" y="540177"/>
+                  </a:cubicBezTo>
+                  <a:cubicBezTo>
+                    <a:pt x="7270558" y="546051"/>
+                    <a:pt x="7251336" y="547713"/>
+                    <a:pt x="7235690" y="551282"/>
+                  </a:cubicBezTo>
+                  <a:cubicBezTo>
+                    <a:pt x="7170161" y="565782"/>
+                    <a:pt x="7172820" y="564203"/>
+                    <a:pt x="7116339" y="539494"/>
+                  </a:cubicBezTo>
+                  <a:cubicBezTo>
+                    <a:pt x="7086841" y="526502"/>
+                    <a:pt x="7045980" y="512724"/>
+                    <a:pt x="7011067" y="511848"/>
+                  </a:cubicBezTo>
+                  <a:cubicBezTo>
+                    <a:pt x="6800473" y="506533"/>
+                    <a:pt x="6601893" y="468653"/>
+                    <a:pt x="6403234" y="432296"/>
+                  </a:cubicBezTo>
+                  <a:cubicBezTo>
+                    <a:pt x="6280760" y="409851"/>
+                    <a:pt x="6160432" y="402592"/>
+                    <a:pt x="6036273" y="412301"/>
+                  </a:cubicBezTo>
+                  <a:cubicBezTo>
+                    <a:pt x="5946471" y="419425"/>
+                    <a:pt x="5863077" y="395593"/>
+                    <a:pt x="5780467" y="377910"/>
+                  </a:cubicBezTo>
+                  <a:cubicBezTo>
+                    <a:pt x="5763357" y="374343"/>
+                    <a:pt x="5747757" y="363033"/>
+                    <a:pt x="5739051" y="353609"/>
+                  </a:cubicBezTo>
+                  <a:cubicBezTo>
+                    <a:pt x="5707675" y="320294"/>
+                    <a:pt x="5653252" y="312483"/>
+                    <a:pt x="5583566" y="321995"/>
+                  </a:cubicBezTo>
+                  <a:cubicBezTo>
+                    <a:pt x="5528347" y="329404"/>
+                    <a:pt x="5477716" y="340486"/>
+                    <a:pt x="5432030" y="362512"/>
+                  </a:cubicBezTo>
+                  <a:cubicBezTo>
+                    <a:pt x="5378421" y="388318"/>
+                    <a:pt x="5322767" y="418026"/>
+                    <a:pt x="5241398" y="425781"/>
+                  </a:cubicBezTo>
+                  <a:cubicBezTo>
+                    <a:pt x="5206262" y="429089"/>
+                    <a:pt x="5176131" y="428273"/>
+                    <a:pt x="5139710" y="421022"/>
+                  </a:cubicBezTo>
+                  <a:cubicBezTo>
+                    <a:pt x="5069048" y="407018"/>
+                    <a:pt x="4997864" y="396037"/>
+                    <a:pt x="4929402" y="424310"/>
+                  </a:cubicBezTo>
+                  <a:cubicBezTo>
+                    <a:pt x="4891785" y="439890"/>
+                    <a:pt x="4841650" y="448519"/>
+                    <a:pt x="4782793" y="441046"/>
+                  </a:cubicBezTo>
+                  <a:cubicBezTo>
+                    <a:pt x="4709316" y="431663"/>
+                    <a:pt x="4641426" y="442031"/>
+                    <a:pt x="4577594" y="459290"/>
+                  </a:cubicBezTo>
+                  <a:cubicBezTo>
+                    <a:pt x="4554816" y="465538"/>
+                    <a:pt x="4527069" y="468279"/>
+                    <a:pt x="4500826" y="470529"/>
+                  </a:cubicBezTo>
+                  <a:cubicBezTo>
+                    <a:pt x="4440199" y="475746"/>
+                    <a:pt x="4379252" y="479993"/>
+                    <a:pt x="4317973" y="483649"/>
+                  </a:cubicBezTo>
+                  <a:cubicBezTo>
+                    <a:pt x="4267762" y="486741"/>
+                    <a:pt x="4217264" y="488292"/>
+                    <a:pt x="4166722" y="490602"/>
+                  </a:cubicBezTo>
+                  <a:cubicBezTo>
+                    <a:pt x="4111394" y="493045"/>
+                    <a:pt x="4067073" y="503124"/>
+                    <a:pt x="4042814" y="530660"/>
+                  </a:cubicBezTo>
+                  <a:cubicBezTo>
+                    <a:pt x="4034996" y="539407"/>
+                    <a:pt x="4017001" y="545715"/>
+                    <a:pt x="4002653" y="552594"/>
+                  </a:cubicBezTo>
+                  <a:cubicBezTo>
+                    <a:pt x="3992459" y="557592"/>
+                    <a:pt x="3979023" y="561086"/>
+                    <a:pt x="3969549" y="566312"/>
+                  </a:cubicBezTo>
+                  <a:cubicBezTo>
+                    <a:pt x="3919896" y="593854"/>
+                    <a:pt x="3870968" y="621622"/>
+                    <a:pt x="3821685" y="649183"/>
+                  </a:cubicBezTo>
+                  <a:cubicBezTo>
+                    <a:pt x="3816761" y="651788"/>
+                    <a:pt x="3811445" y="654943"/>
+                    <a:pt x="3805138" y="655947"/>
+                  </a:cubicBezTo>
+                  <a:cubicBezTo>
+                    <a:pt x="3739817" y="666451"/>
+                    <a:pt x="3673801" y="676154"/>
+                    <a:pt x="3609177" y="687459"/>
+                  </a:cubicBezTo>
+                  <a:cubicBezTo>
+                    <a:pt x="3584288" y="691878"/>
+                    <a:pt x="3558597" y="697589"/>
+                    <a:pt x="3539727" y="706521"/>
+                  </a:cubicBezTo>
+                  <a:cubicBezTo>
+                    <a:pt x="3496714" y="726780"/>
+                    <a:pt x="3457268" y="749132"/>
+                    <a:pt x="3396572" y="755681"/>
+                  </a:cubicBezTo>
+                  <a:cubicBezTo>
+                    <a:pt x="3378807" y="757611"/>
+                    <a:pt x="3357809" y="758036"/>
+                    <a:pt x="3341054" y="754679"/>
+                  </a:cubicBezTo>
+                  <a:cubicBezTo>
+                    <a:pt x="3272962" y="740809"/>
+                    <a:pt x="3206471" y="724541"/>
+                    <a:pt x="3138775" y="710120"/>
+                  </a:cubicBezTo>
+                  <a:cubicBezTo>
+                    <a:pt x="3095820" y="701191"/>
+                    <a:pt x="3056969" y="691141"/>
+                    <a:pt x="3037283" y="666453"/>
+                  </a:cubicBezTo>
+                  <a:cubicBezTo>
+                    <a:pt x="3031764" y="659487"/>
+                    <a:pt x="3015626" y="651391"/>
+                    <a:pt x="3002117" y="649347"/>
+                  </a:cubicBezTo>
+                  <a:cubicBezTo>
+                    <a:pt x="2915220" y="636209"/>
+                    <a:pt x="2829194" y="627503"/>
+                    <a:pt x="2747294" y="652400"/>
+                  </a:cubicBezTo>
+                  <a:cubicBezTo>
+                    <a:pt x="2730084" y="657794"/>
+                    <a:pt x="2698519" y="656140"/>
+                    <a:pt x="2676273" y="652304"/>
+                  </a:cubicBezTo>
+                  <a:cubicBezTo>
+                    <a:pt x="2590546" y="637890"/>
+                    <a:pt x="2508883" y="630176"/>
+                    <a:pt x="2432360" y="657836"/>
+                  </a:cubicBezTo>
+                  <a:cubicBezTo>
+                    <a:pt x="2423352" y="661179"/>
+                    <a:pt x="2395274" y="656272"/>
+                    <a:pt x="2382311" y="650824"/>
+                  </a:cubicBezTo>
+                  <a:cubicBezTo>
+                    <a:pt x="2257393" y="597728"/>
+                    <a:pt x="2187724" y="592930"/>
+                    <a:pt x="2055134" y="630053"/>
+                  </a:cubicBezTo>
+                  <a:cubicBezTo>
+                    <a:pt x="2046542" y="632464"/>
+                    <a:pt x="2035364" y="635121"/>
+                    <a:pt x="2031829" y="639324"/>
+                  </a:cubicBezTo>
+                  <a:cubicBezTo>
+                    <a:pt x="2007977" y="666120"/>
+                    <a:pt x="1960229" y="664380"/>
+                    <a:pt x="1912764" y="664183"/>
+                  </a:cubicBezTo>
+                  <a:cubicBezTo>
+                    <a:pt x="1860521" y="663924"/>
+                    <a:pt x="1808236" y="664426"/>
+                    <a:pt x="1755637" y="663960"/>
+                  </a:cubicBezTo>
+                  <a:cubicBezTo>
+                    <a:pt x="1746439" y="663859"/>
+                    <a:pt x="1736243" y="661799"/>
+                    <a:pt x="1727159" y="659605"/>
+                  </a:cubicBezTo>
+                  <a:cubicBezTo>
+                    <a:pt x="1692256" y="651480"/>
+                    <a:pt x="1658604" y="640559"/>
+                    <a:pt x="1622470" y="634850"/>
+                  </a:cubicBezTo>
+                  <a:cubicBezTo>
+                    <a:pt x="1544362" y="622552"/>
+                    <a:pt x="1469248" y="602210"/>
+                    <a:pt x="1385955" y="604522"/>
+                  </a:cubicBezTo>
+                  <a:cubicBezTo>
+                    <a:pt x="1371585" y="604913"/>
+                    <a:pt x="1355357" y="598530"/>
+                    <a:pt x="1340055" y="595629"/>
+                  </a:cubicBezTo>
+                  <a:cubicBezTo>
+                    <a:pt x="1312351" y="590552"/>
+                    <a:pt x="1285460" y="583993"/>
+                    <a:pt x="1257271" y="581180"/>
+                  </a:cubicBezTo>
+                  <a:cubicBezTo>
+                    <a:pt x="1182583" y="573830"/>
+                    <a:pt x="1107142" y="566824"/>
+                    <a:pt x="1031914" y="562692"/>
+                  </a:cubicBezTo>
+                  <a:cubicBezTo>
+                    <a:pt x="995593" y="560597"/>
+                    <a:pt x="958880" y="565923"/>
+                    <a:pt x="922031" y="566853"/>
+                  </a:cubicBezTo>
+                  <a:cubicBezTo>
+                    <a:pt x="905446" y="567320"/>
+                    <a:pt x="878533" y="568199"/>
+                    <a:pt x="873250" y="563724"/>
+                  </a:cubicBezTo>
+                  <a:cubicBezTo>
+                    <a:pt x="832343" y="529722"/>
+                    <a:pt x="772202" y="532674"/>
+                    <a:pt x="711627" y="529880"/>
+                  </a:cubicBezTo>
+                  <a:cubicBezTo>
+                    <a:pt x="577999" y="523641"/>
+                    <a:pt x="447408" y="543696"/>
+                    <a:pt x="311112" y="525106"/>
+                  </a:cubicBezTo>
+                  <a:cubicBezTo>
+                    <a:pt x="271645" y="519795"/>
+                    <a:pt x="226936" y="530235"/>
+                    <a:pt x="184145" y="532188"/>
+                  </a:cubicBezTo>
+                  <a:cubicBezTo>
+                    <a:pt x="162015" y="533128"/>
+                    <a:pt x="137665" y="534333"/>
+                    <a:pt x="116886" y="530572"/>
+                  </a:cubicBezTo>
+                  <a:cubicBezTo>
+                    <a:pt x="84810" y="524693"/>
+                    <a:pt x="54011" y="515448"/>
+                    <a:pt x="23941" y="506433"/>
+                  </a:cubicBezTo>
+                  <a:lnTo>
+                    <a:pt x="0" y="502149"/>
+                  </a:lnTo>
+                  <a:close/>
+                </a:path>
+              </a:pathLst>
+            </a:custGeom>
+            <a:solidFill>
+              <a:srgbClr val="FFFFFF"/>
+            </a:solidFill>
+            <a:ln w="12700" cap="flat" cmpd="sng" algn="ctr">
+              <a:noFill/>
+              <a:prstDash val="solid"/>
+              <a:miter lim="800000"/>
+            </a:ln>
+            <a:effectLst>
+              <a:outerShdw blurRad="381000" dist="152400" dir="5400000" algn="t" rotWithShape="0">
+                <a:prstClr val="black">
+                  <a:alpha val="10000"/>
+                </a:prstClr>
+              </a:outerShdw>
+            </a:effectLst>
+          </p:spPr>
+          <p:style>
+            <a:lnRef idx="2">
+              <a:schemeClr val="accent1">
+                <a:shade val="50000"/>
+              </a:schemeClr>
+            </a:lnRef>
+            <a:fillRef idx="1">
+              <a:schemeClr val="accent1"/>
+            </a:fillRef>
+            <a:effectRef idx="0">
+              <a:schemeClr val="accent1"/>
+            </a:effectRef>
+            <a:fontRef idx="minor">
+              <a:schemeClr val="lt1"/>
+            </a:fontRef>
+          </p:style>
+          <p:txBody>
+            <a:bodyPr wrap="square" rtlCol="0" anchor="ctr">
+              <a:noAutofit/>
+            </a:bodyPr>
+            <a:lstStyle/>
+            <a:p>
+              <a:pPr algn="ctr"/>
+              <a:endParaRPr lang="en-US"/>
+            </a:p>
+          </p:txBody>
+        </p:sp>
+        <p:sp>
+          <p:nvSpPr>
+            <p:cNvPr id="65" name="Freeform: Shape 64">
+              <a:extLst>
+                <a:ext uri="{FF2B5EF4-FFF2-40B4-BE49-F238E27FC236}">
+                  <a16:creationId xmlns:a16="http://schemas.microsoft.com/office/drawing/2014/main" id="{840A04EE-8E37-4C28-B09B-A9593A4AAB0C}"/>
+                </a:ext>
+                <a:ext uri="{C183D7F6-B498-43B3-948B-1728B52AA6E4}">
+                  <adec:decorative xmlns:adec="http://schemas.microsoft.com/office/drawing/2017/decorative" val="1"/>
+                </a:ext>
+              </a:extLst>
+            </p:cNvPr>
+            <p:cNvSpPr/>
+            <p:nvPr>
+              <p:extLst>
+                <p:ext uri="{386F3935-93C4-4BCD-93E2-E3B085C9AB24}">
+                  <p16:designElem xmlns:p16="http://schemas.microsoft.com/office/powerpoint/2015/main" val="1"/>
+                </p:ext>
+              </p:extLst>
+            </p:nvPr>
+          </p:nvSpPr>
+          <p:spPr>
+            <a:xfrm>
+              <a:off x="0" y="2959818"/>
+              <a:ext cx="12192000" cy="757168"/>
+            </a:xfrm>
+            <a:custGeom>
+              <a:avLst/>
+              <a:gdLst>
+                <a:gd name="connsiteX0" fmla="*/ 0 w 12192000"/>
+                <a:gd name="connsiteY0" fmla="*/ 0 h 757168"/>
+                <a:gd name="connsiteX1" fmla="*/ 41653 w 12192000"/>
+                <a:gd name="connsiteY1" fmla="*/ 6945 h 757168"/>
+                <a:gd name="connsiteX2" fmla="*/ 81317 w 12192000"/>
+                <a:gd name="connsiteY2" fmla="*/ 15509 h 757168"/>
+                <a:gd name="connsiteX3" fmla="*/ 114150 w 12192000"/>
+                <a:gd name="connsiteY3" fmla="*/ 28105 h 757168"/>
+                <a:gd name="connsiteX4" fmla="*/ 214865 w 12192000"/>
+                <a:gd name="connsiteY4" fmla="*/ 58374 h 757168"/>
+                <a:gd name="connsiteX5" fmla="*/ 299237 w 12192000"/>
+                <a:gd name="connsiteY5" fmla="*/ 63560 h 757168"/>
+                <a:gd name="connsiteX6" fmla="*/ 415570 w 12192000"/>
+                <a:gd name="connsiteY6" fmla="*/ 83774 h 757168"/>
+                <a:gd name="connsiteX7" fmla="*/ 633210 w 12192000"/>
+                <a:gd name="connsiteY7" fmla="*/ 109108 h 757168"/>
+                <a:gd name="connsiteX8" fmla="*/ 677567 w 12192000"/>
+                <a:gd name="connsiteY8" fmla="*/ 119446 h 757168"/>
+                <a:gd name="connsiteX9" fmla="*/ 946429 w 12192000"/>
+                <a:gd name="connsiteY9" fmla="*/ 171502 h 757168"/>
+                <a:gd name="connsiteX10" fmla="*/ 1163367 w 12192000"/>
+                <a:gd name="connsiteY10" fmla="*/ 182106 h 757168"/>
+                <a:gd name="connsiteX11" fmla="*/ 1180337 w 12192000"/>
+                <a:gd name="connsiteY11" fmla="*/ 181279 h 757168"/>
+                <a:gd name="connsiteX12" fmla="*/ 1263939 w 12192000"/>
+                <a:gd name="connsiteY12" fmla="*/ 173070 h 757168"/>
+                <a:gd name="connsiteX13" fmla="*/ 1392213 w 12192000"/>
+                <a:gd name="connsiteY13" fmla="*/ 183225 h 757168"/>
+                <a:gd name="connsiteX14" fmla="*/ 1479752 w 12192000"/>
+                <a:gd name="connsiteY14" fmla="*/ 205174 h 757168"/>
+                <a:gd name="connsiteX15" fmla="*/ 1589813 w 12192000"/>
+                <a:gd name="connsiteY15" fmla="*/ 211706 h 757168"/>
+                <a:gd name="connsiteX16" fmla="*/ 1716264 w 12192000"/>
+                <a:gd name="connsiteY16" fmla="*/ 207459 h 757168"/>
+                <a:gd name="connsiteX17" fmla="*/ 1772900 w 12192000"/>
+                <a:gd name="connsiteY17" fmla="*/ 208137 h 757168"/>
+                <a:gd name="connsiteX18" fmla="*/ 1929319 w 12192000"/>
+                <a:gd name="connsiteY18" fmla="*/ 193822 h 757168"/>
+                <a:gd name="connsiteX19" fmla="*/ 2021514 w 12192000"/>
+                <a:gd name="connsiteY19" fmla="*/ 204186 h 757168"/>
+                <a:gd name="connsiteX20" fmla="*/ 2111753 w 12192000"/>
+                <a:gd name="connsiteY20" fmla="*/ 223797 h 757168"/>
+                <a:gd name="connsiteX21" fmla="*/ 2169356 w 12192000"/>
+                <a:gd name="connsiteY21" fmla="*/ 241125 h 757168"/>
+                <a:gd name="connsiteX22" fmla="*/ 2286638 w 12192000"/>
+                <a:gd name="connsiteY22" fmla="*/ 257382 h 757168"/>
+                <a:gd name="connsiteX23" fmla="*/ 2308368 w 12192000"/>
+                <a:gd name="connsiteY23" fmla="*/ 256995 h 757168"/>
+                <a:gd name="connsiteX24" fmla="*/ 2660621 w 12192000"/>
+                <a:gd name="connsiteY24" fmla="*/ 262863 h 757168"/>
+                <a:gd name="connsiteX25" fmla="*/ 2801134 w 12192000"/>
+                <a:gd name="connsiteY25" fmla="*/ 250006 h 757168"/>
+                <a:gd name="connsiteX26" fmla="*/ 2830994 w 12192000"/>
+                <a:gd name="connsiteY26" fmla="*/ 249091 h 757168"/>
+                <a:gd name="connsiteX27" fmla="*/ 3129084 w 12192000"/>
+                <a:gd name="connsiteY27" fmla="*/ 242009 h 757168"/>
+                <a:gd name="connsiteX28" fmla="*/ 3162162 w 12192000"/>
+                <a:gd name="connsiteY28" fmla="*/ 242789 h 757168"/>
+                <a:gd name="connsiteX29" fmla="*/ 3254072 w 12192000"/>
+                <a:gd name="connsiteY29" fmla="*/ 251612 h 757168"/>
+                <a:gd name="connsiteX30" fmla="*/ 3473491 w 12192000"/>
+                <a:gd name="connsiteY30" fmla="*/ 221903 h 757168"/>
+                <a:gd name="connsiteX31" fmla="*/ 3691860 w 12192000"/>
+                <a:gd name="connsiteY31" fmla="*/ 219228 h 757168"/>
+                <a:gd name="connsiteX32" fmla="*/ 3811494 w 12192000"/>
+                <a:gd name="connsiteY32" fmla="*/ 225691 h 757168"/>
+                <a:gd name="connsiteX33" fmla="*/ 3897533 w 12192000"/>
+                <a:gd name="connsiteY33" fmla="*/ 220087 h 757168"/>
+                <a:gd name="connsiteX34" fmla="*/ 4109430 w 12192000"/>
+                <a:gd name="connsiteY34" fmla="*/ 200477 h 757168"/>
+                <a:gd name="connsiteX35" fmla="*/ 4208772 w 12192000"/>
+                <a:gd name="connsiteY35" fmla="*/ 200914 h 757168"/>
+                <a:gd name="connsiteX36" fmla="*/ 4314641 w 12192000"/>
+                <a:gd name="connsiteY36" fmla="*/ 196159 h 757168"/>
+                <a:gd name="connsiteX37" fmla="*/ 4577622 w 12192000"/>
+                <a:gd name="connsiteY37" fmla="*/ 163774 h 757168"/>
+                <a:gd name="connsiteX38" fmla="*/ 4790345 w 12192000"/>
+                <a:gd name="connsiteY38" fmla="*/ 177592 h 757168"/>
+                <a:gd name="connsiteX39" fmla="*/ 4926164 w 12192000"/>
+                <a:gd name="connsiteY39" fmla="*/ 184139 h 757168"/>
+                <a:gd name="connsiteX40" fmla="*/ 5088812 w 12192000"/>
+                <a:gd name="connsiteY40" fmla="*/ 177401 h 757168"/>
+                <a:gd name="connsiteX41" fmla="*/ 5222466 w 12192000"/>
+                <a:gd name="connsiteY41" fmla="*/ 162082 h 757168"/>
+                <a:gd name="connsiteX42" fmla="*/ 5406528 w 12192000"/>
+                <a:gd name="connsiteY42" fmla="*/ 153987 h 757168"/>
+                <a:gd name="connsiteX43" fmla="*/ 5590716 w 12192000"/>
+                <a:gd name="connsiteY43" fmla="*/ 129490 h 757168"/>
+                <a:gd name="connsiteX44" fmla="*/ 5719429 w 12192000"/>
+                <a:gd name="connsiteY44" fmla="*/ 110099 h 757168"/>
+                <a:gd name="connsiteX45" fmla="*/ 5897895 w 12192000"/>
+                <a:gd name="connsiteY45" fmla="*/ 96368 h 757168"/>
+                <a:gd name="connsiteX46" fmla="*/ 6169957 w 12192000"/>
+                <a:gd name="connsiteY46" fmla="*/ 94411 h 757168"/>
+                <a:gd name="connsiteX47" fmla="*/ 6294827 w 12192000"/>
+                <a:gd name="connsiteY47" fmla="*/ 99236 h 757168"/>
+                <a:gd name="connsiteX48" fmla="*/ 6494261 w 12192000"/>
+                <a:gd name="connsiteY48" fmla="*/ 71724 h 757168"/>
+                <a:gd name="connsiteX49" fmla="*/ 6579627 w 12192000"/>
+                <a:gd name="connsiteY49" fmla="*/ 57883 h 757168"/>
+                <a:gd name="connsiteX50" fmla="*/ 6654800 w 12192000"/>
+                <a:gd name="connsiteY50" fmla="*/ 77086 h 757168"/>
+                <a:gd name="connsiteX51" fmla="*/ 6703059 w 12192000"/>
+                <a:gd name="connsiteY51" fmla="*/ 97166 h 757168"/>
+                <a:gd name="connsiteX52" fmla="*/ 6859445 w 12192000"/>
+                <a:gd name="connsiteY52" fmla="*/ 90481 h 757168"/>
+                <a:gd name="connsiteX53" fmla="*/ 7025414 w 12192000"/>
+                <a:gd name="connsiteY53" fmla="*/ 83536 h 757168"/>
+                <a:gd name="connsiteX54" fmla="*/ 7144137 w 12192000"/>
+                <a:gd name="connsiteY54" fmla="*/ 79264 h 757168"/>
+                <a:gd name="connsiteX55" fmla="*/ 7291235 w 12192000"/>
+                <a:gd name="connsiteY55" fmla="*/ 95367 h 757168"/>
+                <a:gd name="connsiteX56" fmla="*/ 7407395 w 12192000"/>
+                <a:gd name="connsiteY56" fmla="*/ 104888 h 757168"/>
+                <a:gd name="connsiteX57" fmla="*/ 7500837 w 12192000"/>
+                <a:gd name="connsiteY57" fmla="*/ 119515 h 757168"/>
+                <a:gd name="connsiteX58" fmla="*/ 7533567 w 12192000"/>
+                <a:gd name="connsiteY58" fmla="*/ 126955 h 757168"/>
+                <a:gd name="connsiteX59" fmla="*/ 7792910 w 12192000"/>
+                <a:gd name="connsiteY59" fmla="*/ 185188 h 757168"/>
+                <a:gd name="connsiteX60" fmla="*/ 8070699 w 12192000"/>
+                <a:gd name="connsiteY60" fmla="*/ 235423 h 757168"/>
+                <a:gd name="connsiteX61" fmla="*/ 8253177 w 12192000"/>
+                <a:gd name="connsiteY61" fmla="*/ 222473 h 757168"/>
+                <a:gd name="connsiteX62" fmla="*/ 8320683 w 12192000"/>
+                <a:gd name="connsiteY62" fmla="*/ 226393 h 757168"/>
+                <a:gd name="connsiteX63" fmla="*/ 8631438 w 12192000"/>
+                <a:gd name="connsiteY63" fmla="*/ 237528 h 757168"/>
+                <a:gd name="connsiteX64" fmla="*/ 8686410 w 12192000"/>
+                <a:gd name="connsiteY64" fmla="*/ 234877 h 757168"/>
+                <a:gd name="connsiteX65" fmla="*/ 8980658 w 12192000"/>
+                <a:gd name="connsiteY65" fmla="*/ 273001 h 757168"/>
+                <a:gd name="connsiteX66" fmla="*/ 9087625 w 12192000"/>
+                <a:gd name="connsiteY66" fmla="*/ 282423 h 757168"/>
+                <a:gd name="connsiteX67" fmla="*/ 9186017 w 12192000"/>
+                <a:gd name="connsiteY67" fmla="*/ 293875 h 757168"/>
+                <a:gd name="connsiteX68" fmla="*/ 9323931 w 12192000"/>
+                <a:gd name="connsiteY68" fmla="*/ 302628 h 757168"/>
+                <a:gd name="connsiteX69" fmla="*/ 9467213 w 12192000"/>
+                <a:gd name="connsiteY69" fmla="*/ 307275 h 757168"/>
+                <a:gd name="connsiteX70" fmla="*/ 9626826 w 12192000"/>
+                <a:gd name="connsiteY70" fmla="*/ 316213 h 757168"/>
+                <a:gd name="connsiteX71" fmla="*/ 9689696 w 12192000"/>
+                <a:gd name="connsiteY71" fmla="*/ 324467 h 757168"/>
+                <a:gd name="connsiteX72" fmla="*/ 9860526 w 12192000"/>
+                <a:gd name="connsiteY72" fmla="*/ 329986 h 757168"/>
+                <a:gd name="connsiteX73" fmla="*/ 9949775 w 12192000"/>
+                <a:gd name="connsiteY73" fmla="*/ 340386 h 757168"/>
+                <a:gd name="connsiteX74" fmla="*/ 10097252 w 12192000"/>
+                <a:gd name="connsiteY74" fmla="*/ 349262 h 757168"/>
+                <a:gd name="connsiteX75" fmla="*/ 10145261 w 12192000"/>
+                <a:gd name="connsiteY75" fmla="*/ 353113 h 757168"/>
+                <a:gd name="connsiteX76" fmla="*/ 10188159 w 12192000"/>
+                <a:gd name="connsiteY76" fmla="*/ 356124 h 757168"/>
+                <a:gd name="connsiteX77" fmla="*/ 10336144 w 12192000"/>
+                <a:gd name="connsiteY77" fmla="*/ 348235 h 757168"/>
+                <a:gd name="connsiteX78" fmla="*/ 10466847 w 12192000"/>
+                <a:gd name="connsiteY78" fmla="*/ 354131 h 757168"/>
+                <a:gd name="connsiteX79" fmla="*/ 10696514 w 12192000"/>
+                <a:gd name="connsiteY79" fmla="*/ 353575 h 757168"/>
+                <a:gd name="connsiteX80" fmla="*/ 10746932 w 12192000"/>
+                <a:gd name="connsiteY80" fmla="*/ 360606 h 757168"/>
+                <a:gd name="connsiteX81" fmla="*/ 10905388 w 12192000"/>
+                <a:gd name="connsiteY81" fmla="*/ 370627 h 757168"/>
+                <a:gd name="connsiteX82" fmla="*/ 10995602 w 12192000"/>
+                <a:gd name="connsiteY82" fmla="*/ 376691 h 757168"/>
+                <a:gd name="connsiteX83" fmla="*/ 11107647 w 12192000"/>
+                <a:gd name="connsiteY83" fmla="*/ 373405 h 757168"/>
+                <a:gd name="connsiteX84" fmla="*/ 11302440 w 12192000"/>
+                <a:gd name="connsiteY84" fmla="*/ 364156 h 757168"/>
+                <a:gd name="connsiteX85" fmla="*/ 11353613 w 12192000"/>
+                <a:gd name="connsiteY85" fmla="*/ 363785 h 757168"/>
+                <a:gd name="connsiteX86" fmla="*/ 11447323 w 12192000"/>
+                <a:gd name="connsiteY86" fmla="*/ 359346 h 757168"/>
+                <a:gd name="connsiteX87" fmla="*/ 11464292 w 12192000"/>
+                <a:gd name="connsiteY87" fmla="*/ 358519 h 757168"/>
+                <a:gd name="connsiteX88" fmla="*/ 11607560 w 12192000"/>
+                <a:gd name="connsiteY88" fmla="*/ 342370 h 757168"/>
+                <a:gd name="connsiteX89" fmla="*/ 11681426 w 12192000"/>
+                <a:gd name="connsiteY89" fmla="*/ 344335 h 757168"/>
+                <a:gd name="connsiteX90" fmla="*/ 11893565 w 12192000"/>
+                <a:gd name="connsiteY90" fmla="*/ 355261 h 757168"/>
+                <a:gd name="connsiteX91" fmla="*/ 11983290 w 12192000"/>
+                <a:gd name="connsiteY91" fmla="*/ 363588 h 757168"/>
+                <a:gd name="connsiteX92" fmla="*/ 12192000 w 12192000"/>
+                <a:gd name="connsiteY92" fmla="*/ 388018 h 757168"/>
+                <a:gd name="connsiteX93" fmla="*/ 12192000 w 12192000"/>
+                <a:gd name="connsiteY93" fmla="*/ 577115 h 757168"/>
+                <a:gd name="connsiteX94" fmla="*/ 12157329 w 12192000"/>
+                <a:gd name="connsiteY94" fmla="*/ 588862 h 757168"/>
+                <a:gd name="connsiteX95" fmla="*/ 12066948 w 12192000"/>
+                <a:gd name="connsiteY95" fmla="*/ 586034 h 757168"/>
+                <a:gd name="connsiteX96" fmla="*/ 11911344 w 12192000"/>
+                <a:gd name="connsiteY96" fmla="*/ 521599 h 757168"/>
+                <a:gd name="connsiteX97" fmla="*/ 11847823 w 12192000"/>
+                <a:gd name="connsiteY97" fmla="*/ 511785 h 757168"/>
+                <a:gd name="connsiteX98" fmla="*/ 11737547 w 12192000"/>
+                <a:gd name="connsiteY98" fmla="*/ 502380 h 757168"/>
+                <a:gd name="connsiteX99" fmla="*/ 11636052 w 12192000"/>
+                <a:gd name="connsiteY99" fmla="*/ 514993 h 757168"/>
+                <a:gd name="connsiteX100" fmla="*/ 11394706 w 12192000"/>
+                <a:gd name="connsiteY100" fmla="*/ 590867 h 757168"/>
+                <a:gd name="connsiteX101" fmla="*/ 11354978 w 12192000"/>
+                <a:gd name="connsiteY101" fmla="*/ 597561 h 757168"/>
+                <a:gd name="connsiteX102" fmla="*/ 11285306 w 12192000"/>
+                <a:gd name="connsiteY102" fmla="*/ 599825 h 757168"/>
+                <a:gd name="connsiteX103" fmla="*/ 11008528 w 12192000"/>
+                <a:gd name="connsiteY103" fmla="*/ 656670 h 757168"/>
+                <a:gd name="connsiteX104" fmla="*/ 10948735 w 12192000"/>
+                <a:gd name="connsiteY104" fmla="*/ 652964 h 757168"/>
+                <a:gd name="connsiteX105" fmla="*/ 10850698 w 12192000"/>
+                <a:gd name="connsiteY105" fmla="*/ 641721 h 757168"/>
+                <a:gd name="connsiteX106" fmla="*/ 10744026 w 12192000"/>
+                <a:gd name="connsiteY106" fmla="*/ 647769 h 757168"/>
+                <a:gd name="connsiteX107" fmla="*/ 10666160 w 12192000"/>
+                <a:gd name="connsiteY107" fmla="*/ 651891 h 757168"/>
+                <a:gd name="connsiteX108" fmla="*/ 10450521 w 12192000"/>
+                <a:gd name="connsiteY108" fmla="*/ 616552 h 757168"/>
+                <a:gd name="connsiteX109" fmla="*/ 10271192 w 12192000"/>
+                <a:gd name="connsiteY109" fmla="*/ 583498 h 757168"/>
+                <a:gd name="connsiteX110" fmla="*/ 10246067 w 12192000"/>
+                <a:gd name="connsiteY110" fmla="*/ 585423 h 757168"/>
+                <a:gd name="connsiteX111" fmla="*/ 10005027 w 12192000"/>
+                <a:gd name="connsiteY111" fmla="*/ 592252 h 757168"/>
+                <a:gd name="connsiteX112" fmla="*/ 9898681 w 12192000"/>
+                <a:gd name="connsiteY112" fmla="*/ 613195 h 757168"/>
+                <a:gd name="connsiteX113" fmla="*/ 9753225 w 12192000"/>
+                <a:gd name="connsiteY113" fmla="*/ 629038 h 757168"/>
+                <a:gd name="connsiteX114" fmla="*/ 9591376 w 12192000"/>
+                <a:gd name="connsiteY114" fmla="*/ 648601 h 757168"/>
+                <a:gd name="connsiteX115" fmla="*/ 9472860 w 12192000"/>
+                <a:gd name="connsiteY115" fmla="*/ 655936 h 757168"/>
+                <a:gd name="connsiteX116" fmla="*/ 9299788 w 12192000"/>
+                <a:gd name="connsiteY116" fmla="*/ 636945 h 757168"/>
+                <a:gd name="connsiteX117" fmla="*/ 9264605 w 12192000"/>
+                <a:gd name="connsiteY117" fmla="*/ 627087 h 757168"/>
+                <a:gd name="connsiteX118" fmla="*/ 8926435 w 12192000"/>
+                <a:gd name="connsiteY118" fmla="*/ 549269 h 757168"/>
+                <a:gd name="connsiteX119" fmla="*/ 8698934 w 12192000"/>
+                <a:gd name="connsiteY119" fmla="*/ 536583 h 757168"/>
+                <a:gd name="connsiteX120" fmla="*/ 8622862 w 12192000"/>
+                <a:gd name="connsiteY120" fmla="*/ 541563 h 757168"/>
+                <a:gd name="connsiteX121" fmla="*/ 8482784 w 12192000"/>
+                <a:gd name="connsiteY121" fmla="*/ 574094 h 757168"/>
+                <a:gd name="connsiteX122" fmla="*/ 8421565 w 12192000"/>
+                <a:gd name="connsiteY122" fmla="*/ 576610 h 757168"/>
+                <a:gd name="connsiteX123" fmla="*/ 8313469 w 12192000"/>
+                <a:gd name="connsiteY123" fmla="*/ 574762 h 757168"/>
+                <a:gd name="connsiteX124" fmla="*/ 8079520 w 12192000"/>
+                <a:gd name="connsiteY124" fmla="*/ 558685 h 757168"/>
+                <a:gd name="connsiteX125" fmla="*/ 7773327 w 12192000"/>
+                <a:gd name="connsiteY125" fmla="*/ 558854 h 757168"/>
+                <a:gd name="connsiteX126" fmla="*/ 7652477 w 12192000"/>
+                <a:gd name="connsiteY126" fmla="*/ 547561 h 757168"/>
+                <a:gd name="connsiteX127" fmla="*/ 7522274 w 12192000"/>
+                <a:gd name="connsiteY127" fmla="*/ 532150 h 757168"/>
+                <a:gd name="connsiteX128" fmla="*/ 7484080 w 12192000"/>
+                <a:gd name="connsiteY128" fmla="*/ 530532 h 757168"/>
+                <a:gd name="connsiteX129" fmla="*/ 7282277 w 12192000"/>
+                <a:gd name="connsiteY129" fmla="*/ 540177 h 757168"/>
+                <a:gd name="connsiteX130" fmla="*/ 7235690 w 12192000"/>
+                <a:gd name="connsiteY130" fmla="*/ 551282 h 757168"/>
+                <a:gd name="connsiteX131" fmla="*/ 7116339 w 12192000"/>
+                <a:gd name="connsiteY131" fmla="*/ 539494 h 757168"/>
+                <a:gd name="connsiteX132" fmla="*/ 7011067 w 12192000"/>
+                <a:gd name="connsiteY132" fmla="*/ 511848 h 757168"/>
+                <a:gd name="connsiteX133" fmla="*/ 6403234 w 12192000"/>
+                <a:gd name="connsiteY133" fmla="*/ 432296 h 757168"/>
+                <a:gd name="connsiteX134" fmla="*/ 6036273 w 12192000"/>
+                <a:gd name="connsiteY134" fmla="*/ 412301 h 757168"/>
+                <a:gd name="connsiteX135" fmla="*/ 5780467 w 12192000"/>
+                <a:gd name="connsiteY135" fmla="*/ 377910 h 757168"/>
+                <a:gd name="connsiteX136" fmla="*/ 5739051 w 12192000"/>
+                <a:gd name="connsiteY136" fmla="*/ 353609 h 757168"/>
+                <a:gd name="connsiteX137" fmla="*/ 5583566 w 12192000"/>
+                <a:gd name="connsiteY137" fmla="*/ 321995 h 757168"/>
+                <a:gd name="connsiteX138" fmla="*/ 5432030 w 12192000"/>
+                <a:gd name="connsiteY138" fmla="*/ 362512 h 757168"/>
+                <a:gd name="connsiteX139" fmla="*/ 5241398 w 12192000"/>
+                <a:gd name="connsiteY139" fmla="*/ 425781 h 757168"/>
+                <a:gd name="connsiteX140" fmla="*/ 5139710 w 12192000"/>
+                <a:gd name="connsiteY140" fmla="*/ 421022 h 757168"/>
+                <a:gd name="connsiteX141" fmla="*/ 4929402 w 12192000"/>
+                <a:gd name="connsiteY141" fmla="*/ 424310 h 757168"/>
+                <a:gd name="connsiteX142" fmla="*/ 4782793 w 12192000"/>
+                <a:gd name="connsiteY142" fmla="*/ 441046 h 757168"/>
+                <a:gd name="connsiteX143" fmla="*/ 4577594 w 12192000"/>
+                <a:gd name="connsiteY143" fmla="*/ 459290 h 757168"/>
+                <a:gd name="connsiteX144" fmla="*/ 4500826 w 12192000"/>
+                <a:gd name="connsiteY144" fmla="*/ 470529 h 757168"/>
+                <a:gd name="connsiteX145" fmla="*/ 4317973 w 12192000"/>
+                <a:gd name="connsiteY145" fmla="*/ 483649 h 757168"/>
+                <a:gd name="connsiteX146" fmla="*/ 4166722 w 12192000"/>
+                <a:gd name="connsiteY146" fmla="*/ 490602 h 757168"/>
+                <a:gd name="connsiteX147" fmla="*/ 4042814 w 12192000"/>
+                <a:gd name="connsiteY147" fmla="*/ 530660 h 757168"/>
+                <a:gd name="connsiteX148" fmla="*/ 4002653 w 12192000"/>
+                <a:gd name="connsiteY148" fmla="*/ 552594 h 757168"/>
+                <a:gd name="connsiteX149" fmla="*/ 3969549 w 12192000"/>
+                <a:gd name="connsiteY149" fmla="*/ 566312 h 757168"/>
+                <a:gd name="connsiteX150" fmla="*/ 3821685 w 12192000"/>
+                <a:gd name="connsiteY150" fmla="*/ 649183 h 757168"/>
+                <a:gd name="connsiteX151" fmla="*/ 3805138 w 12192000"/>
+                <a:gd name="connsiteY151" fmla="*/ 655947 h 757168"/>
+                <a:gd name="connsiteX152" fmla="*/ 3609177 w 12192000"/>
+                <a:gd name="connsiteY152" fmla="*/ 687459 h 757168"/>
+                <a:gd name="connsiteX153" fmla="*/ 3539727 w 12192000"/>
+                <a:gd name="connsiteY153" fmla="*/ 706521 h 757168"/>
+                <a:gd name="connsiteX154" fmla="*/ 3396572 w 12192000"/>
+                <a:gd name="connsiteY154" fmla="*/ 755681 h 757168"/>
+                <a:gd name="connsiteX155" fmla="*/ 3341054 w 12192000"/>
+                <a:gd name="connsiteY155" fmla="*/ 754679 h 757168"/>
+                <a:gd name="connsiteX156" fmla="*/ 3138775 w 12192000"/>
+                <a:gd name="connsiteY156" fmla="*/ 710120 h 757168"/>
+                <a:gd name="connsiteX157" fmla="*/ 3037283 w 12192000"/>
+                <a:gd name="connsiteY157" fmla="*/ 666453 h 757168"/>
+                <a:gd name="connsiteX158" fmla="*/ 3002117 w 12192000"/>
+                <a:gd name="connsiteY158" fmla="*/ 649347 h 757168"/>
+                <a:gd name="connsiteX159" fmla="*/ 2747294 w 12192000"/>
+                <a:gd name="connsiteY159" fmla="*/ 652400 h 757168"/>
+                <a:gd name="connsiteX160" fmla="*/ 2676273 w 12192000"/>
+                <a:gd name="connsiteY160" fmla="*/ 652304 h 757168"/>
+                <a:gd name="connsiteX161" fmla="*/ 2432360 w 12192000"/>
+                <a:gd name="connsiteY161" fmla="*/ 657836 h 757168"/>
+                <a:gd name="connsiteX162" fmla="*/ 2382311 w 12192000"/>
+                <a:gd name="connsiteY162" fmla="*/ 650824 h 757168"/>
+                <a:gd name="connsiteX163" fmla="*/ 2055134 w 12192000"/>
+                <a:gd name="connsiteY163" fmla="*/ 630053 h 757168"/>
+                <a:gd name="connsiteX164" fmla="*/ 2031829 w 12192000"/>
+                <a:gd name="connsiteY164" fmla="*/ 639324 h 757168"/>
+                <a:gd name="connsiteX165" fmla="*/ 1912764 w 12192000"/>
+                <a:gd name="connsiteY165" fmla="*/ 664183 h 757168"/>
+                <a:gd name="connsiteX166" fmla="*/ 1755637 w 12192000"/>
+                <a:gd name="connsiteY166" fmla="*/ 663960 h 757168"/>
+                <a:gd name="connsiteX167" fmla="*/ 1727159 w 12192000"/>
+                <a:gd name="connsiteY167" fmla="*/ 659605 h 757168"/>
+                <a:gd name="connsiteX168" fmla="*/ 1622470 w 12192000"/>
+                <a:gd name="connsiteY168" fmla="*/ 634850 h 757168"/>
+                <a:gd name="connsiteX169" fmla="*/ 1385955 w 12192000"/>
+                <a:gd name="connsiteY169" fmla="*/ 604522 h 757168"/>
+                <a:gd name="connsiteX170" fmla="*/ 1340055 w 12192000"/>
+                <a:gd name="connsiteY170" fmla="*/ 595629 h 757168"/>
+                <a:gd name="connsiteX171" fmla="*/ 1257271 w 12192000"/>
+                <a:gd name="connsiteY171" fmla="*/ 581180 h 757168"/>
+                <a:gd name="connsiteX172" fmla="*/ 1031914 w 12192000"/>
+                <a:gd name="connsiteY172" fmla="*/ 562692 h 757168"/>
+                <a:gd name="connsiteX173" fmla="*/ 922031 w 12192000"/>
+                <a:gd name="connsiteY173" fmla="*/ 566853 h 757168"/>
+                <a:gd name="connsiteX174" fmla="*/ 873250 w 12192000"/>
+                <a:gd name="connsiteY174" fmla="*/ 563724 h 757168"/>
+                <a:gd name="connsiteX175" fmla="*/ 711627 w 12192000"/>
+                <a:gd name="connsiteY175" fmla="*/ 529880 h 757168"/>
+                <a:gd name="connsiteX176" fmla="*/ 311112 w 12192000"/>
+                <a:gd name="connsiteY176" fmla="*/ 525106 h 757168"/>
+                <a:gd name="connsiteX177" fmla="*/ 184145 w 12192000"/>
+                <a:gd name="connsiteY177" fmla="*/ 532188 h 757168"/>
+                <a:gd name="connsiteX178" fmla="*/ 116886 w 12192000"/>
+                <a:gd name="connsiteY178" fmla="*/ 530572 h 757168"/>
+                <a:gd name="connsiteX179" fmla="*/ 23941 w 12192000"/>
+                <a:gd name="connsiteY179" fmla="*/ 506433 h 757168"/>
+                <a:gd name="connsiteX180" fmla="*/ 0 w 12192000"/>
+                <a:gd name="connsiteY180" fmla="*/ 502149 h 757168"/>
+              </a:gdLst>
+              <a:ahLst/>
+              <a:cxnLst>
+                <a:cxn ang="0">
+                  <a:pos x="connsiteX0" y="connsiteY0"/>
+                </a:cxn>
+                <a:cxn ang="0">
+                  <a:pos x="connsiteX1" y="connsiteY1"/>
+                </a:cxn>
+                <a:cxn ang="0">
+                  <a:pos x="connsiteX2" y="connsiteY2"/>
+                </a:cxn>
+                <a:cxn ang="0">
+                  <a:pos x="connsiteX3" y="connsiteY3"/>
+                </a:cxn>
+                <a:cxn ang="0">
+                  <a:pos x="connsiteX4" y="connsiteY4"/>
+                </a:cxn>
+                <a:cxn ang="0">
+                  <a:pos x="connsiteX5" y="connsiteY5"/>
+                </a:cxn>
+                <a:cxn ang="0">
+                  <a:pos x="connsiteX6" y="connsiteY6"/>
+                </a:cxn>
+                <a:cxn ang="0">
+                  <a:pos x="connsiteX7" y="connsiteY7"/>
+                </a:cxn>
+                <a:cxn ang="0">
+                  <a:pos x="connsiteX8" y="connsiteY8"/>
+                </a:cxn>
+                <a:cxn ang="0">
+                  <a:pos x="connsiteX9" y="connsiteY9"/>
+                </a:cxn>
+                <a:cxn ang="0">
+                  <a:pos x="connsiteX10" y="connsiteY10"/>
+                </a:cxn>
+                <a:cxn ang="0">
+                  <a:pos x="connsiteX11" y="connsiteY11"/>
+                </a:cxn>
+                <a:cxn ang="0">
+                  <a:pos x="connsiteX12" y="connsiteY12"/>
+                </a:cxn>
+                <a:cxn ang="0">
+                  <a:pos x="connsiteX13" y="connsiteY13"/>
+                </a:cxn>
+                <a:cxn ang="0">
+                  <a:pos x="connsiteX14" y="connsiteY14"/>
+                </a:cxn>
+                <a:cxn ang="0">
+                  <a:pos x="connsiteX15" y="connsiteY15"/>
+                </a:cxn>
+                <a:cxn ang="0">
+                  <a:pos x="connsiteX16" y="connsiteY16"/>
+                </a:cxn>
+                <a:cxn ang="0">
+                  <a:pos x="connsiteX17" y="connsiteY17"/>
+                </a:cxn>
+                <a:cxn ang="0">
+                  <a:pos x="connsiteX18" y="connsiteY18"/>
+                </a:cxn>
+                <a:cxn ang="0">
+                  <a:pos x="connsiteX19" y="connsiteY19"/>
+                </a:cxn>
+                <a:cxn ang="0">
+                  <a:pos x="connsiteX20" y="connsiteY20"/>
+                </a:cxn>
+                <a:cxn ang="0">
+                  <a:pos x="connsiteX21" y="connsiteY21"/>
+                </a:cxn>
+                <a:cxn ang="0">
+                  <a:pos x="connsiteX22" y="connsiteY22"/>
+                </a:cxn>
+                <a:cxn ang="0">
+                  <a:pos x="connsiteX23" y="connsiteY23"/>
+                </a:cxn>
+                <a:cxn ang="0">
+                  <a:pos x="connsiteX24" y="connsiteY24"/>
+                </a:cxn>
+                <a:cxn ang="0">
+                  <a:pos x="connsiteX25" y="connsiteY25"/>
+                </a:cxn>
+                <a:cxn ang="0">
+                  <a:pos x="connsiteX26" y="connsiteY26"/>
+                </a:cxn>
+                <a:cxn ang="0">
+                  <a:pos x="connsiteX27" y="connsiteY27"/>
+                </a:cxn>
+                <a:cxn ang="0">
+                  <a:pos x="connsiteX28" y="connsiteY28"/>
+                </a:cxn>
+                <a:cxn ang="0">
+                  <a:pos x="connsiteX29" y="connsiteY29"/>
+                </a:cxn>
+                <a:cxn ang="0">
+                  <a:pos x="connsiteX30" y="connsiteY30"/>
+                </a:cxn>
+                <a:cxn ang="0">
+                  <a:pos x="connsiteX31" y="connsiteY31"/>
+                </a:cxn>
+                <a:cxn ang="0">
+                  <a:pos x="connsiteX32" y="connsiteY32"/>
+                </a:cxn>
+                <a:cxn ang="0">
+                  <a:pos x="connsiteX33" y="connsiteY33"/>
+                </a:cxn>
+                <a:cxn ang="0">
+                  <a:pos x="connsiteX34" y="connsiteY34"/>
+                </a:cxn>
+                <a:cxn ang="0">
+                  <a:pos x="connsiteX35" y="connsiteY35"/>
+                </a:cxn>
+                <a:cxn ang="0">
+                  <a:pos x="connsiteX36" y="connsiteY36"/>
+                </a:cxn>
+                <a:cxn ang="0">
+                  <a:pos x="connsiteX37" y="connsiteY37"/>
+                </a:cxn>
+                <a:cxn ang="0">
+                  <a:pos x="connsiteX38" y="connsiteY38"/>
+                </a:cxn>
+                <a:cxn ang="0">
+                  <a:pos x="connsiteX39" y="connsiteY39"/>
+                </a:cxn>
+                <a:cxn ang="0">
+                  <a:pos x="connsiteX40" y="connsiteY40"/>
+                </a:cxn>
+                <a:cxn ang="0">
+                  <a:pos x="connsiteX41" y="connsiteY41"/>
+                </a:cxn>
+                <a:cxn ang="0">
+                  <a:pos x="connsiteX42" y="connsiteY42"/>
+                </a:cxn>
+                <a:cxn ang="0">
+                  <a:pos x="connsiteX43" y="connsiteY43"/>
+                </a:cxn>
+                <a:cxn ang="0">
+                  <a:pos x="connsiteX44" y="connsiteY44"/>
+                </a:cxn>
+                <a:cxn ang="0">
+                  <a:pos x="connsiteX45" y="connsiteY45"/>
+                </a:cxn>
+                <a:cxn ang="0">
+                  <a:pos x="connsiteX46" y="connsiteY46"/>
+                </a:cxn>
+                <a:cxn ang="0">
+                  <a:pos x="connsiteX47" y="connsiteY47"/>
+                </a:cxn>
+                <a:cxn ang="0">
+                  <a:pos x="connsiteX48" y="connsiteY48"/>
+                </a:cxn>
+                <a:cxn ang="0">
+                  <a:pos x="connsiteX49" y="connsiteY49"/>
+                </a:cxn>
+                <a:cxn ang="0">
+                  <a:pos x="connsiteX50" y="connsiteY50"/>
+                </a:cxn>
+                <a:cxn ang="0">
+                  <a:pos x="connsiteX51" y="connsiteY51"/>
+                </a:cxn>
+                <a:cxn ang="0">
+                  <a:pos x="connsiteX52" y="connsiteY52"/>
+                </a:cxn>
+                <a:cxn ang="0">
+                  <a:pos x="connsiteX53" y="connsiteY53"/>
+                </a:cxn>
+                <a:cxn ang="0">
+                  <a:pos x="connsiteX54" y="connsiteY54"/>
+                </a:cxn>
+                <a:cxn ang="0">
+                  <a:pos x="connsiteX55" y="connsiteY55"/>
+                </a:cxn>
+                <a:cxn ang="0">
+                  <a:pos x="connsiteX56" y="connsiteY56"/>
+                </a:cxn>
+                <a:cxn ang="0">
+                  <a:pos x="connsiteX57" y="connsiteY57"/>
+                </a:cxn>
+                <a:cxn ang="0">
+                  <a:pos x="connsiteX58" y="connsiteY58"/>
+                </a:cxn>
+                <a:cxn ang="0">
+                  <a:pos x="connsiteX59" y="connsiteY59"/>
+                </a:cxn>
+                <a:cxn ang="0">
+                  <a:pos x="connsiteX60" y="connsiteY60"/>
+                </a:cxn>
+                <a:cxn ang="0">
+                  <a:pos x="connsiteX61" y="connsiteY61"/>
+                </a:cxn>
+                <a:cxn ang="0">
+                  <a:pos x="connsiteX62" y="connsiteY62"/>
+                </a:cxn>
+                <a:cxn ang="0">
+                  <a:pos x="connsiteX63" y="connsiteY63"/>
+                </a:cxn>
+                <a:cxn ang="0">
+                  <a:pos x="connsiteX64" y="connsiteY64"/>
+                </a:cxn>
+                <a:cxn ang="0">
+                  <a:pos x="connsiteX65" y="connsiteY65"/>
+                </a:cxn>
+                <a:cxn ang="0">
+                  <a:pos x="connsiteX66" y="connsiteY66"/>
+                </a:cxn>
+                <a:cxn ang="0">
+                  <a:pos x="connsiteX67" y="connsiteY67"/>
+                </a:cxn>
+                <a:cxn ang="0">
+                  <a:pos x="connsiteX68" y="connsiteY68"/>
+                </a:cxn>
+                <a:cxn ang="0">
+                  <a:pos x="connsiteX69" y="connsiteY69"/>
+                </a:cxn>
+                <a:cxn ang="0">
+                  <a:pos x="connsiteX70" y="connsiteY70"/>
+                </a:cxn>
+                <a:cxn ang="0">
+                  <a:pos x="connsiteX71" y="connsiteY71"/>
+                </a:cxn>
+                <a:cxn ang="0">
+                  <a:pos x="connsiteX72" y="connsiteY72"/>
+                </a:cxn>
+                <a:cxn ang="0">
+                  <a:pos x="connsiteX73" y="connsiteY73"/>
+                </a:cxn>
+                <a:cxn ang="0">
+                  <a:pos x="connsiteX74" y="connsiteY74"/>
+                </a:cxn>
+                <a:cxn ang="0">
+                  <a:pos x="connsiteX75" y="connsiteY75"/>
+                </a:cxn>
+                <a:cxn ang="0">
+                  <a:pos x="connsiteX76" y="connsiteY76"/>
+                </a:cxn>
+                <a:cxn ang="0">
+                  <a:pos x="connsiteX77" y="connsiteY77"/>
+                </a:cxn>
+                <a:cxn ang="0">
+                  <a:pos x="connsiteX78" y="connsiteY78"/>
+                </a:cxn>
+                <a:cxn ang="0">
+                  <a:pos x="connsiteX79" y="connsiteY79"/>
+                </a:cxn>
+                <a:cxn ang="0">
+                  <a:pos x="connsiteX80" y="connsiteY80"/>
+                </a:cxn>
+                <a:cxn ang="0">
+                  <a:pos x="connsiteX81" y="connsiteY81"/>
+                </a:cxn>
+                <a:cxn ang="0">
+                  <a:pos x="connsiteX82" y="connsiteY82"/>
+                </a:cxn>
+                <a:cxn ang="0">
+                  <a:pos x="connsiteX83" y="connsiteY83"/>
+                </a:cxn>
+                <a:cxn ang="0">
+                  <a:pos x="connsiteX84" y="connsiteY84"/>
+                </a:cxn>
+                <a:cxn ang="0">
+                  <a:pos x="connsiteX85" y="connsiteY85"/>
+                </a:cxn>
+                <a:cxn ang="0">
+                  <a:pos x="connsiteX86" y="connsiteY86"/>
+                </a:cxn>
+                <a:cxn ang="0">
+                  <a:pos x="connsiteX87" y="connsiteY87"/>
+                </a:cxn>
+                <a:cxn ang="0">
+                  <a:pos x="connsiteX88" y="connsiteY88"/>
+                </a:cxn>
+                <a:cxn ang="0">
+                  <a:pos x="connsiteX89" y="connsiteY89"/>
+                </a:cxn>
+                <a:cxn ang="0">
+                  <a:pos x="connsiteX90" y="connsiteY90"/>
+                </a:cxn>
+                <a:cxn ang="0">
+                  <a:pos x="connsiteX91" y="connsiteY91"/>
+                </a:cxn>
+                <a:cxn ang="0">
+                  <a:pos x="connsiteX92" y="connsiteY92"/>
+                </a:cxn>
+                <a:cxn ang="0">
+                  <a:pos x="connsiteX93" y="connsiteY93"/>
+                </a:cxn>
+                <a:cxn ang="0">
+                  <a:pos x="connsiteX94" y="connsiteY94"/>
+                </a:cxn>
+                <a:cxn ang="0">
+                  <a:pos x="connsiteX95" y="connsiteY95"/>
+                </a:cxn>
+                <a:cxn ang="0">
+                  <a:pos x="connsiteX96" y="connsiteY96"/>
+                </a:cxn>
+                <a:cxn ang="0">
+                  <a:pos x="connsiteX97" y="connsiteY97"/>
+                </a:cxn>
+                <a:cxn ang="0">
+                  <a:pos x="connsiteX98" y="connsiteY98"/>
+                </a:cxn>
+                <a:cxn ang="0">
+                  <a:pos x="connsiteX99" y="connsiteY99"/>
+                </a:cxn>
+                <a:cxn ang="0">
+                  <a:pos x="connsiteX100" y="connsiteY100"/>
+                </a:cxn>
+                <a:cxn ang="0">
+                  <a:pos x="connsiteX101" y="connsiteY101"/>
+                </a:cxn>
+                <a:cxn ang="0">
+                  <a:pos x="connsiteX102" y="connsiteY102"/>
+                </a:cxn>
+                <a:cxn ang="0">
+                  <a:pos x="connsiteX103" y="connsiteY103"/>
+                </a:cxn>
+                <a:cxn ang="0">
+                  <a:pos x="connsiteX104" y="connsiteY104"/>
+                </a:cxn>
+                <a:cxn ang="0">
+                  <a:pos x="connsiteX105" y="connsiteY105"/>
+                </a:cxn>
+                <a:cxn ang="0">
+                  <a:pos x="connsiteX106" y="connsiteY106"/>
+                </a:cxn>
+                <a:cxn ang="0">
+                  <a:pos x="connsiteX107" y="connsiteY107"/>
+                </a:cxn>
+                <a:cxn ang="0">
+                  <a:pos x="connsiteX108" y="connsiteY108"/>
+                </a:cxn>
+                <a:cxn ang="0">
+                  <a:pos x="connsiteX109" y="connsiteY109"/>
+                </a:cxn>
+                <a:cxn ang="0">
+                  <a:pos x="connsiteX110" y="connsiteY110"/>
+                </a:cxn>
+                <a:cxn ang="0">
+                  <a:pos x="connsiteX111" y="connsiteY111"/>
+                </a:cxn>
+                <a:cxn ang="0">
+                  <a:pos x="connsiteX112" y="connsiteY112"/>
+                </a:cxn>
+                <a:cxn ang="0">
+                  <a:pos x="connsiteX113" y="connsiteY113"/>
+                </a:cxn>
+                <a:cxn ang="0">
+                  <a:pos x="connsiteX114" y="connsiteY114"/>
+                </a:cxn>
+                <a:cxn ang="0">
+                  <a:pos x="connsiteX115" y="connsiteY115"/>
+                </a:cxn>
+                <a:cxn ang="0">
+                  <a:pos x="connsiteX116" y="connsiteY116"/>
+                </a:cxn>
+                <a:cxn ang="0">
+                  <a:pos x="connsiteX117" y="connsiteY117"/>
+                </a:cxn>
+                <a:cxn ang="0">
+                  <a:pos x="connsiteX118" y="connsiteY118"/>
+                </a:cxn>
+                <a:cxn ang="0">
+                  <a:pos x="connsiteX119" y="connsiteY119"/>
+                </a:cxn>
+                <a:cxn ang="0">
+                  <a:pos x="connsiteX120" y="connsiteY120"/>
+                </a:cxn>
+                <a:cxn ang="0">
+                  <a:pos x="connsiteX121" y="connsiteY121"/>
+                </a:cxn>
+                <a:cxn ang="0">
+                  <a:pos x="connsiteX122" y="connsiteY122"/>
+                </a:cxn>
+                <a:cxn ang="0">
+                  <a:pos x="connsiteX123" y="connsiteY123"/>
+                </a:cxn>
+                <a:cxn ang="0">
+                  <a:pos x="connsiteX124" y="connsiteY124"/>
+                </a:cxn>
+                <a:cxn ang="0">
+                  <a:pos x="connsiteX125" y="connsiteY125"/>
+                </a:cxn>
+                <a:cxn ang="0">
+                  <a:pos x="connsiteX126" y="connsiteY126"/>
+                </a:cxn>
+                <a:cxn ang="0">
+                  <a:pos x="connsiteX127" y="connsiteY127"/>
+                </a:cxn>
+                <a:cxn ang="0">
+                  <a:pos x="connsiteX128" y="connsiteY128"/>
+                </a:cxn>
+                <a:cxn ang="0">
+                  <a:pos x="connsiteX129" y="connsiteY129"/>
+                </a:cxn>
+                <a:cxn ang="0">
+                  <a:pos x="connsiteX130" y="connsiteY130"/>
+                </a:cxn>
+                <a:cxn ang="0">
+                  <a:pos x="connsiteX131" y="connsiteY131"/>
+                </a:cxn>
+                <a:cxn ang="0">
+                  <a:pos x="connsiteX132" y="connsiteY132"/>
+                </a:cxn>
+                <a:cxn ang="0">
+                  <a:pos x="connsiteX133" y="connsiteY133"/>
+                </a:cxn>
+                <a:cxn ang="0">
+                  <a:pos x="connsiteX134" y="connsiteY134"/>
+                </a:cxn>
+                <a:cxn ang="0">
+                  <a:pos x="connsiteX135" y="connsiteY135"/>
+                </a:cxn>
+                <a:cxn ang="0">
+                  <a:pos x="connsiteX136" y="connsiteY136"/>
+                </a:cxn>
+                <a:cxn ang="0">
+                  <a:pos x="connsiteX137" y="connsiteY137"/>
+                </a:cxn>
+                <a:cxn ang="0">
+                  <a:pos x="connsiteX138" y="connsiteY138"/>
+                </a:cxn>
+                <a:cxn ang="0">
+                  <a:pos x="connsiteX139" y="connsiteY139"/>
+                </a:cxn>
+                <a:cxn ang="0">
+                  <a:pos x="connsiteX140" y="connsiteY140"/>
+                </a:cxn>
+                <a:cxn ang="0">
+                  <a:pos x="connsiteX141" y="connsiteY141"/>
+                </a:cxn>
+                <a:cxn ang="0">
+                  <a:pos x="connsiteX142" y="connsiteY142"/>
+                </a:cxn>
+                <a:cxn ang="0">
+                  <a:pos x="connsiteX143" y="connsiteY143"/>
+                </a:cxn>
+                <a:cxn ang="0">
+                  <a:pos x="connsiteX144" y="connsiteY144"/>
+                </a:cxn>
+                <a:cxn ang="0">
+                  <a:pos x="connsiteX145" y="connsiteY145"/>
+                </a:cxn>
+                <a:cxn ang="0">
+                  <a:pos x="connsiteX146" y="connsiteY146"/>
+                </a:cxn>
+                <a:cxn ang="0">
+                  <a:pos x="connsiteX147" y="connsiteY147"/>
+                </a:cxn>
+                <a:cxn ang="0">
+                  <a:pos x="connsiteX148" y="connsiteY148"/>
+                </a:cxn>
+                <a:cxn ang="0">
+                  <a:pos x="connsiteX149" y="connsiteY149"/>
+                </a:cxn>
+                <a:cxn ang="0">
+                  <a:pos x="connsiteX150" y="connsiteY150"/>
+                </a:cxn>
+                <a:cxn ang="0">
+                  <a:pos x="connsiteX151" y="connsiteY151"/>
+                </a:cxn>
+                <a:cxn ang="0">
+                  <a:pos x="connsiteX152" y="connsiteY152"/>
+                </a:cxn>
+                <a:cxn ang="0">
+                  <a:pos x="connsiteX153" y="connsiteY153"/>
+                </a:cxn>
+                <a:cxn ang="0">
+                  <a:pos x="connsiteX154" y="connsiteY154"/>
+                </a:cxn>
+                <a:cxn ang="0">
+                  <a:pos x="connsiteX155" y="connsiteY155"/>
+                </a:cxn>
+                <a:cxn ang="0">
+                  <a:pos x="connsiteX156" y="connsiteY156"/>
+                </a:cxn>
+                <a:cxn ang="0">
+                  <a:pos x="connsiteX157" y="connsiteY157"/>
+                </a:cxn>
+                <a:cxn ang="0">
+                  <a:pos x="connsiteX158" y="connsiteY158"/>
+                </a:cxn>
+                <a:cxn ang="0">
+                  <a:pos x="connsiteX159" y="connsiteY159"/>
+                </a:cxn>
+                <a:cxn ang="0">
+                  <a:pos x="connsiteX160" y="connsiteY160"/>
+                </a:cxn>
+                <a:cxn ang="0">
+                  <a:pos x="connsiteX161" y="connsiteY161"/>
+                </a:cxn>
+                <a:cxn ang="0">
+                  <a:pos x="connsiteX162" y="connsiteY162"/>
+                </a:cxn>
+                <a:cxn ang="0">
+                  <a:pos x="connsiteX163" y="connsiteY163"/>
+                </a:cxn>
+                <a:cxn ang="0">
+                  <a:pos x="connsiteX164" y="connsiteY164"/>
+                </a:cxn>
+                <a:cxn ang="0">
+                  <a:pos x="connsiteX165" y="connsiteY165"/>
+                </a:cxn>
+                <a:cxn ang="0">
+                  <a:pos x="connsiteX166" y="connsiteY166"/>
+                </a:cxn>
+                <a:cxn ang="0">
+                  <a:pos x="connsiteX167" y="connsiteY167"/>
+                </a:cxn>
+                <a:cxn ang="0">
+                  <a:pos x="connsiteX168" y="connsiteY168"/>
+                </a:cxn>
+                <a:cxn ang="0">
+                  <a:pos x="connsiteX169" y="connsiteY169"/>
+                </a:cxn>
+                <a:cxn ang="0">
+                  <a:pos x="connsiteX170" y="connsiteY170"/>
+                </a:cxn>
+                <a:cxn ang="0">
+                  <a:pos x="connsiteX171" y="connsiteY171"/>
+                </a:cxn>
+                <a:cxn ang="0">
+                  <a:pos x="connsiteX172" y="connsiteY172"/>
+                </a:cxn>
+                <a:cxn ang="0">
+                  <a:pos x="connsiteX173" y="connsiteY173"/>
+                </a:cxn>
+                <a:cxn ang="0">
+                  <a:pos x="connsiteX174" y="connsiteY174"/>
+                </a:cxn>
+                <a:cxn ang="0">
+                  <a:pos x="connsiteX175" y="connsiteY175"/>
+                </a:cxn>
+                <a:cxn ang="0">
+                  <a:pos x="connsiteX176" y="connsiteY176"/>
+                </a:cxn>
+                <a:cxn ang="0">
+                  <a:pos x="connsiteX177" y="connsiteY177"/>
+                </a:cxn>
+                <a:cxn ang="0">
+                  <a:pos x="connsiteX178" y="connsiteY178"/>
+                </a:cxn>
+                <a:cxn ang="0">
+                  <a:pos x="connsiteX179" y="connsiteY179"/>
+                </a:cxn>
+                <a:cxn ang="0">
+                  <a:pos x="connsiteX180" y="connsiteY180"/>
+                </a:cxn>
+              </a:cxnLst>
+              <a:rect l="l" t="t" r="r" b="b"/>
+              <a:pathLst>
+                <a:path w="12192000" h="757168">
+                  <a:moveTo>
+                    <a:pt x="0" y="0"/>
+                  </a:moveTo>
+                  <a:lnTo>
+                    <a:pt x="41653" y="6945"/>
+                  </a:lnTo>
+                  <a:cubicBezTo>
+                    <a:pt x="55151" y="9178"/>
+                    <a:pt x="68996" y="11810"/>
+                    <a:pt x="81317" y="15509"/>
+                  </a:cubicBezTo>
+                  <a:cubicBezTo>
+                    <a:pt x="92911" y="18978"/>
+                    <a:pt x="102562" y="24446"/>
+                    <a:pt x="114150" y="28105"/>
+                  </a:cubicBezTo>
+                  <a:cubicBezTo>
+                    <a:pt x="145644" y="37958"/>
+                    <a:pt x="177914" y="47281"/>
+                    <a:pt x="214865" y="58374"/>
+                  </a:cubicBezTo>
+                  <a:cubicBezTo>
+                    <a:pt x="236680" y="42349"/>
+                    <a:pt x="264438" y="53534"/>
+                    <a:pt x="299237" y="63560"/>
+                  </a:cubicBezTo>
+                  <a:cubicBezTo>
+                    <a:pt x="334763" y="73816"/>
+                    <a:pt x="376093" y="78654"/>
+                    <a:pt x="415570" y="83774"/>
+                  </a:cubicBezTo>
+                  <a:cubicBezTo>
+                    <a:pt x="487949" y="93100"/>
+                    <a:pt x="560804" y="100354"/>
+                    <a:pt x="633210" y="109108"/>
+                  </a:cubicBezTo>
+                  <a:cubicBezTo>
+                    <a:pt x="648566" y="111058"/>
+                    <a:pt x="666073" y="114072"/>
+                    <a:pt x="677567" y="119446"/>
+                  </a:cubicBezTo>
+                  <a:cubicBezTo>
+                    <a:pt x="756262" y="155621"/>
+                    <a:pt x="853422" y="169678"/>
+                    <a:pt x="946429" y="171502"/>
+                  </a:cubicBezTo>
+                  <a:cubicBezTo>
+                    <a:pt x="1019582" y="173044"/>
+                    <a:pt x="1091239" y="175083"/>
+                    <a:pt x="1163367" y="182106"/>
+                  </a:cubicBezTo>
+                  <a:cubicBezTo>
+                    <a:pt x="1168863" y="182586"/>
+                    <a:pt x="1176224" y="182589"/>
+                    <a:pt x="1180337" y="181279"/>
+                  </a:cubicBezTo>
+                  <a:cubicBezTo>
+                    <a:pt x="1205822" y="172503"/>
+                    <a:pt x="1231920" y="173109"/>
+                    <a:pt x="1263939" y="173070"/>
+                  </a:cubicBezTo>
+                  <a:cubicBezTo>
+                    <a:pt x="1309211" y="172961"/>
+                    <a:pt x="1350592" y="176848"/>
+                    <a:pt x="1392213" y="183225"/>
+                  </a:cubicBezTo>
+                  <a:cubicBezTo>
+                    <a:pt x="1422516" y="187866"/>
+                    <a:pt x="1453010" y="195759"/>
+                    <a:pt x="1479752" y="205174"/>
+                  </a:cubicBezTo>
+                  <a:cubicBezTo>
+                    <a:pt x="1516962" y="218381"/>
+                    <a:pt x="1553071" y="224660"/>
+                    <a:pt x="1589813" y="211706"/>
+                  </a:cubicBezTo>
+                  <a:cubicBezTo>
+                    <a:pt x="1629541" y="197953"/>
+                    <a:pt x="1673292" y="205778"/>
+                    <a:pt x="1716264" y="207459"/>
+                  </a:cubicBezTo>
+                  <a:cubicBezTo>
+                    <a:pt x="1734988" y="208248"/>
+                    <a:pt x="1754789" y="209668"/>
+                    <a:pt x="1772900" y="208137"/>
+                  </a:cubicBezTo>
+                  <a:cubicBezTo>
+                    <a:pt x="1825381" y="203828"/>
+                    <a:pt x="1876222" y="195808"/>
+                    <a:pt x="1929319" y="193822"/>
+                  </a:cubicBezTo>
+                  <a:cubicBezTo>
+                    <a:pt x="1958819" y="192698"/>
+                    <a:pt x="1991232" y="199166"/>
+                    <a:pt x="2021514" y="204186"/>
+                  </a:cubicBezTo>
+                  <a:cubicBezTo>
+                    <a:pt x="2052154" y="209417"/>
+                    <a:pt x="2082323" y="216530"/>
+                    <a:pt x="2111753" y="223797"/>
+                  </a:cubicBezTo>
+                  <a:cubicBezTo>
+                    <a:pt x="2131736" y="228659"/>
+                    <a:pt x="2153567" y="233429"/>
+                    <a:pt x="2169356" y="241125"/>
+                  </a:cubicBezTo>
+                  <a:cubicBezTo>
+                    <a:pt x="2205243" y="258649"/>
+                    <a:pt x="2242901" y="263295"/>
+                    <a:pt x="2286638" y="257382"/>
+                  </a:cubicBezTo>
+                  <a:cubicBezTo>
+                    <a:pt x="2293313" y="256396"/>
+                    <a:pt x="2301018" y="256799"/>
+                    <a:pt x="2308368" y="256995"/>
+                  </a:cubicBezTo>
+                  <a:cubicBezTo>
+                    <a:pt x="2426026" y="259155"/>
+                    <a:pt x="2543593" y="262834"/>
+                    <a:pt x="2660621" y="262863"/>
+                  </a:cubicBezTo>
+                  <a:cubicBezTo>
+                    <a:pt x="2708088" y="262871"/>
+                    <a:pt x="2754165" y="254412"/>
+                    <a:pt x="2801134" y="250006"/>
+                  </a:cubicBezTo>
+                  <a:cubicBezTo>
+                    <a:pt x="2810748" y="249174"/>
+                    <a:pt x="2821504" y="247638"/>
+                    <a:pt x="2830994" y="249091"/>
+                  </a:cubicBezTo>
+                  <a:cubicBezTo>
+                    <a:pt x="2934354" y="264045"/>
+                    <a:pt x="3032340" y="255254"/>
+                    <a:pt x="3129084" y="242009"/>
+                  </a:cubicBezTo>
+                  <a:cubicBezTo>
+                    <a:pt x="3139090" y="240625"/>
+                    <a:pt x="3151170" y="241831"/>
+                    <a:pt x="3162162" y="242789"/>
+                  </a:cubicBezTo>
+                  <a:cubicBezTo>
+                    <a:pt x="3192925" y="245736"/>
+                    <a:pt x="3225969" y="254145"/>
+                    <a:pt x="3254072" y="251612"/>
+                  </a:cubicBezTo>
+                  <a:cubicBezTo>
+                    <a:pt x="3328782" y="244461"/>
+                    <a:pt x="3402881" y="234992"/>
+                    <a:pt x="3473491" y="221903"/>
+                  </a:cubicBezTo>
+                  <a:cubicBezTo>
+                    <a:pt x="3545212" y="208683"/>
+                    <a:pt x="3611651" y="197856"/>
+                    <a:pt x="3691860" y="219228"/>
+                  </a:cubicBezTo>
+                  <a:cubicBezTo>
+                    <a:pt x="3725977" y="228268"/>
+                    <a:pt x="3771754" y="225515"/>
+                    <a:pt x="3811494" y="225691"/>
+                  </a:cubicBezTo>
+                  <a:cubicBezTo>
+                    <a:pt x="3840564" y="225687"/>
+                    <a:pt x="3868906" y="218586"/>
+                    <a:pt x="3897533" y="220087"/>
+                  </a:cubicBezTo>
+                  <a:cubicBezTo>
+                    <a:pt x="3973874" y="224087"/>
+                    <a:pt x="4042293" y="217563"/>
+                    <a:pt x="4109430" y="200477"/>
+                  </a:cubicBezTo>
+                  <a:cubicBezTo>
+                    <a:pt x="4135544" y="193834"/>
+                    <a:pt x="4175268" y="201258"/>
+                    <a:pt x="4208772" y="200914"/>
+                  </a:cubicBezTo>
+                  <a:cubicBezTo>
+                    <a:pt x="4244136" y="200288"/>
+                    <a:pt x="4280583" y="199908"/>
+                    <a:pt x="4314641" y="196159"/>
+                  </a:cubicBezTo>
+                  <a:cubicBezTo>
+                    <a:pt x="4402743" y="186278"/>
+                    <a:pt x="4489848" y="174436"/>
+                    <a:pt x="4577622" y="163774"/>
+                  </a:cubicBezTo>
+                  <a:cubicBezTo>
+                    <a:pt x="4649843" y="154967"/>
+                    <a:pt x="4719794" y="168553"/>
+                    <a:pt x="4790345" y="177592"/>
+                  </a:cubicBezTo>
+                  <a:cubicBezTo>
+                    <a:pt x="4834576" y="183345"/>
+                    <a:pt x="4875614" y="193701"/>
+                    <a:pt x="4926164" y="184139"/>
+                  </a:cubicBezTo>
+                  <a:cubicBezTo>
+                    <a:pt x="4974485" y="175032"/>
+                    <a:pt x="5034899" y="180870"/>
+                    <a:pt x="5088812" y="177401"/>
+                  </a:cubicBezTo>
+                  <a:cubicBezTo>
+                    <a:pt x="5134238" y="174439"/>
+                    <a:pt x="5178353" y="168165"/>
+                    <a:pt x="5222466" y="162082"/>
+                  </a:cubicBezTo>
+                  <a:cubicBezTo>
+                    <a:pt x="5282519" y="153783"/>
+                    <a:pt x="5341864" y="144876"/>
+                    <a:pt x="5406528" y="153987"/>
+                  </a:cubicBezTo>
+                  <a:cubicBezTo>
+                    <a:pt x="5479960" y="164323"/>
+                    <a:pt x="5531876" y="142624"/>
+                    <a:pt x="5590716" y="129490"/>
+                  </a:cubicBezTo>
+                  <a:cubicBezTo>
+                    <a:pt x="5631296" y="120553"/>
+                    <a:pt x="5675395" y="114659"/>
+                    <a:pt x="5719429" y="110099"/>
+                  </a:cubicBezTo>
+                  <a:cubicBezTo>
+                    <a:pt x="5778247" y="104215"/>
+                    <a:pt x="5838715" y="102042"/>
+                    <a:pt x="5897895" y="96368"/>
+                  </a:cubicBezTo>
+                  <a:cubicBezTo>
+                    <a:pt x="5987399" y="87895"/>
+                    <a:pt x="6077855" y="82333"/>
+                    <a:pt x="6169957" y="94411"/>
+                  </a:cubicBezTo>
+                  <a:cubicBezTo>
+                    <a:pt x="6212360" y="99875"/>
+                    <a:pt x="6252010" y="101763"/>
+                    <a:pt x="6294827" y="99236"/>
+                  </a:cubicBezTo>
+                  <a:cubicBezTo>
+                    <a:pt x="6364965" y="95091"/>
+                    <a:pt x="6436581" y="97891"/>
+                    <a:pt x="6494261" y="71724"/>
+                  </a:cubicBezTo>
+                  <a:cubicBezTo>
+                    <a:pt x="6514615" y="62488"/>
+                    <a:pt x="6550354" y="61691"/>
+                    <a:pt x="6579627" y="57883"/>
+                  </a:cubicBezTo>
+                  <a:cubicBezTo>
+                    <a:pt x="6613354" y="53353"/>
+                    <a:pt x="6637770" y="57878"/>
+                    <a:pt x="6654800" y="77086"/>
+                  </a:cubicBezTo>
+                  <a:cubicBezTo>
+                    <a:pt x="6662444" y="85688"/>
+                    <a:pt x="6685147" y="94892"/>
+                    <a:pt x="6703059" y="97166"/>
+                  </a:cubicBezTo>
+                  <a:cubicBezTo>
+                    <a:pt x="6756799" y="103989"/>
+                    <a:pt x="6806654" y="100687"/>
+                    <a:pt x="6859445" y="90481"/>
+                  </a:cubicBezTo>
+                  <a:cubicBezTo>
+                    <a:pt x="6908894" y="80861"/>
+                    <a:pt x="6969747" y="85387"/>
+                    <a:pt x="7025414" y="83536"/>
+                  </a:cubicBezTo>
+                  <a:cubicBezTo>
+                    <a:pt x="7064862" y="82168"/>
+                    <a:pt x="7104501" y="77186"/>
+                    <a:pt x="7144137" y="79264"/>
+                  </a:cubicBezTo>
+                  <a:cubicBezTo>
+                    <a:pt x="7193316" y="81841"/>
+                    <a:pt x="7241809" y="90488"/>
+                    <a:pt x="7291235" y="95367"/>
+                  </a:cubicBezTo>
+                  <a:cubicBezTo>
+                    <a:pt x="7329668" y="99288"/>
+                    <a:pt x="7368978" y="100585"/>
+                    <a:pt x="7407395" y="104888"/>
+                  </a:cubicBezTo>
+                  <a:cubicBezTo>
+                    <a:pt x="7438868" y="108256"/>
+                    <a:pt x="7469832" y="114265"/>
+                    <a:pt x="7500837" y="119515"/>
+                  </a:cubicBezTo>
+                  <a:cubicBezTo>
+                    <a:pt x="7512146" y="121444"/>
+                    <a:pt x="7523255" y="127178"/>
+                    <a:pt x="7533567" y="126955"/>
+                  </a:cubicBezTo>
+                  <a:cubicBezTo>
+                    <a:pt x="7636025" y="124121"/>
+                    <a:pt x="7707510" y="164497"/>
+                    <a:pt x="7792910" y="185188"/>
+                  </a:cubicBezTo>
+                  <a:cubicBezTo>
+                    <a:pt x="7882663" y="207063"/>
+                    <a:pt x="7969001" y="237914"/>
+                    <a:pt x="8070699" y="235423"/>
+                  </a:cubicBezTo>
+                  <a:cubicBezTo>
+                    <a:pt x="8132239" y="233879"/>
+                    <a:pt x="8191903" y="225939"/>
+                    <a:pt x="8253177" y="222473"/>
+                  </a:cubicBezTo>
+                  <a:cubicBezTo>
+                    <a:pt x="8274949" y="221324"/>
+                    <a:pt x="8299150" y="222976"/>
+                    <a:pt x="8320683" y="226393"/>
+                  </a:cubicBezTo>
+                  <a:cubicBezTo>
+                    <a:pt x="8424731" y="242340"/>
+                    <a:pt x="8527777" y="249266"/>
+                    <a:pt x="8631438" y="237528"/>
+                  </a:cubicBezTo>
+                  <a:cubicBezTo>
+                    <a:pt x="8649201" y="235596"/>
+                    <a:pt x="8668058" y="233915"/>
+                    <a:pt x="8686410" y="234877"/>
+                  </a:cubicBezTo>
+                  <a:cubicBezTo>
+                    <a:pt x="8786966" y="240146"/>
+                    <a:pt x="8885480" y="249315"/>
+                    <a:pt x="8980658" y="273001"/>
+                  </a:cubicBezTo>
+                  <a:cubicBezTo>
+                    <a:pt x="9012626" y="280972"/>
+                    <a:pt x="9052108" y="279035"/>
+                    <a:pt x="9087625" y="282423"/>
+                  </a:cubicBezTo>
+                  <a:cubicBezTo>
+                    <a:pt x="9120583" y="285484"/>
+                    <a:pt x="9154319" y="287825"/>
+                    <a:pt x="9186017" y="293875"/>
+                  </a:cubicBezTo>
+                  <a:cubicBezTo>
+                    <a:pt x="9232288" y="302785"/>
+                    <a:pt x="9275554" y="305815"/>
+                    <a:pt x="9323931" y="302628"/>
+                  </a:cubicBezTo>
+                  <a:cubicBezTo>
+                    <a:pt x="9370084" y="299705"/>
+                    <a:pt x="9419491" y="304964"/>
+                    <a:pt x="9467213" y="307275"/>
+                  </a:cubicBezTo>
+                  <a:cubicBezTo>
+                    <a:pt x="9520438" y="309874"/>
+                    <a:pt x="9573661" y="312473"/>
+                    <a:pt x="9626826" y="316213"/>
+                  </a:cubicBezTo>
+                  <a:cubicBezTo>
+                    <a:pt x="9648094" y="317708"/>
+                    <a:pt x="9671915" y="326588"/>
+                    <a:pt x="9689696" y="324467"/>
+                  </a:cubicBezTo>
+                  <a:cubicBezTo>
+                    <a:pt x="9747117" y="317175"/>
+                    <a:pt x="9803355" y="332523"/>
+                    <a:pt x="9860526" y="329986"/>
+                  </a:cubicBezTo>
+                  <a:cubicBezTo>
+                    <a:pt x="9888572" y="328594"/>
+                    <a:pt x="9919723" y="338048"/>
+                    <a:pt x="9949775" y="340386"/>
+                  </a:cubicBezTo>
+                  <a:cubicBezTo>
+                    <a:pt x="9998886" y="344296"/>
+                    <a:pt x="10048092" y="346302"/>
+                    <a:pt x="10097252" y="349262"/>
+                  </a:cubicBezTo>
+                  <a:cubicBezTo>
+                    <a:pt x="10113390" y="350297"/>
+                    <a:pt x="10129133" y="351886"/>
+                    <a:pt x="10145261" y="353113"/>
+                  </a:cubicBezTo>
+                  <a:cubicBezTo>
+                    <a:pt x="10159555" y="354243"/>
+                    <a:pt x="10174512" y="356743"/>
+                    <a:pt x="10188159" y="356124"/>
+                  </a:cubicBezTo>
+                  <a:cubicBezTo>
+                    <a:pt x="10237589" y="353944"/>
+                    <a:pt x="10286441" y="348682"/>
+                    <a:pt x="10336144" y="348235"/>
+                  </a:cubicBezTo>
+                  <a:cubicBezTo>
+                    <a:pt x="10379222" y="347822"/>
+                    <a:pt x="10423443" y="353764"/>
+                    <a:pt x="10466847" y="354131"/>
+                  </a:cubicBezTo>
+                  <a:cubicBezTo>
+                    <a:pt x="10543353" y="354898"/>
+                    <a:pt x="10619988" y="353190"/>
+                    <a:pt x="10696514" y="353575"/>
+                  </a:cubicBezTo>
+                  <a:cubicBezTo>
+                    <a:pt x="10713071" y="353680"/>
+                    <a:pt x="10730069" y="359342"/>
+                    <a:pt x="10746932" y="360606"/>
+                  </a:cubicBezTo>
+                  <a:cubicBezTo>
+                    <a:pt x="10799731" y="364326"/>
+                    <a:pt x="10852569" y="367289"/>
+                    <a:pt x="10905388" y="370627"/>
+                  </a:cubicBezTo>
+                  <a:cubicBezTo>
+                    <a:pt x="10935470" y="372396"/>
+                    <a:pt x="10965963" y="373421"/>
+                    <a:pt x="10995602" y="376691"/>
+                  </a:cubicBezTo>
+                  <a:cubicBezTo>
+                    <a:pt x="11034750" y="381032"/>
+                    <a:pt x="11070168" y="386324"/>
+                    <a:pt x="11107647" y="373405"/>
+                  </a:cubicBezTo>
+                  <a:cubicBezTo>
+                    <a:pt x="11165372" y="353347"/>
+                    <a:pt x="11236837" y="366060"/>
+                    <a:pt x="11302440" y="364156"/>
+                  </a:cubicBezTo>
+                  <a:cubicBezTo>
+                    <a:pt x="11319394" y="363708"/>
+                    <a:pt x="11336655" y="364422"/>
+                    <a:pt x="11353613" y="363785"/>
+                  </a:cubicBezTo>
+                  <a:cubicBezTo>
+                    <a:pt x="11384961" y="362566"/>
+                    <a:pt x="11415955" y="360947"/>
+                    <a:pt x="11447323" y="359346"/>
+                  </a:cubicBezTo>
+                  <a:cubicBezTo>
+                    <a:pt x="11452855" y="359066"/>
+                    <a:pt x="11459104" y="359200"/>
+                    <a:pt x="11464292" y="358519"/>
+                  </a:cubicBezTo>
+                  <a:cubicBezTo>
+                    <a:pt x="11512058" y="353010"/>
+                    <a:pt x="11559143" y="346321"/>
+                    <a:pt x="11607560" y="342370"/>
+                  </a:cubicBezTo>
+                  <a:cubicBezTo>
+                    <a:pt x="11631218" y="340368"/>
+                    <a:pt x="11657295" y="341352"/>
+                    <a:pt x="11681426" y="344335"/>
+                  </a:cubicBezTo>
+                  <a:cubicBezTo>
+                    <a:pt x="11751997" y="352993"/>
+                    <a:pt x="11821986" y="358760"/>
+                    <a:pt x="11893565" y="355261"/>
+                  </a:cubicBezTo>
+                  <a:cubicBezTo>
+                    <a:pt x="11921973" y="353889"/>
+                    <a:pt x="11953288" y="360300"/>
+                    <a:pt x="11983290" y="363588"/>
+                  </a:cubicBezTo>
+                  <a:lnTo>
+                    <a:pt x="12192000" y="388018"/>
+                  </a:lnTo>
+                  <a:lnTo>
+                    <a:pt x="12192000" y="577115"/>
+                  </a:lnTo>
+                  <a:lnTo>
+                    <a:pt x="12157329" y="588862"/>
+                  </a:lnTo>
+                  <a:cubicBezTo>
+                    <a:pt x="12118393" y="608572"/>
+                    <a:pt x="12109715" y="605637"/>
+                    <a:pt x="12066948" y="586034"/>
+                  </a:cubicBezTo>
+                  <a:cubicBezTo>
+                    <a:pt x="12016991" y="563193"/>
+                    <a:pt x="11965119" y="541779"/>
+                    <a:pt x="11911344" y="521599"/>
+                  </a:cubicBezTo>
+                  <a:cubicBezTo>
+                    <a:pt x="11894383" y="515178"/>
+                    <a:pt x="11869417" y="514060"/>
+                    <a:pt x="11847823" y="511785"/>
+                  </a:cubicBezTo>
+                  <a:cubicBezTo>
+                    <a:pt x="11811233" y="507768"/>
+                    <a:pt x="11773630" y="501982"/>
+                    <a:pt x="11737547" y="502380"/>
+                  </a:cubicBezTo>
+                  <a:cubicBezTo>
+                    <a:pt x="11702930" y="502855"/>
+                    <a:pt x="11668388" y="508866"/>
+                    <a:pt x="11636052" y="514993"/>
+                  </a:cubicBezTo>
+                  <a:cubicBezTo>
+                    <a:pt x="11545722" y="532199"/>
+                    <a:pt x="11462455" y="555118"/>
+                    <a:pt x="11394706" y="590867"/>
+                  </a:cubicBezTo>
+                  <a:cubicBezTo>
+                    <a:pt x="11385999" y="595562"/>
+                    <a:pt x="11369016" y="596581"/>
+                    <a:pt x="11354978" y="597561"/>
+                  </a:cubicBezTo>
+                  <a:cubicBezTo>
+                    <a:pt x="11332076" y="599224"/>
+                    <a:pt x="11308448" y="600655"/>
+                    <a:pt x="11285306" y="599825"/>
+                  </a:cubicBezTo>
+                  <a:cubicBezTo>
+                    <a:pt x="11172906" y="595841"/>
+                    <a:pt x="11083430" y="617861"/>
+                    <a:pt x="11008528" y="656670"/>
+                  </a:cubicBezTo>
+                  <a:cubicBezTo>
+                    <a:pt x="10986971" y="667750"/>
+                    <a:pt x="10970753" y="668236"/>
+                    <a:pt x="10948735" y="652964"/>
+                  </a:cubicBezTo>
+                  <a:cubicBezTo>
+                    <a:pt x="10923173" y="635218"/>
+                    <a:pt x="10885031" y="639705"/>
+                    <a:pt x="10850698" y="641721"/>
+                  </a:cubicBezTo>
+                  <a:cubicBezTo>
+                    <a:pt x="10815269" y="643680"/>
+                    <a:pt x="10779458" y="645811"/>
+                    <a:pt x="10744026" y="647769"/>
+                  </a:cubicBezTo>
+                  <a:cubicBezTo>
+                    <a:pt x="10717832" y="649066"/>
+                    <a:pt x="10692021" y="650003"/>
+                    <a:pt x="10666160" y="651891"/>
+                  </a:cubicBezTo>
+                  <a:cubicBezTo>
+                    <a:pt x="10585627" y="657783"/>
+                    <a:pt x="10513854" y="650969"/>
+                    <a:pt x="10450521" y="616552"/>
+                  </a:cubicBezTo>
+                  <a:cubicBezTo>
+                    <a:pt x="10402221" y="590175"/>
+                    <a:pt x="10339099" y="579806"/>
+                    <a:pt x="10271192" y="583498"/>
+                  </a:cubicBezTo>
+                  <a:cubicBezTo>
+                    <a:pt x="10262701" y="584006"/>
+                    <a:pt x="10251859" y="587254"/>
+                    <a:pt x="10246067" y="585423"/>
+                  </a:cubicBezTo>
+                  <a:cubicBezTo>
+                    <a:pt x="10158786" y="558528"/>
+                    <a:pt x="10086634" y="594049"/>
+                    <a:pt x="10005027" y="592252"/>
+                  </a:cubicBezTo>
+                  <a:cubicBezTo>
+                    <a:pt x="9969004" y="591507"/>
+                    <a:pt x="9931565" y="603664"/>
+                    <a:pt x="9898681" y="613195"/>
+                  </a:cubicBezTo>
+                  <a:cubicBezTo>
+                    <a:pt x="9853463" y="626281"/>
+                    <a:pt x="9813049" y="639042"/>
+                    <a:pt x="9753225" y="629038"/>
+                  </a:cubicBezTo>
+                  <a:cubicBezTo>
+                    <a:pt x="9693404" y="618845"/>
+                    <a:pt x="9637675" y="628898"/>
+                    <a:pt x="9591376" y="648601"/>
+                  </a:cubicBezTo>
+                  <a:cubicBezTo>
+                    <a:pt x="9556001" y="663537"/>
+                    <a:pt x="9518120" y="663077"/>
+                    <a:pt x="9472860" y="655936"/>
+                  </a:cubicBezTo>
+                  <a:cubicBezTo>
+                    <a:pt x="9416283" y="647056"/>
+                    <a:pt x="9357217" y="643578"/>
+                    <a:pt x="9299788" y="636945"/>
+                  </a:cubicBezTo>
+                  <a:cubicBezTo>
+                    <a:pt x="9287347" y="635531"/>
+                    <a:pt x="9271710" y="632039"/>
+                    <a:pt x="9264605" y="627087"/>
+                  </a:cubicBezTo>
+                  <a:cubicBezTo>
+                    <a:pt x="9177661" y="565680"/>
+                    <a:pt x="9051076" y="558473"/>
+                    <a:pt x="8926435" y="549269"/>
+                  </a:cubicBezTo>
+                  <a:cubicBezTo>
+                    <a:pt x="8850925" y="543595"/>
+                    <a:pt x="8774954" y="539613"/>
+                    <a:pt x="8698934" y="536583"/>
+                  </a:cubicBezTo>
+                  <a:cubicBezTo>
+                    <a:pt x="8673232" y="535428"/>
+                    <a:pt x="8645916" y="537050"/>
+                    <a:pt x="8622862" y="541563"/>
+                  </a:cubicBezTo>
+                  <a:cubicBezTo>
+                    <a:pt x="8574890" y="551069"/>
+                    <a:pt x="8530403" y="564380"/>
+                    <a:pt x="8482784" y="574094"/>
+                  </a:cubicBezTo>
+                  <a:cubicBezTo>
+                    <a:pt x="8464923" y="577929"/>
+                    <a:pt x="8442157" y="576927"/>
+                    <a:pt x="8421565" y="576610"/>
+                  </a:cubicBezTo>
+                  <a:cubicBezTo>
+                    <a:pt x="8385152" y="576229"/>
+                    <a:pt x="8345023" y="569546"/>
+                    <a:pt x="8313469" y="574762"/>
+                  </a:cubicBezTo>
+                  <a:cubicBezTo>
+                    <a:pt x="8231431" y="588203"/>
+                    <a:pt x="8155671" y="580227"/>
+                    <a:pt x="8079520" y="558685"/>
+                  </a:cubicBezTo>
+                  <a:cubicBezTo>
+                    <a:pt x="7972906" y="528487"/>
+                    <a:pt x="7870782" y="525043"/>
+                    <a:pt x="7773327" y="558854"/>
+                  </a:cubicBezTo>
+                  <a:cubicBezTo>
+                    <a:pt x="7729470" y="574107"/>
+                    <a:pt x="7688069" y="563543"/>
+                    <a:pt x="7652477" y="547561"/>
+                  </a:cubicBezTo>
+                  <a:cubicBezTo>
+                    <a:pt x="7611494" y="529005"/>
+                    <a:pt x="7570974" y="522685"/>
+                    <a:pt x="7522274" y="532150"/>
+                  </a:cubicBezTo>
+                  <a:cubicBezTo>
+                    <a:pt x="7511488" y="534257"/>
+                    <a:pt x="7496511" y="532136"/>
+                    <a:pt x="7484080" y="530532"/>
+                  </a:cubicBezTo>
+                  <a:cubicBezTo>
+                    <a:pt x="7413133" y="522044"/>
+                    <a:pt x="7341987" y="510303"/>
+                    <a:pt x="7282277" y="540177"/>
+                  </a:cubicBezTo>
+                  <a:cubicBezTo>
+                    <a:pt x="7270558" y="546051"/>
+                    <a:pt x="7251336" y="547713"/>
+                    <a:pt x="7235690" y="551282"/>
+                  </a:cubicBezTo>
+                  <a:cubicBezTo>
+                    <a:pt x="7170161" y="565782"/>
+                    <a:pt x="7172820" y="564203"/>
+                    <a:pt x="7116339" y="539494"/>
+                  </a:cubicBezTo>
+                  <a:cubicBezTo>
+                    <a:pt x="7086841" y="526502"/>
+                    <a:pt x="7045980" y="512724"/>
+                    <a:pt x="7011067" y="511848"/>
+                  </a:cubicBezTo>
+                  <a:cubicBezTo>
+                    <a:pt x="6800473" y="506533"/>
+                    <a:pt x="6601893" y="468653"/>
+                    <a:pt x="6403234" y="432296"/>
+                  </a:cubicBezTo>
+                  <a:cubicBezTo>
+                    <a:pt x="6280760" y="409851"/>
+                    <a:pt x="6160432" y="402592"/>
+                    <a:pt x="6036273" y="412301"/>
+                  </a:cubicBezTo>
+                  <a:cubicBezTo>
+                    <a:pt x="5946471" y="419425"/>
+                    <a:pt x="5863077" y="395593"/>
+                    <a:pt x="5780467" y="377910"/>
+                  </a:cubicBezTo>
+                  <a:cubicBezTo>
+                    <a:pt x="5763357" y="374343"/>
+                    <a:pt x="5747757" y="363033"/>
+                    <a:pt x="5739051" y="353609"/>
+                  </a:cubicBezTo>
+                  <a:cubicBezTo>
+                    <a:pt x="5707675" y="320294"/>
+                    <a:pt x="5653252" y="312483"/>
+                    <a:pt x="5583566" y="321995"/>
+                  </a:cubicBezTo>
+                  <a:cubicBezTo>
+                    <a:pt x="5528347" y="329404"/>
+                    <a:pt x="5477716" y="340486"/>
+                    <a:pt x="5432030" y="362512"/>
+                  </a:cubicBezTo>
+                  <a:cubicBezTo>
+                    <a:pt x="5378421" y="388318"/>
+                    <a:pt x="5322767" y="418026"/>
+                    <a:pt x="5241398" y="425781"/>
+                  </a:cubicBezTo>
+                  <a:cubicBezTo>
+                    <a:pt x="5206262" y="429089"/>
+                    <a:pt x="5176131" y="428273"/>
+                    <a:pt x="5139710" y="421022"/>
+                  </a:cubicBezTo>
+                  <a:cubicBezTo>
+                    <a:pt x="5069048" y="407018"/>
+                    <a:pt x="4997864" y="396037"/>
+                    <a:pt x="4929402" y="424310"/>
+                  </a:cubicBezTo>
+                  <a:cubicBezTo>
+                    <a:pt x="4891785" y="439890"/>
+                    <a:pt x="4841650" y="448519"/>
+                    <a:pt x="4782793" y="441046"/>
+                  </a:cubicBezTo>
+                  <a:cubicBezTo>
+                    <a:pt x="4709316" y="431663"/>
+                    <a:pt x="4641426" y="442031"/>
+                    <a:pt x="4577594" y="459290"/>
+                  </a:cubicBezTo>
+                  <a:cubicBezTo>
+                    <a:pt x="4554816" y="465538"/>
+                    <a:pt x="4527069" y="468279"/>
+                    <a:pt x="4500826" y="470529"/>
+                  </a:cubicBezTo>
+                  <a:cubicBezTo>
+                    <a:pt x="4440199" y="475746"/>
+                    <a:pt x="4379252" y="479993"/>
+                    <a:pt x="4317973" y="483649"/>
+                  </a:cubicBezTo>
+                  <a:cubicBezTo>
+                    <a:pt x="4267762" y="486741"/>
+                    <a:pt x="4217264" y="488292"/>
+                    <a:pt x="4166722" y="490602"/>
+                  </a:cubicBezTo>
+                  <a:cubicBezTo>
+                    <a:pt x="4111394" y="493045"/>
+                    <a:pt x="4067073" y="503124"/>
+                    <a:pt x="4042814" y="530660"/>
+                  </a:cubicBezTo>
+                  <a:cubicBezTo>
+                    <a:pt x="4034996" y="539407"/>
+                    <a:pt x="4017001" y="545715"/>
+                    <a:pt x="4002653" y="552594"/>
+                  </a:cubicBezTo>
+                  <a:cubicBezTo>
+                    <a:pt x="3992459" y="557592"/>
+                    <a:pt x="3979023" y="561086"/>
+                    <a:pt x="3969549" y="566312"/>
+                  </a:cubicBezTo>
+                  <a:cubicBezTo>
+                    <a:pt x="3919896" y="593854"/>
+                    <a:pt x="3870968" y="621622"/>
+                    <a:pt x="3821685" y="649183"/>
+                  </a:cubicBezTo>
+                  <a:cubicBezTo>
+                    <a:pt x="3816761" y="651788"/>
+                    <a:pt x="3811445" y="654943"/>
+                    <a:pt x="3805138" y="655947"/>
+                  </a:cubicBezTo>
+                  <a:cubicBezTo>
+                    <a:pt x="3739817" y="666451"/>
+                    <a:pt x="3673801" y="676154"/>
+                    <a:pt x="3609177" y="687459"/>
+                  </a:cubicBezTo>
+                  <a:cubicBezTo>
+                    <a:pt x="3584288" y="691878"/>
+                    <a:pt x="3558597" y="697589"/>
+                    <a:pt x="3539727" y="706521"/>
+                  </a:cubicBezTo>
+                  <a:cubicBezTo>
+                    <a:pt x="3496714" y="726780"/>
+                    <a:pt x="3457268" y="749132"/>
+                    <a:pt x="3396572" y="755681"/>
+                  </a:cubicBezTo>
+                  <a:cubicBezTo>
+                    <a:pt x="3378807" y="757611"/>
+                    <a:pt x="3357809" y="758036"/>
+                    <a:pt x="3341054" y="754679"/>
+                  </a:cubicBezTo>
+                  <a:cubicBezTo>
+                    <a:pt x="3272962" y="740809"/>
+                    <a:pt x="3206471" y="724541"/>
+                    <a:pt x="3138775" y="710120"/>
+                  </a:cubicBezTo>
+                  <a:cubicBezTo>
+                    <a:pt x="3095820" y="701191"/>
+                    <a:pt x="3056969" y="691141"/>
+                    <a:pt x="3037283" y="666453"/>
+                  </a:cubicBezTo>
+                  <a:cubicBezTo>
+                    <a:pt x="3031764" y="659487"/>
+                    <a:pt x="3015626" y="651391"/>
+                    <a:pt x="3002117" y="649347"/>
+                  </a:cubicBezTo>
+                  <a:cubicBezTo>
+                    <a:pt x="2915220" y="636209"/>
+                    <a:pt x="2829194" y="627503"/>
+                    <a:pt x="2747294" y="652400"/>
+                  </a:cubicBezTo>
+                  <a:cubicBezTo>
+                    <a:pt x="2730084" y="657794"/>
+                    <a:pt x="2698519" y="656140"/>
+                    <a:pt x="2676273" y="652304"/>
+                  </a:cubicBezTo>
+                  <a:cubicBezTo>
+                    <a:pt x="2590546" y="637890"/>
+                    <a:pt x="2508883" y="630176"/>
+                    <a:pt x="2432360" y="657836"/>
+                  </a:cubicBezTo>
+                  <a:cubicBezTo>
+                    <a:pt x="2423352" y="661179"/>
+                    <a:pt x="2395274" y="656272"/>
+                    <a:pt x="2382311" y="650824"/>
+                  </a:cubicBezTo>
+                  <a:cubicBezTo>
+                    <a:pt x="2257393" y="597728"/>
+                    <a:pt x="2187724" y="592930"/>
+                    <a:pt x="2055134" y="630053"/>
+                  </a:cubicBezTo>
+                  <a:cubicBezTo>
+                    <a:pt x="2046542" y="632464"/>
+                    <a:pt x="2035364" y="635121"/>
+                    <a:pt x="2031829" y="639324"/>
+                  </a:cubicBezTo>
+                  <a:cubicBezTo>
+                    <a:pt x="2007977" y="666120"/>
+                    <a:pt x="1960229" y="664380"/>
+                    <a:pt x="1912764" y="664183"/>
+                  </a:cubicBezTo>
+                  <a:cubicBezTo>
+                    <a:pt x="1860521" y="663924"/>
+                    <a:pt x="1808236" y="664426"/>
+                    <a:pt x="1755637" y="663960"/>
+                  </a:cubicBezTo>
+                  <a:cubicBezTo>
+                    <a:pt x="1746439" y="663859"/>
+                    <a:pt x="1736243" y="661799"/>
+                    <a:pt x="1727159" y="659605"/>
+                  </a:cubicBezTo>
+                  <a:cubicBezTo>
+                    <a:pt x="1692256" y="651480"/>
+                    <a:pt x="1658604" y="640559"/>
+                    <a:pt x="1622470" y="634850"/>
+                  </a:cubicBezTo>
+                  <a:cubicBezTo>
+                    <a:pt x="1544362" y="622552"/>
+                    <a:pt x="1469248" y="602210"/>
+                    <a:pt x="1385955" y="604522"/>
+                  </a:cubicBezTo>
+                  <a:cubicBezTo>
+                    <a:pt x="1371585" y="604913"/>
+                    <a:pt x="1355357" y="598530"/>
+                    <a:pt x="1340055" y="595629"/>
+                  </a:cubicBezTo>
+                  <a:cubicBezTo>
+                    <a:pt x="1312351" y="590552"/>
+                    <a:pt x="1285460" y="583993"/>
+                    <a:pt x="1257271" y="581180"/>
+                  </a:cubicBezTo>
+                  <a:cubicBezTo>
+                    <a:pt x="1182583" y="573830"/>
+                    <a:pt x="1107142" y="566824"/>
+                    <a:pt x="1031914" y="562692"/>
+                  </a:cubicBezTo>
+                  <a:cubicBezTo>
+                    <a:pt x="995593" y="560597"/>
+                    <a:pt x="958880" y="565923"/>
+                    <a:pt x="922031" y="566853"/>
+                  </a:cubicBezTo>
+                  <a:cubicBezTo>
+                    <a:pt x="905446" y="567320"/>
+                    <a:pt x="878533" y="568199"/>
+                    <a:pt x="873250" y="563724"/>
+                  </a:cubicBezTo>
+                  <a:cubicBezTo>
+                    <a:pt x="832343" y="529722"/>
+                    <a:pt x="772202" y="532674"/>
+                    <a:pt x="711627" y="529880"/>
+                  </a:cubicBezTo>
+                  <a:cubicBezTo>
+                    <a:pt x="577999" y="523641"/>
+                    <a:pt x="447408" y="543696"/>
+                    <a:pt x="311112" y="525106"/>
+                  </a:cubicBezTo>
+                  <a:cubicBezTo>
+                    <a:pt x="271645" y="519795"/>
+                    <a:pt x="226936" y="530235"/>
+                    <a:pt x="184145" y="532188"/>
+                  </a:cubicBezTo>
+                  <a:cubicBezTo>
+                    <a:pt x="162015" y="533128"/>
+                    <a:pt x="137665" y="534333"/>
+                    <a:pt x="116886" y="530572"/>
+                  </a:cubicBezTo>
+                  <a:cubicBezTo>
+                    <a:pt x="84810" y="524693"/>
+                    <a:pt x="54011" y="515448"/>
+                    <a:pt x="23941" y="506433"/>
+                  </a:cubicBezTo>
+                  <a:lnTo>
+                    <a:pt x="0" y="502149"/>
+                  </a:lnTo>
+                  <a:close/>
+                </a:path>
+              </a:pathLst>
+            </a:custGeom>
+            <a:blipFill>
+              <a:blip r:embed="rId3">
+                <a:alphaModFix amt="57000"/>
+              </a:blip>
+              <a:tile tx="0" ty="0" sx="100000" sy="100000" flip="none" algn="tl"/>
+            </a:blipFill>
+            <a:ln w="12700" cap="flat" cmpd="sng" algn="ctr">
+              <a:noFill/>
+              <a:prstDash val="solid"/>
+              <a:miter lim="800000"/>
+            </a:ln>
+            <a:effectLst/>
+          </p:spPr>
+          <p:style>
+            <a:lnRef idx="2">
+              <a:schemeClr val="accent1">
+                <a:shade val="50000"/>
+              </a:schemeClr>
+            </a:lnRef>
+            <a:fillRef idx="1">
+              <a:schemeClr val="accent1"/>
+            </a:fillRef>
+            <a:effectRef idx="0">
+              <a:schemeClr val="accent1"/>
+            </a:effectRef>
+            <a:fontRef idx="minor">
+              <a:schemeClr val="lt1"/>
+            </a:fontRef>
+          </p:style>
+          <p:txBody>
+            <a:bodyPr wrap="square" rtlCol="0" anchor="ctr">
+              <a:noAutofit/>
+            </a:bodyPr>
+            <a:lstStyle/>
+            <a:p>
+              <a:pPr algn="ctr"/>
+              <a:endParaRPr lang="en-US"/>
+            </a:p>
+          </p:txBody>
+        </p:sp>
+      </p:grpSp>
+      <p:sp>
+        <p:nvSpPr>
+          <p:cNvPr id="4" name="TextBox 3">
+            <a:extLst>
+              <a:ext uri="{FF2B5EF4-FFF2-40B4-BE49-F238E27FC236}">
+                <a16:creationId xmlns:a16="http://schemas.microsoft.com/office/drawing/2014/main" id="{03DDB894-502D-4473-8189-C7F7050B360F}"/>
+              </a:ext>
+            </a:extLst>
+          </p:cNvPr>
+          <p:cNvSpPr txBox="1"/>
+          <p:nvPr/>
+        </p:nvSpPr>
+        <p:spPr>
+          <a:xfrm>
+            <a:off x="195209" y="4619339"/>
+            <a:ext cx="5900791" cy="1904752"/>
+          </a:xfrm>
+          <a:prstGeom prst="rect">
+            <a:avLst/>
+          </a:prstGeom>
+        </p:spPr>
+        <p:txBody>
+          <a:bodyPr vert="horz" lIns="91440" tIns="45720" rIns="91440" bIns="45720" rtlCol="0">
+            <a:normAutofit/>
+          </a:bodyPr>
+          <a:lstStyle/>
+          <a:p>
+            <a:pPr defTabSz="914400">
+              <a:lnSpc>
+                <a:spcPct val="90000"/>
+              </a:lnSpc>
+              <a:spcAft>
+                <a:spcPts val="600"/>
+              </a:spcAft>
+            </a:pPr>
+            <a:r>
+              <a:rPr lang="en-US" sz="2000" b="1" dirty="0">
+                <a:solidFill>
+                  <a:schemeClr val="bg1">
+                    <a:alpha val="80000"/>
+                  </a:schemeClr>
+                </a:solidFill>
+                <a:latin typeface="+mj-lt"/>
+              </a:rPr>
+              <a:t>246 BCE</a:t>
+            </a:r>
+          </a:p>
+          <a:p>
+            <a:pPr marL="285750" indent="-228600" defTabSz="914400">
+              <a:lnSpc>
+                <a:spcPct val="90000"/>
+              </a:lnSpc>
+              <a:spcAft>
+                <a:spcPts val="600"/>
+              </a:spcAft>
+              <a:buFont typeface="Arial" panose="020B0604020202020204" pitchFamily="34" charset="0"/>
+              <a:buChar char="•"/>
+            </a:pPr>
+            <a:r>
+              <a:rPr lang="en-US" sz="1400" dirty="0" err="1">
+                <a:solidFill>
+                  <a:schemeClr val="bg1">
+                    <a:alpha val="80000"/>
+                  </a:schemeClr>
+                </a:solidFill>
+              </a:rPr>
+              <a:t>Diodotus</a:t>
+            </a:r>
+            <a:r>
+              <a:rPr lang="en-US" sz="1400" dirty="0">
+                <a:solidFill>
+                  <a:schemeClr val="bg1">
+                    <a:alpha val="80000"/>
+                  </a:schemeClr>
+                </a:solidFill>
+              </a:rPr>
+              <a:t> marries the sister of Seleukos II </a:t>
+            </a:r>
+            <a:r>
+              <a:rPr lang="en-US" sz="1400" dirty="0" err="1">
+                <a:solidFill>
+                  <a:schemeClr val="bg1">
+                    <a:alpha val="80000"/>
+                  </a:schemeClr>
+                </a:solidFill>
+              </a:rPr>
+              <a:t>Callinicus</a:t>
+            </a:r>
+            <a:r>
+              <a:rPr lang="en-US" sz="1400" dirty="0">
+                <a:solidFill>
+                  <a:schemeClr val="bg1">
+                    <a:alpha val="80000"/>
+                  </a:schemeClr>
+                </a:solidFill>
+              </a:rPr>
+              <a:t> as his dominion over Baktria is confirmed.</a:t>
+            </a:r>
+          </a:p>
+          <a:p>
+            <a:pPr marL="285750" indent="-228600" defTabSz="914400">
+              <a:lnSpc>
+                <a:spcPct val="90000"/>
+              </a:lnSpc>
+              <a:spcAft>
+                <a:spcPts val="600"/>
+              </a:spcAft>
+              <a:buFont typeface="Arial" panose="020B0604020202020204" pitchFamily="34" charset="0"/>
+              <a:buChar char="•"/>
+            </a:pPr>
+            <a:r>
+              <a:rPr lang="en-US" sz="1400" b="1" dirty="0">
+                <a:solidFill>
+                  <a:schemeClr val="bg1">
+                    <a:alpha val="80000"/>
+                  </a:schemeClr>
+                </a:solidFill>
+              </a:rPr>
+              <a:t>Qin Shi Huang attempts to invade the Yue tribes south of Sichuan but suffers heavy losses against the guerrilla tactics used by the Yue soldiers.</a:t>
+            </a:r>
+          </a:p>
+          <a:p>
+            <a:pPr marL="285750" indent="-228600" defTabSz="914400">
+              <a:lnSpc>
+                <a:spcPct val="90000"/>
+              </a:lnSpc>
+              <a:spcAft>
+                <a:spcPts val="600"/>
+              </a:spcAft>
+              <a:buFont typeface="Arial" panose="020B0604020202020204" pitchFamily="34" charset="0"/>
+              <a:buChar char="•"/>
+            </a:pPr>
+            <a:r>
+              <a:rPr lang="en-US" sz="1400" b="1" dirty="0">
+                <a:solidFill>
+                  <a:schemeClr val="bg1">
+                    <a:alpha val="80000"/>
+                  </a:schemeClr>
+                </a:solidFill>
+              </a:rPr>
+              <a:t>Qin eventually withdraws, but not before beginning construction of a canal connecting the Yellow and Pearl river systems.</a:t>
+            </a:r>
+          </a:p>
+        </p:txBody>
+      </p:sp>
+      <p:sp>
+        <p:nvSpPr>
+          <p:cNvPr id="5" name="TextBox 4">
+            <a:extLst>
+              <a:ext uri="{FF2B5EF4-FFF2-40B4-BE49-F238E27FC236}">
+                <a16:creationId xmlns:a16="http://schemas.microsoft.com/office/drawing/2014/main" id="{3982180C-1337-4672-90A8-C56DA1D14D58}"/>
+              </a:ext>
+            </a:extLst>
+          </p:cNvPr>
+          <p:cNvSpPr txBox="1"/>
+          <p:nvPr/>
+        </p:nvSpPr>
+        <p:spPr>
+          <a:xfrm>
+            <a:off x="7048072" y="4705564"/>
+            <a:ext cx="4787757" cy="1169551"/>
+          </a:xfrm>
+          <a:prstGeom prst="rect">
+            <a:avLst/>
+          </a:prstGeom>
+          <a:noFill/>
+        </p:spPr>
+        <p:txBody>
+          <a:bodyPr wrap="square" rtlCol="0">
+            <a:spAutoFit/>
+          </a:bodyPr>
+          <a:lstStyle/>
+          <a:p>
+            <a:r>
+              <a:rPr lang="en-US" sz="1400" dirty="0">
+                <a:solidFill>
+                  <a:schemeClr val="bg1"/>
+                </a:solidFill>
+              </a:rPr>
+              <a:t>*Qin makes minor gains in Sichuan which they keep.</a:t>
+            </a:r>
+          </a:p>
+          <a:p>
+            <a:endParaRPr lang="en-US" sz="1200" dirty="0">
+              <a:solidFill>
+                <a:schemeClr val="bg1"/>
+              </a:solidFill>
+            </a:endParaRPr>
+          </a:p>
+          <a:p>
+            <a:r>
+              <a:rPr lang="en-US" sz="1400" dirty="0">
+                <a:solidFill>
+                  <a:schemeClr val="bg1"/>
+                </a:solidFill>
+              </a:rPr>
+              <a:t>**The tribes in the area of the </a:t>
+            </a:r>
+            <a:r>
+              <a:rPr lang="en-US" sz="1400" dirty="0" err="1">
+                <a:solidFill>
+                  <a:schemeClr val="bg1"/>
+                </a:solidFill>
+              </a:rPr>
+              <a:t>Lingqu</a:t>
+            </a:r>
+            <a:r>
+              <a:rPr lang="en-US" sz="1400" dirty="0">
+                <a:solidFill>
+                  <a:schemeClr val="bg1"/>
+                </a:solidFill>
+              </a:rPr>
+              <a:t> Canal are not a unified kingdom yet, but this will eventually happen with the </a:t>
+            </a:r>
+            <a:r>
+              <a:rPr lang="en-US" sz="1400" dirty="0" err="1">
+                <a:solidFill>
+                  <a:schemeClr val="bg1"/>
+                </a:solidFill>
+              </a:rPr>
+              <a:t>Nanyue</a:t>
+            </a:r>
+            <a:r>
+              <a:rPr lang="en-US" sz="1400" dirty="0">
+                <a:solidFill>
+                  <a:schemeClr val="bg1"/>
+                </a:solidFill>
+              </a:rPr>
+              <a:t> during the Han dynasty.</a:t>
+            </a:r>
+          </a:p>
+        </p:txBody>
+      </p:sp>
+    </p:spTree>
+    <p:extLst>
+      <p:ext uri="{BB962C8B-B14F-4D97-AF65-F5344CB8AC3E}">
+        <p14:creationId xmlns:p14="http://schemas.microsoft.com/office/powerpoint/2010/main" val="1376297781"/>
       </p:ext>
     </p:extLst>
   </p:cSld>
@@ -14695,12 +20930,8 @@
               <a:buChar char="•"/>
             </a:pPr>
             <a:r>
-              <a:rPr lang="en-US" sz="1900" dirty="0" err="1"/>
-              <a:t>Seleukos</a:t>
-            </a:r>
-            <a:r>
               <a:rPr lang="en-US" sz="1900" dirty="0"/>
-              <a:t> I </a:t>
+              <a:t>Seleukos I </a:t>
             </a:r>
             <a:r>
               <a:rPr lang="en-US" sz="1900" dirty="0" err="1"/>
@@ -14898,7 +21129,7 @@
         </p:nvSpPr>
         <p:spPr>
           <a:xfrm>
-            <a:off x="1066800" y="200025"/>
+            <a:off x="640080" y="5885790"/>
             <a:ext cx="4243377" cy="307777"/>
           </a:xfrm>
           <a:prstGeom prst="rect">
@@ -15011,12 +21242,8 @@
               <a:buChar char="•"/>
             </a:pPr>
             <a:r>
-              <a:rPr lang="en-US" sz="1900" dirty="0" err="1"/>
-              <a:t>Seleukos</a:t>
-            </a:r>
-            <a:r>
               <a:rPr lang="en-US" sz="1900" dirty="0"/>
-              <a:t> I </a:t>
+              <a:t>Seleukos I </a:t>
             </a:r>
             <a:r>
               <a:rPr lang="en-US" sz="1900" dirty="0" err="1"/>
@@ -15917,23 +22144,7 @@
                   <a:schemeClr val="bg1"/>
                 </a:solidFill>
               </a:rPr>
-              <a:t> by </a:t>
-            </a:r>
-            <a:r>
-              <a:rPr lang="en-US" sz="1700" dirty="0" err="1">
-                <a:solidFill>
-                  <a:schemeClr val="bg1"/>
-                </a:solidFill>
-              </a:rPr>
-              <a:t>Seleukos</a:t>
-            </a:r>
-            <a:r>
-              <a:rPr lang="en-US" sz="1700" dirty="0">
-                <a:solidFill>
-                  <a:schemeClr val="bg1"/>
-                </a:solidFill>
-              </a:rPr>
-              <a:t> I </a:t>
+              <a:t> by Seleukos I </a:t>
             </a:r>
             <a:r>
               <a:rPr lang="en-US" sz="1700" dirty="0" err="1">
@@ -15950,6 +22161,45 @@
                 </a:solidFill>
               </a:rPr>
               <a:t>, western capital of the empire.</a:t>
+            </a:r>
+          </a:p>
+        </p:txBody>
+      </p:sp>
+      <p:sp>
+        <p:nvSpPr>
+          <p:cNvPr id="2" name="TextBox 1">
+            <a:extLst>
+              <a:ext uri="{FF2B5EF4-FFF2-40B4-BE49-F238E27FC236}">
+                <a16:creationId xmlns:a16="http://schemas.microsoft.com/office/drawing/2014/main" id="{0C101B74-26D2-409B-9836-E229073EA602}"/>
+              </a:ext>
+            </a:extLst>
+          </p:cNvPr>
+          <p:cNvSpPr txBox="1"/>
+          <p:nvPr/>
+        </p:nvSpPr>
+        <p:spPr>
+          <a:xfrm>
+            <a:off x="520795" y="5075360"/>
+            <a:ext cx="3219102" cy="1169551"/>
+          </a:xfrm>
+          <a:prstGeom prst="rect">
+            <a:avLst/>
+          </a:prstGeom>
+          <a:noFill/>
+        </p:spPr>
+        <p:txBody>
+          <a:bodyPr wrap="square" rtlCol="0">
+            <a:spAutoFit/>
+          </a:bodyPr>
+          <a:lstStyle/>
+          <a:p>
+            <a:r>
+              <a:rPr lang="en-US" sz="1400" dirty="0">
+                <a:solidFill>
+                  <a:schemeClr val="bg1"/>
+                </a:solidFill>
+              </a:rPr>
+              <a:t>*Although he goes entirely unreferenced, Antigonus dies in 301 BCE at the Battle of Ipsos. Lysimachus receives the Aegean cost, while Seleukos and Ptolemy divide the rest of Asia Minor and Syria.</a:t>
             </a:r>
           </a:p>
         </p:txBody>
@@ -15973,10 +22223,7 @@
     <p:bg>
       <p:bgPr>
         <a:solidFill>
-          <a:schemeClr val="bg1">
-            <a:tint val="95000"/>
-            <a:satMod val="170000"/>
-          </a:schemeClr>
+          <a:schemeClr val="bg1"/>
         </a:solidFill>
         <a:effectLst/>
       </p:bgPr>
@@ -15995,66 +22242,6 @@
           <a:chExt cx="0" cy="0"/>
         </a:xfrm>
       </p:grpSpPr>
-      <p:sp useBgFill="1">
-        <p:nvSpPr>
-          <p:cNvPr id="9" name="Rectangle 8">
-            <a:extLst>
-              <a:ext uri="{FF2B5EF4-FFF2-40B4-BE49-F238E27FC236}">
-                <a16:creationId xmlns:a16="http://schemas.microsoft.com/office/drawing/2014/main" id="{9B76D444-2756-434F-AE61-96D69830C13E}"/>
-              </a:ext>
-              <a:ext uri="{C183D7F6-B498-43B3-948B-1728B52AA6E4}">
-                <adec:decorative xmlns:adec="http://schemas.microsoft.com/office/drawing/2017/decorative" val="1"/>
-              </a:ext>
-            </a:extLst>
-          </p:cNvPr>
-          <p:cNvSpPr>
-            <a:spLocks noGrp="1" noRot="1" noChangeAspect="1" noMove="1" noResize="1" noEditPoints="1" noAdjustHandles="1" noChangeArrowheads="1" noChangeShapeType="1" noTextEdit="1"/>
-          </p:cNvSpPr>
-          <p:nvPr>
-            <p:extLst>
-              <p:ext uri="{386F3935-93C4-4BCD-93E2-E3B085C9AB24}">
-                <p16:designElem xmlns:p16="http://schemas.microsoft.com/office/powerpoint/2015/main" val="1"/>
-              </p:ext>
-            </p:extLst>
-          </p:nvPr>
-        </p:nvSpPr>
-        <p:spPr>
-          <a:xfrm>
-            <a:off x="0" y="0"/>
-            <a:ext cx="12188952" cy="6858000"/>
-          </a:xfrm>
-          <a:prstGeom prst="rect">
-            <a:avLst/>
-          </a:prstGeom>
-          <a:ln>
-            <a:noFill/>
-          </a:ln>
-        </p:spPr>
-        <p:style>
-          <a:lnRef idx="2">
-            <a:schemeClr val="accent1">
-              <a:shade val="50000"/>
-            </a:schemeClr>
-          </a:lnRef>
-          <a:fillRef idx="1">
-            <a:schemeClr val="accent1"/>
-          </a:fillRef>
-          <a:effectRef idx="0">
-            <a:schemeClr val="accent1"/>
-          </a:effectRef>
-          <a:fontRef idx="minor">
-            <a:schemeClr val="lt1"/>
-          </a:fontRef>
-        </p:style>
-        <p:txBody>
-          <a:bodyPr rtlCol="0" anchor="ctr"/>
-          <a:lstStyle/>
-          <a:p>
-            <a:pPr algn="ctr"/>
-            <a:endParaRPr lang="en-US"/>
-          </a:p>
-        </p:txBody>
-      </p:sp>
       <p:pic>
         <p:nvPicPr>
           <p:cNvPr id="3" name="Picture 2">
@@ -16077,167 +22264,48 @@
               </a:ext>
             </a:extLst>
           </a:blip>
-          <a:srcRect t="10649" b="10649"/>
+          <a:srcRect t="13396" r="-2" b="22324"/>
           <a:stretch/>
         </p:blipFill>
         <p:spPr>
           <a:xfrm>
-            <a:off x="320040" y="320040"/>
-            <a:ext cx="11548872" cy="4303462"/>
+            <a:off x="20" y="10"/>
+            <a:ext cx="12191980" cy="3710603"/>
           </a:xfrm>
-          <a:prstGeom prst="rect">
+          <a:custGeom>
             <a:avLst/>
-          </a:prstGeom>
+            <a:gdLst/>
+            <a:ahLst/>
+            <a:cxnLst/>
+            <a:rect l="l" t="t" r="r" b="b"/>
+            <a:pathLst>
+              <a:path w="12192000" h="3692092">
+                <a:moveTo>
+                  <a:pt x="0" y="0"/>
+                </a:moveTo>
+                <a:lnTo>
+                  <a:pt x="12192000" y="0"/>
+                </a:lnTo>
+                <a:lnTo>
+                  <a:pt x="12192000" y="3504824"/>
+                </a:lnTo>
+                <a:lnTo>
+                  <a:pt x="12024691" y="3517794"/>
+                </a:lnTo>
+                <a:cubicBezTo>
+                  <a:pt x="8077523" y="3783195"/>
+                  <a:pt x="4094678" y="3026959"/>
+                  <a:pt x="160485" y="3663863"/>
+                </a:cubicBezTo>
+                <a:lnTo>
+                  <a:pt x="0" y="3692092"/>
+                </a:lnTo>
+                <a:close/>
+              </a:path>
+            </a:pathLst>
+          </a:custGeom>
         </p:spPr>
       </p:pic>
-      <p:sp>
-        <p:nvSpPr>
-          <p:cNvPr id="11" name="Rectangle 10">
-            <a:extLst>
-              <a:ext uri="{FF2B5EF4-FFF2-40B4-BE49-F238E27FC236}">
-                <a16:creationId xmlns:a16="http://schemas.microsoft.com/office/drawing/2014/main" id="{A27B6159-7734-4564-9E0F-C4BC43C36E52}"/>
-              </a:ext>
-              <a:ext uri="{C183D7F6-B498-43B3-948B-1728B52AA6E4}">
-                <adec:decorative xmlns:adec="http://schemas.microsoft.com/office/drawing/2017/decorative" val="1"/>
-              </a:ext>
-            </a:extLst>
-          </p:cNvPr>
-          <p:cNvSpPr>
-            <a:spLocks noGrp="1" noRot="1" noChangeAspect="1" noMove="1" noResize="1" noEditPoints="1" noAdjustHandles="1" noChangeArrowheads="1" noChangeShapeType="1" noTextEdit="1"/>
-          </p:cNvSpPr>
-          <p:nvPr>
-            <p:extLst>
-              <p:ext uri="{386F3935-93C4-4BCD-93E2-E3B085C9AB24}">
-                <p16:designElem xmlns:p16="http://schemas.microsoft.com/office/powerpoint/2015/main" val="1"/>
-              </p:ext>
-            </p:extLst>
-          </p:nvPr>
-        </p:nvSpPr>
-        <p:spPr bwMode="ltGray">
-          <a:xfrm>
-            <a:off x="321564" y="4782312"/>
-            <a:ext cx="11548872" cy="1755648"/>
-          </a:xfrm>
-          <a:prstGeom prst="rect">
-            <a:avLst/>
-          </a:prstGeom>
-          <a:solidFill>
-            <a:schemeClr val="tx1">
-              <a:alpha val="93000"/>
-            </a:schemeClr>
-          </a:solidFill>
-          <a:ln w="127000" cap="sq" cmpd="thinThick">
-            <a:noFill/>
-          </a:ln>
-        </p:spPr>
-        <p:style>
-          <a:lnRef idx="2">
-            <a:schemeClr val="accent1">
-              <a:shade val="50000"/>
-            </a:schemeClr>
-          </a:lnRef>
-          <a:fillRef idx="1">
-            <a:schemeClr val="accent1"/>
-          </a:fillRef>
-          <a:effectRef idx="0">
-            <a:schemeClr val="accent1"/>
-          </a:effectRef>
-          <a:fontRef idx="minor">
-            <a:schemeClr val="lt1"/>
-          </a:fontRef>
-        </p:style>
-        <p:txBody>
-          <a:bodyPr rtlCol="0" anchor="ctr"/>
-          <a:lstStyle/>
-          <a:p>
-            <a:pPr marL="0" marR="0" lvl="0" indent="0" algn="ctr" defTabSz="914400" rtl="0" eaLnBrk="1" fontAlgn="auto" latinLnBrk="0" hangingPunct="1">
-              <a:lnSpc>
-                <a:spcPct val="100000"/>
-              </a:lnSpc>
-              <a:spcBef>
-                <a:spcPts val="0"/>
-              </a:spcBef>
-              <a:spcAft>
-                <a:spcPts val="0"/>
-              </a:spcAft>
-              <a:buClrTx/>
-              <a:buSzTx/>
-              <a:buFontTx/>
-              <a:buNone/>
-              <a:tabLst/>
-              <a:defRPr/>
-            </a:pPr>
-            <a:endParaRPr kumimoji="0" lang="en-US" sz="1800" b="0" i="0" u="none" strike="noStrike" kern="1200" cap="none" spc="0" normalizeH="0" baseline="0" noProof="0">
-              <a:ln>
-                <a:noFill/>
-              </a:ln>
-              <a:solidFill>
-                <a:prstClr val="white"/>
-              </a:solidFill>
-              <a:effectLst/>
-              <a:uLnTx/>
-              <a:uFillTx/>
-              <a:latin typeface="Calibri" panose="020F0502020204030204"/>
-              <a:ea typeface="+mn-ea"/>
-              <a:cs typeface="+mn-cs"/>
-            </a:endParaRPr>
-          </a:p>
-        </p:txBody>
-      </p:sp>
-      <p:cxnSp>
-        <p:nvCxnSpPr>
-          <p:cNvPr id="13" name="Straight Connector 12">
-            <a:extLst>
-              <a:ext uri="{FF2B5EF4-FFF2-40B4-BE49-F238E27FC236}">
-                <a16:creationId xmlns:a16="http://schemas.microsoft.com/office/drawing/2014/main" id="{E2FFB46B-05BC-4950-B18A-9593FDAE6ED7}"/>
-              </a:ext>
-              <a:ext uri="{C183D7F6-B498-43B3-948B-1728B52AA6E4}">
-                <adec:decorative xmlns:adec="http://schemas.microsoft.com/office/drawing/2017/decorative" val="1"/>
-              </a:ext>
-            </a:extLst>
-          </p:cNvPr>
-          <p:cNvCxnSpPr>
-            <a:cxnSpLocks noGrp="1" noRot="1" noChangeAspect="1" noMove="1" noResize="1" noEditPoints="1" noAdjustHandles="1" noChangeArrowheads="1" noChangeShapeType="1"/>
-          </p:cNvCxnSpPr>
-          <p:nvPr>
-            <p:extLst>
-              <p:ext uri="{386F3935-93C4-4BCD-93E2-E3B085C9AB24}">
-                <p16:designElem xmlns:p16="http://schemas.microsoft.com/office/powerpoint/2015/main" val="1"/>
-              </p:ext>
-            </p:extLst>
-          </p:nvPr>
-        </p:nvCxnSpPr>
-        <p:spPr>
-          <a:xfrm flipV="1">
-            <a:off x="4059936" y="5237979"/>
-            <a:ext cx="0" cy="914400"/>
-          </a:xfrm>
-          <a:prstGeom prst="line">
-            <a:avLst/>
-          </a:prstGeom>
-          <a:ln w="19050">
-            <a:solidFill>
-              <a:schemeClr val="bg1">
-                <a:alpha val="80000"/>
-              </a:schemeClr>
-            </a:solidFill>
-          </a:ln>
-        </p:spPr>
-        <p:style>
-          <a:lnRef idx="1">
-            <a:schemeClr val="accent1"/>
-          </a:lnRef>
-          <a:fillRef idx="0">
-            <a:schemeClr val="accent1"/>
-          </a:fillRef>
-          <a:effectRef idx="0">
-            <a:schemeClr val="accent1"/>
-          </a:effectRef>
-          <a:fontRef idx="minor">
-            <a:schemeClr val="tx1"/>
-          </a:fontRef>
-        </p:style>
-      </p:cxnSp>
       <p:sp>
         <p:nvSpPr>
           <p:cNvPr id="4" name="TextBox 3">
@@ -16252,8 +22320,8 @@
         </p:nvSpPr>
         <p:spPr>
           <a:xfrm>
-            <a:off x="4379976" y="5009083"/>
-            <a:ext cx="6976872" cy="1345997"/>
+            <a:off x="4223982" y="3752850"/>
+            <a:ext cx="7485413" cy="2452687"/>
           </a:xfrm>
           <a:prstGeom prst="rect">
             <a:avLst/>
@@ -16274,10 +22342,7 @@
               </a:spcAft>
             </a:pPr>
             <a:r>
-              <a:rPr lang="en-US" sz="1400" dirty="0">
-                <a:solidFill>
-                  <a:schemeClr val="bg1"/>
-                </a:solidFill>
+              <a:rPr lang="en-US" sz="2400" dirty="0">
                 <a:latin typeface="+mj-lt"/>
               </a:rPr>
               <a:t>298 BCE</a:t>
@@ -16295,43 +22360,23 @@
               <a:buChar char="•"/>
             </a:pPr>
             <a:r>
-              <a:rPr lang="en-US" sz="1200" dirty="0">
-                <a:solidFill>
-                  <a:schemeClr val="bg1"/>
-                </a:solidFill>
-              </a:rPr>
+              <a:rPr lang="en-US" dirty="0"/>
               <a:t>The </a:t>
             </a:r>
             <a:r>
-              <a:rPr lang="en-US" sz="1200" dirty="0" err="1">
-                <a:solidFill>
-                  <a:schemeClr val="bg1"/>
-                </a:solidFill>
-              </a:rPr>
+              <a:rPr lang="en-US" dirty="0" err="1"/>
               <a:t>Hieronid</a:t>
             </a:r>
             <a:r>
-              <a:rPr lang="en-US" sz="1200" dirty="0">
-                <a:solidFill>
-                  <a:schemeClr val="bg1"/>
-                </a:solidFill>
-              </a:rPr>
+              <a:rPr lang="en-US" dirty="0"/>
               <a:t> Agathocles of Syracuse unifies Sicily under his rule and marries Ptolemy's stepdaughter </a:t>
             </a:r>
             <a:r>
-              <a:rPr lang="en-US" sz="1200" dirty="0" err="1">
-                <a:solidFill>
-                  <a:schemeClr val="bg1"/>
-                </a:solidFill>
-              </a:rPr>
+              <a:rPr lang="en-US" dirty="0" err="1"/>
               <a:t>Theoxena</a:t>
             </a:r>
             <a:r>
-              <a:rPr lang="en-US" sz="1200" dirty="0">
-                <a:solidFill>
-                  <a:schemeClr val="bg1"/>
-                </a:solidFill>
-              </a:rPr>
+              <a:rPr lang="en-US" dirty="0"/>
               <a:t>.</a:t>
             </a:r>
           </a:p>
@@ -16347,11 +22392,7 @@
               <a:buChar char="•"/>
             </a:pPr>
             <a:r>
-              <a:rPr lang="en-US" sz="1200" dirty="0">
-                <a:solidFill>
-                  <a:schemeClr val="bg1"/>
-                </a:solidFill>
-              </a:rPr>
+              <a:rPr lang="en-US" dirty="0"/>
               <a:t>Kyrene is brought under Ptolemaic control.</a:t>
             </a:r>
           </a:p>
@@ -16367,27 +22408,15 @@
               <a:buChar char="•"/>
             </a:pPr>
             <a:r>
-              <a:rPr lang="en-US" sz="1200" b="1" dirty="0">
-                <a:solidFill>
-                  <a:schemeClr val="bg1"/>
-                </a:solidFill>
-              </a:rPr>
+              <a:rPr lang="en-US" b="1" dirty="0"/>
               <a:t>Chandragupta abdicates his throne to his son Bindusara and spends his final days in </a:t>
             </a:r>
             <a:r>
-              <a:rPr lang="en-US" sz="1200" b="1" dirty="0" err="1">
-                <a:solidFill>
-                  <a:schemeClr val="bg1"/>
-                </a:solidFill>
-              </a:rPr>
+              <a:rPr lang="en-US" b="1" dirty="0" err="1"/>
               <a:t>sallekhana</a:t>
             </a:r>
             <a:r>
-              <a:rPr lang="en-US" sz="1200" b="1" dirty="0">
-                <a:solidFill>
-                  <a:schemeClr val="bg1"/>
-                </a:solidFill>
-              </a:rPr>
+              <a:rPr lang="en-US" b="1" dirty="0"/>
               <a:t> (fasting to death) in a cave, according to the Jain tradition.</a:t>
             </a:r>
           </a:p>
@@ -16401,7 +22430,7 @@
     </p:extLst>
   </p:cSld>
   <p:clrMapOvr>
-    <a:overrideClrMapping bg1="dk1" tx1="lt1" bg2="dk2" tx2="lt2" accent1="accent1" accent2="accent2" accent3="accent3" accent4="accent4" accent5="accent5" accent6="accent6" hlink="hlink" folHlink="folHlink"/>
+    <a:masterClrMapping/>
   </p:clrMapOvr>
 </p:sld>
 </file>
@@ -16665,4 +22694,299 @@
     </a:ext>
   </a:extLst>
 </a:theme>
+</file>
+
+<file path=ppt/theme/theme2.xml><?xml version="1.0" encoding="utf-8"?>
+<a:theme xmlns:a="http://schemas.openxmlformats.org/drawingml/2006/main" name="Office Theme">
+  <a:themeElements>
+    <a:clrScheme name="Office">
+      <a:dk1>
+        <a:sysClr val="windowText" lastClr="000000"/>
+      </a:dk1>
+      <a:lt1>
+        <a:sysClr val="window" lastClr="FFFFFF"/>
+      </a:lt1>
+      <a:dk2>
+        <a:srgbClr val="44546A"/>
+      </a:dk2>
+      <a:lt2>
+        <a:srgbClr val="E7E6E6"/>
+      </a:lt2>
+      <a:accent1>
+        <a:srgbClr val="4472C4"/>
+      </a:accent1>
+      <a:accent2>
+        <a:srgbClr val="ED7D31"/>
+      </a:accent2>
+      <a:accent3>
+        <a:srgbClr val="A5A5A5"/>
+      </a:accent3>
+      <a:accent4>
+        <a:srgbClr val="FFC000"/>
+      </a:accent4>
+      <a:accent5>
+        <a:srgbClr val="5B9BD5"/>
+      </a:accent5>
+      <a:accent6>
+        <a:srgbClr val="70AD47"/>
+      </a:accent6>
+      <a:hlink>
+        <a:srgbClr val="0563C1"/>
+      </a:hlink>
+      <a:folHlink>
+        <a:srgbClr val="954F72"/>
+      </a:folHlink>
+    </a:clrScheme>
+    <a:fontScheme name="Office">
+      <a:majorFont>
+        <a:latin typeface="Calibri Light" panose="020F0302020204030204"/>
+        <a:ea typeface=""/>
+        <a:cs typeface=""/>
+        <a:font script="Jpan" typeface="游ゴシック Light"/>
+        <a:font script="Hang" typeface="맑은 고딕"/>
+        <a:font script="Hans" typeface="等线 Light"/>
+        <a:font script="Hant" typeface="新細明體"/>
+        <a:font script="Arab" typeface="Times New Roman"/>
+        <a:font script="Hebr" typeface="Times New Roman"/>
+        <a:font script="Thai" typeface="Angsana New"/>
+        <a:font script="Ethi" typeface="Nyala"/>
+        <a:font script="Beng" typeface="Vrinda"/>
+        <a:font script="Gujr" typeface="Shruti"/>
+        <a:font script="Khmr" typeface="MoolBoran"/>
+        <a:font script="Knda" typeface="Tunga"/>
+        <a:font script="Guru" typeface="Raavi"/>
+        <a:font script="Cans" typeface="Euphemia"/>
+        <a:font script="Cher" typeface="Plantagenet Cherokee"/>
+        <a:font script="Yiii" typeface="Microsoft Yi Baiti"/>
+        <a:font script="Tibt" typeface="Microsoft Himalaya"/>
+        <a:font script="Thaa" typeface="MV Boli"/>
+        <a:font script="Deva" typeface="Mangal"/>
+        <a:font script="Telu" typeface="Gautami"/>
+        <a:font script="Taml" typeface="Latha"/>
+        <a:font script="Syrc" typeface="Estrangelo Edessa"/>
+        <a:font script="Orya" typeface="Kalinga"/>
+        <a:font script="Mlym" typeface="Kartika"/>
+        <a:font script="Laoo" typeface="DokChampa"/>
+        <a:font script="Sinh" typeface="Iskoola Pota"/>
+        <a:font script="Mong" typeface="Mongolian Baiti"/>
+        <a:font script="Viet" typeface="Times New Roman"/>
+        <a:font script="Uigh" typeface="Microsoft Uighur"/>
+        <a:font script="Geor" typeface="Sylfaen"/>
+        <a:font script="Armn" typeface="Arial"/>
+        <a:font script="Bugi" typeface="Leelawadee UI"/>
+        <a:font script="Bopo" typeface="Microsoft JhengHei"/>
+        <a:font script="Java" typeface="Javanese Text"/>
+        <a:font script="Lisu" typeface="Segoe UI"/>
+        <a:font script="Mymr" typeface="Myanmar Text"/>
+        <a:font script="Nkoo" typeface="Ebrima"/>
+        <a:font script="Olck" typeface="Nirmala UI"/>
+        <a:font script="Osma" typeface="Ebrima"/>
+        <a:font script="Phag" typeface="Phagspa"/>
+        <a:font script="Syrn" typeface="Estrangelo Edessa"/>
+        <a:font script="Syrj" typeface="Estrangelo Edessa"/>
+        <a:font script="Syre" typeface="Estrangelo Edessa"/>
+        <a:font script="Sora" typeface="Nirmala UI"/>
+        <a:font script="Tale" typeface="Microsoft Tai Le"/>
+        <a:font script="Talu" typeface="Microsoft New Tai Lue"/>
+        <a:font script="Tfng" typeface="Ebrima"/>
+      </a:majorFont>
+      <a:minorFont>
+        <a:latin typeface="Calibri" panose="020F0502020204030204"/>
+        <a:ea typeface=""/>
+        <a:cs typeface=""/>
+        <a:font script="Jpan" typeface="游ゴシック"/>
+        <a:font script="Hang" typeface="맑은 고딕"/>
+        <a:font script="Hans" typeface="等线"/>
+        <a:font script="Hant" typeface="新細明體"/>
+        <a:font script="Arab" typeface="Arial"/>
+        <a:font script="Hebr" typeface="Arial"/>
+        <a:font script="Thai" typeface="Cordia New"/>
+        <a:font script="Ethi" typeface="Nyala"/>
+        <a:font script="Beng" typeface="Vrinda"/>
+        <a:font script="Gujr" typeface="Shruti"/>
+        <a:font script="Khmr" typeface="DaunPenh"/>
+        <a:font script="Knda" typeface="Tunga"/>
+        <a:font script="Guru" typeface="Raavi"/>
+        <a:font script="Cans" typeface="Euphemia"/>
+        <a:font script="Cher" typeface="Plantagenet Cherokee"/>
+        <a:font script="Yiii" typeface="Microsoft Yi Baiti"/>
+        <a:font script="Tibt" typeface="Microsoft Himalaya"/>
+        <a:font script="Thaa" typeface="MV Boli"/>
+        <a:font script="Deva" typeface="Mangal"/>
+        <a:font script="Telu" typeface="Gautami"/>
+        <a:font script="Taml" typeface="Latha"/>
+        <a:font script="Syrc" typeface="Estrangelo Edessa"/>
+        <a:font script="Orya" typeface="Kalinga"/>
+        <a:font script="Mlym" typeface="Kartika"/>
+        <a:font script="Laoo" typeface="DokChampa"/>
+        <a:font script="Sinh" typeface="Iskoola Pota"/>
+        <a:font script="Mong" typeface="Mongolian Baiti"/>
+        <a:font script="Viet" typeface="Arial"/>
+        <a:font script="Uigh" typeface="Microsoft Uighur"/>
+        <a:font script="Geor" typeface="Sylfaen"/>
+        <a:font script="Armn" typeface="Arial"/>
+        <a:font script="Bugi" typeface="Leelawadee UI"/>
+        <a:font script="Bopo" typeface="Microsoft JhengHei"/>
+        <a:font script="Java" typeface="Javanese Text"/>
+        <a:font script="Lisu" typeface="Segoe UI"/>
+        <a:font script="Mymr" typeface="Myanmar Text"/>
+        <a:font script="Nkoo" typeface="Ebrima"/>
+        <a:font script="Olck" typeface="Nirmala UI"/>
+        <a:font script="Osma" typeface="Ebrima"/>
+        <a:font script="Phag" typeface="Phagspa"/>
+        <a:font script="Syrn" typeface="Estrangelo Edessa"/>
+        <a:font script="Syrj" typeface="Estrangelo Edessa"/>
+        <a:font script="Syre" typeface="Estrangelo Edessa"/>
+        <a:font script="Sora" typeface="Nirmala UI"/>
+        <a:font script="Tale" typeface="Microsoft Tai Le"/>
+        <a:font script="Talu" typeface="Microsoft New Tai Lue"/>
+        <a:font script="Tfng" typeface="Ebrima"/>
+      </a:minorFont>
+    </a:fontScheme>
+    <a:fmtScheme name="Office">
+      <a:fillStyleLst>
+        <a:solidFill>
+          <a:schemeClr val="phClr"/>
+        </a:solidFill>
+        <a:gradFill rotWithShape="1">
+          <a:gsLst>
+            <a:gs pos="0">
+              <a:schemeClr val="phClr">
+                <a:lumMod val="110000"/>
+                <a:satMod val="105000"/>
+                <a:tint val="67000"/>
+              </a:schemeClr>
+            </a:gs>
+            <a:gs pos="50000">
+              <a:schemeClr val="phClr">
+                <a:lumMod val="105000"/>
+                <a:satMod val="103000"/>
+                <a:tint val="73000"/>
+              </a:schemeClr>
+            </a:gs>
+            <a:gs pos="100000">
+              <a:schemeClr val="phClr">
+                <a:lumMod val="105000"/>
+                <a:satMod val="109000"/>
+                <a:tint val="81000"/>
+              </a:schemeClr>
+            </a:gs>
+          </a:gsLst>
+          <a:lin ang="5400000" scaled="0"/>
+        </a:gradFill>
+        <a:gradFill rotWithShape="1">
+          <a:gsLst>
+            <a:gs pos="0">
+              <a:schemeClr val="phClr">
+                <a:satMod val="103000"/>
+                <a:lumMod val="102000"/>
+                <a:tint val="94000"/>
+              </a:schemeClr>
+            </a:gs>
+            <a:gs pos="50000">
+              <a:schemeClr val="phClr">
+                <a:satMod val="110000"/>
+                <a:lumMod val="100000"/>
+                <a:shade val="100000"/>
+              </a:schemeClr>
+            </a:gs>
+            <a:gs pos="100000">
+              <a:schemeClr val="phClr">
+                <a:lumMod val="99000"/>
+                <a:satMod val="120000"/>
+                <a:shade val="78000"/>
+              </a:schemeClr>
+            </a:gs>
+          </a:gsLst>
+          <a:lin ang="5400000" scaled="0"/>
+        </a:gradFill>
+      </a:fillStyleLst>
+      <a:lnStyleLst>
+        <a:ln w="6350" cap="flat" cmpd="sng" algn="ctr">
+          <a:solidFill>
+            <a:schemeClr val="phClr"/>
+          </a:solidFill>
+          <a:prstDash val="solid"/>
+          <a:miter lim="800000"/>
+        </a:ln>
+        <a:ln w="12700" cap="flat" cmpd="sng" algn="ctr">
+          <a:solidFill>
+            <a:schemeClr val="phClr"/>
+          </a:solidFill>
+          <a:prstDash val="solid"/>
+          <a:miter lim="800000"/>
+        </a:ln>
+        <a:ln w="19050" cap="flat" cmpd="sng" algn="ctr">
+          <a:solidFill>
+            <a:schemeClr val="phClr"/>
+          </a:solidFill>
+          <a:prstDash val="solid"/>
+          <a:miter lim="800000"/>
+        </a:ln>
+      </a:lnStyleLst>
+      <a:effectStyleLst>
+        <a:effectStyle>
+          <a:effectLst/>
+        </a:effectStyle>
+        <a:effectStyle>
+          <a:effectLst/>
+        </a:effectStyle>
+        <a:effectStyle>
+          <a:effectLst>
+            <a:outerShdw blurRad="57150" dist="19050" dir="5400000" algn="ctr" rotWithShape="0">
+              <a:srgbClr val="000000">
+                <a:alpha val="63000"/>
+              </a:srgbClr>
+            </a:outerShdw>
+          </a:effectLst>
+        </a:effectStyle>
+      </a:effectStyleLst>
+      <a:bgFillStyleLst>
+        <a:solidFill>
+          <a:schemeClr val="phClr"/>
+        </a:solidFill>
+        <a:solidFill>
+          <a:schemeClr val="phClr">
+            <a:tint val="95000"/>
+            <a:satMod val="170000"/>
+          </a:schemeClr>
+        </a:solidFill>
+        <a:gradFill rotWithShape="1">
+          <a:gsLst>
+            <a:gs pos="0">
+              <a:schemeClr val="phClr">
+                <a:tint val="93000"/>
+                <a:satMod val="150000"/>
+                <a:shade val="98000"/>
+                <a:lumMod val="102000"/>
+              </a:schemeClr>
+            </a:gs>
+            <a:gs pos="50000">
+              <a:schemeClr val="phClr">
+                <a:tint val="98000"/>
+                <a:satMod val="130000"/>
+                <a:shade val="90000"/>
+                <a:lumMod val="103000"/>
+              </a:schemeClr>
+            </a:gs>
+            <a:gs pos="100000">
+              <a:schemeClr val="phClr">
+                <a:shade val="63000"/>
+                <a:satMod val="120000"/>
+              </a:schemeClr>
+            </a:gs>
+          </a:gsLst>
+          <a:lin ang="5400000" scaled="0"/>
+        </a:gradFill>
+      </a:bgFillStyleLst>
+    </a:fmtScheme>
+  </a:themeElements>
+  <a:objectDefaults/>
+  <a:extraClrSchemeLst/>
+  <a:extLst>
+    <a:ext uri="{05A4C25C-085E-4340-85A3-A5531E510DB2}">
+      <thm15:themeFamily xmlns:thm15="http://schemas.microsoft.com/office/thememl/2012/main" name="Office Theme" id="{62F939B6-93AF-4DB8-9C6B-D6C7DFDC589F}" vid="{4A3C46E8-61CC-4603-A589-7422A47A8E4A}"/>
+    </a:ext>
+  </a:extLst>
+</a:theme>
 </file>
--- a/Map Timeline.pptx
+++ b/Map Timeline.pptx
@@ -5,7 +5,7 @@
     <p:sldMasterId id="2147483660" r:id="rId1"/>
   </p:sldMasterIdLst>
   <p:notesMasterIdLst>
-    <p:notesMasterId r:id="rId34"/>
+    <p:notesMasterId r:id="rId37"/>
   </p:notesMasterIdLst>
   <p:sldIdLst>
     <p:sldId id="270" r:id="rId2"/>
@@ -40,6 +40,9 @@
     <p:sldId id="289" r:id="rId31"/>
     <p:sldId id="290" r:id="rId32"/>
     <p:sldId id="291" r:id="rId33"/>
+    <p:sldId id="292" r:id="rId34"/>
+    <p:sldId id="293" r:id="rId35"/>
+    <p:sldId id="294" r:id="rId36"/>
   </p:sldIdLst>
   <p:sldSz cx="12192000" cy="6858000"/>
   <p:notesSz cx="6858000" cy="9144000"/>
@@ -3251,6 +3254,258 @@
 </p:notes>
 </file>
 
+<file path=ppt/notesSlides/notesSlide2.xml><?xml version="1.0" encoding="utf-8"?>
+<p:notes xmlns:a="http://schemas.openxmlformats.org/drawingml/2006/main" xmlns:r="http://schemas.openxmlformats.org/officeDocument/2006/relationships" xmlns:p="http://schemas.openxmlformats.org/presentationml/2006/main">
+  <p:cSld>
+    <p:spTree>
+      <p:nvGrpSpPr>
+        <p:cNvPr id="1" name=""/>
+        <p:cNvGrpSpPr/>
+        <p:nvPr/>
+      </p:nvGrpSpPr>
+      <p:grpSpPr>
+        <a:xfrm>
+          <a:off x="0" y="0"/>
+          <a:ext cx="0" cy="0"/>
+          <a:chOff x="0" y="0"/>
+          <a:chExt cx="0" cy="0"/>
+        </a:xfrm>
+      </p:grpSpPr>
+      <p:sp>
+        <p:nvSpPr>
+          <p:cNvPr id="2" name="Slide Image Placeholder 1"/>
+          <p:cNvSpPr>
+            <a:spLocks noGrp="1" noRot="1" noChangeAspect="1"/>
+          </p:cNvSpPr>
+          <p:nvPr>
+            <p:ph type="sldImg"/>
+          </p:nvPr>
+        </p:nvSpPr>
+        <p:spPr/>
+      </p:sp>
+      <p:sp>
+        <p:nvSpPr>
+          <p:cNvPr id="3" name="Notes Placeholder 2"/>
+          <p:cNvSpPr>
+            <a:spLocks noGrp="1"/>
+          </p:cNvSpPr>
+          <p:nvPr>
+            <p:ph type="body" idx="1"/>
+          </p:nvPr>
+        </p:nvSpPr>
+        <p:spPr/>
+        <p:txBody>
+          <a:bodyPr/>
+          <a:lstStyle/>
+          <a:p>
+            <a:endParaRPr lang="en-US" dirty="0"/>
+          </a:p>
+        </p:txBody>
+      </p:sp>
+      <p:sp>
+        <p:nvSpPr>
+          <p:cNvPr id="4" name="Slide Number Placeholder 3"/>
+          <p:cNvSpPr>
+            <a:spLocks noGrp="1"/>
+          </p:cNvSpPr>
+          <p:nvPr>
+            <p:ph type="sldNum" sz="quarter" idx="5"/>
+          </p:nvPr>
+        </p:nvSpPr>
+        <p:spPr/>
+        <p:txBody>
+          <a:bodyPr/>
+          <a:lstStyle/>
+          <a:p>
+            <a:fld id="{F687679A-9FB6-43B6-864A-7FDC6149F2D5}" type="slidenum">
+              <a:rPr lang="en-US" smtClean="0"/>
+              <a:t>33</a:t>
+            </a:fld>
+            <a:endParaRPr lang="en-US"/>
+          </a:p>
+        </p:txBody>
+      </p:sp>
+    </p:spTree>
+    <p:extLst>
+      <p:ext uri="{BB962C8B-B14F-4D97-AF65-F5344CB8AC3E}">
+        <p14:creationId xmlns:p14="http://schemas.microsoft.com/office/powerpoint/2010/main" val="1104654528"/>
+      </p:ext>
+    </p:extLst>
+  </p:cSld>
+  <p:clrMapOvr>
+    <a:masterClrMapping/>
+  </p:clrMapOvr>
+</p:notes>
+</file>
+
+<file path=ppt/notesSlides/notesSlide3.xml><?xml version="1.0" encoding="utf-8"?>
+<p:notes xmlns:a="http://schemas.openxmlformats.org/drawingml/2006/main" xmlns:r="http://schemas.openxmlformats.org/officeDocument/2006/relationships" xmlns:p="http://schemas.openxmlformats.org/presentationml/2006/main">
+  <p:cSld>
+    <p:spTree>
+      <p:nvGrpSpPr>
+        <p:cNvPr id="1" name=""/>
+        <p:cNvGrpSpPr/>
+        <p:nvPr/>
+      </p:nvGrpSpPr>
+      <p:grpSpPr>
+        <a:xfrm>
+          <a:off x="0" y="0"/>
+          <a:ext cx="0" cy="0"/>
+          <a:chOff x="0" y="0"/>
+          <a:chExt cx="0" cy="0"/>
+        </a:xfrm>
+      </p:grpSpPr>
+      <p:sp>
+        <p:nvSpPr>
+          <p:cNvPr id="2" name="Slide Image Placeholder 1"/>
+          <p:cNvSpPr>
+            <a:spLocks noGrp="1" noRot="1" noChangeAspect="1"/>
+          </p:cNvSpPr>
+          <p:nvPr>
+            <p:ph type="sldImg"/>
+          </p:nvPr>
+        </p:nvSpPr>
+        <p:spPr/>
+      </p:sp>
+      <p:sp>
+        <p:nvSpPr>
+          <p:cNvPr id="3" name="Notes Placeholder 2"/>
+          <p:cNvSpPr>
+            <a:spLocks noGrp="1"/>
+          </p:cNvSpPr>
+          <p:nvPr>
+            <p:ph type="body" idx="1"/>
+          </p:nvPr>
+        </p:nvSpPr>
+        <p:spPr/>
+        <p:txBody>
+          <a:bodyPr/>
+          <a:lstStyle/>
+          <a:p>
+            <a:endParaRPr lang="en-US" dirty="0"/>
+          </a:p>
+        </p:txBody>
+      </p:sp>
+      <p:sp>
+        <p:nvSpPr>
+          <p:cNvPr id="4" name="Slide Number Placeholder 3"/>
+          <p:cNvSpPr>
+            <a:spLocks noGrp="1"/>
+          </p:cNvSpPr>
+          <p:nvPr>
+            <p:ph type="sldNum" sz="quarter" idx="5"/>
+          </p:nvPr>
+        </p:nvSpPr>
+        <p:spPr/>
+        <p:txBody>
+          <a:bodyPr/>
+          <a:lstStyle/>
+          <a:p>
+            <a:fld id="{F687679A-9FB6-43B6-864A-7FDC6149F2D5}" type="slidenum">
+              <a:rPr lang="en-US" smtClean="0"/>
+              <a:t>34</a:t>
+            </a:fld>
+            <a:endParaRPr lang="en-US"/>
+          </a:p>
+        </p:txBody>
+      </p:sp>
+    </p:spTree>
+    <p:extLst>
+      <p:ext uri="{BB962C8B-B14F-4D97-AF65-F5344CB8AC3E}">
+        <p14:creationId xmlns:p14="http://schemas.microsoft.com/office/powerpoint/2010/main" val="3557929197"/>
+      </p:ext>
+    </p:extLst>
+  </p:cSld>
+  <p:clrMapOvr>
+    <a:masterClrMapping/>
+  </p:clrMapOvr>
+</p:notes>
+</file>
+
+<file path=ppt/notesSlides/notesSlide4.xml><?xml version="1.0" encoding="utf-8"?>
+<p:notes xmlns:a="http://schemas.openxmlformats.org/drawingml/2006/main" xmlns:r="http://schemas.openxmlformats.org/officeDocument/2006/relationships" xmlns:p="http://schemas.openxmlformats.org/presentationml/2006/main">
+  <p:cSld>
+    <p:spTree>
+      <p:nvGrpSpPr>
+        <p:cNvPr id="1" name=""/>
+        <p:cNvGrpSpPr/>
+        <p:nvPr/>
+      </p:nvGrpSpPr>
+      <p:grpSpPr>
+        <a:xfrm>
+          <a:off x="0" y="0"/>
+          <a:ext cx="0" cy="0"/>
+          <a:chOff x="0" y="0"/>
+          <a:chExt cx="0" cy="0"/>
+        </a:xfrm>
+      </p:grpSpPr>
+      <p:sp>
+        <p:nvSpPr>
+          <p:cNvPr id="2" name="Slide Image Placeholder 1"/>
+          <p:cNvSpPr>
+            <a:spLocks noGrp="1" noRot="1" noChangeAspect="1"/>
+          </p:cNvSpPr>
+          <p:nvPr>
+            <p:ph type="sldImg"/>
+          </p:nvPr>
+        </p:nvSpPr>
+        <p:spPr/>
+      </p:sp>
+      <p:sp>
+        <p:nvSpPr>
+          <p:cNvPr id="3" name="Notes Placeholder 2"/>
+          <p:cNvSpPr>
+            <a:spLocks noGrp="1"/>
+          </p:cNvSpPr>
+          <p:nvPr>
+            <p:ph type="body" idx="1"/>
+          </p:nvPr>
+        </p:nvSpPr>
+        <p:spPr/>
+        <p:txBody>
+          <a:bodyPr/>
+          <a:lstStyle/>
+          <a:p>
+            <a:endParaRPr lang="en-US" dirty="0"/>
+          </a:p>
+        </p:txBody>
+      </p:sp>
+      <p:sp>
+        <p:nvSpPr>
+          <p:cNvPr id="4" name="Slide Number Placeholder 3"/>
+          <p:cNvSpPr>
+            <a:spLocks noGrp="1"/>
+          </p:cNvSpPr>
+          <p:nvPr>
+            <p:ph type="sldNum" sz="quarter" idx="5"/>
+          </p:nvPr>
+        </p:nvSpPr>
+        <p:spPr/>
+        <p:txBody>
+          <a:bodyPr/>
+          <a:lstStyle/>
+          <a:p>
+            <a:fld id="{F687679A-9FB6-43B6-864A-7FDC6149F2D5}" type="slidenum">
+              <a:rPr lang="en-US" smtClean="0"/>
+              <a:t>35</a:t>
+            </a:fld>
+            <a:endParaRPr lang="en-US"/>
+          </a:p>
+        </p:txBody>
+      </p:sp>
+    </p:spTree>
+    <p:extLst>
+      <p:ext uri="{BB962C8B-B14F-4D97-AF65-F5344CB8AC3E}">
+        <p14:creationId xmlns:p14="http://schemas.microsoft.com/office/powerpoint/2010/main" val="3847934212"/>
+      </p:ext>
+    </p:extLst>
+  </p:cSld>
+  <p:clrMapOvr>
+    <a:masterClrMapping/>
+  </p:clrMapOvr>
+</p:notes>
+</file>
+
 <file path=ppt/slideLayouts/slideLayout1.xml><?xml version="1.0" encoding="utf-8"?>
 <p:sldLayout xmlns:a="http://schemas.openxmlformats.org/drawingml/2006/main" xmlns:r="http://schemas.openxmlformats.org/officeDocument/2006/relationships" xmlns:p="http://schemas.openxmlformats.org/presentationml/2006/main" type="title" preserve="1">
   <p:cSld name="Title Slide">
@@ -10029,15 +10284,7 @@
             </a:pPr>
             <a:r>
               <a:rPr lang="en-US" sz="2000" dirty="0"/>
-              <a:t>A Celtic army under Brennus invades Greece. They defeat a </a:t>
-            </a:r>
-            <a:r>
-              <a:rPr lang="en-US" sz="2000" dirty="0" err="1"/>
-              <a:t>Makedonian</a:t>
-            </a:r>
-            <a:r>
-              <a:rPr lang="en-US" sz="2000" dirty="0"/>
-              <a:t> army under Ptolemy Keraunos, but the Spartans temporarily hold Brennus at Thermopylae. Brennus retreats to the north only to defeat the pursuing Spartans in a battle near Mount </a:t>
+              <a:t>A Celtic army under Brennus invades Greece. They defeat a Makedonian army under Ptolemy Keraunos, but the Spartans temporarily hold Brennus at Thermopylae. Brennus retreats to the north only to defeat the pursuing Spartans in a battle near Mount </a:t>
             </a:r>
             <a:r>
               <a:rPr lang="en-US" sz="2000" dirty="0" err="1"/>
@@ -20577,6 +20824,1713 @@
     <p:extLst>
       <p:ext uri="{BB962C8B-B14F-4D97-AF65-F5344CB8AC3E}">
         <p14:creationId xmlns:p14="http://schemas.microsoft.com/office/powerpoint/2010/main" val="1376297781"/>
+      </p:ext>
+    </p:extLst>
+  </p:cSld>
+  <p:clrMapOvr>
+    <a:masterClrMapping/>
+  </p:clrMapOvr>
+</p:sld>
+</file>
+
+<file path=ppt/slides/slide33.xml><?xml version="1.0" encoding="utf-8"?>
+<p:sld xmlns:a="http://schemas.openxmlformats.org/drawingml/2006/main" xmlns:r="http://schemas.openxmlformats.org/officeDocument/2006/relationships" xmlns:p="http://schemas.openxmlformats.org/presentationml/2006/main">
+  <p:cSld>
+    <p:bg>
+      <p:bgPr>
+        <a:solidFill>
+          <a:schemeClr val="bg1"/>
+        </a:solidFill>
+        <a:effectLst/>
+      </p:bgPr>
+    </p:bg>
+    <p:spTree>
+      <p:nvGrpSpPr>
+        <p:cNvPr id="1" name=""/>
+        <p:cNvGrpSpPr/>
+        <p:nvPr/>
+      </p:nvGrpSpPr>
+      <p:grpSpPr>
+        <a:xfrm>
+          <a:off x="0" y="0"/>
+          <a:ext cx="0" cy="0"/>
+          <a:chOff x="0" y="0"/>
+          <a:chExt cx="0" cy="0"/>
+        </a:xfrm>
+      </p:grpSpPr>
+      <p:sp useBgFill="1">
+        <p:nvSpPr>
+          <p:cNvPr id="70" name="Rectangle 69">
+            <a:extLst>
+              <a:ext uri="{FF2B5EF4-FFF2-40B4-BE49-F238E27FC236}">
+                <a16:creationId xmlns:a16="http://schemas.microsoft.com/office/drawing/2014/main" id="{F13C74B1-5B17-4795-BED0-7140497B445A}"/>
+              </a:ext>
+              <a:ext uri="{C183D7F6-B498-43B3-948B-1728B52AA6E4}">
+                <adec:decorative xmlns:adec="http://schemas.microsoft.com/office/drawing/2017/decorative" val="1"/>
+              </a:ext>
+            </a:extLst>
+          </p:cNvPr>
+          <p:cNvSpPr>
+            <a:spLocks noGrp="1" noRot="1" noChangeAspect="1" noMove="1" noResize="1" noEditPoints="1" noAdjustHandles="1" noChangeArrowheads="1" noChangeShapeType="1" noTextEdit="1"/>
+          </p:cNvSpPr>
+          <p:nvPr>
+            <p:extLst>
+              <p:ext uri="{386F3935-93C4-4BCD-93E2-E3B085C9AB24}">
+                <p16:designElem xmlns:p16="http://schemas.microsoft.com/office/powerpoint/2015/main" val="1"/>
+              </p:ext>
+            </p:extLst>
+          </p:nvPr>
+        </p:nvSpPr>
+        <p:spPr>
+          <a:xfrm>
+            <a:off x="0" y="0"/>
+            <a:ext cx="12188952" cy="6858000"/>
+          </a:xfrm>
+          <a:prstGeom prst="rect">
+            <a:avLst/>
+          </a:prstGeom>
+          <a:ln>
+            <a:noFill/>
+          </a:ln>
+        </p:spPr>
+        <p:style>
+          <a:lnRef idx="2">
+            <a:schemeClr val="accent1">
+              <a:shade val="50000"/>
+            </a:schemeClr>
+          </a:lnRef>
+          <a:fillRef idx="1">
+            <a:schemeClr val="accent1"/>
+          </a:fillRef>
+          <a:effectRef idx="0">
+            <a:schemeClr val="accent1"/>
+          </a:effectRef>
+          <a:fontRef idx="minor">
+            <a:schemeClr val="lt1"/>
+          </a:fontRef>
+        </p:style>
+        <p:txBody>
+          <a:bodyPr rtlCol="0" anchor="ctr"/>
+          <a:lstStyle/>
+          <a:p>
+            <a:pPr algn="ctr"/>
+            <a:endParaRPr lang="en-US"/>
+          </a:p>
+        </p:txBody>
+      </p:sp>
+      <p:sp>
+        <p:nvSpPr>
+          <p:cNvPr id="72" name="sketchy line">
+            <a:extLst>
+              <a:ext uri="{FF2B5EF4-FFF2-40B4-BE49-F238E27FC236}">
+                <a16:creationId xmlns:a16="http://schemas.microsoft.com/office/drawing/2014/main" id="{D4974D33-8DC5-464E-8C6D-BE58F0669C17}"/>
+              </a:ext>
+              <a:ext uri="{C183D7F6-B498-43B3-948B-1728B52AA6E4}">
+                <adec:decorative xmlns:adec="http://schemas.microsoft.com/office/drawing/2017/decorative" val="1"/>
+              </a:ext>
+            </a:extLst>
+          </p:cNvPr>
+          <p:cNvSpPr>
+            <a:spLocks noGrp="1" noRot="1" noChangeAspect="1" noMove="1" noResize="1" noEditPoints="1" noAdjustHandles="1" noChangeArrowheads="1" noChangeShapeType="1" noTextEdit="1"/>
+          </p:cNvSpPr>
+          <p:nvPr>
+            <p:extLst>
+              <p:ext uri="{386F3935-93C4-4BCD-93E2-E3B085C9AB24}">
+                <p16:designElem xmlns:p16="http://schemas.microsoft.com/office/powerpoint/2015/main" val="1"/>
+              </p:ext>
+            </p:extLst>
+          </p:nvPr>
+        </p:nvSpPr>
+        <p:spPr>
+          <a:xfrm>
+            <a:off x="640080" y="2586994"/>
+            <a:ext cx="3474720" cy="18288"/>
+          </a:xfrm>
+          <a:custGeom>
+            <a:avLst/>
+            <a:gdLst>
+              <a:gd name="connsiteX0" fmla="*/ 0 w 3474720"/>
+              <a:gd name="connsiteY0" fmla="*/ 0 h 18288"/>
+              <a:gd name="connsiteX1" fmla="*/ 694944 w 3474720"/>
+              <a:gd name="connsiteY1" fmla="*/ 0 h 18288"/>
+              <a:gd name="connsiteX2" fmla="*/ 1355141 w 3474720"/>
+              <a:gd name="connsiteY2" fmla="*/ 0 h 18288"/>
+              <a:gd name="connsiteX3" fmla="*/ 2015338 w 3474720"/>
+              <a:gd name="connsiteY3" fmla="*/ 0 h 18288"/>
+              <a:gd name="connsiteX4" fmla="*/ 2779776 w 3474720"/>
+              <a:gd name="connsiteY4" fmla="*/ 0 h 18288"/>
+              <a:gd name="connsiteX5" fmla="*/ 3474720 w 3474720"/>
+              <a:gd name="connsiteY5" fmla="*/ 0 h 18288"/>
+              <a:gd name="connsiteX6" fmla="*/ 3474720 w 3474720"/>
+              <a:gd name="connsiteY6" fmla="*/ 18288 h 18288"/>
+              <a:gd name="connsiteX7" fmla="*/ 2779776 w 3474720"/>
+              <a:gd name="connsiteY7" fmla="*/ 18288 h 18288"/>
+              <a:gd name="connsiteX8" fmla="*/ 2189074 w 3474720"/>
+              <a:gd name="connsiteY8" fmla="*/ 18288 h 18288"/>
+              <a:gd name="connsiteX9" fmla="*/ 1528877 w 3474720"/>
+              <a:gd name="connsiteY9" fmla="*/ 18288 h 18288"/>
+              <a:gd name="connsiteX10" fmla="*/ 868680 w 3474720"/>
+              <a:gd name="connsiteY10" fmla="*/ 18288 h 18288"/>
+              <a:gd name="connsiteX11" fmla="*/ 0 w 3474720"/>
+              <a:gd name="connsiteY11" fmla="*/ 18288 h 18288"/>
+              <a:gd name="connsiteX12" fmla="*/ 0 w 3474720"/>
+              <a:gd name="connsiteY12" fmla="*/ 0 h 18288"/>
+            </a:gdLst>
+            <a:ahLst/>
+            <a:cxnLst>
+              <a:cxn ang="0">
+                <a:pos x="connsiteX0" y="connsiteY0"/>
+              </a:cxn>
+              <a:cxn ang="0">
+                <a:pos x="connsiteX1" y="connsiteY1"/>
+              </a:cxn>
+              <a:cxn ang="0">
+                <a:pos x="connsiteX2" y="connsiteY2"/>
+              </a:cxn>
+              <a:cxn ang="0">
+                <a:pos x="connsiteX3" y="connsiteY3"/>
+              </a:cxn>
+              <a:cxn ang="0">
+                <a:pos x="connsiteX4" y="connsiteY4"/>
+              </a:cxn>
+              <a:cxn ang="0">
+                <a:pos x="connsiteX5" y="connsiteY5"/>
+              </a:cxn>
+              <a:cxn ang="0">
+                <a:pos x="connsiteX6" y="connsiteY6"/>
+              </a:cxn>
+              <a:cxn ang="0">
+                <a:pos x="connsiteX7" y="connsiteY7"/>
+              </a:cxn>
+              <a:cxn ang="0">
+                <a:pos x="connsiteX8" y="connsiteY8"/>
+              </a:cxn>
+              <a:cxn ang="0">
+                <a:pos x="connsiteX9" y="connsiteY9"/>
+              </a:cxn>
+              <a:cxn ang="0">
+                <a:pos x="connsiteX10" y="connsiteY10"/>
+              </a:cxn>
+              <a:cxn ang="0">
+                <a:pos x="connsiteX11" y="connsiteY11"/>
+              </a:cxn>
+              <a:cxn ang="0">
+                <a:pos x="connsiteX12" y="connsiteY12"/>
+              </a:cxn>
+            </a:cxnLst>
+            <a:rect l="l" t="t" r="r" b="b"/>
+            <a:pathLst>
+              <a:path w="3474720" h="18288" fill="none" extrusionOk="0">
+                <a:moveTo>
+                  <a:pt x="0" y="0"/>
+                </a:moveTo>
+                <a:cubicBezTo>
+                  <a:pt x="224454" y="-14544"/>
+                  <a:pt x="495407" y="26540"/>
+                  <a:pt x="694944" y="0"/>
+                </a:cubicBezTo>
+                <a:cubicBezTo>
+                  <a:pt x="894481" y="-26540"/>
+                  <a:pt x="1130063" y="24713"/>
+                  <a:pt x="1355141" y="0"/>
+                </a:cubicBezTo>
+                <a:cubicBezTo>
+                  <a:pt x="1580219" y="-24713"/>
+                  <a:pt x="1820099" y="26695"/>
+                  <a:pt x="2015338" y="0"/>
+                </a:cubicBezTo>
+                <a:cubicBezTo>
+                  <a:pt x="2210577" y="-26695"/>
+                  <a:pt x="2402045" y="165"/>
+                  <a:pt x="2779776" y="0"/>
+                </a:cubicBezTo>
+                <a:cubicBezTo>
+                  <a:pt x="3157507" y="-165"/>
+                  <a:pt x="3286859" y="-15571"/>
+                  <a:pt x="3474720" y="0"/>
+                </a:cubicBezTo>
+                <a:cubicBezTo>
+                  <a:pt x="3474286" y="7551"/>
+                  <a:pt x="3474253" y="9822"/>
+                  <a:pt x="3474720" y="18288"/>
+                </a:cubicBezTo>
+                <a:cubicBezTo>
+                  <a:pt x="3233904" y="29845"/>
+                  <a:pt x="2945134" y="-5256"/>
+                  <a:pt x="2779776" y="18288"/>
+                </a:cubicBezTo>
+                <a:cubicBezTo>
+                  <a:pt x="2614418" y="41832"/>
+                  <a:pt x="2339768" y="22709"/>
+                  <a:pt x="2189074" y="18288"/>
+                </a:cubicBezTo>
+                <a:cubicBezTo>
+                  <a:pt x="2038380" y="13867"/>
+                  <a:pt x="1817434" y="-4947"/>
+                  <a:pt x="1528877" y="18288"/>
+                </a:cubicBezTo>
+                <a:cubicBezTo>
+                  <a:pt x="1240320" y="41523"/>
+                  <a:pt x="1042447" y="37198"/>
+                  <a:pt x="868680" y="18288"/>
+                </a:cubicBezTo>
+                <a:cubicBezTo>
+                  <a:pt x="694913" y="-622"/>
+                  <a:pt x="233232" y="44909"/>
+                  <a:pt x="0" y="18288"/>
+                </a:cubicBezTo>
+                <a:cubicBezTo>
+                  <a:pt x="60" y="11696"/>
+                  <a:pt x="66" y="3758"/>
+                  <a:pt x="0" y="0"/>
+                </a:cubicBezTo>
+                <a:close/>
+              </a:path>
+              <a:path w="3474720" h="18288" stroke="0" extrusionOk="0">
+                <a:moveTo>
+                  <a:pt x="0" y="0"/>
+                </a:moveTo>
+                <a:cubicBezTo>
+                  <a:pt x="202328" y="-14716"/>
+                  <a:pt x="332722" y="-11499"/>
+                  <a:pt x="625450" y="0"/>
+                </a:cubicBezTo>
+                <a:cubicBezTo>
+                  <a:pt x="918178" y="11499"/>
+                  <a:pt x="1096688" y="5123"/>
+                  <a:pt x="1389888" y="0"/>
+                </a:cubicBezTo>
+                <a:cubicBezTo>
+                  <a:pt x="1683088" y="-5123"/>
+                  <a:pt x="1835981" y="-14038"/>
+                  <a:pt x="1980590" y="0"/>
+                </a:cubicBezTo>
+                <a:cubicBezTo>
+                  <a:pt x="2125199" y="14038"/>
+                  <a:pt x="2396099" y="-7203"/>
+                  <a:pt x="2571293" y="0"/>
+                </a:cubicBezTo>
+                <a:cubicBezTo>
+                  <a:pt x="2746487" y="7203"/>
+                  <a:pt x="3041609" y="-12036"/>
+                  <a:pt x="3474720" y="0"/>
+                </a:cubicBezTo>
+                <a:cubicBezTo>
+                  <a:pt x="3474638" y="4406"/>
+                  <a:pt x="3474631" y="9982"/>
+                  <a:pt x="3474720" y="18288"/>
+                </a:cubicBezTo>
+                <a:cubicBezTo>
+                  <a:pt x="3324873" y="21876"/>
+                  <a:pt x="3136771" y="12587"/>
+                  <a:pt x="2814523" y="18288"/>
+                </a:cubicBezTo>
+                <a:cubicBezTo>
+                  <a:pt x="2492275" y="23989"/>
+                  <a:pt x="2294402" y="47111"/>
+                  <a:pt x="2154326" y="18288"/>
+                </a:cubicBezTo>
+                <a:cubicBezTo>
+                  <a:pt x="2014250" y="-10535"/>
+                  <a:pt x="1820317" y="33903"/>
+                  <a:pt x="1494130" y="18288"/>
+                </a:cubicBezTo>
+                <a:cubicBezTo>
+                  <a:pt x="1167943" y="2673"/>
+                  <a:pt x="948432" y="14868"/>
+                  <a:pt x="729691" y="18288"/>
+                </a:cubicBezTo>
+                <a:cubicBezTo>
+                  <a:pt x="510950" y="21708"/>
+                  <a:pt x="264032" y="24354"/>
+                  <a:pt x="0" y="18288"/>
+                </a:cubicBezTo>
+                <a:cubicBezTo>
+                  <a:pt x="189" y="14288"/>
+                  <a:pt x="-703" y="3747"/>
+                  <a:pt x="0" y="0"/>
+                </a:cubicBezTo>
+                <a:close/>
+              </a:path>
+            </a:pathLst>
+          </a:custGeom>
+          <a:solidFill>
+            <a:schemeClr val="accent2"/>
+          </a:solidFill>
+          <a:ln w="44450" cap="rnd">
+            <a:solidFill>
+              <a:schemeClr val="accent2"/>
+            </a:solidFill>
+            <a:round/>
+            <a:extLst>
+              <a:ext uri="{C807C97D-BFC1-408E-A445-0C87EB9F89A2}">
+                <ask:lineSketchStyleProps xmlns:ask="http://schemas.microsoft.com/office/drawing/2018/sketchyshapes" sd="2863741219">
+                  <a:prstGeom prst="rect">
+                    <a:avLst/>
+                  </a:prstGeom>
+                  <ask:type>
+                    <ask:lineSketchFreehand/>
+                  </ask:type>
+                </ask:lineSketchStyleProps>
+              </a:ext>
+            </a:extLst>
+          </a:ln>
+        </p:spPr>
+        <p:style>
+          <a:lnRef idx="2">
+            <a:schemeClr val="accent1">
+              <a:shade val="50000"/>
+            </a:schemeClr>
+          </a:lnRef>
+          <a:fillRef idx="1">
+            <a:schemeClr val="accent1"/>
+          </a:fillRef>
+          <a:effectRef idx="0">
+            <a:schemeClr val="accent1"/>
+          </a:effectRef>
+          <a:fontRef idx="minor">
+            <a:schemeClr val="lt1"/>
+          </a:fontRef>
+        </p:style>
+        <p:txBody>
+          <a:bodyPr rtlCol="0" anchor="ctr"/>
+          <a:lstStyle/>
+          <a:p>
+            <a:pPr algn="ctr"/>
+            <a:endParaRPr lang="en-US"/>
+          </a:p>
+        </p:txBody>
+      </p:sp>
+      <p:sp>
+        <p:nvSpPr>
+          <p:cNvPr id="4" name="TextBox 3">
+            <a:extLst>
+              <a:ext uri="{FF2B5EF4-FFF2-40B4-BE49-F238E27FC236}">
+                <a16:creationId xmlns:a16="http://schemas.microsoft.com/office/drawing/2014/main" id="{03DDB894-502D-4473-8189-C7F7050B360F}"/>
+              </a:ext>
+            </a:extLst>
+          </p:cNvPr>
+          <p:cNvSpPr txBox="1"/>
+          <p:nvPr/>
+        </p:nvSpPr>
+        <p:spPr>
+          <a:xfrm>
+            <a:off x="640080" y="2872899"/>
+            <a:ext cx="4243589" cy="3320668"/>
+          </a:xfrm>
+          <a:prstGeom prst="rect">
+            <a:avLst/>
+          </a:prstGeom>
+        </p:spPr>
+        <p:txBody>
+          <a:bodyPr vert="horz" lIns="91440" tIns="45720" rIns="91440" bIns="45720" rtlCol="0">
+            <a:normAutofit/>
+          </a:bodyPr>
+          <a:lstStyle/>
+          <a:p>
+            <a:pPr defTabSz="914400">
+              <a:lnSpc>
+                <a:spcPct val="90000"/>
+              </a:lnSpc>
+              <a:spcAft>
+                <a:spcPts val="600"/>
+              </a:spcAft>
+            </a:pPr>
+            <a:r>
+              <a:rPr lang="en-US" sz="2400" b="1" dirty="0">
+                <a:latin typeface="+mj-lt"/>
+              </a:rPr>
+              <a:t>243 BCE</a:t>
+            </a:r>
+          </a:p>
+          <a:p>
+            <a:pPr marL="285750" indent="-228600" defTabSz="914400">
+              <a:lnSpc>
+                <a:spcPct val="90000"/>
+              </a:lnSpc>
+              <a:spcAft>
+                <a:spcPts val="600"/>
+              </a:spcAft>
+              <a:buFont typeface="Arial" panose="020B0604020202020204" pitchFamily="34" charset="0"/>
+              <a:buChar char="•"/>
+            </a:pPr>
+            <a:r>
+              <a:rPr lang="en-US" sz="2000" dirty="0"/>
+              <a:t>Agis IV reforms the Spartan state under a new </a:t>
+            </a:r>
+            <a:r>
+              <a:rPr lang="en-US" sz="2000" dirty="0" err="1"/>
+              <a:t>Lycurgan</a:t>
+            </a:r>
+            <a:r>
+              <a:rPr lang="en-US" sz="2000" dirty="0"/>
+              <a:t> model. The entire Peloponnesus is turned into a militaristic state, with all </a:t>
+            </a:r>
+            <a:r>
+              <a:rPr lang="en-US" sz="2000" dirty="0" err="1"/>
+              <a:t>Hellens</a:t>
+            </a:r>
+            <a:r>
+              <a:rPr lang="en-US" sz="2000" dirty="0"/>
+              <a:t> gaining citizenship and with all young men being enrolled into the new Agoge system.</a:t>
+            </a:r>
+          </a:p>
+          <a:p>
+            <a:pPr marL="285750" indent="-228600" defTabSz="914400">
+              <a:lnSpc>
+                <a:spcPct val="90000"/>
+              </a:lnSpc>
+              <a:spcAft>
+                <a:spcPts val="600"/>
+              </a:spcAft>
+              <a:buFont typeface="Arial" panose="020B0604020202020204" pitchFamily="34" charset="0"/>
+              <a:buChar char="•"/>
+            </a:pPr>
+            <a:r>
+              <a:rPr lang="en-US" sz="2000" dirty="0"/>
+              <a:t>A defensive alliance is formed with the Athenians against potential Makedonian invasion.</a:t>
+            </a:r>
+            <a:endParaRPr lang="en-US" sz="2000" b="1" dirty="0"/>
+          </a:p>
+        </p:txBody>
+      </p:sp>
+      <p:pic>
+        <p:nvPicPr>
+          <p:cNvPr id="3" name="Picture 2">
+            <a:extLst>
+              <a:ext uri="{FF2B5EF4-FFF2-40B4-BE49-F238E27FC236}">
+                <a16:creationId xmlns:a16="http://schemas.microsoft.com/office/drawing/2014/main" id="{DF48942B-53F6-45ED-9B7A-D117C19EB58F}"/>
+              </a:ext>
+            </a:extLst>
+          </p:cNvPr>
+          <p:cNvPicPr>
+            <a:picLocks noChangeAspect="1"/>
+          </p:cNvPicPr>
+          <p:nvPr/>
+        </p:nvPicPr>
+        <p:blipFill rotWithShape="1">
+          <a:blip r:embed="rId3">
+            <a:extLst>
+              <a:ext uri="{28A0092B-C50C-407E-A947-70E740481C1C}">
+                <a14:useLocalDpi xmlns:a14="http://schemas.microsoft.com/office/drawing/2010/main" val="0"/>
+              </a:ext>
+            </a:extLst>
+          </a:blip>
+          <a:srcRect r="16745" b="3"/>
+          <a:stretch/>
+        </p:blipFill>
+        <p:spPr>
+          <a:xfrm>
+            <a:off x="5311702" y="10"/>
+            <a:ext cx="6878775" cy="6857990"/>
+          </a:xfrm>
+          <a:custGeom>
+            <a:avLst/>
+            <a:gdLst/>
+            <a:ahLst/>
+            <a:cxnLst/>
+            <a:rect l="l" t="t" r="r" b="b"/>
+            <a:pathLst>
+              <a:path w="6878775" h="6858000">
+                <a:moveTo>
+                  <a:pt x="1102973" y="0"/>
+                </a:moveTo>
+                <a:lnTo>
+                  <a:pt x="1160688" y="0"/>
+                </a:lnTo>
+                <a:lnTo>
+                  <a:pt x="983189" y="331786"/>
+                </a:lnTo>
+                <a:cubicBezTo>
+                  <a:pt x="914866" y="469145"/>
+                  <a:pt x="850355" y="608712"/>
+                  <a:pt x="789261" y="750263"/>
+                </a:cubicBezTo>
+                <a:cubicBezTo>
+                  <a:pt x="774307" y="784928"/>
+                  <a:pt x="759992" y="819849"/>
+                  <a:pt x="745295" y="854514"/>
+                </a:cubicBezTo>
+                <a:cubicBezTo>
+                  <a:pt x="756682" y="845393"/>
+                  <a:pt x="765489" y="833492"/>
+                  <a:pt x="770857" y="819975"/>
+                </a:cubicBezTo>
+                <a:cubicBezTo>
+                  <a:pt x="879943" y="589569"/>
+                  <a:pt x="999605" y="365513"/>
+                  <a:pt x="1131329" y="148742"/>
+                </a:cubicBezTo>
+                <a:lnTo>
+                  <a:pt x="1227589" y="0"/>
+                </a:lnTo>
+                <a:lnTo>
+                  <a:pt x="6878775" y="0"/>
+                </a:lnTo>
+                <a:lnTo>
+                  <a:pt x="6878775" y="6858000"/>
+                </a:lnTo>
+                <a:lnTo>
+                  <a:pt x="713521" y="6858000"/>
+                </a:lnTo>
+                <a:lnTo>
+                  <a:pt x="625642" y="6670527"/>
+                </a:lnTo>
+                <a:cubicBezTo>
+                  <a:pt x="507232" y="6398531"/>
+                  <a:pt x="403083" y="6118381"/>
+                  <a:pt x="312785" y="5830359"/>
+                </a:cubicBezTo>
+                <a:cubicBezTo>
+                  <a:pt x="278149" y="5719759"/>
+                  <a:pt x="248879" y="5607635"/>
+                  <a:pt x="212198" y="5480401"/>
+                </a:cubicBezTo>
+                <a:cubicBezTo>
+                  <a:pt x="212208" y="5491601"/>
+                  <a:pt x="212803" y="5502788"/>
+                  <a:pt x="213988" y="5513923"/>
+                </a:cubicBezTo>
+                <a:cubicBezTo>
+                  <a:pt x="264089" y="5723695"/>
+                  <a:pt x="307290" y="5935370"/>
+                  <a:pt x="365826" y="6142729"/>
+                </a:cubicBezTo>
+                <a:cubicBezTo>
+                  <a:pt x="433152" y="6380817"/>
+                  <a:pt x="510068" y="6614016"/>
+                  <a:pt x="597975" y="6841549"/>
+                </a:cubicBezTo>
+                <a:lnTo>
+                  <a:pt x="604824" y="6858000"/>
+                </a:lnTo>
+                <a:lnTo>
+                  <a:pt x="552056" y="6858000"/>
+                </a:lnTo>
+                <a:lnTo>
+                  <a:pt x="539576" y="6828295"/>
+                </a:lnTo>
+                <a:cubicBezTo>
+                  <a:pt x="380597" y="6414594"/>
+                  <a:pt x="260223" y="5988893"/>
+                  <a:pt x="171555" y="5552906"/>
+                </a:cubicBezTo>
+                <a:cubicBezTo>
+                  <a:pt x="91163" y="5157998"/>
+                  <a:pt x="43746" y="4758899"/>
+                  <a:pt x="12305" y="4357388"/>
+                </a:cubicBezTo>
+                <a:cubicBezTo>
+                  <a:pt x="-14281" y="4013908"/>
+                  <a:pt x="4507" y="3672965"/>
+                  <a:pt x="46684" y="3331516"/>
+                </a:cubicBezTo>
+                <a:cubicBezTo>
+                  <a:pt x="127203" y="2664286"/>
+                  <a:pt x="277819" y="2007265"/>
+                  <a:pt x="496065" y="1371196"/>
+                </a:cubicBezTo>
+                <a:cubicBezTo>
+                  <a:pt x="636273" y="966066"/>
+                  <a:pt x="800445" y="573253"/>
+                  <a:pt x="995723" y="196614"/>
+                </a:cubicBezTo>
+                <a:close/>
+              </a:path>
+            </a:pathLst>
+          </a:custGeom>
+        </p:spPr>
+      </p:pic>
+      <p:sp>
+        <p:nvSpPr>
+          <p:cNvPr id="5" name="TextBox 4">
+            <a:extLst>
+              <a:ext uri="{FF2B5EF4-FFF2-40B4-BE49-F238E27FC236}">
+                <a16:creationId xmlns:a16="http://schemas.microsoft.com/office/drawing/2014/main" id="{3982180C-1337-4672-90A8-C56DA1D14D58}"/>
+              </a:ext>
+            </a:extLst>
+          </p:cNvPr>
+          <p:cNvSpPr txBox="1"/>
+          <p:nvPr/>
+        </p:nvSpPr>
+        <p:spPr>
+          <a:xfrm>
+            <a:off x="261973" y="504214"/>
+            <a:ext cx="4787757" cy="738664"/>
+          </a:xfrm>
+          <a:prstGeom prst="rect">
+            <a:avLst/>
+          </a:prstGeom>
+          <a:noFill/>
+        </p:spPr>
+        <p:txBody>
+          <a:bodyPr wrap="square" rtlCol="0">
+            <a:spAutoFit/>
+          </a:bodyPr>
+          <a:lstStyle/>
+          <a:p>
+            <a:pPr>
+              <a:spcAft>
+                <a:spcPts val="600"/>
+              </a:spcAft>
+            </a:pPr>
+            <a:r>
+              <a:rPr lang="en-US" sz="1400" dirty="0"/>
+              <a:t>*Ptolemy II lost lands in Asia Minor to the Seleukids in the Second Syrian War. He also died in 246 BCE and was succeeded by Ptolemy III Euergetes without incident.</a:t>
+            </a:r>
+          </a:p>
+        </p:txBody>
+      </p:sp>
+    </p:spTree>
+    <p:extLst>
+      <p:ext uri="{BB962C8B-B14F-4D97-AF65-F5344CB8AC3E}">
+        <p14:creationId xmlns:p14="http://schemas.microsoft.com/office/powerpoint/2010/main" val="3123724628"/>
+      </p:ext>
+    </p:extLst>
+  </p:cSld>
+  <p:clrMapOvr>
+    <a:masterClrMapping/>
+  </p:clrMapOvr>
+</p:sld>
+</file>
+
+<file path=ppt/slides/slide34.xml><?xml version="1.0" encoding="utf-8"?>
+<p:sld xmlns:a="http://schemas.openxmlformats.org/drawingml/2006/main" xmlns:r="http://schemas.openxmlformats.org/officeDocument/2006/relationships" xmlns:p="http://schemas.openxmlformats.org/presentationml/2006/main">
+  <p:cSld>
+    <p:bg>
+      <p:bgPr>
+        <a:solidFill>
+          <a:schemeClr val="bg1"/>
+        </a:solidFill>
+        <a:effectLst/>
+      </p:bgPr>
+    </p:bg>
+    <p:spTree>
+      <p:nvGrpSpPr>
+        <p:cNvPr id="1" name=""/>
+        <p:cNvGrpSpPr/>
+        <p:nvPr/>
+      </p:nvGrpSpPr>
+      <p:grpSpPr>
+        <a:xfrm>
+          <a:off x="0" y="0"/>
+          <a:ext cx="0" cy="0"/>
+          <a:chOff x="0" y="0"/>
+          <a:chExt cx="0" cy="0"/>
+        </a:xfrm>
+      </p:grpSpPr>
+      <p:sp useBgFill="1">
+        <p:nvSpPr>
+          <p:cNvPr id="77" name="Rectangle 76">
+            <a:extLst>
+              <a:ext uri="{FF2B5EF4-FFF2-40B4-BE49-F238E27FC236}">
+                <a16:creationId xmlns:a16="http://schemas.microsoft.com/office/drawing/2014/main" id="{3AFE8227-C443-417B-BA91-520EB1EF4559}"/>
+              </a:ext>
+              <a:ext uri="{C183D7F6-B498-43B3-948B-1728B52AA6E4}">
+                <adec:decorative xmlns:adec="http://schemas.microsoft.com/office/drawing/2017/decorative" val="1"/>
+              </a:ext>
+            </a:extLst>
+          </p:cNvPr>
+          <p:cNvSpPr>
+            <a:spLocks noGrp="1" noRot="1" noChangeAspect="1" noMove="1" noResize="1" noEditPoints="1" noAdjustHandles="1" noChangeArrowheads="1" noChangeShapeType="1" noTextEdit="1"/>
+          </p:cNvSpPr>
+          <p:nvPr>
+            <p:extLst>
+              <p:ext uri="{386F3935-93C4-4BCD-93E2-E3B085C9AB24}">
+                <p16:designElem xmlns:p16="http://schemas.microsoft.com/office/powerpoint/2015/main" val="1"/>
+              </p:ext>
+            </p:extLst>
+          </p:nvPr>
+        </p:nvSpPr>
+        <p:spPr>
+          <a:xfrm>
+            <a:off x="0" y="2"/>
+            <a:ext cx="12192000" cy="6857997"/>
+          </a:xfrm>
+          <a:prstGeom prst="rect">
+            <a:avLst/>
+          </a:prstGeom>
+          <a:ln>
+            <a:noFill/>
+          </a:ln>
+        </p:spPr>
+        <p:style>
+          <a:lnRef idx="2">
+            <a:schemeClr val="accent1">
+              <a:shade val="50000"/>
+            </a:schemeClr>
+          </a:lnRef>
+          <a:fillRef idx="1">
+            <a:schemeClr val="accent1"/>
+          </a:fillRef>
+          <a:effectRef idx="0">
+            <a:schemeClr val="accent1"/>
+          </a:effectRef>
+          <a:fontRef idx="minor">
+            <a:schemeClr val="lt1"/>
+          </a:fontRef>
+        </p:style>
+        <p:txBody>
+          <a:bodyPr rtlCol="0" anchor="ctr"/>
+          <a:lstStyle/>
+          <a:p>
+            <a:pPr algn="ctr"/>
+            <a:endParaRPr lang="en-US"/>
+          </a:p>
+        </p:txBody>
+      </p:sp>
+      <p:pic>
+        <p:nvPicPr>
+          <p:cNvPr id="3" name="Picture 2">
+            <a:extLst>
+              <a:ext uri="{FF2B5EF4-FFF2-40B4-BE49-F238E27FC236}">
+                <a16:creationId xmlns:a16="http://schemas.microsoft.com/office/drawing/2014/main" id="{DF48942B-53F6-45ED-9B7A-D117C19EB58F}"/>
+              </a:ext>
+            </a:extLst>
+          </p:cNvPr>
+          <p:cNvPicPr>
+            <a:picLocks noChangeAspect="1"/>
+          </p:cNvPicPr>
+          <p:nvPr/>
+        </p:nvPicPr>
+        <p:blipFill rotWithShape="1">
+          <a:blip r:embed="rId3">
+            <a:extLst>
+              <a:ext uri="{28A0092B-C50C-407E-A947-70E740481C1C}">
+                <a14:useLocalDpi xmlns:a14="http://schemas.microsoft.com/office/drawing/2010/main" val="0"/>
+              </a:ext>
+            </a:extLst>
+          </a:blip>
+          <a:srcRect l="6785" r="6787" b="1"/>
+          <a:stretch/>
+        </p:blipFill>
+        <p:spPr>
+          <a:xfrm>
+            <a:off x="20" y="431"/>
+            <a:ext cx="8115280" cy="6408311"/>
+          </a:xfrm>
+          <a:prstGeom prst="rect">
+            <a:avLst/>
+          </a:prstGeom>
+        </p:spPr>
+      </p:pic>
+      <p:sp>
+        <p:nvSpPr>
+          <p:cNvPr id="4" name="TextBox 3">
+            <a:extLst>
+              <a:ext uri="{FF2B5EF4-FFF2-40B4-BE49-F238E27FC236}">
+                <a16:creationId xmlns:a16="http://schemas.microsoft.com/office/drawing/2014/main" id="{03DDB894-502D-4473-8189-C7F7050B360F}"/>
+              </a:ext>
+            </a:extLst>
+          </p:cNvPr>
+          <p:cNvSpPr txBox="1"/>
+          <p:nvPr/>
+        </p:nvSpPr>
+        <p:spPr>
+          <a:xfrm>
+            <a:off x="8682242" y="301932"/>
+            <a:ext cx="2942813" cy="4136504"/>
+          </a:xfrm>
+          <a:prstGeom prst="rect">
+            <a:avLst/>
+          </a:prstGeom>
+        </p:spPr>
+        <p:txBody>
+          <a:bodyPr vert="horz" lIns="91440" tIns="45720" rIns="91440" bIns="45720" rtlCol="0">
+            <a:normAutofit/>
+          </a:bodyPr>
+          <a:lstStyle/>
+          <a:p>
+            <a:pPr defTabSz="914400">
+              <a:lnSpc>
+                <a:spcPct val="90000"/>
+              </a:lnSpc>
+              <a:spcAft>
+                <a:spcPts val="600"/>
+              </a:spcAft>
+            </a:pPr>
+            <a:r>
+              <a:rPr lang="en-US" sz="3200" b="1" dirty="0">
+                <a:latin typeface="+mj-lt"/>
+              </a:rPr>
+              <a:t>237 BCE</a:t>
+            </a:r>
+          </a:p>
+          <a:p>
+            <a:pPr marL="285750" indent="-228600" defTabSz="914400">
+              <a:lnSpc>
+                <a:spcPct val="90000"/>
+              </a:lnSpc>
+              <a:spcAft>
+                <a:spcPts val="600"/>
+              </a:spcAft>
+              <a:buFont typeface="Arial" panose="020B0604020202020204" pitchFamily="34" charset="0"/>
+              <a:buChar char="•"/>
+            </a:pPr>
+            <a:r>
+              <a:rPr lang="en-US" sz="2400" dirty="0"/>
+              <a:t>The </a:t>
+            </a:r>
+            <a:r>
+              <a:rPr lang="en-US" sz="2400" dirty="0" err="1"/>
+              <a:t>Parni</a:t>
+            </a:r>
+            <a:r>
+              <a:rPr lang="en-US" sz="2400" dirty="0"/>
+              <a:t> King Arsaces invades and conquers the Seleukid Satrapy of Parthia.</a:t>
+            </a:r>
+          </a:p>
+          <a:p>
+            <a:pPr marL="285750" indent="-228600" defTabSz="914400">
+              <a:lnSpc>
+                <a:spcPct val="90000"/>
+              </a:lnSpc>
+              <a:spcAft>
+                <a:spcPts val="600"/>
+              </a:spcAft>
+              <a:buFont typeface="Arial" panose="020B0604020202020204" pitchFamily="34" charset="0"/>
+              <a:buChar char="•"/>
+            </a:pPr>
+            <a:r>
+              <a:rPr lang="en-US" sz="2400" dirty="0"/>
+              <a:t>Seleukos II </a:t>
+            </a:r>
+            <a:r>
+              <a:rPr lang="en-US" sz="2400" dirty="0" err="1"/>
+              <a:t>Callinicus</a:t>
+            </a:r>
+            <a:r>
+              <a:rPr lang="en-US" sz="2400" dirty="0"/>
+              <a:t> is taken prisoner.</a:t>
+            </a:r>
+            <a:endParaRPr lang="en-US" sz="2400" b="1" dirty="0"/>
+          </a:p>
+        </p:txBody>
+      </p:sp>
+      <p:sp>
+        <p:nvSpPr>
+          <p:cNvPr id="79" name="Rectangle 78">
+            <a:extLst>
+              <a:ext uri="{FF2B5EF4-FFF2-40B4-BE49-F238E27FC236}">
+                <a16:creationId xmlns:a16="http://schemas.microsoft.com/office/drawing/2014/main" id="{907741FC-B544-4A6E-B831-6789D042333D}"/>
+              </a:ext>
+              <a:ext uri="{C183D7F6-B498-43B3-948B-1728B52AA6E4}">
+                <adec:decorative xmlns:adec="http://schemas.microsoft.com/office/drawing/2017/decorative" val="1"/>
+              </a:ext>
+            </a:extLst>
+          </p:cNvPr>
+          <p:cNvSpPr>
+            <a:spLocks noGrp="1" noRot="1" noChangeAspect="1" noMove="1" noResize="1" noEditPoints="1" noAdjustHandles="1" noChangeArrowheads="1" noChangeShapeType="1" noTextEdit="1"/>
+          </p:cNvSpPr>
+          <p:nvPr>
+            <p:extLst>
+              <p:ext uri="{386F3935-93C4-4BCD-93E2-E3B085C9AB24}">
+                <p16:designElem xmlns:p16="http://schemas.microsoft.com/office/powerpoint/2015/main" val="1"/>
+              </p:ext>
+            </p:extLst>
+          </p:nvPr>
+        </p:nvSpPr>
+        <p:spPr>
+          <a:xfrm flipH="1">
+            <a:off x="-1" y="6408741"/>
+            <a:ext cx="12191998" cy="457202"/>
+          </a:xfrm>
+          <a:prstGeom prst="rect">
+            <a:avLst/>
+          </a:prstGeom>
+          <a:gradFill>
+            <a:gsLst>
+              <a:gs pos="34000">
+                <a:srgbClr val="000000">
+                  <a:alpha val="96000"/>
+                </a:srgbClr>
+              </a:gs>
+              <a:gs pos="100000">
+                <a:schemeClr val="accent1"/>
+              </a:gs>
+            </a:gsLst>
+            <a:lin ang="8400000" scaled="0"/>
+          </a:gradFill>
+          <a:ln>
+            <a:noFill/>
+          </a:ln>
+        </p:spPr>
+        <p:style>
+          <a:lnRef idx="2">
+            <a:schemeClr val="accent1">
+              <a:shade val="50000"/>
+            </a:schemeClr>
+          </a:lnRef>
+          <a:fillRef idx="1">
+            <a:schemeClr val="accent1"/>
+          </a:fillRef>
+          <a:effectRef idx="0">
+            <a:schemeClr val="accent1"/>
+          </a:effectRef>
+          <a:fontRef idx="minor">
+            <a:schemeClr val="lt1"/>
+          </a:fontRef>
+        </p:style>
+        <p:txBody>
+          <a:bodyPr rtlCol="0" anchor="ctr"/>
+          <a:lstStyle/>
+          <a:p>
+            <a:pPr algn="ctr"/>
+            <a:endParaRPr lang="en-US"/>
+          </a:p>
+        </p:txBody>
+      </p:sp>
+      <p:sp>
+        <p:nvSpPr>
+          <p:cNvPr id="81" name="Rectangle 80">
+            <a:extLst>
+              <a:ext uri="{FF2B5EF4-FFF2-40B4-BE49-F238E27FC236}">
+                <a16:creationId xmlns:a16="http://schemas.microsoft.com/office/drawing/2014/main" id="{3F0BE7ED-7814-4273-B18A-F26CC0380380}"/>
+              </a:ext>
+              <a:ext uri="{C183D7F6-B498-43B3-948B-1728B52AA6E4}">
+                <adec:decorative xmlns:adec="http://schemas.microsoft.com/office/drawing/2017/decorative" val="1"/>
+              </a:ext>
+            </a:extLst>
+          </p:cNvPr>
+          <p:cNvSpPr>
+            <a:spLocks noGrp="1" noRot="1" noChangeAspect="1" noMove="1" noResize="1" noEditPoints="1" noAdjustHandles="1" noChangeArrowheads="1" noChangeShapeType="1" noTextEdit="1"/>
+          </p:cNvSpPr>
+          <p:nvPr>
+            <p:extLst>
+              <p:ext uri="{386F3935-93C4-4BCD-93E2-E3B085C9AB24}">
+                <p16:designElem xmlns:p16="http://schemas.microsoft.com/office/powerpoint/2015/main" val="1"/>
+              </p:ext>
+            </p:extLst>
+          </p:nvPr>
+        </p:nvSpPr>
+        <p:spPr>
+          <a:xfrm flipH="1">
+            <a:off x="-4" y="6408742"/>
+            <a:ext cx="8115300" cy="449258"/>
+          </a:xfrm>
+          <a:prstGeom prst="rect">
+            <a:avLst/>
+          </a:prstGeom>
+          <a:gradFill>
+            <a:gsLst>
+              <a:gs pos="28000">
+                <a:schemeClr val="accent1">
+                  <a:lumMod val="75000"/>
+                  <a:alpha val="59000"/>
+                </a:schemeClr>
+              </a:gs>
+              <a:gs pos="100000">
+                <a:srgbClr val="000000">
+                  <a:alpha val="70000"/>
+                </a:srgbClr>
+              </a:gs>
+            </a:gsLst>
+            <a:lin ang="11400000" scaled="0"/>
+          </a:gradFill>
+          <a:ln>
+            <a:noFill/>
+          </a:ln>
+        </p:spPr>
+        <p:style>
+          <a:lnRef idx="2">
+            <a:schemeClr val="accent1">
+              <a:shade val="50000"/>
+            </a:schemeClr>
+          </a:lnRef>
+          <a:fillRef idx="1">
+            <a:schemeClr val="accent1"/>
+          </a:fillRef>
+          <a:effectRef idx="0">
+            <a:schemeClr val="accent1"/>
+          </a:effectRef>
+          <a:fontRef idx="minor">
+            <a:schemeClr val="lt1"/>
+          </a:fontRef>
+        </p:style>
+        <p:txBody>
+          <a:bodyPr rtlCol="0" anchor="ctr"/>
+          <a:lstStyle/>
+          <a:p>
+            <a:pPr algn="ctr"/>
+            <a:endParaRPr lang="en-US"/>
+          </a:p>
+        </p:txBody>
+      </p:sp>
+      <p:sp>
+        <p:nvSpPr>
+          <p:cNvPr id="2" name="TextBox 1">
+            <a:extLst>
+              <a:ext uri="{FF2B5EF4-FFF2-40B4-BE49-F238E27FC236}">
+                <a16:creationId xmlns:a16="http://schemas.microsoft.com/office/drawing/2014/main" id="{B4300520-0834-4B66-8C44-541E4356DA46}"/>
+              </a:ext>
+            </a:extLst>
+          </p:cNvPr>
+          <p:cNvSpPr txBox="1"/>
+          <p:nvPr/>
+        </p:nvSpPr>
+        <p:spPr>
+          <a:xfrm>
+            <a:off x="8486454" y="4457343"/>
+            <a:ext cx="3138601" cy="1600438"/>
+          </a:xfrm>
+          <a:prstGeom prst="rect">
+            <a:avLst/>
+          </a:prstGeom>
+          <a:noFill/>
+        </p:spPr>
+        <p:txBody>
+          <a:bodyPr wrap="square" rtlCol="0">
+            <a:spAutoFit/>
+          </a:bodyPr>
+          <a:lstStyle/>
+          <a:p>
+            <a:r>
+              <a:rPr lang="en-US" sz="1400" dirty="0"/>
+              <a:t>*It also stands to mention that </a:t>
+            </a:r>
+            <a:r>
+              <a:rPr lang="en-US" sz="1400" dirty="0" err="1"/>
+              <a:t>Ptolemaioi</a:t>
+            </a:r>
+            <a:r>
+              <a:rPr lang="en-US" sz="1400" dirty="0"/>
+              <a:t> made gains against the Seleukids in the Third Syrian War, retaining </a:t>
+            </a:r>
+            <a:r>
+              <a:rPr lang="en-US" sz="1400" dirty="0" err="1"/>
+              <a:t>Ephesos</a:t>
+            </a:r>
+            <a:r>
+              <a:rPr lang="en-US" sz="1400" dirty="0"/>
+              <a:t> and </a:t>
+            </a:r>
+            <a:r>
+              <a:rPr lang="en-US" sz="1400" dirty="0" err="1"/>
+              <a:t>Seleukeia</a:t>
+            </a:r>
+            <a:r>
+              <a:rPr lang="en-US" sz="1400" dirty="0"/>
+              <a:t> Pieria near </a:t>
+            </a:r>
+            <a:r>
+              <a:rPr lang="en-US" sz="1400" dirty="0" err="1"/>
+              <a:t>Antiocheia</a:t>
+            </a:r>
+            <a:r>
+              <a:rPr lang="en-US" sz="1400" dirty="0"/>
+              <a:t>. This will ultimately be the main cause of the Fourth Syrian War in 219 BCE.</a:t>
+            </a:r>
+          </a:p>
+        </p:txBody>
+      </p:sp>
+    </p:spTree>
+    <p:extLst>
+      <p:ext uri="{BB962C8B-B14F-4D97-AF65-F5344CB8AC3E}">
+        <p14:creationId xmlns:p14="http://schemas.microsoft.com/office/powerpoint/2010/main" val="370924517"/>
+      </p:ext>
+    </p:extLst>
+  </p:cSld>
+  <p:clrMapOvr>
+    <a:masterClrMapping/>
+  </p:clrMapOvr>
+</p:sld>
+</file>
+
+<file path=ppt/slides/slide35.xml><?xml version="1.0" encoding="utf-8"?>
+<p:sld xmlns:a="http://schemas.openxmlformats.org/drawingml/2006/main" xmlns:r="http://schemas.openxmlformats.org/officeDocument/2006/relationships" xmlns:p="http://schemas.openxmlformats.org/presentationml/2006/main">
+  <p:cSld>
+    <p:bg>
+      <p:bgPr>
+        <a:solidFill>
+          <a:schemeClr val="bg1"/>
+        </a:solidFill>
+        <a:effectLst/>
+      </p:bgPr>
+    </p:bg>
+    <p:spTree>
+      <p:nvGrpSpPr>
+        <p:cNvPr id="1" name=""/>
+        <p:cNvGrpSpPr/>
+        <p:nvPr/>
+      </p:nvGrpSpPr>
+      <p:grpSpPr>
+        <a:xfrm>
+          <a:off x="0" y="0"/>
+          <a:ext cx="0" cy="0"/>
+          <a:chOff x="0" y="0"/>
+          <a:chExt cx="0" cy="0"/>
+        </a:xfrm>
+      </p:grpSpPr>
+      <p:sp useBgFill="1">
+        <p:nvSpPr>
+          <p:cNvPr id="86" name="Rectangle 85">
+            <a:extLst>
+              <a:ext uri="{FF2B5EF4-FFF2-40B4-BE49-F238E27FC236}">
+                <a16:creationId xmlns:a16="http://schemas.microsoft.com/office/drawing/2014/main" id="{F13C74B1-5B17-4795-BED0-7140497B445A}"/>
+              </a:ext>
+              <a:ext uri="{C183D7F6-B498-43B3-948B-1728B52AA6E4}">
+                <adec:decorative xmlns:adec="http://schemas.microsoft.com/office/drawing/2017/decorative" val="1"/>
+              </a:ext>
+            </a:extLst>
+          </p:cNvPr>
+          <p:cNvSpPr>
+            <a:spLocks noGrp="1" noRot="1" noChangeAspect="1" noMove="1" noResize="1" noEditPoints="1" noAdjustHandles="1" noChangeArrowheads="1" noChangeShapeType="1" noTextEdit="1"/>
+          </p:cNvSpPr>
+          <p:nvPr>
+            <p:extLst>
+              <p:ext uri="{386F3935-93C4-4BCD-93E2-E3B085C9AB24}">
+                <p16:designElem xmlns:p16="http://schemas.microsoft.com/office/powerpoint/2015/main" val="1"/>
+              </p:ext>
+            </p:extLst>
+          </p:nvPr>
+        </p:nvSpPr>
+        <p:spPr>
+          <a:xfrm>
+            <a:off x="0" y="0"/>
+            <a:ext cx="12188952" cy="6858000"/>
+          </a:xfrm>
+          <a:prstGeom prst="rect">
+            <a:avLst/>
+          </a:prstGeom>
+          <a:ln>
+            <a:noFill/>
+          </a:ln>
+        </p:spPr>
+        <p:style>
+          <a:lnRef idx="2">
+            <a:schemeClr val="accent1">
+              <a:shade val="50000"/>
+            </a:schemeClr>
+          </a:lnRef>
+          <a:fillRef idx="1">
+            <a:schemeClr val="accent1"/>
+          </a:fillRef>
+          <a:effectRef idx="0">
+            <a:schemeClr val="accent1"/>
+          </a:effectRef>
+          <a:fontRef idx="minor">
+            <a:schemeClr val="lt1"/>
+          </a:fontRef>
+        </p:style>
+        <p:txBody>
+          <a:bodyPr rtlCol="0" anchor="ctr"/>
+          <a:lstStyle/>
+          <a:p>
+            <a:pPr algn="ctr"/>
+            <a:endParaRPr lang="en-US"/>
+          </a:p>
+        </p:txBody>
+      </p:sp>
+      <p:sp>
+        <p:nvSpPr>
+          <p:cNvPr id="91" name="sketchy line">
+            <a:extLst>
+              <a:ext uri="{FF2B5EF4-FFF2-40B4-BE49-F238E27FC236}">
+                <a16:creationId xmlns:a16="http://schemas.microsoft.com/office/drawing/2014/main" id="{D4974D33-8DC5-464E-8C6D-BE58F0669C17}"/>
+              </a:ext>
+              <a:ext uri="{C183D7F6-B498-43B3-948B-1728B52AA6E4}">
+                <adec:decorative xmlns:adec="http://schemas.microsoft.com/office/drawing/2017/decorative" val="1"/>
+              </a:ext>
+            </a:extLst>
+          </p:cNvPr>
+          <p:cNvSpPr>
+            <a:spLocks noGrp="1" noRot="1" noChangeAspect="1" noMove="1" noResize="1" noEditPoints="1" noAdjustHandles="1" noChangeArrowheads="1" noChangeShapeType="1" noTextEdit="1"/>
+          </p:cNvSpPr>
+          <p:nvPr>
+            <p:extLst>
+              <p:ext uri="{386F3935-93C4-4BCD-93E2-E3B085C9AB24}">
+                <p16:designElem xmlns:p16="http://schemas.microsoft.com/office/powerpoint/2015/main" val="1"/>
+              </p:ext>
+            </p:extLst>
+          </p:nvPr>
+        </p:nvSpPr>
+        <p:spPr>
+          <a:xfrm>
+            <a:off x="640080" y="2586994"/>
+            <a:ext cx="3474720" cy="18288"/>
+          </a:xfrm>
+          <a:custGeom>
+            <a:avLst/>
+            <a:gdLst>
+              <a:gd name="connsiteX0" fmla="*/ 0 w 3474720"/>
+              <a:gd name="connsiteY0" fmla="*/ 0 h 18288"/>
+              <a:gd name="connsiteX1" fmla="*/ 694944 w 3474720"/>
+              <a:gd name="connsiteY1" fmla="*/ 0 h 18288"/>
+              <a:gd name="connsiteX2" fmla="*/ 1355141 w 3474720"/>
+              <a:gd name="connsiteY2" fmla="*/ 0 h 18288"/>
+              <a:gd name="connsiteX3" fmla="*/ 2015338 w 3474720"/>
+              <a:gd name="connsiteY3" fmla="*/ 0 h 18288"/>
+              <a:gd name="connsiteX4" fmla="*/ 2779776 w 3474720"/>
+              <a:gd name="connsiteY4" fmla="*/ 0 h 18288"/>
+              <a:gd name="connsiteX5" fmla="*/ 3474720 w 3474720"/>
+              <a:gd name="connsiteY5" fmla="*/ 0 h 18288"/>
+              <a:gd name="connsiteX6" fmla="*/ 3474720 w 3474720"/>
+              <a:gd name="connsiteY6" fmla="*/ 18288 h 18288"/>
+              <a:gd name="connsiteX7" fmla="*/ 2779776 w 3474720"/>
+              <a:gd name="connsiteY7" fmla="*/ 18288 h 18288"/>
+              <a:gd name="connsiteX8" fmla="*/ 2189074 w 3474720"/>
+              <a:gd name="connsiteY8" fmla="*/ 18288 h 18288"/>
+              <a:gd name="connsiteX9" fmla="*/ 1528877 w 3474720"/>
+              <a:gd name="connsiteY9" fmla="*/ 18288 h 18288"/>
+              <a:gd name="connsiteX10" fmla="*/ 868680 w 3474720"/>
+              <a:gd name="connsiteY10" fmla="*/ 18288 h 18288"/>
+              <a:gd name="connsiteX11" fmla="*/ 0 w 3474720"/>
+              <a:gd name="connsiteY11" fmla="*/ 18288 h 18288"/>
+              <a:gd name="connsiteX12" fmla="*/ 0 w 3474720"/>
+              <a:gd name="connsiteY12" fmla="*/ 0 h 18288"/>
+            </a:gdLst>
+            <a:ahLst/>
+            <a:cxnLst>
+              <a:cxn ang="0">
+                <a:pos x="connsiteX0" y="connsiteY0"/>
+              </a:cxn>
+              <a:cxn ang="0">
+                <a:pos x="connsiteX1" y="connsiteY1"/>
+              </a:cxn>
+              <a:cxn ang="0">
+                <a:pos x="connsiteX2" y="connsiteY2"/>
+              </a:cxn>
+              <a:cxn ang="0">
+                <a:pos x="connsiteX3" y="connsiteY3"/>
+              </a:cxn>
+              <a:cxn ang="0">
+                <a:pos x="connsiteX4" y="connsiteY4"/>
+              </a:cxn>
+              <a:cxn ang="0">
+                <a:pos x="connsiteX5" y="connsiteY5"/>
+              </a:cxn>
+              <a:cxn ang="0">
+                <a:pos x="connsiteX6" y="connsiteY6"/>
+              </a:cxn>
+              <a:cxn ang="0">
+                <a:pos x="connsiteX7" y="connsiteY7"/>
+              </a:cxn>
+              <a:cxn ang="0">
+                <a:pos x="connsiteX8" y="connsiteY8"/>
+              </a:cxn>
+              <a:cxn ang="0">
+                <a:pos x="connsiteX9" y="connsiteY9"/>
+              </a:cxn>
+              <a:cxn ang="0">
+                <a:pos x="connsiteX10" y="connsiteY10"/>
+              </a:cxn>
+              <a:cxn ang="0">
+                <a:pos x="connsiteX11" y="connsiteY11"/>
+              </a:cxn>
+              <a:cxn ang="0">
+                <a:pos x="connsiteX12" y="connsiteY12"/>
+              </a:cxn>
+            </a:cxnLst>
+            <a:rect l="l" t="t" r="r" b="b"/>
+            <a:pathLst>
+              <a:path w="3474720" h="18288" fill="none" extrusionOk="0">
+                <a:moveTo>
+                  <a:pt x="0" y="0"/>
+                </a:moveTo>
+                <a:cubicBezTo>
+                  <a:pt x="224454" y="-14544"/>
+                  <a:pt x="495407" y="26540"/>
+                  <a:pt x="694944" y="0"/>
+                </a:cubicBezTo>
+                <a:cubicBezTo>
+                  <a:pt x="894481" y="-26540"/>
+                  <a:pt x="1130063" y="24713"/>
+                  <a:pt x="1355141" y="0"/>
+                </a:cubicBezTo>
+                <a:cubicBezTo>
+                  <a:pt x="1580219" y="-24713"/>
+                  <a:pt x="1820099" y="26695"/>
+                  <a:pt x="2015338" y="0"/>
+                </a:cubicBezTo>
+                <a:cubicBezTo>
+                  <a:pt x="2210577" y="-26695"/>
+                  <a:pt x="2402045" y="165"/>
+                  <a:pt x="2779776" y="0"/>
+                </a:cubicBezTo>
+                <a:cubicBezTo>
+                  <a:pt x="3157507" y="-165"/>
+                  <a:pt x="3286859" y="-15571"/>
+                  <a:pt x="3474720" y="0"/>
+                </a:cubicBezTo>
+                <a:cubicBezTo>
+                  <a:pt x="3474286" y="7551"/>
+                  <a:pt x="3474253" y="9822"/>
+                  <a:pt x="3474720" y="18288"/>
+                </a:cubicBezTo>
+                <a:cubicBezTo>
+                  <a:pt x="3233904" y="29845"/>
+                  <a:pt x="2945134" y="-5256"/>
+                  <a:pt x="2779776" y="18288"/>
+                </a:cubicBezTo>
+                <a:cubicBezTo>
+                  <a:pt x="2614418" y="41832"/>
+                  <a:pt x="2339768" y="22709"/>
+                  <a:pt x="2189074" y="18288"/>
+                </a:cubicBezTo>
+                <a:cubicBezTo>
+                  <a:pt x="2038380" y="13867"/>
+                  <a:pt x="1817434" y="-4947"/>
+                  <a:pt x="1528877" y="18288"/>
+                </a:cubicBezTo>
+                <a:cubicBezTo>
+                  <a:pt x="1240320" y="41523"/>
+                  <a:pt x="1042447" y="37198"/>
+                  <a:pt x="868680" y="18288"/>
+                </a:cubicBezTo>
+                <a:cubicBezTo>
+                  <a:pt x="694913" y="-622"/>
+                  <a:pt x="233232" y="44909"/>
+                  <a:pt x="0" y="18288"/>
+                </a:cubicBezTo>
+                <a:cubicBezTo>
+                  <a:pt x="60" y="11696"/>
+                  <a:pt x="66" y="3758"/>
+                  <a:pt x="0" y="0"/>
+                </a:cubicBezTo>
+                <a:close/>
+              </a:path>
+              <a:path w="3474720" h="18288" stroke="0" extrusionOk="0">
+                <a:moveTo>
+                  <a:pt x="0" y="0"/>
+                </a:moveTo>
+                <a:cubicBezTo>
+                  <a:pt x="202328" y="-14716"/>
+                  <a:pt x="332722" y="-11499"/>
+                  <a:pt x="625450" y="0"/>
+                </a:cubicBezTo>
+                <a:cubicBezTo>
+                  <a:pt x="918178" y="11499"/>
+                  <a:pt x="1096688" y="5123"/>
+                  <a:pt x="1389888" y="0"/>
+                </a:cubicBezTo>
+                <a:cubicBezTo>
+                  <a:pt x="1683088" y="-5123"/>
+                  <a:pt x="1835981" y="-14038"/>
+                  <a:pt x="1980590" y="0"/>
+                </a:cubicBezTo>
+                <a:cubicBezTo>
+                  <a:pt x="2125199" y="14038"/>
+                  <a:pt x="2396099" y="-7203"/>
+                  <a:pt x="2571293" y="0"/>
+                </a:cubicBezTo>
+                <a:cubicBezTo>
+                  <a:pt x="2746487" y="7203"/>
+                  <a:pt x="3041609" y="-12036"/>
+                  <a:pt x="3474720" y="0"/>
+                </a:cubicBezTo>
+                <a:cubicBezTo>
+                  <a:pt x="3474638" y="4406"/>
+                  <a:pt x="3474631" y="9982"/>
+                  <a:pt x="3474720" y="18288"/>
+                </a:cubicBezTo>
+                <a:cubicBezTo>
+                  <a:pt x="3324873" y="21876"/>
+                  <a:pt x="3136771" y="12587"/>
+                  <a:pt x="2814523" y="18288"/>
+                </a:cubicBezTo>
+                <a:cubicBezTo>
+                  <a:pt x="2492275" y="23989"/>
+                  <a:pt x="2294402" y="47111"/>
+                  <a:pt x="2154326" y="18288"/>
+                </a:cubicBezTo>
+                <a:cubicBezTo>
+                  <a:pt x="2014250" y="-10535"/>
+                  <a:pt x="1820317" y="33903"/>
+                  <a:pt x="1494130" y="18288"/>
+                </a:cubicBezTo>
+                <a:cubicBezTo>
+                  <a:pt x="1167943" y="2673"/>
+                  <a:pt x="948432" y="14868"/>
+                  <a:pt x="729691" y="18288"/>
+                </a:cubicBezTo>
+                <a:cubicBezTo>
+                  <a:pt x="510950" y="21708"/>
+                  <a:pt x="264032" y="24354"/>
+                  <a:pt x="0" y="18288"/>
+                </a:cubicBezTo>
+                <a:cubicBezTo>
+                  <a:pt x="189" y="14288"/>
+                  <a:pt x="-703" y="3747"/>
+                  <a:pt x="0" y="0"/>
+                </a:cubicBezTo>
+                <a:close/>
+              </a:path>
+            </a:pathLst>
+          </a:custGeom>
+          <a:solidFill>
+            <a:schemeClr val="accent2"/>
+          </a:solidFill>
+          <a:ln w="44450" cap="rnd">
+            <a:solidFill>
+              <a:schemeClr val="accent2"/>
+            </a:solidFill>
+            <a:round/>
+            <a:extLst>
+              <a:ext uri="{C807C97D-BFC1-408E-A445-0C87EB9F89A2}">
+                <ask:lineSketchStyleProps xmlns:ask="http://schemas.microsoft.com/office/drawing/2018/sketchyshapes" sd="2863741219">
+                  <a:prstGeom prst="rect">
+                    <a:avLst/>
+                  </a:prstGeom>
+                  <ask:type>
+                    <ask:lineSketchFreehand/>
+                  </ask:type>
+                </ask:lineSketchStyleProps>
+              </a:ext>
+            </a:extLst>
+          </a:ln>
+        </p:spPr>
+        <p:style>
+          <a:lnRef idx="2">
+            <a:schemeClr val="accent1">
+              <a:shade val="50000"/>
+            </a:schemeClr>
+          </a:lnRef>
+          <a:fillRef idx="1">
+            <a:schemeClr val="accent1"/>
+          </a:fillRef>
+          <a:effectRef idx="0">
+            <a:schemeClr val="accent1"/>
+          </a:effectRef>
+          <a:fontRef idx="minor">
+            <a:schemeClr val="lt1"/>
+          </a:fontRef>
+        </p:style>
+        <p:txBody>
+          <a:bodyPr rtlCol="0" anchor="ctr"/>
+          <a:lstStyle/>
+          <a:p>
+            <a:pPr algn="ctr"/>
+            <a:endParaRPr lang="en-US"/>
+          </a:p>
+        </p:txBody>
+      </p:sp>
+      <p:sp>
+        <p:nvSpPr>
+          <p:cNvPr id="4" name="TextBox 3">
+            <a:extLst>
+              <a:ext uri="{FF2B5EF4-FFF2-40B4-BE49-F238E27FC236}">
+                <a16:creationId xmlns:a16="http://schemas.microsoft.com/office/drawing/2014/main" id="{03DDB894-502D-4473-8189-C7F7050B360F}"/>
+              </a:ext>
+            </a:extLst>
+          </p:cNvPr>
+          <p:cNvSpPr txBox="1"/>
+          <p:nvPr/>
+        </p:nvSpPr>
+        <p:spPr>
+          <a:xfrm>
+            <a:off x="640080" y="2872899"/>
+            <a:ext cx="4243589" cy="3320668"/>
+          </a:xfrm>
+          <a:prstGeom prst="rect">
+            <a:avLst/>
+          </a:prstGeom>
+        </p:spPr>
+        <p:txBody>
+          <a:bodyPr vert="horz" lIns="91440" tIns="45720" rIns="91440" bIns="45720" rtlCol="0">
+            <a:normAutofit fontScale="92500" lnSpcReduction="10000"/>
+          </a:bodyPr>
+          <a:lstStyle/>
+          <a:p>
+            <a:pPr defTabSz="914400">
+              <a:lnSpc>
+                <a:spcPct val="90000"/>
+              </a:lnSpc>
+              <a:spcAft>
+                <a:spcPts val="600"/>
+              </a:spcAft>
+            </a:pPr>
+            <a:r>
+              <a:rPr lang="en-US" sz="3000" b="1" dirty="0">
+                <a:latin typeface="+mj-lt"/>
+              </a:rPr>
+              <a:t>232 BCE</a:t>
+            </a:r>
+          </a:p>
+          <a:p>
+            <a:pPr marL="285750" indent="-228600" defTabSz="914400">
+              <a:lnSpc>
+                <a:spcPct val="90000"/>
+              </a:lnSpc>
+              <a:spcAft>
+                <a:spcPts val="600"/>
+              </a:spcAft>
+              <a:buFont typeface="Arial" panose="020B0604020202020204" pitchFamily="34" charset="0"/>
+              <a:buChar char="•"/>
+            </a:pPr>
+            <a:r>
+              <a:rPr lang="en-US" sz="2400" b="1" dirty="0"/>
+              <a:t>Ashoka the Great is ambushed by Hindu fanatics and drowned in the Ganges River.</a:t>
+            </a:r>
+          </a:p>
+          <a:p>
+            <a:pPr marL="285750" indent="-228600" defTabSz="914400">
+              <a:lnSpc>
+                <a:spcPct val="90000"/>
+              </a:lnSpc>
+              <a:spcAft>
+                <a:spcPts val="600"/>
+              </a:spcAft>
+              <a:buFont typeface="Arial" panose="020B0604020202020204" pitchFamily="34" charset="0"/>
+              <a:buChar char="•"/>
+            </a:pPr>
+            <a:r>
+              <a:rPr lang="en-US" sz="2400" b="1" dirty="0"/>
+              <a:t>The empire falls into chaos as several kings in central and southern India and all the Hellenic satraps in Sindhia declare independence. His son and heir Dasharatha struggles to restore order.</a:t>
+            </a:r>
+          </a:p>
+        </p:txBody>
+      </p:sp>
+      <p:pic>
+        <p:nvPicPr>
+          <p:cNvPr id="3" name="Picture 2">
+            <a:extLst>
+              <a:ext uri="{FF2B5EF4-FFF2-40B4-BE49-F238E27FC236}">
+                <a16:creationId xmlns:a16="http://schemas.microsoft.com/office/drawing/2014/main" id="{DF48942B-53F6-45ED-9B7A-D117C19EB58F}"/>
+              </a:ext>
+            </a:extLst>
+          </p:cNvPr>
+          <p:cNvPicPr>
+            <a:picLocks noChangeAspect="1"/>
+          </p:cNvPicPr>
+          <p:nvPr/>
+        </p:nvPicPr>
+        <p:blipFill rotWithShape="1">
+          <a:blip r:embed="rId3">
+            <a:extLst>
+              <a:ext uri="{28A0092B-C50C-407E-A947-70E740481C1C}">
+                <a14:useLocalDpi xmlns:a14="http://schemas.microsoft.com/office/drawing/2010/main" val="0"/>
+              </a:ext>
+            </a:extLst>
+          </a:blip>
+          <a:srcRect r="11232" b="1"/>
+          <a:stretch/>
+        </p:blipFill>
+        <p:spPr>
+          <a:xfrm>
+            <a:off x="5311702" y="10"/>
+            <a:ext cx="6878775" cy="6857990"/>
+          </a:xfrm>
+          <a:custGeom>
+            <a:avLst/>
+            <a:gdLst/>
+            <a:ahLst/>
+            <a:cxnLst/>
+            <a:rect l="l" t="t" r="r" b="b"/>
+            <a:pathLst>
+              <a:path w="6878775" h="6858000">
+                <a:moveTo>
+                  <a:pt x="1102973" y="0"/>
+                </a:moveTo>
+                <a:lnTo>
+                  <a:pt x="1160688" y="0"/>
+                </a:lnTo>
+                <a:lnTo>
+                  <a:pt x="983189" y="331786"/>
+                </a:lnTo>
+                <a:cubicBezTo>
+                  <a:pt x="914866" y="469145"/>
+                  <a:pt x="850355" y="608712"/>
+                  <a:pt x="789261" y="750263"/>
+                </a:cubicBezTo>
+                <a:cubicBezTo>
+                  <a:pt x="774307" y="784928"/>
+                  <a:pt x="759992" y="819849"/>
+                  <a:pt x="745295" y="854514"/>
+                </a:cubicBezTo>
+                <a:cubicBezTo>
+                  <a:pt x="756682" y="845393"/>
+                  <a:pt x="765489" y="833492"/>
+                  <a:pt x="770857" y="819975"/>
+                </a:cubicBezTo>
+                <a:cubicBezTo>
+                  <a:pt x="879943" y="589569"/>
+                  <a:pt x="999605" y="365513"/>
+                  <a:pt x="1131329" y="148742"/>
+                </a:cubicBezTo>
+                <a:lnTo>
+                  <a:pt x="1227589" y="0"/>
+                </a:lnTo>
+                <a:lnTo>
+                  <a:pt x="6878775" y="0"/>
+                </a:lnTo>
+                <a:lnTo>
+                  <a:pt x="6878775" y="6858000"/>
+                </a:lnTo>
+                <a:lnTo>
+                  <a:pt x="713521" y="6858000"/>
+                </a:lnTo>
+                <a:lnTo>
+                  <a:pt x="625642" y="6670527"/>
+                </a:lnTo>
+                <a:cubicBezTo>
+                  <a:pt x="507232" y="6398531"/>
+                  <a:pt x="403083" y="6118381"/>
+                  <a:pt x="312785" y="5830359"/>
+                </a:cubicBezTo>
+                <a:cubicBezTo>
+                  <a:pt x="278149" y="5719759"/>
+                  <a:pt x="248879" y="5607635"/>
+                  <a:pt x="212198" y="5480401"/>
+                </a:cubicBezTo>
+                <a:cubicBezTo>
+                  <a:pt x="212208" y="5491601"/>
+                  <a:pt x="212803" y="5502788"/>
+                  <a:pt x="213988" y="5513923"/>
+                </a:cubicBezTo>
+                <a:cubicBezTo>
+                  <a:pt x="264089" y="5723695"/>
+                  <a:pt x="307290" y="5935370"/>
+                  <a:pt x="365826" y="6142729"/>
+                </a:cubicBezTo>
+                <a:cubicBezTo>
+                  <a:pt x="433152" y="6380817"/>
+                  <a:pt x="510068" y="6614016"/>
+                  <a:pt x="597975" y="6841549"/>
+                </a:cubicBezTo>
+                <a:lnTo>
+                  <a:pt x="604824" y="6858000"/>
+                </a:lnTo>
+                <a:lnTo>
+                  <a:pt x="552056" y="6858000"/>
+                </a:lnTo>
+                <a:lnTo>
+                  <a:pt x="539576" y="6828295"/>
+                </a:lnTo>
+                <a:cubicBezTo>
+                  <a:pt x="380597" y="6414594"/>
+                  <a:pt x="260223" y="5988893"/>
+                  <a:pt x="171555" y="5552906"/>
+                </a:cubicBezTo>
+                <a:cubicBezTo>
+                  <a:pt x="91163" y="5157998"/>
+                  <a:pt x="43746" y="4758899"/>
+                  <a:pt x="12305" y="4357388"/>
+                </a:cubicBezTo>
+                <a:cubicBezTo>
+                  <a:pt x="-14281" y="4013908"/>
+                  <a:pt x="4507" y="3672965"/>
+                  <a:pt x="46684" y="3331516"/>
+                </a:cubicBezTo>
+                <a:cubicBezTo>
+                  <a:pt x="127203" y="2664286"/>
+                  <a:pt x="277819" y="2007265"/>
+                  <a:pt x="496065" y="1371196"/>
+                </a:cubicBezTo>
+                <a:cubicBezTo>
+                  <a:pt x="636273" y="966066"/>
+                  <a:pt x="800445" y="573253"/>
+                  <a:pt x="995723" y="196614"/>
+                </a:cubicBezTo>
+                <a:close/>
+              </a:path>
+            </a:pathLst>
+          </a:custGeom>
+        </p:spPr>
+      </p:pic>
+    </p:spTree>
+    <p:extLst>
+      <p:ext uri="{BB962C8B-B14F-4D97-AF65-F5344CB8AC3E}">
+        <p14:creationId xmlns:p14="http://schemas.microsoft.com/office/powerpoint/2010/main" val="2404304302"/>
       </p:ext>
     </p:extLst>
   </p:cSld>

--- a/Map Timeline.pptx
+++ b/Map Timeline.pptx
@@ -5,7 +5,7 @@
     <p:sldMasterId id="2147483660" r:id="rId1"/>
   </p:sldMasterIdLst>
   <p:notesMasterIdLst>
-    <p:notesMasterId r:id="rId37"/>
+    <p:notesMasterId r:id="rId42"/>
   </p:notesMasterIdLst>
   <p:sldIdLst>
     <p:sldId id="270" r:id="rId2"/>
@@ -41,8 +41,13 @@
     <p:sldId id="290" r:id="rId32"/>
     <p:sldId id="291" r:id="rId33"/>
     <p:sldId id="292" r:id="rId34"/>
-    <p:sldId id="293" r:id="rId35"/>
-    <p:sldId id="294" r:id="rId36"/>
+    <p:sldId id="298" r:id="rId35"/>
+    <p:sldId id="293" r:id="rId36"/>
+    <p:sldId id="294" r:id="rId37"/>
+    <p:sldId id="295" r:id="rId38"/>
+    <p:sldId id="296" r:id="rId39"/>
+    <p:sldId id="297" r:id="rId40"/>
+    <p:sldId id="299" r:id="rId41"/>
   </p:sldIdLst>
   <p:sldSz cx="12192000" cy="6858000"/>
   <p:notesSz cx="6858000" cy="9144000"/>
@@ -2903,7 +2908,7 @@
           <a:p>
             <a:fld id="{BEFD42AF-006F-46D7-B59B-3B047E7F57DC}" type="datetimeFigureOut">
               <a:rPr lang="en-US" smtClean="0"/>
-              <a:t>20-Aug-21</a:t>
+              <a:t>22-Aug-21</a:t>
             </a:fld>
             <a:endParaRPr lang="en-US"/>
           </a:p>
@@ -3412,7 +3417,7 @@
     </p:spTree>
     <p:extLst>
       <p:ext uri="{BB962C8B-B14F-4D97-AF65-F5344CB8AC3E}">
-        <p14:creationId xmlns:p14="http://schemas.microsoft.com/office/powerpoint/2010/main" val="3557929197"/>
+        <p14:creationId xmlns:p14="http://schemas.microsoft.com/office/powerpoint/2010/main" val="2953630258"/>
       </p:ext>
     </p:extLst>
   </p:cSld>
@@ -3496,7 +3501,427 @@
     </p:spTree>
     <p:extLst>
       <p:ext uri="{BB962C8B-B14F-4D97-AF65-F5344CB8AC3E}">
+        <p14:creationId xmlns:p14="http://schemas.microsoft.com/office/powerpoint/2010/main" val="3557929197"/>
+      </p:ext>
+    </p:extLst>
+  </p:cSld>
+  <p:clrMapOvr>
+    <a:masterClrMapping/>
+  </p:clrMapOvr>
+</p:notes>
+</file>
+
+<file path=ppt/notesSlides/notesSlide5.xml><?xml version="1.0" encoding="utf-8"?>
+<p:notes xmlns:a="http://schemas.openxmlformats.org/drawingml/2006/main" xmlns:r="http://schemas.openxmlformats.org/officeDocument/2006/relationships" xmlns:p="http://schemas.openxmlformats.org/presentationml/2006/main">
+  <p:cSld>
+    <p:spTree>
+      <p:nvGrpSpPr>
+        <p:cNvPr id="1" name=""/>
+        <p:cNvGrpSpPr/>
+        <p:nvPr/>
+      </p:nvGrpSpPr>
+      <p:grpSpPr>
+        <a:xfrm>
+          <a:off x="0" y="0"/>
+          <a:ext cx="0" cy="0"/>
+          <a:chOff x="0" y="0"/>
+          <a:chExt cx="0" cy="0"/>
+        </a:xfrm>
+      </p:grpSpPr>
+      <p:sp>
+        <p:nvSpPr>
+          <p:cNvPr id="2" name="Slide Image Placeholder 1"/>
+          <p:cNvSpPr>
+            <a:spLocks noGrp="1" noRot="1" noChangeAspect="1"/>
+          </p:cNvSpPr>
+          <p:nvPr>
+            <p:ph type="sldImg"/>
+          </p:nvPr>
+        </p:nvSpPr>
+        <p:spPr/>
+      </p:sp>
+      <p:sp>
+        <p:nvSpPr>
+          <p:cNvPr id="3" name="Notes Placeholder 2"/>
+          <p:cNvSpPr>
+            <a:spLocks noGrp="1"/>
+          </p:cNvSpPr>
+          <p:nvPr>
+            <p:ph type="body" idx="1"/>
+          </p:nvPr>
+        </p:nvSpPr>
+        <p:spPr/>
+        <p:txBody>
+          <a:bodyPr/>
+          <a:lstStyle/>
+          <a:p>
+            <a:endParaRPr lang="en-US" dirty="0"/>
+          </a:p>
+        </p:txBody>
+      </p:sp>
+      <p:sp>
+        <p:nvSpPr>
+          <p:cNvPr id="4" name="Slide Number Placeholder 3"/>
+          <p:cNvSpPr>
+            <a:spLocks noGrp="1"/>
+          </p:cNvSpPr>
+          <p:nvPr>
+            <p:ph type="sldNum" sz="quarter" idx="5"/>
+          </p:nvPr>
+        </p:nvSpPr>
+        <p:spPr/>
+        <p:txBody>
+          <a:bodyPr/>
+          <a:lstStyle/>
+          <a:p>
+            <a:fld id="{F687679A-9FB6-43B6-864A-7FDC6149F2D5}" type="slidenum">
+              <a:rPr lang="en-US" smtClean="0"/>
+              <a:t>36</a:t>
+            </a:fld>
+            <a:endParaRPr lang="en-US"/>
+          </a:p>
+        </p:txBody>
+      </p:sp>
+    </p:spTree>
+    <p:extLst>
+      <p:ext uri="{BB962C8B-B14F-4D97-AF65-F5344CB8AC3E}">
         <p14:creationId xmlns:p14="http://schemas.microsoft.com/office/powerpoint/2010/main" val="3847934212"/>
+      </p:ext>
+    </p:extLst>
+  </p:cSld>
+  <p:clrMapOvr>
+    <a:masterClrMapping/>
+  </p:clrMapOvr>
+</p:notes>
+</file>
+
+<file path=ppt/notesSlides/notesSlide6.xml><?xml version="1.0" encoding="utf-8"?>
+<p:notes xmlns:a="http://schemas.openxmlformats.org/drawingml/2006/main" xmlns:r="http://schemas.openxmlformats.org/officeDocument/2006/relationships" xmlns:p="http://schemas.openxmlformats.org/presentationml/2006/main">
+  <p:cSld>
+    <p:spTree>
+      <p:nvGrpSpPr>
+        <p:cNvPr id="1" name=""/>
+        <p:cNvGrpSpPr/>
+        <p:nvPr/>
+      </p:nvGrpSpPr>
+      <p:grpSpPr>
+        <a:xfrm>
+          <a:off x="0" y="0"/>
+          <a:ext cx="0" cy="0"/>
+          <a:chOff x="0" y="0"/>
+          <a:chExt cx="0" cy="0"/>
+        </a:xfrm>
+      </p:grpSpPr>
+      <p:sp>
+        <p:nvSpPr>
+          <p:cNvPr id="2" name="Slide Image Placeholder 1"/>
+          <p:cNvSpPr>
+            <a:spLocks noGrp="1" noRot="1" noChangeAspect="1"/>
+          </p:cNvSpPr>
+          <p:nvPr>
+            <p:ph type="sldImg"/>
+          </p:nvPr>
+        </p:nvSpPr>
+        <p:spPr/>
+      </p:sp>
+      <p:sp>
+        <p:nvSpPr>
+          <p:cNvPr id="3" name="Notes Placeholder 2"/>
+          <p:cNvSpPr>
+            <a:spLocks noGrp="1"/>
+          </p:cNvSpPr>
+          <p:nvPr>
+            <p:ph type="body" idx="1"/>
+          </p:nvPr>
+        </p:nvSpPr>
+        <p:spPr/>
+        <p:txBody>
+          <a:bodyPr/>
+          <a:lstStyle/>
+          <a:p>
+            <a:endParaRPr lang="en-US" dirty="0"/>
+          </a:p>
+        </p:txBody>
+      </p:sp>
+      <p:sp>
+        <p:nvSpPr>
+          <p:cNvPr id="4" name="Slide Number Placeholder 3"/>
+          <p:cNvSpPr>
+            <a:spLocks noGrp="1"/>
+          </p:cNvSpPr>
+          <p:nvPr>
+            <p:ph type="sldNum" sz="quarter" idx="5"/>
+          </p:nvPr>
+        </p:nvSpPr>
+        <p:spPr/>
+        <p:txBody>
+          <a:bodyPr/>
+          <a:lstStyle/>
+          <a:p>
+            <a:fld id="{F687679A-9FB6-43B6-864A-7FDC6149F2D5}" type="slidenum">
+              <a:rPr lang="en-US" smtClean="0"/>
+              <a:t>37</a:t>
+            </a:fld>
+            <a:endParaRPr lang="en-US"/>
+          </a:p>
+        </p:txBody>
+      </p:sp>
+    </p:spTree>
+    <p:extLst>
+      <p:ext uri="{BB962C8B-B14F-4D97-AF65-F5344CB8AC3E}">
+        <p14:creationId xmlns:p14="http://schemas.microsoft.com/office/powerpoint/2010/main" val="2216338947"/>
+      </p:ext>
+    </p:extLst>
+  </p:cSld>
+  <p:clrMapOvr>
+    <a:masterClrMapping/>
+  </p:clrMapOvr>
+</p:notes>
+</file>
+
+<file path=ppt/notesSlides/notesSlide7.xml><?xml version="1.0" encoding="utf-8"?>
+<p:notes xmlns:a="http://schemas.openxmlformats.org/drawingml/2006/main" xmlns:r="http://schemas.openxmlformats.org/officeDocument/2006/relationships" xmlns:p="http://schemas.openxmlformats.org/presentationml/2006/main">
+  <p:cSld>
+    <p:spTree>
+      <p:nvGrpSpPr>
+        <p:cNvPr id="1" name=""/>
+        <p:cNvGrpSpPr/>
+        <p:nvPr/>
+      </p:nvGrpSpPr>
+      <p:grpSpPr>
+        <a:xfrm>
+          <a:off x="0" y="0"/>
+          <a:ext cx="0" cy="0"/>
+          <a:chOff x="0" y="0"/>
+          <a:chExt cx="0" cy="0"/>
+        </a:xfrm>
+      </p:grpSpPr>
+      <p:sp>
+        <p:nvSpPr>
+          <p:cNvPr id="2" name="Slide Image Placeholder 1"/>
+          <p:cNvSpPr>
+            <a:spLocks noGrp="1" noRot="1" noChangeAspect="1"/>
+          </p:cNvSpPr>
+          <p:nvPr>
+            <p:ph type="sldImg"/>
+          </p:nvPr>
+        </p:nvSpPr>
+        <p:spPr/>
+      </p:sp>
+      <p:sp>
+        <p:nvSpPr>
+          <p:cNvPr id="3" name="Notes Placeholder 2"/>
+          <p:cNvSpPr>
+            <a:spLocks noGrp="1"/>
+          </p:cNvSpPr>
+          <p:nvPr>
+            <p:ph type="body" idx="1"/>
+          </p:nvPr>
+        </p:nvSpPr>
+        <p:spPr/>
+        <p:txBody>
+          <a:bodyPr/>
+          <a:lstStyle/>
+          <a:p>
+            <a:endParaRPr lang="en-US" dirty="0"/>
+          </a:p>
+        </p:txBody>
+      </p:sp>
+      <p:sp>
+        <p:nvSpPr>
+          <p:cNvPr id="4" name="Slide Number Placeholder 3"/>
+          <p:cNvSpPr>
+            <a:spLocks noGrp="1"/>
+          </p:cNvSpPr>
+          <p:nvPr>
+            <p:ph type="sldNum" sz="quarter" idx="5"/>
+          </p:nvPr>
+        </p:nvSpPr>
+        <p:spPr/>
+        <p:txBody>
+          <a:bodyPr/>
+          <a:lstStyle/>
+          <a:p>
+            <a:fld id="{F687679A-9FB6-43B6-864A-7FDC6149F2D5}" type="slidenum">
+              <a:rPr lang="en-US" smtClean="0"/>
+              <a:t>38</a:t>
+            </a:fld>
+            <a:endParaRPr lang="en-US"/>
+          </a:p>
+        </p:txBody>
+      </p:sp>
+    </p:spTree>
+    <p:extLst>
+      <p:ext uri="{BB962C8B-B14F-4D97-AF65-F5344CB8AC3E}">
+        <p14:creationId xmlns:p14="http://schemas.microsoft.com/office/powerpoint/2010/main" val="2298335919"/>
+      </p:ext>
+    </p:extLst>
+  </p:cSld>
+  <p:clrMapOvr>
+    <a:masterClrMapping/>
+  </p:clrMapOvr>
+</p:notes>
+</file>
+
+<file path=ppt/notesSlides/notesSlide8.xml><?xml version="1.0" encoding="utf-8"?>
+<p:notes xmlns:a="http://schemas.openxmlformats.org/drawingml/2006/main" xmlns:r="http://schemas.openxmlformats.org/officeDocument/2006/relationships" xmlns:p="http://schemas.openxmlformats.org/presentationml/2006/main">
+  <p:cSld>
+    <p:spTree>
+      <p:nvGrpSpPr>
+        <p:cNvPr id="1" name=""/>
+        <p:cNvGrpSpPr/>
+        <p:nvPr/>
+      </p:nvGrpSpPr>
+      <p:grpSpPr>
+        <a:xfrm>
+          <a:off x="0" y="0"/>
+          <a:ext cx="0" cy="0"/>
+          <a:chOff x="0" y="0"/>
+          <a:chExt cx="0" cy="0"/>
+        </a:xfrm>
+      </p:grpSpPr>
+      <p:sp>
+        <p:nvSpPr>
+          <p:cNvPr id="2" name="Slide Image Placeholder 1"/>
+          <p:cNvSpPr>
+            <a:spLocks noGrp="1" noRot="1" noChangeAspect="1"/>
+          </p:cNvSpPr>
+          <p:nvPr>
+            <p:ph type="sldImg"/>
+          </p:nvPr>
+        </p:nvSpPr>
+        <p:spPr/>
+      </p:sp>
+      <p:sp>
+        <p:nvSpPr>
+          <p:cNvPr id="3" name="Notes Placeholder 2"/>
+          <p:cNvSpPr>
+            <a:spLocks noGrp="1"/>
+          </p:cNvSpPr>
+          <p:nvPr>
+            <p:ph type="body" idx="1"/>
+          </p:nvPr>
+        </p:nvSpPr>
+        <p:spPr/>
+        <p:txBody>
+          <a:bodyPr/>
+          <a:lstStyle/>
+          <a:p>
+            <a:endParaRPr lang="en-US" dirty="0"/>
+          </a:p>
+        </p:txBody>
+      </p:sp>
+      <p:sp>
+        <p:nvSpPr>
+          <p:cNvPr id="4" name="Slide Number Placeholder 3"/>
+          <p:cNvSpPr>
+            <a:spLocks noGrp="1"/>
+          </p:cNvSpPr>
+          <p:nvPr>
+            <p:ph type="sldNum" sz="quarter" idx="5"/>
+          </p:nvPr>
+        </p:nvSpPr>
+        <p:spPr/>
+        <p:txBody>
+          <a:bodyPr/>
+          <a:lstStyle/>
+          <a:p>
+            <a:fld id="{F687679A-9FB6-43B6-864A-7FDC6149F2D5}" type="slidenum">
+              <a:rPr lang="en-US" smtClean="0"/>
+              <a:t>39</a:t>
+            </a:fld>
+            <a:endParaRPr lang="en-US"/>
+          </a:p>
+        </p:txBody>
+      </p:sp>
+    </p:spTree>
+    <p:extLst>
+      <p:ext uri="{BB962C8B-B14F-4D97-AF65-F5344CB8AC3E}">
+        <p14:creationId xmlns:p14="http://schemas.microsoft.com/office/powerpoint/2010/main" val="2800859843"/>
+      </p:ext>
+    </p:extLst>
+  </p:cSld>
+  <p:clrMapOvr>
+    <a:masterClrMapping/>
+  </p:clrMapOvr>
+</p:notes>
+</file>
+
+<file path=ppt/notesSlides/notesSlide9.xml><?xml version="1.0" encoding="utf-8"?>
+<p:notes xmlns:a="http://schemas.openxmlformats.org/drawingml/2006/main" xmlns:r="http://schemas.openxmlformats.org/officeDocument/2006/relationships" xmlns:p="http://schemas.openxmlformats.org/presentationml/2006/main">
+  <p:cSld>
+    <p:spTree>
+      <p:nvGrpSpPr>
+        <p:cNvPr id="1" name=""/>
+        <p:cNvGrpSpPr/>
+        <p:nvPr/>
+      </p:nvGrpSpPr>
+      <p:grpSpPr>
+        <a:xfrm>
+          <a:off x="0" y="0"/>
+          <a:ext cx="0" cy="0"/>
+          <a:chOff x="0" y="0"/>
+          <a:chExt cx="0" cy="0"/>
+        </a:xfrm>
+      </p:grpSpPr>
+      <p:sp>
+        <p:nvSpPr>
+          <p:cNvPr id="2" name="Slide Image Placeholder 1"/>
+          <p:cNvSpPr>
+            <a:spLocks noGrp="1" noRot="1" noChangeAspect="1"/>
+          </p:cNvSpPr>
+          <p:nvPr>
+            <p:ph type="sldImg"/>
+          </p:nvPr>
+        </p:nvSpPr>
+        <p:spPr/>
+      </p:sp>
+      <p:sp>
+        <p:nvSpPr>
+          <p:cNvPr id="3" name="Notes Placeholder 2"/>
+          <p:cNvSpPr>
+            <a:spLocks noGrp="1"/>
+          </p:cNvSpPr>
+          <p:nvPr>
+            <p:ph type="body" idx="1"/>
+          </p:nvPr>
+        </p:nvSpPr>
+        <p:spPr/>
+        <p:txBody>
+          <a:bodyPr/>
+          <a:lstStyle/>
+          <a:p>
+            <a:endParaRPr lang="en-US" dirty="0"/>
+          </a:p>
+        </p:txBody>
+      </p:sp>
+      <p:sp>
+        <p:nvSpPr>
+          <p:cNvPr id="4" name="Slide Number Placeholder 3"/>
+          <p:cNvSpPr>
+            <a:spLocks noGrp="1"/>
+          </p:cNvSpPr>
+          <p:nvPr>
+            <p:ph type="sldNum" sz="quarter" idx="5"/>
+          </p:nvPr>
+        </p:nvSpPr>
+        <p:spPr/>
+        <p:txBody>
+          <a:bodyPr/>
+          <a:lstStyle/>
+          <a:p>
+            <a:fld id="{F687679A-9FB6-43B6-864A-7FDC6149F2D5}" type="slidenum">
+              <a:rPr lang="en-US" smtClean="0"/>
+              <a:t>40</a:t>
+            </a:fld>
+            <a:endParaRPr lang="en-US"/>
+          </a:p>
+        </p:txBody>
+      </p:sp>
+    </p:spTree>
+    <p:extLst>
+      <p:ext uri="{BB962C8B-B14F-4D97-AF65-F5344CB8AC3E}">
+        <p14:creationId xmlns:p14="http://schemas.microsoft.com/office/powerpoint/2010/main" val="3291593724"/>
       </p:ext>
     </p:extLst>
   </p:cSld>
@@ -3637,7 +4062,7 @@
           <a:p>
             <a:fld id="{A4604AD4-558F-449A-A004-D90B40E68DCA}" type="datetimeFigureOut">
               <a:rPr lang="en-US" smtClean="0"/>
-              <a:t>20-Aug-21</a:t>
+              <a:t>22-Aug-21</a:t>
             </a:fld>
             <a:endParaRPr lang="en-US"/>
           </a:p>
@@ -3807,7 +4232,7 @@
           <a:p>
             <a:fld id="{A4604AD4-558F-449A-A004-D90B40E68DCA}" type="datetimeFigureOut">
               <a:rPr lang="en-US" smtClean="0"/>
-              <a:t>20-Aug-21</a:t>
+              <a:t>22-Aug-21</a:t>
             </a:fld>
             <a:endParaRPr lang="en-US"/>
           </a:p>
@@ -3987,7 +4412,7 @@
           <a:p>
             <a:fld id="{A4604AD4-558F-449A-A004-D90B40E68DCA}" type="datetimeFigureOut">
               <a:rPr lang="en-US" smtClean="0"/>
-              <a:t>20-Aug-21</a:t>
+              <a:t>22-Aug-21</a:t>
             </a:fld>
             <a:endParaRPr lang="en-US"/>
           </a:p>
@@ -4157,7 +4582,7 @@
           <a:p>
             <a:fld id="{A4604AD4-558F-449A-A004-D90B40E68DCA}" type="datetimeFigureOut">
               <a:rPr lang="en-US" smtClean="0"/>
-              <a:t>20-Aug-21</a:t>
+              <a:t>22-Aug-21</a:t>
             </a:fld>
             <a:endParaRPr lang="en-US"/>
           </a:p>
@@ -4403,7 +4828,7 @@
           <a:p>
             <a:fld id="{A4604AD4-558F-449A-A004-D90B40E68DCA}" type="datetimeFigureOut">
               <a:rPr lang="en-US" smtClean="0"/>
-              <a:t>20-Aug-21</a:t>
+              <a:t>22-Aug-21</a:t>
             </a:fld>
             <a:endParaRPr lang="en-US"/>
           </a:p>
@@ -4635,7 +5060,7 @@
           <a:p>
             <a:fld id="{A4604AD4-558F-449A-A004-D90B40E68DCA}" type="datetimeFigureOut">
               <a:rPr lang="en-US" smtClean="0"/>
-              <a:t>20-Aug-21</a:t>
+              <a:t>22-Aug-21</a:t>
             </a:fld>
             <a:endParaRPr lang="en-US"/>
           </a:p>
@@ -5002,7 +5427,7 @@
           <a:p>
             <a:fld id="{A4604AD4-558F-449A-A004-D90B40E68DCA}" type="datetimeFigureOut">
               <a:rPr lang="en-US" smtClean="0"/>
-              <a:t>20-Aug-21</a:t>
+              <a:t>22-Aug-21</a:t>
             </a:fld>
             <a:endParaRPr lang="en-US"/>
           </a:p>
@@ -5120,7 +5545,7 @@
           <a:p>
             <a:fld id="{A4604AD4-558F-449A-A004-D90B40E68DCA}" type="datetimeFigureOut">
               <a:rPr lang="en-US" smtClean="0"/>
-              <a:t>20-Aug-21</a:t>
+              <a:t>22-Aug-21</a:t>
             </a:fld>
             <a:endParaRPr lang="en-US"/>
           </a:p>
@@ -5215,7 +5640,7 @@
           <a:p>
             <a:fld id="{A4604AD4-558F-449A-A004-D90B40E68DCA}" type="datetimeFigureOut">
               <a:rPr lang="en-US" smtClean="0"/>
-              <a:t>20-Aug-21</a:t>
+              <a:t>22-Aug-21</a:t>
             </a:fld>
             <a:endParaRPr lang="en-US"/>
           </a:p>
@@ -5492,7 +5917,7 @@
           <a:p>
             <a:fld id="{A4604AD4-558F-449A-A004-D90B40E68DCA}" type="datetimeFigureOut">
               <a:rPr lang="en-US" smtClean="0"/>
-              <a:t>20-Aug-21</a:t>
+              <a:t>22-Aug-21</a:t>
             </a:fld>
             <a:endParaRPr lang="en-US"/>
           </a:p>
@@ -5749,7 +6174,7 @@
           <a:p>
             <a:fld id="{A4604AD4-558F-449A-A004-D90B40E68DCA}" type="datetimeFigureOut">
               <a:rPr lang="en-US" smtClean="0"/>
-              <a:t>20-Aug-21</a:t>
+              <a:t>22-Aug-21</a:t>
             </a:fld>
             <a:endParaRPr lang="en-US"/>
           </a:p>
@@ -5962,7 +6387,7 @@
           <a:p>
             <a:fld id="{A4604AD4-558F-449A-A004-D90B40E68DCA}" type="datetimeFigureOut">
               <a:rPr lang="en-US" smtClean="0"/>
-              <a:t>20-Aug-21</a:t>
+              <a:t>22-Aug-21</a:t>
             </a:fld>
             <a:endParaRPr lang="en-US"/>
           </a:p>
@@ -6708,7 +7133,7 @@
         </p:spPr>
         <p:txBody>
           <a:bodyPr anchor="ctr">
-            <a:normAutofit fontScale="92500" lnSpcReduction="20000"/>
+            <a:normAutofit fontScale="77500" lnSpcReduction="20000"/>
           </a:bodyPr>
           <a:lstStyle/>
           <a:p>
@@ -6734,7 +7159,7 @@
             </a:r>
             <a:r>
               <a:rPr lang="en-US" dirty="0"/>
-              <a:t>, the creator of Lux Invicta. Most significant events that haven’t specifically been referenced or changed by </a:t>
+              <a:t>, the creator of Lux Invicta. Most historical events that are unreferenced by </a:t>
             </a:r>
             <a:r>
               <a:rPr lang="en-US" dirty="0" err="1"/>
@@ -6742,7 +7167,32 @@
             </a:r>
             <a:r>
               <a:rPr lang="en-US" dirty="0"/>
-              <a:t> are assumed to have happened as they did in our timeline. Additional details have been added to the timeline to explain the complex global relationships found in the world of Lux Invicta. Original content is always preserved in its entirety whenever possible, and changes are only made when necessary.</a:t>
+              <a:t> and don’t interfere with his changes are assumed to have happened as they did in our timeline. To help explain map changes, many of these details have been added and marked with an asterisk (*).</a:t>
+            </a:r>
+          </a:p>
+          <a:p>
+            <a:pPr marL="0" indent="0">
+              <a:buNone/>
+            </a:pPr>
+            <a:r>
+              <a:rPr lang="en-US" dirty="0"/>
+              <a:t>In addition to </a:t>
+            </a:r>
+            <a:r>
+              <a:rPr lang="en-US" dirty="0" err="1"/>
+              <a:t>Shaytana’s</a:t>
+            </a:r>
+            <a:r>
+              <a:rPr lang="en-US" dirty="0"/>
+              <a:t> timeline, more content has been written to help mesh the world of Lux Invicta with new areas of the map. As a rule, these additions will only target events that </a:t>
+            </a:r>
+            <a:r>
+              <a:rPr lang="en-US" dirty="0" err="1"/>
+              <a:t>Shaytana</a:t>
+            </a:r>
+            <a:r>
+              <a:rPr lang="en-US" dirty="0"/>
+              <a:t> hasn’t already mentioned, or ones that were only briefly referenced. Original content is always preserved in its entirety whenever possible, and changes are only made when necessary.</a:t>
             </a:r>
           </a:p>
           <a:p>
@@ -15104,7 +15554,7 @@
             </a:pPr>
             <a:r>
               <a:rPr lang="en-US" dirty="0"/>
-              <a:t>Eumenes I of Pergamum defeats Antiochus and founds an independent kingdom.</a:t>
+              <a:t>Eumenes I of Pergamon defeats Antiochus and founds an independent kingdom.</a:t>
             </a:r>
             <a:endParaRPr lang="en-US" i="1" dirty="0"/>
           </a:p>
@@ -20858,9 +21308,978 @@
           <a:chExt cx="0" cy="0"/>
         </a:xfrm>
       </p:grpSpPr>
+      <p:sp>
+        <p:nvSpPr>
+          <p:cNvPr id="4" name="TextBox 3">
+            <a:extLst>
+              <a:ext uri="{FF2B5EF4-FFF2-40B4-BE49-F238E27FC236}">
+                <a16:creationId xmlns:a16="http://schemas.microsoft.com/office/drawing/2014/main" id="{03DDB894-502D-4473-8189-C7F7050B360F}"/>
+              </a:ext>
+            </a:extLst>
+          </p:cNvPr>
+          <p:cNvSpPr txBox="1"/>
+          <p:nvPr/>
+        </p:nvSpPr>
+        <p:spPr>
+          <a:xfrm>
+            <a:off x="648931" y="2438401"/>
+            <a:ext cx="3667036" cy="3779520"/>
+          </a:xfrm>
+          <a:prstGeom prst="rect">
+            <a:avLst/>
+          </a:prstGeom>
+        </p:spPr>
+        <p:txBody>
+          <a:bodyPr vert="horz" lIns="91440" tIns="45720" rIns="91440" bIns="45720" rtlCol="0">
+            <a:normAutofit/>
+          </a:bodyPr>
+          <a:lstStyle/>
+          <a:p>
+            <a:pPr defTabSz="914400">
+              <a:lnSpc>
+                <a:spcPct val="90000"/>
+              </a:lnSpc>
+              <a:spcAft>
+                <a:spcPts val="600"/>
+              </a:spcAft>
+            </a:pPr>
+            <a:r>
+              <a:rPr lang="en-US" sz="2400" b="1" dirty="0">
+                <a:latin typeface="+mj-lt"/>
+              </a:rPr>
+              <a:t>243 BCE</a:t>
+            </a:r>
+          </a:p>
+          <a:p>
+            <a:pPr marL="285750" indent="-228600" defTabSz="914400">
+              <a:lnSpc>
+                <a:spcPct val="90000"/>
+              </a:lnSpc>
+              <a:spcAft>
+                <a:spcPts val="600"/>
+              </a:spcAft>
+              <a:buFont typeface="Arial" panose="020B0604020202020204" pitchFamily="34" charset="0"/>
+              <a:buChar char="•"/>
+            </a:pPr>
+            <a:r>
+              <a:rPr lang="en-US" dirty="0"/>
+              <a:t>Agis IV reforms the Spartan state under a new </a:t>
+            </a:r>
+            <a:r>
+              <a:rPr lang="en-US" dirty="0" err="1"/>
+              <a:t>Lycurgan</a:t>
+            </a:r>
+            <a:r>
+              <a:rPr lang="en-US" dirty="0"/>
+              <a:t> model. The entire Peloponnesus is turned into a militaristic state, with all </a:t>
+            </a:r>
+            <a:r>
+              <a:rPr lang="en-US" dirty="0" err="1"/>
+              <a:t>Hellens</a:t>
+            </a:r>
+            <a:r>
+              <a:rPr lang="en-US" dirty="0"/>
+              <a:t> gaining citizenship and with all young men being enrolled into the new Agoge system.</a:t>
+            </a:r>
+          </a:p>
+          <a:p>
+            <a:pPr marL="285750" indent="-228600" defTabSz="914400">
+              <a:lnSpc>
+                <a:spcPct val="90000"/>
+              </a:lnSpc>
+              <a:spcAft>
+                <a:spcPts val="600"/>
+              </a:spcAft>
+              <a:buFont typeface="Arial" panose="020B0604020202020204" pitchFamily="34" charset="0"/>
+              <a:buChar char="•"/>
+            </a:pPr>
+            <a:r>
+              <a:rPr lang="en-US" dirty="0"/>
+              <a:t>A defensive alliance is formed with the Athenians against potential Makedonian invasion.</a:t>
+            </a:r>
+            <a:endParaRPr lang="en-US" b="1" dirty="0"/>
+          </a:p>
+        </p:txBody>
+      </p:sp>
+      <p:sp>
+        <p:nvSpPr>
+          <p:cNvPr id="77" name="Rectangle 76">
+            <a:extLst>
+              <a:ext uri="{FF2B5EF4-FFF2-40B4-BE49-F238E27FC236}">
+                <a16:creationId xmlns:a16="http://schemas.microsoft.com/office/drawing/2014/main" id="{F2B38F72-8FC4-4001-8C67-FA6B86DEC767}"/>
+              </a:ext>
+              <a:ext uri="{C183D7F6-B498-43B3-948B-1728B52AA6E4}">
+                <adec:decorative xmlns:adec="http://schemas.microsoft.com/office/drawing/2017/decorative" val="1"/>
+              </a:ext>
+            </a:extLst>
+          </p:cNvPr>
+          <p:cNvSpPr>
+            <a:spLocks noGrp="1" noRot="1" noChangeAspect="1" noMove="1" noResize="1" noEditPoints="1" noAdjustHandles="1" noChangeArrowheads="1" noChangeShapeType="1" noTextEdit="1"/>
+          </p:cNvSpPr>
+          <p:nvPr>
+            <p:extLst>
+              <p:ext uri="{386F3935-93C4-4BCD-93E2-E3B085C9AB24}">
+                <p16:designElem xmlns:p16="http://schemas.microsoft.com/office/powerpoint/2015/main" val="1"/>
+              </p:ext>
+            </p:extLst>
+          </p:nvPr>
+        </p:nvSpPr>
+        <p:spPr>
+          <a:xfrm>
+            <a:off x="4636008" y="2"/>
+            <a:ext cx="7555992" cy="6857998"/>
+          </a:xfrm>
+          <a:prstGeom prst="rect">
+            <a:avLst/>
+          </a:prstGeom>
+          <a:solidFill>
+            <a:schemeClr val="tx1"/>
+          </a:solidFill>
+          <a:ln>
+            <a:noFill/>
+          </a:ln>
+        </p:spPr>
+        <p:style>
+          <a:lnRef idx="2">
+            <a:schemeClr val="accent1">
+              <a:shade val="50000"/>
+            </a:schemeClr>
+          </a:lnRef>
+          <a:fillRef idx="1">
+            <a:schemeClr val="accent1"/>
+          </a:fillRef>
+          <a:effectRef idx="0">
+            <a:schemeClr val="accent1"/>
+          </a:effectRef>
+          <a:fontRef idx="minor">
+            <a:schemeClr val="lt1"/>
+          </a:fontRef>
+        </p:style>
+        <p:txBody>
+          <a:bodyPr rtlCol="0" anchor="ctr"/>
+          <a:lstStyle/>
+          <a:p>
+            <a:pPr algn="ctr"/>
+            <a:endParaRPr lang="en-US"/>
+          </a:p>
+        </p:txBody>
+      </p:sp>
+      <p:pic>
+        <p:nvPicPr>
+          <p:cNvPr id="3" name="Picture 2">
+            <a:extLst>
+              <a:ext uri="{FF2B5EF4-FFF2-40B4-BE49-F238E27FC236}">
+                <a16:creationId xmlns:a16="http://schemas.microsoft.com/office/drawing/2014/main" id="{DF48942B-53F6-45ED-9B7A-D117C19EB58F}"/>
+              </a:ext>
+            </a:extLst>
+          </p:cNvPr>
+          <p:cNvPicPr>
+            <a:picLocks noChangeAspect="1"/>
+          </p:cNvPicPr>
+          <p:nvPr/>
+        </p:nvPicPr>
+        <p:blipFill rotWithShape="1">
+          <a:blip r:embed="rId3">
+            <a:extLst>
+              <a:ext uri="{28A0092B-C50C-407E-A947-70E740481C1C}">
+                <a14:useLocalDpi xmlns:a14="http://schemas.microsoft.com/office/drawing/2010/main" val="0"/>
+              </a:ext>
+            </a:extLst>
+          </a:blip>
+          <a:srcRect r="10364"/>
+          <a:stretch/>
+        </p:blipFill>
+        <p:spPr>
+          <a:xfrm>
+            <a:off x="5276088" y="640082"/>
+            <a:ext cx="6276250" cy="5577838"/>
+          </a:xfrm>
+          <a:prstGeom prst="rect">
+            <a:avLst/>
+          </a:prstGeom>
+          <a:effectLst/>
+        </p:spPr>
+      </p:pic>
+      <p:sp>
+        <p:nvSpPr>
+          <p:cNvPr id="5" name="TextBox 4">
+            <a:extLst>
+              <a:ext uri="{FF2B5EF4-FFF2-40B4-BE49-F238E27FC236}">
+                <a16:creationId xmlns:a16="http://schemas.microsoft.com/office/drawing/2014/main" id="{3982180C-1337-4672-90A8-C56DA1D14D58}"/>
+              </a:ext>
+            </a:extLst>
+          </p:cNvPr>
+          <p:cNvSpPr txBox="1"/>
+          <p:nvPr/>
+        </p:nvSpPr>
+        <p:spPr>
+          <a:xfrm>
+            <a:off x="88570" y="360375"/>
+            <a:ext cx="4227397" cy="1677382"/>
+          </a:xfrm>
+          <a:prstGeom prst="rect">
+            <a:avLst/>
+          </a:prstGeom>
+          <a:noFill/>
+        </p:spPr>
+        <p:txBody>
+          <a:bodyPr wrap="square" rtlCol="0">
+            <a:spAutoFit/>
+          </a:bodyPr>
+          <a:lstStyle/>
+          <a:p>
+            <a:pPr>
+              <a:spcAft>
+                <a:spcPts val="600"/>
+              </a:spcAft>
+            </a:pPr>
+            <a:r>
+              <a:rPr lang="en-US" sz="1400" dirty="0"/>
+              <a:t>*Ptolemy II lost lands in Asia Minor to the Seleukids in the Second Syrian War. He also died in 246 BCE and was succeeded by Ptolemy III Euergetes without incident.</a:t>
+            </a:r>
+          </a:p>
+          <a:p>
+            <a:pPr>
+              <a:spcAft>
+                <a:spcPts val="600"/>
+              </a:spcAft>
+            </a:pPr>
+            <a:r>
+              <a:rPr lang="en-US" sz="1400" dirty="0"/>
+              <a:t>**While Seleukos II was occupied fighting Ptolemy, his brother Antiochus </a:t>
+            </a:r>
+            <a:r>
+              <a:rPr lang="en-US" sz="1400" dirty="0" err="1"/>
+              <a:t>Hierax</a:t>
+            </a:r>
+            <a:r>
+              <a:rPr lang="en-US" sz="1400" dirty="0"/>
+              <a:t> declares himself King of Syria in 245 BCE and claims Asia Minor for himself. Seleukos II has no choice but to accept… for now.</a:t>
+            </a:r>
+          </a:p>
+        </p:txBody>
+      </p:sp>
+    </p:spTree>
+    <p:extLst>
+      <p:ext uri="{BB962C8B-B14F-4D97-AF65-F5344CB8AC3E}">
+        <p14:creationId xmlns:p14="http://schemas.microsoft.com/office/powerpoint/2010/main" val="3123724628"/>
+      </p:ext>
+    </p:extLst>
+  </p:cSld>
+  <p:clrMapOvr>
+    <a:overrideClrMapping bg1="dk1" tx1="lt1" bg2="dk2" tx2="lt2" accent1="accent1" accent2="accent2" accent3="accent3" accent4="accent4" accent5="accent5" accent6="accent6" hlink="hlink" folHlink="folHlink"/>
+  </p:clrMapOvr>
+</p:sld>
+</file>
+
+<file path=ppt/slides/slide34.xml><?xml version="1.0" encoding="utf-8"?>
+<p:sld xmlns:a="http://schemas.openxmlformats.org/drawingml/2006/main" xmlns:r="http://schemas.openxmlformats.org/officeDocument/2006/relationships" xmlns:p="http://schemas.openxmlformats.org/presentationml/2006/main">
+  <p:cSld>
+    <p:bg>
+      <p:bgPr>
+        <a:solidFill>
+          <a:schemeClr val="bg1"/>
+        </a:solidFill>
+        <a:effectLst/>
+      </p:bgPr>
+    </p:bg>
+    <p:spTree>
+      <p:nvGrpSpPr>
+        <p:cNvPr id="1" name=""/>
+        <p:cNvGrpSpPr/>
+        <p:nvPr/>
+      </p:nvGrpSpPr>
+      <p:grpSpPr>
+        <a:xfrm>
+          <a:off x="0" y="0"/>
+          <a:ext cx="0" cy="0"/>
+          <a:chOff x="0" y="0"/>
+          <a:chExt cx="0" cy="0"/>
+        </a:xfrm>
+      </p:grpSpPr>
+      <p:sp>
+        <p:nvSpPr>
+          <p:cNvPr id="4" name="TextBox 3">
+            <a:extLst>
+              <a:ext uri="{FF2B5EF4-FFF2-40B4-BE49-F238E27FC236}">
+                <a16:creationId xmlns:a16="http://schemas.microsoft.com/office/drawing/2014/main" id="{03DDB894-502D-4473-8189-C7F7050B360F}"/>
+              </a:ext>
+            </a:extLst>
+          </p:cNvPr>
+          <p:cNvSpPr txBox="1"/>
+          <p:nvPr/>
+        </p:nvSpPr>
+        <p:spPr>
+          <a:xfrm>
+            <a:off x="648931" y="640082"/>
+            <a:ext cx="3667036" cy="5577839"/>
+          </a:xfrm>
+          <a:prstGeom prst="rect">
+            <a:avLst/>
+          </a:prstGeom>
+        </p:spPr>
+        <p:txBody>
+          <a:bodyPr vert="horz" lIns="91440" tIns="45720" rIns="91440" bIns="45720" rtlCol="0">
+            <a:normAutofit/>
+          </a:bodyPr>
+          <a:lstStyle/>
+          <a:p>
+            <a:pPr defTabSz="914400">
+              <a:lnSpc>
+                <a:spcPct val="90000"/>
+              </a:lnSpc>
+              <a:spcAft>
+                <a:spcPts val="600"/>
+              </a:spcAft>
+            </a:pPr>
+            <a:r>
+              <a:rPr lang="en-US" sz="2800" b="1" dirty="0">
+                <a:latin typeface="+mj-lt"/>
+              </a:rPr>
+              <a:t>241 BCE</a:t>
+            </a:r>
+          </a:p>
+          <a:p>
+            <a:pPr marL="285750" indent="-228600" defTabSz="914400">
+              <a:lnSpc>
+                <a:spcPct val="90000"/>
+              </a:lnSpc>
+              <a:spcAft>
+                <a:spcPts val="600"/>
+              </a:spcAft>
+              <a:buFont typeface="Arial" panose="020B0604020202020204" pitchFamily="34" charset="0"/>
+              <a:buChar char="•"/>
+            </a:pPr>
+            <a:r>
+              <a:rPr lang="en-US" sz="2000" dirty="0"/>
+              <a:t>Carthage is defeated by the Roman-Syracusan alliance in the Battle of the </a:t>
+            </a:r>
+            <a:r>
+              <a:rPr lang="en-US" sz="2000" dirty="0" err="1"/>
+              <a:t>Aegates</a:t>
+            </a:r>
+            <a:r>
+              <a:rPr lang="en-US" sz="2000" dirty="0"/>
+              <a:t> Islands.</a:t>
+            </a:r>
+          </a:p>
+          <a:p>
+            <a:pPr marL="285750" indent="-228600" defTabSz="914400">
+              <a:lnSpc>
+                <a:spcPct val="90000"/>
+              </a:lnSpc>
+              <a:spcAft>
+                <a:spcPts val="600"/>
+              </a:spcAft>
+              <a:buFont typeface="Arial" panose="020B0604020202020204" pitchFamily="34" charset="0"/>
+              <a:buChar char="•"/>
+            </a:pPr>
+            <a:r>
+              <a:rPr lang="en-US" sz="2000" dirty="0"/>
+              <a:t>The First Punic War ends, Carthage renouncing all its claims on Sicily. Syracusan dominion of Sicily is confirmed.</a:t>
+            </a:r>
+          </a:p>
+          <a:p>
+            <a:pPr marL="285750" indent="-228600" defTabSz="914400">
+              <a:lnSpc>
+                <a:spcPct val="90000"/>
+              </a:lnSpc>
+              <a:spcAft>
+                <a:spcPts val="600"/>
+              </a:spcAft>
+              <a:buFont typeface="Arial" panose="020B0604020202020204" pitchFamily="34" charset="0"/>
+              <a:buChar char="•"/>
+            </a:pPr>
+            <a:r>
+              <a:rPr lang="en-US" sz="2000" dirty="0"/>
+              <a:t>An Eternal Alliance Treaty is signed between Rome and Syracuse, and a Roman legion (supported by Syracusan taxes) is stationed in Sicily.</a:t>
+            </a:r>
+            <a:endParaRPr lang="en-US" sz="2000" b="1" dirty="0"/>
+          </a:p>
+        </p:txBody>
+      </p:sp>
+      <p:sp>
+        <p:nvSpPr>
+          <p:cNvPr id="82" name="Rectangle 81">
+            <a:extLst>
+              <a:ext uri="{FF2B5EF4-FFF2-40B4-BE49-F238E27FC236}">
+                <a16:creationId xmlns:a16="http://schemas.microsoft.com/office/drawing/2014/main" id="{F2B38F72-8FC4-4001-8C67-FA6B86DEC767}"/>
+              </a:ext>
+              <a:ext uri="{C183D7F6-B498-43B3-948B-1728B52AA6E4}">
+                <adec:decorative xmlns:adec="http://schemas.microsoft.com/office/drawing/2017/decorative" val="1"/>
+              </a:ext>
+            </a:extLst>
+          </p:cNvPr>
+          <p:cNvSpPr>
+            <a:spLocks noGrp="1" noRot="1" noChangeAspect="1" noMove="1" noResize="1" noEditPoints="1" noAdjustHandles="1" noChangeArrowheads="1" noChangeShapeType="1" noTextEdit="1"/>
+          </p:cNvSpPr>
+          <p:nvPr>
+            <p:extLst>
+              <p:ext uri="{386F3935-93C4-4BCD-93E2-E3B085C9AB24}">
+                <p16:designElem xmlns:p16="http://schemas.microsoft.com/office/powerpoint/2015/main" val="1"/>
+              </p:ext>
+            </p:extLst>
+          </p:nvPr>
+        </p:nvSpPr>
+        <p:spPr>
+          <a:xfrm>
+            <a:off x="4636008" y="2"/>
+            <a:ext cx="7555992" cy="6857998"/>
+          </a:xfrm>
+          <a:prstGeom prst="rect">
+            <a:avLst/>
+          </a:prstGeom>
+          <a:solidFill>
+            <a:schemeClr val="tx1"/>
+          </a:solidFill>
+          <a:ln>
+            <a:noFill/>
+          </a:ln>
+        </p:spPr>
+        <p:style>
+          <a:lnRef idx="2">
+            <a:schemeClr val="accent1">
+              <a:shade val="50000"/>
+            </a:schemeClr>
+          </a:lnRef>
+          <a:fillRef idx="1">
+            <a:schemeClr val="accent1"/>
+          </a:fillRef>
+          <a:effectRef idx="0">
+            <a:schemeClr val="accent1"/>
+          </a:effectRef>
+          <a:fontRef idx="minor">
+            <a:schemeClr val="lt1"/>
+          </a:fontRef>
+        </p:style>
+        <p:txBody>
+          <a:bodyPr rtlCol="0" anchor="ctr"/>
+          <a:lstStyle/>
+          <a:p>
+            <a:pPr algn="ctr"/>
+            <a:endParaRPr lang="en-US"/>
+          </a:p>
+        </p:txBody>
+      </p:sp>
+      <p:pic>
+        <p:nvPicPr>
+          <p:cNvPr id="3" name="Picture 2">
+            <a:extLst>
+              <a:ext uri="{FF2B5EF4-FFF2-40B4-BE49-F238E27FC236}">
+                <a16:creationId xmlns:a16="http://schemas.microsoft.com/office/drawing/2014/main" id="{DF48942B-53F6-45ED-9B7A-D117C19EB58F}"/>
+              </a:ext>
+            </a:extLst>
+          </p:cNvPr>
+          <p:cNvPicPr>
+            <a:picLocks noChangeAspect="1"/>
+          </p:cNvPicPr>
+          <p:nvPr/>
+        </p:nvPicPr>
+        <p:blipFill rotWithShape="1">
+          <a:blip r:embed="rId3">
+            <a:extLst>
+              <a:ext uri="{28A0092B-C50C-407E-A947-70E740481C1C}">
+                <a14:useLocalDpi xmlns:a14="http://schemas.microsoft.com/office/drawing/2010/main" val="0"/>
+              </a:ext>
+            </a:extLst>
+          </a:blip>
+          <a:srcRect t="3359" r="-6" b="9986"/>
+          <a:stretch/>
+        </p:blipFill>
+        <p:spPr>
+          <a:xfrm>
+            <a:off x="5276088" y="640082"/>
+            <a:ext cx="6276250" cy="5577838"/>
+          </a:xfrm>
+          <a:prstGeom prst="rect">
+            <a:avLst/>
+          </a:prstGeom>
+          <a:effectLst/>
+        </p:spPr>
+      </p:pic>
+    </p:spTree>
+    <p:extLst>
+      <p:ext uri="{BB962C8B-B14F-4D97-AF65-F5344CB8AC3E}">
+        <p14:creationId xmlns:p14="http://schemas.microsoft.com/office/powerpoint/2010/main" val="2331425598"/>
+      </p:ext>
+    </p:extLst>
+  </p:cSld>
+  <p:clrMapOvr>
+    <a:overrideClrMapping bg1="dk1" tx1="lt1" bg2="dk2" tx2="lt2" accent1="accent1" accent2="accent2" accent3="accent3" accent4="accent4" accent5="accent5" accent6="accent6" hlink="hlink" folHlink="folHlink"/>
+  </p:clrMapOvr>
+</p:sld>
+</file>
+
+<file path=ppt/slides/slide35.xml><?xml version="1.0" encoding="utf-8"?>
+<p:sld xmlns:a="http://schemas.openxmlformats.org/drawingml/2006/main" xmlns:r="http://schemas.openxmlformats.org/officeDocument/2006/relationships" xmlns:p="http://schemas.openxmlformats.org/presentationml/2006/main">
+  <p:cSld>
+    <p:bg>
+      <p:bgPr>
+        <a:solidFill>
+          <a:schemeClr val="bg1"/>
+        </a:solidFill>
+        <a:effectLst/>
+      </p:bgPr>
+    </p:bg>
+    <p:spTree>
+      <p:nvGrpSpPr>
+        <p:cNvPr id="1" name=""/>
+        <p:cNvGrpSpPr/>
+        <p:nvPr/>
+      </p:nvGrpSpPr>
+      <p:grpSpPr>
+        <a:xfrm>
+          <a:off x="0" y="0"/>
+          <a:ext cx="0" cy="0"/>
+          <a:chOff x="0" y="0"/>
+          <a:chExt cx="0" cy="0"/>
+        </a:xfrm>
+      </p:grpSpPr>
       <p:sp useBgFill="1">
         <p:nvSpPr>
-          <p:cNvPr id="70" name="Rectangle 69">
+          <p:cNvPr id="77" name="Rectangle 76">
+            <a:extLst>
+              <a:ext uri="{FF2B5EF4-FFF2-40B4-BE49-F238E27FC236}">
+                <a16:creationId xmlns:a16="http://schemas.microsoft.com/office/drawing/2014/main" id="{3AFE8227-C443-417B-BA91-520EB1EF4559}"/>
+              </a:ext>
+              <a:ext uri="{C183D7F6-B498-43B3-948B-1728B52AA6E4}">
+                <adec:decorative xmlns:adec="http://schemas.microsoft.com/office/drawing/2017/decorative" val="1"/>
+              </a:ext>
+            </a:extLst>
+          </p:cNvPr>
+          <p:cNvSpPr>
+            <a:spLocks noGrp="1" noRot="1" noChangeAspect="1" noMove="1" noResize="1" noEditPoints="1" noAdjustHandles="1" noChangeArrowheads="1" noChangeShapeType="1" noTextEdit="1"/>
+          </p:cNvSpPr>
+          <p:nvPr>
+            <p:extLst>
+              <p:ext uri="{386F3935-93C4-4BCD-93E2-E3B085C9AB24}">
+                <p16:designElem xmlns:p16="http://schemas.microsoft.com/office/powerpoint/2015/main" val="1"/>
+              </p:ext>
+            </p:extLst>
+          </p:nvPr>
+        </p:nvSpPr>
+        <p:spPr>
+          <a:xfrm>
+            <a:off x="0" y="2"/>
+            <a:ext cx="12192000" cy="6857997"/>
+          </a:xfrm>
+          <a:prstGeom prst="rect">
+            <a:avLst/>
+          </a:prstGeom>
+          <a:ln>
+            <a:noFill/>
+          </a:ln>
+        </p:spPr>
+        <p:style>
+          <a:lnRef idx="2">
+            <a:schemeClr val="accent1">
+              <a:shade val="50000"/>
+            </a:schemeClr>
+          </a:lnRef>
+          <a:fillRef idx="1">
+            <a:schemeClr val="accent1"/>
+          </a:fillRef>
+          <a:effectRef idx="0">
+            <a:schemeClr val="accent1"/>
+          </a:effectRef>
+          <a:fontRef idx="minor">
+            <a:schemeClr val="lt1"/>
+          </a:fontRef>
+        </p:style>
+        <p:txBody>
+          <a:bodyPr rtlCol="0" anchor="ctr"/>
+          <a:lstStyle/>
+          <a:p>
+            <a:pPr algn="ctr"/>
+            <a:endParaRPr lang="en-US"/>
+          </a:p>
+        </p:txBody>
+      </p:sp>
+      <p:pic>
+        <p:nvPicPr>
+          <p:cNvPr id="3" name="Picture 2">
+            <a:extLst>
+              <a:ext uri="{FF2B5EF4-FFF2-40B4-BE49-F238E27FC236}">
+                <a16:creationId xmlns:a16="http://schemas.microsoft.com/office/drawing/2014/main" id="{DF48942B-53F6-45ED-9B7A-D117C19EB58F}"/>
+              </a:ext>
+            </a:extLst>
+          </p:cNvPr>
+          <p:cNvPicPr>
+            <a:picLocks noChangeAspect="1"/>
+          </p:cNvPicPr>
+          <p:nvPr/>
+        </p:nvPicPr>
+        <p:blipFill rotWithShape="1">
+          <a:blip r:embed="rId3">
+            <a:extLst>
+              <a:ext uri="{28A0092B-C50C-407E-A947-70E740481C1C}">
+                <a14:useLocalDpi xmlns:a14="http://schemas.microsoft.com/office/drawing/2010/main" val="0"/>
+              </a:ext>
+            </a:extLst>
+          </a:blip>
+          <a:srcRect l="7112" r="7112"/>
+          <a:stretch/>
+        </p:blipFill>
+        <p:spPr>
+          <a:xfrm>
+            <a:off x="20" y="431"/>
+            <a:ext cx="8115280" cy="6408311"/>
+          </a:xfrm>
+          <a:prstGeom prst="rect">
+            <a:avLst/>
+          </a:prstGeom>
+        </p:spPr>
+      </p:pic>
+      <p:sp>
+        <p:nvSpPr>
+          <p:cNvPr id="4" name="TextBox 3">
+            <a:extLst>
+              <a:ext uri="{FF2B5EF4-FFF2-40B4-BE49-F238E27FC236}">
+                <a16:creationId xmlns:a16="http://schemas.microsoft.com/office/drawing/2014/main" id="{03DDB894-502D-4473-8189-C7F7050B360F}"/>
+              </a:ext>
+            </a:extLst>
+          </p:cNvPr>
+          <p:cNvSpPr txBox="1"/>
+          <p:nvPr/>
+        </p:nvSpPr>
+        <p:spPr>
+          <a:xfrm>
+            <a:off x="8682242" y="301932"/>
+            <a:ext cx="2942813" cy="4136504"/>
+          </a:xfrm>
+          <a:prstGeom prst="rect">
+            <a:avLst/>
+          </a:prstGeom>
+        </p:spPr>
+        <p:txBody>
+          <a:bodyPr vert="horz" lIns="91440" tIns="45720" rIns="91440" bIns="45720" rtlCol="0">
+            <a:normAutofit/>
+          </a:bodyPr>
+          <a:lstStyle/>
+          <a:p>
+            <a:pPr defTabSz="914400">
+              <a:lnSpc>
+                <a:spcPct val="90000"/>
+              </a:lnSpc>
+              <a:spcAft>
+                <a:spcPts val="600"/>
+              </a:spcAft>
+            </a:pPr>
+            <a:r>
+              <a:rPr lang="en-US" sz="3200" b="1" dirty="0">
+                <a:latin typeface="+mj-lt"/>
+              </a:rPr>
+              <a:t>237 BCE</a:t>
+            </a:r>
+          </a:p>
+          <a:p>
+            <a:pPr marL="285750" indent="-228600" defTabSz="914400">
+              <a:lnSpc>
+                <a:spcPct val="90000"/>
+              </a:lnSpc>
+              <a:spcAft>
+                <a:spcPts val="600"/>
+              </a:spcAft>
+              <a:buFont typeface="Arial" panose="020B0604020202020204" pitchFamily="34" charset="0"/>
+              <a:buChar char="•"/>
+            </a:pPr>
+            <a:r>
+              <a:rPr lang="en-US" sz="2000" dirty="0"/>
+              <a:t>The </a:t>
+            </a:r>
+            <a:r>
+              <a:rPr lang="en-US" sz="2000" dirty="0" err="1"/>
+              <a:t>Parni</a:t>
+            </a:r>
+            <a:r>
+              <a:rPr lang="en-US" sz="2000" dirty="0"/>
+              <a:t> King Arsaces invades and conquers the Seleukid Satrapy of Parthia.</a:t>
+            </a:r>
+          </a:p>
+          <a:p>
+            <a:pPr marL="285750" indent="-228600" defTabSz="914400">
+              <a:lnSpc>
+                <a:spcPct val="90000"/>
+              </a:lnSpc>
+              <a:spcAft>
+                <a:spcPts val="600"/>
+              </a:spcAft>
+              <a:buFont typeface="Arial" panose="020B0604020202020204" pitchFamily="34" charset="0"/>
+              <a:buChar char="•"/>
+            </a:pPr>
+            <a:r>
+              <a:rPr lang="en-US" sz="2000" dirty="0"/>
+              <a:t>Seleukos II </a:t>
+            </a:r>
+            <a:r>
+              <a:rPr lang="en-US" sz="2000" dirty="0" err="1"/>
+              <a:t>Callinicus</a:t>
+            </a:r>
+            <a:r>
+              <a:rPr lang="en-US" sz="2000" dirty="0"/>
+              <a:t> is taken prisoner.</a:t>
+            </a:r>
+            <a:endParaRPr lang="en-US" sz="2000" b="1" dirty="0"/>
+          </a:p>
+        </p:txBody>
+      </p:sp>
+      <p:sp>
+        <p:nvSpPr>
+          <p:cNvPr id="79" name="Rectangle 78">
+            <a:extLst>
+              <a:ext uri="{FF2B5EF4-FFF2-40B4-BE49-F238E27FC236}">
+                <a16:creationId xmlns:a16="http://schemas.microsoft.com/office/drawing/2014/main" id="{907741FC-B544-4A6E-B831-6789D042333D}"/>
+              </a:ext>
+              <a:ext uri="{C183D7F6-B498-43B3-948B-1728B52AA6E4}">
+                <adec:decorative xmlns:adec="http://schemas.microsoft.com/office/drawing/2017/decorative" val="1"/>
+              </a:ext>
+            </a:extLst>
+          </p:cNvPr>
+          <p:cNvSpPr>
+            <a:spLocks noGrp="1" noRot="1" noChangeAspect="1" noMove="1" noResize="1" noEditPoints="1" noAdjustHandles="1" noChangeArrowheads="1" noChangeShapeType="1" noTextEdit="1"/>
+          </p:cNvSpPr>
+          <p:nvPr>
+            <p:extLst>
+              <p:ext uri="{386F3935-93C4-4BCD-93E2-E3B085C9AB24}">
+                <p16:designElem xmlns:p16="http://schemas.microsoft.com/office/powerpoint/2015/main" val="1"/>
+              </p:ext>
+            </p:extLst>
+          </p:nvPr>
+        </p:nvSpPr>
+        <p:spPr>
+          <a:xfrm flipH="1">
+            <a:off x="-1" y="6408741"/>
+            <a:ext cx="12191998" cy="457202"/>
+          </a:xfrm>
+          <a:prstGeom prst="rect">
+            <a:avLst/>
+          </a:prstGeom>
+          <a:gradFill>
+            <a:gsLst>
+              <a:gs pos="34000">
+                <a:srgbClr val="000000">
+                  <a:alpha val="96000"/>
+                </a:srgbClr>
+              </a:gs>
+              <a:gs pos="100000">
+                <a:schemeClr val="accent1"/>
+              </a:gs>
+            </a:gsLst>
+            <a:lin ang="8400000" scaled="0"/>
+          </a:gradFill>
+          <a:ln>
+            <a:noFill/>
+          </a:ln>
+        </p:spPr>
+        <p:style>
+          <a:lnRef idx="2">
+            <a:schemeClr val="accent1">
+              <a:shade val="50000"/>
+            </a:schemeClr>
+          </a:lnRef>
+          <a:fillRef idx="1">
+            <a:schemeClr val="accent1"/>
+          </a:fillRef>
+          <a:effectRef idx="0">
+            <a:schemeClr val="accent1"/>
+          </a:effectRef>
+          <a:fontRef idx="minor">
+            <a:schemeClr val="lt1"/>
+          </a:fontRef>
+        </p:style>
+        <p:txBody>
+          <a:bodyPr rtlCol="0" anchor="ctr"/>
+          <a:lstStyle/>
+          <a:p>
+            <a:pPr algn="ctr"/>
+            <a:endParaRPr lang="en-US"/>
+          </a:p>
+        </p:txBody>
+      </p:sp>
+      <p:sp>
+        <p:nvSpPr>
+          <p:cNvPr id="81" name="Rectangle 80">
+            <a:extLst>
+              <a:ext uri="{FF2B5EF4-FFF2-40B4-BE49-F238E27FC236}">
+                <a16:creationId xmlns:a16="http://schemas.microsoft.com/office/drawing/2014/main" id="{3F0BE7ED-7814-4273-B18A-F26CC0380380}"/>
+              </a:ext>
+              <a:ext uri="{C183D7F6-B498-43B3-948B-1728B52AA6E4}">
+                <adec:decorative xmlns:adec="http://schemas.microsoft.com/office/drawing/2017/decorative" val="1"/>
+              </a:ext>
+            </a:extLst>
+          </p:cNvPr>
+          <p:cNvSpPr>
+            <a:spLocks noGrp="1" noRot="1" noChangeAspect="1" noMove="1" noResize="1" noEditPoints="1" noAdjustHandles="1" noChangeArrowheads="1" noChangeShapeType="1" noTextEdit="1"/>
+          </p:cNvSpPr>
+          <p:nvPr>
+            <p:extLst>
+              <p:ext uri="{386F3935-93C4-4BCD-93E2-E3B085C9AB24}">
+                <p16:designElem xmlns:p16="http://schemas.microsoft.com/office/powerpoint/2015/main" val="1"/>
+              </p:ext>
+            </p:extLst>
+          </p:nvPr>
+        </p:nvSpPr>
+        <p:spPr>
+          <a:xfrm flipH="1">
+            <a:off x="-4" y="6408742"/>
+            <a:ext cx="8115300" cy="449258"/>
+          </a:xfrm>
+          <a:prstGeom prst="rect">
+            <a:avLst/>
+          </a:prstGeom>
+          <a:gradFill>
+            <a:gsLst>
+              <a:gs pos="28000">
+                <a:schemeClr val="accent1">
+                  <a:lumMod val="75000"/>
+                  <a:alpha val="59000"/>
+                </a:schemeClr>
+              </a:gs>
+              <a:gs pos="100000">
+                <a:srgbClr val="000000">
+                  <a:alpha val="70000"/>
+                </a:srgbClr>
+              </a:gs>
+            </a:gsLst>
+            <a:lin ang="11400000" scaled="0"/>
+          </a:gradFill>
+          <a:ln>
+            <a:noFill/>
+          </a:ln>
+        </p:spPr>
+        <p:style>
+          <a:lnRef idx="2">
+            <a:schemeClr val="accent1">
+              <a:shade val="50000"/>
+            </a:schemeClr>
+          </a:lnRef>
+          <a:fillRef idx="1">
+            <a:schemeClr val="accent1"/>
+          </a:fillRef>
+          <a:effectRef idx="0">
+            <a:schemeClr val="accent1"/>
+          </a:effectRef>
+          <a:fontRef idx="minor">
+            <a:schemeClr val="lt1"/>
+          </a:fontRef>
+        </p:style>
+        <p:txBody>
+          <a:bodyPr rtlCol="0" anchor="ctr"/>
+          <a:lstStyle/>
+          <a:p>
+            <a:pPr algn="ctr"/>
+            <a:endParaRPr lang="en-US"/>
+          </a:p>
+        </p:txBody>
+      </p:sp>
+      <p:sp>
+        <p:nvSpPr>
+          <p:cNvPr id="2" name="TextBox 1">
+            <a:extLst>
+              <a:ext uri="{FF2B5EF4-FFF2-40B4-BE49-F238E27FC236}">
+                <a16:creationId xmlns:a16="http://schemas.microsoft.com/office/drawing/2014/main" id="{B4300520-0834-4B66-8C44-541E4356DA46}"/>
+              </a:ext>
+            </a:extLst>
+          </p:cNvPr>
+          <p:cNvSpPr txBox="1"/>
+          <p:nvPr/>
+        </p:nvSpPr>
+        <p:spPr>
+          <a:xfrm>
+            <a:off x="8486454" y="4457343"/>
+            <a:ext cx="3138601" cy="1600438"/>
+          </a:xfrm>
+          <a:prstGeom prst="rect">
+            <a:avLst/>
+          </a:prstGeom>
+          <a:noFill/>
+        </p:spPr>
+        <p:txBody>
+          <a:bodyPr wrap="square" rtlCol="0">
+            <a:spAutoFit/>
+          </a:bodyPr>
+          <a:lstStyle/>
+          <a:p>
+            <a:r>
+              <a:rPr lang="en-US" sz="1400" dirty="0"/>
+              <a:t>*It also stands to mention that </a:t>
+            </a:r>
+            <a:r>
+              <a:rPr lang="en-US" sz="1400" dirty="0" err="1"/>
+              <a:t>Ptolemaioi</a:t>
+            </a:r>
+            <a:r>
+              <a:rPr lang="en-US" sz="1400" dirty="0"/>
+              <a:t> made gains against the Seleukids in the Third Syrian War, retaining </a:t>
+            </a:r>
+            <a:r>
+              <a:rPr lang="en-US" sz="1400" dirty="0" err="1"/>
+              <a:t>Ephesos</a:t>
+            </a:r>
+            <a:r>
+              <a:rPr lang="en-US" sz="1400" dirty="0"/>
+              <a:t> and </a:t>
+            </a:r>
+            <a:r>
+              <a:rPr lang="en-US" sz="1400" dirty="0" err="1"/>
+              <a:t>Seleukeia</a:t>
+            </a:r>
+            <a:r>
+              <a:rPr lang="en-US" sz="1400" dirty="0"/>
+              <a:t> Pieria near </a:t>
+            </a:r>
+            <a:r>
+              <a:rPr lang="en-US" sz="1400" dirty="0" err="1"/>
+              <a:t>Antiocheia</a:t>
+            </a:r>
+            <a:r>
+              <a:rPr lang="en-US" sz="1400" dirty="0"/>
+              <a:t>. This will ultimately be the main cause of the Fourth Syrian War in 219 BCE.</a:t>
+            </a:r>
+          </a:p>
+        </p:txBody>
+      </p:sp>
+    </p:spTree>
+    <p:extLst>
+      <p:ext uri="{BB962C8B-B14F-4D97-AF65-F5344CB8AC3E}">
+        <p14:creationId xmlns:p14="http://schemas.microsoft.com/office/powerpoint/2010/main" val="370924517"/>
+      </p:ext>
+    </p:extLst>
+  </p:cSld>
+  <p:clrMapOvr>
+    <a:masterClrMapping/>
+  </p:clrMapOvr>
+</p:sld>
+</file>
+
+<file path=ppt/slides/slide36.xml><?xml version="1.0" encoding="utf-8"?>
+<p:sld xmlns:a="http://schemas.openxmlformats.org/drawingml/2006/main" xmlns:r="http://schemas.openxmlformats.org/officeDocument/2006/relationships" xmlns:p="http://schemas.openxmlformats.org/presentationml/2006/main">
+  <p:cSld>
+    <p:bg>
+      <p:bgPr>
+        <a:solidFill>
+          <a:schemeClr val="bg1"/>
+        </a:solidFill>
+        <a:effectLst/>
+      </p:bgPr>
+    </p:bg>
+    <p:spTree>
+      <p:nvGrpSpPr>
+        <p:cNvPr id="1" name=""/>
+        <p:cNvGrpSpPr/>
+        <p:nvPr/>
+      </p:nvGrpSpPr>
+      <p:grpSpPr>
+        <a:xfrm>
+          <a:off x="0" y="0"/>
+          <a:ext cx="0" cy="0"/>
+          <a:chOff x="0" y="0"/>
+          <a:chExt cx="0" cy="0"/>
+        </a:xfrm>
+      </p:grpSpPr>
+      <p:sp useBgFill="1">
+        <p:nvSpPr>
+          <p:cNvPr id="86" name="Rectangle 85">
             <a:extLst>
               <a:ext uri="{FF2B5EF4-FFF2-40B4-BE49-F238E27FC236}">
                 <a16:creationId xmlns:a16="http://schemas.microsoft.com/office/drawing/2014/main" id="{F13C74B1-5B17-4795-BED0-7140497B445A}"/>
@@ -20920,7 +22339,7 @@
       </p:sp>
       <p:sp>
         <p:nvSpPr>
-          <p:cNvPr id="72" name="sketchy line">
+          <p:cNvPr id="91" name="sketchy line">
             <a:extLst>
               <a:ext uri="{FF2B5EF4-FFF2-40B4-BE49-F238E27FC236}">
                 <a16:creationId xmlns:a16="http://schemas.microsoft.com/office/drawing/2014/main" id="{D4974D33-8DC5-464E-8C6D-BE58F0669C17}"/>
@@ -21224,7 +22643,7 @@
         </p:spPr>
         <p:txBody>
           <a:bodyPr vert="horz" lIns="91440" tIns="45720" rIns="91440" bIns="45720" rtlCol="0">
-            <a:normAutofit/>
+            <a:normAutofit fontScale="92500" lnSpcReduction="10000"/>
           </a:bodyPr>
           <a:lstStyle/>
           <a:p>
@@ -21237,10 +22656,10 @@
               </a:spcAft>
             </a:pPr>
             <a:r>
-              <a:rPr lang="en-US" sz="2400" b="1" dirty="0">
+              <a:rPr lang="en-US" sz="3000" b="1" dirty="0">
                 <a:latin typeface="+mj-lt"/>
               </a:rPr>
-              <a:t>243 BCE</a:t>
+              <a:t>232 BCE</a:t>
             </a:r>
           </a:p>
           <a:p>
@@ -21255,24 +22674,8 @@
               <a:buChar char="•"/>
             </a:pPr>
             <a:r>
-              <a:rPr lang="en-US" sz="2000" dirty="0"/>
-              <a:t>Agis IV reforms the Spartan state under a new </a:t>
-            </a:r>
-            <a:r>
-              <a:rPr lang="en-US" sz="2000" dirty="0" err="1"/>
-              <a:t>Lycurgan</a:t>
-            </a:r>
-            <a:r>
-              <a:rPr lang="en-US" sz="2000" dirty="0"/>
-              <a:t> model. The entire Peloponnesus is turned into a militaristic state, with all </a:t>
-            </a:r>
-            <a:r>
-              <a:rPr lang="en-US" sz="2000" dirty="0" err="1"/>
-              <a:t>Hellens</a:t>
-            </a:r>
-            <a:r>
-              <a:rPr lang="en-US" sz="2000" dirty="0"/>
-              <a:t> gaining citizenship and with all young men being enrolled into the new Agoge system.</a:t>
+              <a:rPr lang="en-US" sz="2400" b="1" dirty="0"/>
+              <a:t>Ashoka the Great is ambushed by Hindu fanatics and drowned in the Ganges River.</a:t>
             </a:r>
           </a:p>
           <a:p>
@@ -21287,10 +22690,9 @@
               <a:buChar char="•"/>
             </a:pPr>
             <a:r>
-              <a:rPr lang="en-US" sz="2000" dirty="0"/>
-              <a:t>A defensive alliance is formed with the Athenians against potential Makedonian invasion.</a:t>
-            </a:r>
-            <a:endParaRPr lang="en-US" sz="2000" b="1" dirty="0"/>
+              <a:rPr lang="en-US" sz="2400" b="1" dirty="0"/>
+              <a:t>The empire falls into chaos as several kings in central and southern India and all the Hellenic satraps in Sindhia declare independence. His son and heir Dasharatha struggles to restore order.</a:t>
+            </a:r>
           </a:p>
         </p:txBody>
       </p:sp>
@@ -21316,7 +22718,7 @@
               </a:ext>
             </a:extLst>
           </a:blip>
-          <a:srcRect r="16745" b="3"/>
+          <a:srcRect r="11232" b="1"/>
           <a:stretch/>
         </p:blipFill>
         <p:spPr>
@@ -21441,50 +22843,10 @@
           </a:custGeom>
         </p:spPr>
       </p:pic>
-      <p:sp>
-        <p:nvSpPr>
-          <p:cNvPr id="5" name="TextBox 4">
-            <a:extLst>
-              <a:ext uri="{FF2B5EF4-FFF2-40B4-BE49-F238E27FC236}">
-                <a16:creationId xmlns:a16="http://schemas.microsoft.com/office/drawing/2014/main" id="{3982180C-1337-4672-90A8-C56DA1D14D58}"/>
-              </a:ext>
-            </a:extLst>
-          </p:cNvPr>
-          <p:cNvSpPr txBox="1"/>
-          <p:nvPr/>
-        </p:nvSpPr>
-        <p:spPr>
-          <a:xfrm>
-            <a:off x="261973" y="504214"/>
-            <a:ext cx="4787757" cy="738664"/>
-          </a:xfrm>
-          <a:prstGeom prst="rect">
-            <a:avLst/>
-          </a:prstGeom>
-          <a:noFill/>
-        </p:spPr>
-        <p:txBody>
-          <a:bodyPr wrap="square" rtlCol="0">
-            <a:spAutoFit/>
-          </a:bodyPr>
-          <a:lstStyle/>
-          <a:p>
-            <a:pPr>
-              <a:spcAft>
-                <a:spcPts val="600"/>
-              </a:spcAft>
-            </a:pPr>
-            <a:r>
-              <a:rPr lang="en-US" sz="1400" dirty="0"/>
-              <a:t>*Ptolemy II lost lands in Asia Minor to the Seleukids in the Second Syrian War. He also died in 246 BCE and was succeeded by Ptolemy III Euergetes without incident.</a:t>
-            </a:r>
-          </a:p>
-        </p:txBody>
-      </p:sp>
     </p:spTree>
     <p:extLst>
       <p:ext uri="{BB962C8B-B14F-4D97-AF65-F5344CB8AC3E}">
-        <p14:creationId xmlns:p14="http://schemas.microsoft.com/office/powerpoint/2010/main" val="3123724628"/>
+        <p14:creationId xmlns:p14="http://schemas.microsoft.com/office/powerpoint/2010/main" val="2404304302"/>
       </p:ext>
     </p:extLst>
   </p:cSld>
@@ -21494,7 +22856,7 @@
 </p:sld>
 </file>
 
-<file path=ppt/slides/slide34.xml><?xml version="1.0" encoding="utf-8"?>
+<file path=ppt/slides/slide37.xml><?xml version="1.0" encoding="utf-8"?>
 <p:sld xmlns:a="http://schemas.openxmlformats.org/drawingml/2006/main" xmlns:r="http://schemas.openxmlformats.org/officeDocument/2006/relationships" xmlns:p="http://schemas.openxmlformats.org/presentationml/2006/main">
   <p:cSld>
     <p:bg>
@@ -21521,10 +22883,10 @@
       </p:grpSpPr>
       <p:sp useBgFill="1">
         <p:nvSpPr>
-          <p:cNvPr id="77" name="Rectangle 76">
+          <p:cNvPr id="96" name="Rectangle 95">
             <a:extLst>
               <a:ext uri="{FF2B5EF4-FFF2-40B4-BE49-F238E27FC236}">
-                <a16:creationId xmlns:a16="http://schemas.microsoft.com/office/drawing/2014/main" id="{3AFE8227-C443-417B-BA91-520EB1EF4559}"/>
+                <a16:creationId xmlns:a16="http://schemas.microsoft.com/office/drawing/2014/main" id="{E36BB3C5-822B-45E1-A81E-5CC3176C61A1}"/>
               </a:ext>
               <a:ext uri="{C183D7F6-B498-43B3-948B-1728B52AA6E4}">
                 <adec:decorative xmlns:adec="http://schemas.microsoft.com/office/drawing/2017/decorative" val="1"/>
@@ -21544,8 +22906,8 @@
         </p:nvSpPr>
         <p:spPr>
           <a:xfrm>
-            <a:off x="0" y="2"/>
-            <a:ext cx="12192000" cy="6857997"/>
+            <a:off x="0" y="0"/>
+            <a:ext cx="12192000" cy="6858000"/>
           </a:xfrm>
           <a:prstGeom prst="rect">
             <a:avLst/>
@@ -21581,10 +22943,10 @@
       </p:sp>
       <p:pic>
         <p:nvPicPr>
-          <p:cNvPr id="3" name="Picture 2">
+          <p:cNvPr id="6" name="Picture 5">
             <a:extLst>
               <a:ext uri="{FF2B5EF4-FFF2-40B4-BE49-F238E27FC236}">
-                <a16:creationId xmlns:a16="http://schemas.microsoft.com/office/drawing/2014/main" id="{DF48942B-53F6-45ED-9B7A-D117C19EB58F}"/>
+                <a16:creationId xmlns:a16="http://schemas.microsoft.com/office/drawing/2014/main" id="{49AD5D7C-48BD-447B-BC06-60739105A938}"/>
               </a:ext>
             </a:extLst>
           </p:cNvPr>
@@ -21601,118 +22963,25 @@
               </a:ext>
             </a:extLst>
           </a:blip>
-          <a:srcRect l="6785" r="6787" b="1"/>
+          <a:srcRect t="20554" b="20554"/>
           <a:stretch/>
         </p:blipFill>
         <p:spPr>
           <a:xfrm>
-            <a:off x="20" y="431"/>
-            <a:ext cx="8115280" cy="6408311"/>
+            <a:off x="579264" y="365141"/>
+            <a:ext cx="6288262" cy="3063875"/>
           </a:xfrm>
           <a:prstGeom prst="rect">
             <a:avLst/>
           </a:prstGeom>
         </p:spPr>
       </p:pic>
-      <p:sp>
+      <p:sp useBgFill="1">
         <p:nvSpPr>
-          <p:cNvPr id="4" name="TextBox 3">
+          <p:cNvPr id="98" name="Rectangle 97">
             <a:extLst>
               <a:ext uri="{FF2B5EF4-FFF2-40B4-BE49-F238E27FC236}">
-                <a16:creationId xmlns:a16="http://schemas.microsoft.com/office/drawing/2014/main" id="{03DDB894-502D-4473-8189-C7F7050B360F}"/>
-              </a:ext>
-            </a:extLst>
-          </p:cNvPr>
-          <p:cNvSpPr txBox="1"/>
-          <p:nvPr/>
-        </p:nvSpPr>
-        <p:spPr>
-          <a:xfrm>
-            <a:off x="8682242" y="301932"/>
-            <a:ext cx="2942813" cy="4136504"/>
-          </a:xfrm>
-          <a:prstGeom prst="rect">
-            <a:avLst/>
-          </a:prstGeom>
-        </p:spPr>
-        <p:txBody>
-          <a:bodyPr vert="horz" lIns="91440" tIns="45720" rIns="91440" bIns="45720" rtlCol="0">
-            <a:normAutofit/>
-          </a:bodyPr>
-          <a:lstStyle/>
-          <a:p>
-            <a:pPr defTabSz="914400">
-              <a:lnSpc>
-                <a:spcPct val="90000"/>
-              </a:lnSpc>
-              <a:spcAft>
-                <a:spcPts val="600"/>
-              </a:spcAft>
-            </a:pPr>
-            <a:r>
-              <a:rPr lang="en-US" sz="3200" b="1" dirty="0">
-                <a:latin typeface="+mj-lt"/>
-              </a:rPr>
-              <a:t>237 BCE</a:t>
-            </a:r>
-          </a:p>
-          <a:p>
-            <a:pPr marL="285750" indent="-228600" defTabSz="914400">
-              <a:lnSpc>
-                <a:spcPct val="90000"/>
-              </a:lnSpc>
-              <a:spcAft>
-                <a:spcPts val="600"/>
-              </a:spcAft>
-              <a:buFont typeface="Arial" panose="020B0604020202020204" pitchFamily="34" charset="0"/>
-              <a:buChar char="•"/>
-            </a:pPr>
-            <a:r>
-              <a:rPr lang="en-US" sz="2400" dirty="0"/>
-              <a:t>The </a:t>
-            </a:r>
-            <a:r>
-              <a:rPr lang="en-US" sz="2400" dirty="0" err="1"/>
-              <a:t>Parni</a:t>
-            </a:r>
-            <a:r>
-              <a:rPr lang="en-US" sz="2400" dirty="0"/>
-              <a:t> King Arsaces invades and conquers the Seleukid Satrapy of Parthia.</a:t>
-            </a:r>
-          </a:p>
-          <a:p>
-            <a:pPr marL="285750" indent="-228600" defTabSz="914400">
-              <a:lnSpc>
-                <a:spcPct val="90000"/>
-              </a:lnSpc>
-              <a:spcAft>
-                <a:spcPts val="600"/>
-              </a:spcAft>
-              <a:buFont typeface="Arial" panose="020B0604020202020204" pitchFamily="34" charset="0"/>
-              <a:buChar char="•"/>
-            </a:pPr>
-            <a:r>
-              <a:rPr lang="en-US" sz="2400" dirty="0"/>
-              <a:t>Seleukos II </a:t>
-            </a:r>
-            <a:r>
-              <a:rPr lang="en-US" sz="2400" dirty="0" err="1"/>
-              <a:t>Callinicus</a:t>
-            </a:r>
-            <a:r>
-              <a:rPr lang="en-US" sz="2400" dirty="0"/>
-              <a:t> is taken prisoner.</a:t>
-            </a:r>
-            <a:endParaRPr lang="en-US" sz="2400" b="1" dirty="0"/>
-          </a:p>
-        </p:txBody>
-      </p:sp>
-      <p:sp>
-        <p:nvSpPr>
-          <p:cNvPr id="79" name="Rectangle 78">
-            <a:extLst>
-              <a:ext uri="{FF2B5EF4-FFF2-40B4-BE49-F238E27FC236}">
-                <a16:creationId xmlns:a16="http://schemas.microsoft.com/office/drawing/2014/main" id="{907741FC-B544-4A6E-B831-6789D042333D}"/>
+                <a16:creationId xmlns:a16="http://schemas.microsoft.com/office/drawing/2014/main" id="{FB39ECA9-4CDE-4883-98E8-287E905E9F07}"/>
               </a:ext>
               <a:ext uri="{C183D7F6-B498-43B3-948B-1728B52AA6E4}">
                 <adec:decorative xmlns:adec="http://schemas.microsoft.com/office/drawing/2017/decorative" val="1"/>
@@ -21731,26 +23000,115 @@
           </p:nvPr>
         </p:nvSpPr>
         <p:spPr>
-          <a:xfrm flipH="1">
-            <a:off x="-1" y="6408741"/>
-            <a:ext cx="12191998" cy="457202"/>
+          <a:xfrm>
+            <a:off x="579263" y="3630934"/>
+            <a:ext cx="6288261" cy="2546028"/>
           </a:xfrm>
           <a:prstGeom prst="rect">
             <a:avLst/>
           </a:prstGeom>
-          <a:gradFill>
-            <a:gsLst>
-              <a:gs pos="34000">
-                <a:srgbClr val="000000">
-                  <a:alpha val="96000"/>
-                </a:srgbClr>
-              </a:gs>
-              <a:gs pos="100000">
-                <a:schemeClr val="accent1"/>
-              </a:gs>
-            </a:gsLst>
-            <a:lin ang="8400000" scaled="0"/>
-          </a:gradFill>
+          <a:ln w="12700">
+            <a:solidFill>
+              <a:srgbClr val="DEDEDE"/>
+            </a:solidFill>
+          </a:ln>
+          <a:effectLst>
+            <a:outerShdw blurRad="50800" dist="38100" dir="2700000" algn="tl" rotWithShape="0">
+              <a:schemeClr val="bg2">
+                <a:lumMod val="85000"/>
+                <a:alpha val="50000"/>
+              </a:schemeClr>
+            </a:outerShdw>
+          </a:effectLst>
+        </p:spPr>
+        <p:style>
+          <a:lnRef idx="2">
+            <a:schemeClr val="accent1">
+              <a:shade val="50000"/>
+            </a:schemeClr>
+          </a:lnRef>
+          <a:fillRef idx="1">
+            <a:schemeClr val="accent1"/>
+          </a:fillRef>
+          <a:effectRef idx="0">
+            <a:schemeClr val="accent1"/>
+          </a:effectRef>
+          <a:fontRef idx="minor">
+            <a:schemeClr val="lt1"/>
+          </a:fontRef>
+        </p:style>
+        <p:txBody>
+          <a:bodyPr rtlCol="0" anchor="ctr"/>
+          <a:lstStyle/>
+          <a:p>
+            <a:pPr marL="0" marR="0" lvl="0" indent="0" algn="ctr" defTabSz="914400" rtl="0" eaLnBrk="1" fontAlgn="auto" latinLnBrk="0" hangingPunct="1">
+              <a:lnSpc>
+                <a:spcPct val="100000"/>
+              </a:lnSpc>
+              <a:spcBef>
+                <a:spcPts val="0"/>
+              </a:spcBef>
+              <a:spcAft>
+                <a:spcPts val="0"/>
+              </a:spcAft>
+              <a:buClrTx/>
+              <a:buSzTx/>
+              <a:buFontTx/>
+              <a:buNone/>
+              <a:tabLst/>
+              <a:defRPr/>
+            </a:pPr>
+            <a:endParaRPr kumimoji="0" lang="en-US" sz="1800" b="0" i="0" u="none" strike="noStrike" kern="1200" cap="none" spc="0" normalizeH="0" baseline="0" noProof="0">
+              <a:ln>
+                <a:noFill/>
+              </a:ln>
+              <a:solidFill>
+                <a:prstClr val="white"/>
+              </a:solidFill>
+              <a:effectLst/>
+              <a:uLnTx/>
+              <a:uFillTx/>
+              <a:latin typeface="Calibri" panose="020F0502020204030204"/>
+              <a:ea typeface="+mn-ea"/>
+              <a:cs typeface="+mn-cs"/>
+            </a:endParaRPr>
+          </a:p>
+        </p:txBody>
+      </p:sp>
+      <p:sp>
+        <p:nvSpPr>
+          <p:cNvPr id="100" name="Rectangle 99">
+            <a:extLst>
+              <a:ext uri="{FF2B5EF4-FFF2-40B4-BE49-F238E27FC236}">
+                <a16:creationId xmlns:a16="http://schemas.microsoft.com/office/drawing/2014/main" id="{A67483D0-BAEB-4927-88AD-76F5DA8468DE}"/>
+              </a:ext>
+              <a:ext uri="{C183D7F6-B498-43B3-948B-1728B52AA6E4}">
+                <adec:decorative xmlns:adec="http://schemas.microsoft.com/office/drawing/2017/decorative" val="1"/>
+              </a:ext>
+            </a:extLst>
+          </p:cNvPr>
+          <p:cNvSpPr>
+            <a:spLocks noGrp="1" noRot="1" noChangeAspect="1" noMove="1" noResize="1" noEditPoints="1" noAdjustHandles="1" noChangeArrowheads="1" noChangeShapeType="1" noTextEdit="1"/>
+          </p:cNvSpPr>
+          <p:nvPr>
+            <p:extLst>
+              <p:ext uri="{386F3935-93C4-4BCD-93E2-E3B085C9AB24}">
+                <p16:designElem xmlns:p16="http://schemas.microsoft.com/office/powerpoint/2015/main" val="1"/>
+              </p:ext>
+            </p:extLst>
+          </p:nvPr>
+        </p:nvSpPr>
+        <p:spPr>
+          <a:xfrm>
+            <a:off x="522494" y="4565724"/>
+            <a:ext cx="128016" cy="653903"/>
+          </a:xfrm>
+          <a:prstGeom prst="rect">
+            <a:avLst/>
+          </a:prstGeom>
+          <a:solidFill>
+            <a:schemeClr val="accent2"/>
+          </a:solidFill>
           <a:ln>
             <a:noFill/>
           </a:ln>
@@ -21776,16 +23134,21 @@
           <a:lstStyle/>
           <a:p>
             <a:pPr algn="ctr"/>
-            <a:endParaRPr lang="en-US"/>
+            <a:endParaRPr lang="en-US">
+              <a:solidFill>
+                <a:prstClr val="white"/>
+              </a:solidFill>
+              <a:latin typeface="Calibri" panose="020F0502020204030204"/>
+            </a:endParaRPr>
           </a:p>
         </p:txBody>
       </p:sp>
       <p:sp>
         <p:nvSpPr>
-          <p:cNvPr id="81" name="Rectangle 80">
+          <p:cNvPr id="102" name="Rectangle 101">
             <a:extLst>
               <a:ext uri="{FF2B5EF4-FFF2-40B4-BE49-F238E27FC236}">
-                <a16:creationId xmlns:a16="http://schemas.microsoft.com/office/drawing/2014/main" id="{3F0BE7ED-7814-4273-B18A-F26CC0380380}"/>
+                <a16:creationId xmlns:a16="http://schemas.microsoft.com/office/drawing/2014/main" id="{0DBB7B12-4298-4CFB-B539-44A91C930328}"/>
               </a:ext>
               <a:ext uri="{C183D7F6-B498-43B3-948B-1728B52AA6E4}">
                 <adec:decorative xmlns:adec="http://schemas.microsoft.com/office/drawing/2017/decorative" val="1"/>
@@ -21804,32 +23167,20 @@
           </p:nvPr>
         </p:nvSpPr>
         <p:spPr>
-          <a:xfrm flipH="1">
-            <a:off x="-4" y="6408742"/>
-            <a:ext cx="8115300" cy="449258"/>
+          <a:xfrm rot="5400000">
+            <a:off x="2394346" y="4893056"/>
+            <a:ext cx="1463040" cy="18288"/>
           </a:xfrm>
           <a:prstGeom prst="rect">
             <a:avLst/>
           </a:prstGeom>
-          <a:gradFill>
-            <a:gsLst>
-              <a:gs pos="28000">
-                <a:schemeClr val="accent1">
-                  <a:lumMod val="75000"/>
-                  <a:alpha val="59000"/>
-                </a:schemeClr>
-              </a:gs>
-              <a:gs pos="100000">
-                <a:srgbClr val="000000">
-                  <a:alpha val="70000"/>
-                </a:srgbClr>
-              </a:gs>
-            </a:gsLst>
-            <a:lin ang="11400000" scaled="0"/>
-          </a:gradFill>
-          <a:ln>
+          <a:solidFill>
+            <a:srgbClr val="D5D5D5"/>
+          </a:solidFill>
+          <a:ln w="3175">
             <a:noFill/>
           </a:ln>
+          <a:effectLst/>
         </p:spPr>
         <p:style>
           <a:lnRef idx="2">
@@ -21851,17 +23202,46 @@
           <a:bodyPr rtlCol="0" anchor="ctr"/>
           <a:lstStyle/>
           <a:p>
-            <a:pPr algn="ctr"/>
-            <a:endParaRPr lang="en-US"/>
+            <a:pPr marL="0" marR="0" lvl="0" indent="0" algn="ctr" defTabSz="914400" rtl="0" eaLnBrk="1" fontAlgn="auto" latinLnBrk="0" hangingPunct="1">
+              <a:lnSpc>
+                <a:spcPct val="100000"/>
+              </a:lnSpc>
+              <a:spcBef>
+                <a:spcPts val="0"/>
+              </a:spcBef>
+              <a:spcAft>
+                <a:spcPts val="0"/>
+              </a:spcAft>
+              <a:buClrTx/>
+              <a:buSzTx/>
+              <a:buFontTx/>
+              <a:buNone/>
+              <a:tabLst/>
+              <a:defRPr/>
+            </a:pPr>
+            <a:endParaRPr kumimoji="0" lang="en-US" sz="1800" b="0" i="0" u="none" strike="noStrike" kern="1200" cap="none" spc="0" normalizeH="0" baseline="0" noProof="0">
+              <a:ln>
+                <a:noFill/>
+              </a:ln>
+              <a:solidFill>
+                <a:prstClr val="white"/>
+              </a:solidFill>
+              <a:effectLst/>
+              <a:uLnTx/>
+              <a:uFillTx/>
+              <a:latin typeface="Calibri" panose="020F0502020204030204"/>
+              <a:ea typeface="+mn-ea"/>
+              <a:cs typeface="+mn-cs"/>
+            </a:endParaRPr>
           </a:p>
         </p:txBody>
       </p:sp>
       <p:sp>
         <p:nvSpPr>
-          <p:cNvPr id="2" name="TextBox 1">
+          <p:cNvPr id="4" name="TextBox 3">
             <a:extLst>
               <a:ext uri="{FF2B5EF4-FFF2-40B4-BE49-F238E27FC236}">
-                <a16:creationId xmlns:a16="http://schemas.microsoft.com/office/drawing/2014/main" id="{B4300520-0834-4B66-8C44-541E4356DA46}"/>
+                <a16:creationId xmlns:a16="http://schemas.microsoft.com/office/drawing/2014/main" id="{03DDB894-502D-4473-8189-C7F7050B360F}"/>
               </a:ext>
             </a:extLst>
           </p:cNvPr>
@@ -21870,8 +23250,129 @@
         </p:nvSpPr>
         <p:spPr>
           <a:xfrm>
-            <a:off x="8486454" y="4457343"/>
-            <a:ext cx="3138601" cy="1600438"/>
+            <a:off x="3360563" y="3849688"/>
+            <a:ext cx="3315810" cy="2105025"/>
+          </a:xfrm>
+          <a:prstGeom prst="rect">
+            <a:avLst/>
+          </a:prstGeom>
+        </p:spPr>
+        <p:txBody>
+          <a:bodyPr vert="horz" lIns="91440" tIns="45720" rIns="91440" bIns="45720" rtlCol="0" anchor="ctr">
+            <a:normAutofit fontScale="92500" lnSpcReduction="10000"/>
+          </a:bodyPr>
+          <a:lstStyle/>
+          <a:p>
+            <a:pPr defTabSz="914400">
+              <a:lnSpc>
+                <a:spcPct val="90000"/>
+              </a:lnSpc>
+              <a:spcAft>
+                <a:spcPts val="600"/>
+              </a:spcAft>
+            </a:pPr>
+            <a:r>
+              <a:rPr lang="en-US" sz="1900" dirty="0">
+                <a:latin typeface="+mj-lt"/>
+              </a:rPr>
+              <a:t>230 BCE</a:t>
+            </a:r>
+          </a:p>
+          <a:p>
+            <a:pPr marL="285750" indent="-228600" defTabSz="914400">
+              <a:lnSpc>
+                <a:spcPct val="90000"/>
+              </a:lnSpc>
+              <a:spcAft>
+                <a:spcPts val="600"/>
+              </a:spcAft>
+              <a:buFont typeface="Arial" panose="020B0604020202020204" pitchFamily="34" charset="0"/>
+              <a:buChar char="•"/>
+            </a:pPr>
+            <a:r>
+              <a:rPr lang="en-US" sz="1400" dirty="0"/>
+              <a:t>Attalus I Soter of Pergamon defeats the Galatian invasion of Pergamon. He marries the Galatian princess </a:t>
+            </a:r>
+            <a:r>
+              <a:rPr lang="en-US" sz="1400" dirty="0" err="1"/>
+              <a:t>Berena</a:t>
+            </a:r>
+            <a:r>
+              <a:rPr lang="en-US" sz="1400" dirty="0"/>
+              <a:t> and an alliance is formed between the Galatians and Pergamon.</a:t>
+            </a:r>
+          </a:p>
+          <a:p>
+            <a:pPr marL="285750" indent="-228600" defTabSz="914400">
+              <a:lnSpc>
+                <a:spcPct val="90000"/>
+              </a:lnSpc>
+              <a:spcAft>
+                <a:spcPts val="600"/>
+              </a:spcAft>
+              <a:buFont typeface="Arial" panose="020B0604020202020204" pitchFamily="34" charset="0"/>
+              <a:buChar char="•"/>
+            </a:pPr>
+            <a:r>
+              <a:rPr lang="en-US" sz="1400" b="1" dirty="0"/>
+              <a:t>King </a:t>
+            </a:r>
+            <a:r>
+              <a:rPr lang="en-US" sz="1400" b="1" dirty="0" err="1"/>
+              <a:t>Kubera</a:t>
+            </a:r>
+            <a:r>
+              <a:rPr lang="en-US" sz="1400" b="1" dirty="0"/>
+              <a:t> of Bhattiprolu joins the rebellion against the Maurya. The resulting geographic isolation allows rebel factions to consolidate power in Karnataka.</a:t>
+            </a:r>
+          </a:p>
+        </p:txBody>
+      </p:sp>
+      <p:pic>
+        <p:nvPicPr>
+          <p:cNvPr id="8" name="Picture 7" descr="Map&#10;&#10;Description automatically generated">
+            <a:extLst>
+              <a:ext uri="{FF2B5EF4-FFF2-40B4-BE49-F238E27FC236}">
+                <a16:creationId xmlns:a16="http://schemas.microsoft.com/office/drawing/2014/main" id="{26229E2D-1CAB-422C-BDCD-21FF6BBF4947}"/>
+              </a:ext>
+            </a:extLst>
+          </p:cNvPr>
+          <p:cNvPicPr>
+            <a:picLocks noChangeAspect="1"/>
+          </p:cNvPicPr>
+          <p:nvPr/>
+        </p:nvPicPr>
+        <p:blipFill rotWithShape="1">
+          <a:blip r:embed="rId4"/>
+          <a:srcRect l="5042" r="8771" b="3"/>
+          <a:stretch/>
+        </p:blipFill>
+        <p:spPr>
+          <a:xfrm>
+            <a:off x="7048500" y="365109"/>
+            <a:ext cx="4621006" cy="5811838"/>
+          </a:xfrm>
+          <a:prstGeom prst="rect">
+            <a:avLst/>
+          </a:prstGeom>
+        </p:spPr>
+      </p:pic>
+      <p:sp>
+        <p:nvSpPr>
+          <p:cNvPr id="2" name="TextBox 1">
+            <a:extLst>
+              <a:ext uri="{FF2B5EF4-FFF2-40B4-BE49-F238E27FC236}">
+                <a16:creationId xmlns:a16="http://schemas.microsoft.com/office/drawing/2014/main" id="{A03DE87A-4E3A-4B91-B52E-7BDCA16B67D4}"/>
+              </a:ext>
+            </a:extLst>
+          </p:cNvPr>
+          <p:cNvSpPr txBox="1"/>
+          <p:nvPr/>
+        </p:nvSpPr>
+        <p:spPr>
+          <a:xfrm>
+            <a:off x="586502" y="3754111"/>
+            <a:ext cx="2594228" cy="2200602"/>
           </a:xfrm>
           <a:prstGeom prst="rect">
             <a:avLst/>
@@ -21884,41 +23385,34 @@
           </a:bodyPr>
           <a:lstStyle/>
           <a:p>
-            <a:r>
-              <a:rPr lang="en-US" sz="1400" dirty="0"/>
-              <a:t>*It also stands to mention that </a:t>
-            </a:r>
-            <a:r>
-              <a:rPr lang="en-US" sz="1400" dirty="0" err="1"/>
-              <a:t>Ptolemaioi</a:t>
-            </a:r>
-            <a:r>
-              <a:rPr lang="en-US" sz="1400" dirty="0"/>
-              <a:t> made gains against the Seleukids in the Third Syrian War, retaining </a:t>
-            </a:r>
-            <a:r>
-              <a:rPr lang="en-US" sz="1400" dirty="0" err="1"/>
-              <a:t>Ephesos</a:t>
-            </a:r>
-            <a:r>
-              <a:rPr lang="en-US" sz="1400" dirty="0"/>
-              <a:t> and </a:t>
-            </a:r>
-            <a:r>
-              <a:rPr lang="en-US" sz="1400" dirty="0" err="1"/>
-              <a:t>Seleukeia</a:t>
-            </a:r>
-            <a:r>
-              <a:rPr lang="en-US" sz="1400" dirty="0"/>
-              <a:t> Pieria near </a:t>
-            </a:r>
-            <a:r>
-              <a:rPr lang="en-US" sz="1400" dirty="0" err="1"/>
-              <a:t>Antiocheia</a:t>
-            </a:r>
-            <a:r>
-              <a:rPr lang="en-US" sz="1400" dirty="0"/>
-              <a:t>. This will ultimately be the main cause of the Fourth Syrian War in 219 BCE.</a:t>
+            <a:pPr>
+              <a:spcAft>
+                <a:spcPts val="600"/>
+              </a:spcAft>
+            </a:pPr>
+            <a:r>
+              <a:rPr lang="en-US" sz="1200" dirty="0"/>
+              <a:t>*In Egypt, Ptolemy III builds the Temple of Horus, boosting the influence of ancient Egyptian religion within his empire.</a:t>
+            </a:r>
+            <a:endParaRPr lang="en-US" sz="300" dirty="0"/>
+          </a:p>
+          <a:p>
+            <a:pPr>
+              <a:spcAft>
+                <a:spcPts val="600"/>
+              </a:spcAft>
+            </a:pPr>
+            <a:r>
+              <a:rPr lang="en-US" sz="1200" dirty="0"/>
+              <a:t>**The Roman navy occupies the island of Corfu in an effort to curb Illyrian piracy on their trade fleets. This does not result in war with </a:t>
+            </a:r>
+            <a:r>
+              <a:rPr lang="en-US" sz="1200" dirty="0" err="1"/>
+              <a:t>Makedon</a:t>
+            </a:r>
+            <a:r>
+              <a:rPr lang="en-US" sz="1200" dirty="0"/>
+              <a:t>, as the island had been previously taken by Illyrian pirates and its Greek inhabitants expelled.</a:t>
             </a:r>
           </a:p>
         </p:txBody>
@@ -21926,7 +23420,7 @@
     </p:spTree>
     <p:extLst>
       <p:ext uri="{BB962C8B-B14F-4D97-AF65-F5344CB8AC3E}">
-        <p14:creationId xmlns:p14="http://schemas.microsoft.com/office/powerpoint/2010/main" val="370924517"/>
+        <p14:creationId xmlns:p14="http://schemas.microsoft.com/office/powerpoint/2010/main" val="1522626682"/>
       </p:ext>
     </p:extLst>
   </p:cSld>
@@ -21936,7 +23430,7 @@
 </p:sld>
 </file>
 
-<file path=ppt/slides/slide35.xml><?xml version="1.0" encoding="utf-8"?>
+<file path=ppt/slides/slide38.xml><?xml version="1.0" encoding="utf-8"?>
 <p:sld xmlns:a="http://schemas.openxmlformats.org/drawingml/2006/main" xmlns:r="http://schemas.openxmlformats.org/officeDocument/2006/relationships" xmlns:p="http://schemas.openxmlformats.org/presentationml/2006/main">
   <p:cSld>
     <p:bg>
@@ -21961,12 +23455,12 @@
           <a:chExt cx="0" cy="0"/>
         </a:xfrm>
       </p:grpSpPr>
-      <p:sp useBgFill="1">
+      <p:sp>
         <p:nvSpPr>
-          <p:cNvPr id="86" name="Rectangle 85">
+          <p:cNvPr id="128" name="Freeform: Shape 127">
             <a:extLst>
               <a:ext uri="{FF2B5EF4-FFF2-40B4-BE49-F238E27FC236}">
-                <a16:creationId xmlns:a16="http://schemas.microsoft.com/office/drawing/2014/main" id="{F13C74B1-5B17-4795-BED0-7140497B445A}"/>
+                <a16:creationId xmlns:a16="http://schemas.microsoft.com/office/drawing/2014/main" id="{F60FCA6E-0894-46CD-BD49-5955A51E0084}"/>
               </a:ext>
               <a:ext uri="{C183D7F6-B498-43B3-948B-1728B52AA6E4}">
                 <adec:decorative xmlns:adec="http://schemas.microsoft.com/office/drawing/2017/decorative" val="1"/>
@@ -21986,12 +23480,108 @@
         </p:nvSpPr>
         <p:spPr>
           <a:xfrm>
-            <a:off x="0" y="0"/>
-            <a:ext cx="12188952" cy="6858000"/>
+            <a:off x="6831955" y="5346696"/>
+            <a:ext cx="5360045" cy="1511304"/>
           </a:xfrm>
-          <a:prstGeom prst="rect">
+          <a:custGeom>
             <a:avLst/>
-          </a:prstGeom>
+            <a:gdLst>
+              <a:gd name="connsiteX0" fmla="*/ 4545473 w 5360045"/>
+              <a:gd name="connsiteY0" fmla="*/ 0 h 1511304"/>
+              <a:gd name="connsiteX1" fmla="*/ 5360045 w 5360045"/>
+              <a:gd name="connsiteY1" fmla="*/ 0 h 1511304"/>
+              <a:gd name="connsiteX2" fmla="*/ 5360045 w 5360045"/>
+              <a:gd name="connsiteY2" fmla="*/ 1046730 h 1511304"/>
+              <a:gd name="connsiteX3" fmla="*/ 5360045 w 5360045"/>
+              <a:gd name="connsiteY3" fmla="*/ 1508760 h 1511304"/>
+              <a:gd name="connsiteX4" fmla="*/ 5360045 w 5360045"/>
+              <a:gd name="connsiteY4" fmla="*/ 1511304 h 1511304"/>
+              <a:gd name="connsiteX5" fmla="*/ 4545474 w 5360045"/>
+              <a:gd name="connsiteY5" fmla="*/ 1511304 h 1511304"/>
+              <a:gd name="connsiteX6" fmla="*/ 2525897 w 5360045"/>
+              <a:gd name="connsiteY6" fmla="*/ 1511304 h 1511304"/>
+              <a:gd name="connsiteX7" fmla="*/ 0 w 5360045"/>
+              <a:gd name="connsiteY7" fmla="*/ 1511304 h 1511304"/>
+              <a:gd name="connsiteX8" fmla="*/ 697617 w 5360045"/>
+              <a:gd name="connsiteY8" fmla="*/ 3 h 1511304"/>
+              <a:gd name="connsiteX9" fmla="*/ 4545473 w 5360045"/>
+              <a:gd name="connsiteY9" fmla="*/ 3 h 1511304"/>
+            </a:gdLst>
+            <a:ahLst/>
+            <a:cxnLst>
+              <a:cxn ang="0">
+                <a:pos x="connsiteX0" y="connsiteY0"/>
+              </a:cxn>
+              <a:cxn ang="0">
+                <a:pos x="connsiteX1" y="connsiteY1"/>
+              </a:cxn>
+              <a:cxn ang="0">
+                <a:pos x="connsiteX2" y="connsiteY2"/>
+              </a:cxn>
+              <a:cxn ang="0">
+                <a:pos x="connsiteX3" y="connsiteY3"/>
+              </a:cxn>
+              <a:cxn ang="0">
+                <a:pos x="connsiteX4" y="connsiteY4"/>
+              </a:cxn>
+              <a:cxn ang="0">
+                <a:pos x="connsiteX5" y="connsiteY5"/>
+              </a:cxn>
+              <a:cxn ang="0">
+                <a:pos x="connsiteX6" y="connsiteY6"/>
+              </a:cxn>
+              <a:cxn ang="0">
+                <a:pos x="connsiteX7" y="connsiteY7"/>
+              </a:cxn>
+              <a:cxn ang="0">
+                <a:pos x="connsiteX8" y="connsiteY8"/>
+              </a:cxn>
+              <a:cxn ang="0">
+                <a:pos x="connsiteX9" y="connsiteY9"/>
+              </a:cxn>
+            </a:cxnLst>
+            <a:rect l="l" t="t" r="r" b="b"/>
+            <a:pathLst>
+              <a:path w="5360045" h="1511304">
+                <a:moveTo>
+                  <a:pt x="4545473" y="0"/>
+                </a:moveTo>
+                <a:lnTo>
+                  <a:pt x="5360045" y="0"/>
+                </a:lnTo>
+                <a:lnTo>
+                  <a:pt x="5360045" y="1046730"/>
+                </a:lnTo>
+                <a:lnTo>
+                  <a:pt x="5360045" y="1508760"/>
+                </a:lnTo>
+                <a:lnTo>
+                  <a:pt x="5360045" y="1511304"/>
+                </a:lnTo>
+                <a:lnTo>
+                  <a:pt x="4545474" y="1511304"/>
+                </a:lnTo>
+                <a:lnTo>
+                  <a:pt x="2525897" y="1511304"/>
+                </a:lnTo>
+                <a:lnTo>
+                  <a:pt x="0" y="1511304"/>
+                </a:lnTo>
+                <a:lnTo>
+                  <a:pt x="697617" y="3"/>
+                </a:lnTo>
+                <a:lnTo>
+                  <a:pt x="4545473" y="3"/>
+                </a:lnTo>
+                <a:close/>
+              </a:path>
+            </a:pathLst>
+          </a:custGeom>
+          <a:solidFill>
+            <a:srgbClr val="404040">
+              <a:alpha val="84706"/>
+            </a:srgbClr>
+          </a:solidFill>
           <a:ln>
             <a:noFill/>
           </a:ln>
@@ -22013,7 +23603,9 @@
           </a:fontRef>
         </p:style>
         <p:txBody>
-          <a:bodyPr rtlCol="0" anchor="ctr"/>
+          <a:bodyPr wrap="square" rtlCol="0" anchor="ctr">
+            <a:noAutofit/>
+          </a:bodyPr>
           <a:lstStyle/>
           <a:p>
             <a:pPr algn="ctr"/>
@@ -22023,10 +23615,10 @@
       </p:sp>
       <p:sp>
         <p:nvSpPr>
-          <p:cNvPr id="91" name="sketchy line">
+          <p:cNvPr id="130" name="Freeform: Shape 129">
             <a:extLst>
               <a:ext uri="{FF2B5EF4-FFF2-40B4-BE49-F238E27FC236}">
-                <a16:creationId xmlns:a16="http://schemas.microsoft.com/office/drawing/2014/main" id="{D4974D33-8DC5-464E-8C6D-BE58F0669C17}"/>
+                <a16:creationId xmlns:a16="http://schemas.microsoft.com/office/drawing/2014/main" id="{E78C6E4B-A1F1-4B6C-97EC-BE997495D6AC}"/>
               </a:ext>
               <a:ext uri="{C183D7F6-B498-43B3-948B-1728B52AA6E4}">
                 <adec:decorative xmlns:adec="http://schemas.microsoft.com/office/drawing/2017/decorative" val="1"/>
@@ -22046,38 +23638,48 @@
         </p:nvSpPr>
         <p:spPr>
           <a:xfrm>
-            <a:off x="640080" y="2586994"/>
-            <a:ext cx="3474720" cy="18288"/>
+            <a:off x="0" y="5346694"/>
+            <a:ext cx="7346605" cy="1511306"/>
           </a:xfrm>
           <a:custGeom>
             <a:avLst/>
             <a:gdLst>
-              <a:gd name="connsiteX0" fmla="*/ 0 w 3474720"/>
-              <a:gd name="connsiteY0" fmla="*/ 0 h 18288"/>
-              <a:gd name="connsiteX1" fmla="*/ 694944 w 3474720"/>
-              <a:gd name="connsiteY1" fmla="*/ 0 h 18288"/>
-              <a:gd name="connsiteX2" fmla="*/ 1355141 w 3474720"/>
-              <a:gd name="connsiteY2" fmla="*/ 0 h 18288"/>
-              <a:gd name="connsiteX3" fmla="*/ 2015338 w 3474720"/>
-              <a:gd name="connsiteY3" fmla="*/ 0 h 18288"/>
-              <a:gd name="connsiteX4" fmla="*/ 2779776 w 3474720"/>
-              <a:gd name="connsiteY4" fmla="*/ 0 h 18288"/>
-              <a:gd name="connsiteX5" fmla="*/ 3474720 w 3474720"/>
-              <a:gd name="connsiteY5" fmla="*/ 0 h 18288"/>
-              <a:gd name="connsiteX6" fmla="*/ 3474720 w 3474720"/>
-              <a:gd name="connsiteY6" fmla="*/ 18288 h 18288"/>
-              <a:gd name="connsiteX7" fmla="*/ 2779776 w 3474720"/>
-              <a:gd name="connsiteY7" fmla="*/ 18288 h 18288"/>
-              <a:gd name="connsiteX8" fmla="*/ 2189074 w 3474720"/>
-              <a:gd name="connsiteY8" fmla="*/ 18288 h 18288"/>
-              <a:gd name="connsiteX9" fmla="*/ 1528877 w 3474720"/>
-              <a:gd name="connsiteY9" fmla="*/ 18288 h 18288"/>
-              <a:gd name="connsiteX10" fmla="*/ 868680 w 3474720"/>
-              <a:gd name="connsiteY10" fmla="*/ 18288 h 18288"/>
-              <a:gd name="connsiteX11" fmla="*/ 0 w 3474720"/>
-              <a:gd name="connsiteY11" fmla="*/ 18288 h 18288"/>
-              <a:gd name="connsiteX12" fmla="*/ 0 w 3474720"/>
-              <a:gd name="connsiteY12" fmla="*/ 0 h 18288"/>
+              <a:gd name="connsiteX0" fmla="*/ 0 w 7346605"/>
+              <a:gd name="connsiteY0" fmla="*/ 0 h 1511306"/>
+              <a:gd name="connsiteX1" fmla="*/ 239486 w 7346605"/>
+              <a:gd name="connsiteY1" fmla="*/ 0 h 1511306"/>
+              <a:gd name="connsiteX2" fmla="*/ 1209568 w 7346605"/>
+              <a:gd name="connsiteY2" fmla="*/ 0 h 1511306"/>
+              <a:gd name="connsiteX3" fmla="*/ 2405743 w 7346605"/>
+              <a:gd name="connsiteY3" fmla="*/ 0 h 1511306"/>
+              <a:gd name="connsiteX4" fmla="*/ 2405743 w 7346605"/>
+              <a:gd name="connsiteY4" fmla="*/ 2544 h 1511306"/>
+              <a:gd name="connsiteX5" fmla="*/ 2801131 w 7346605"/>
+              <a:gd name="connsiteY5" fmla="*/ 2544 h 1511306"/>
+              <a:gd name="connsiteX6" fmla="*/ 2801131 w 7346605"/>
+              <a:gd name="connsiteY6" fmla="*/ 0 h 1511306"/>
+              <a:gd name="connsiteX7" fmla="*/ 7346605 w 7346605"/>
+              <a:gd name="connsiteY7" fmla="*/ 0 h 1511306"/>
+              <a:gd name="connsiteX8" fmla="*/ 6648988 w 7346605"/>
+              <a:gd name="connsiteY8" fmla="*/ 1511301 h 1511306"/>
+              <a:gd name="connsiteX9" fmla="*/ 2801132 w 7346605"/>
+              <a:gd name="connsiteY9" fmla="*/ 1511301 h 1511306"/>
+              <a:gd name="connsiteX10" fmla="*/ 2801132 w 7346605"/>
+              <a:gd name="connsiteY10" fmla="*/ 1511304 h 1511306"/>
+              <a:gd name="connsiteX11" fmla="*/ 2405743 w 7346605"/>
+              <a:gd name="connsiteY11" fmla="*/ 1511304 h 1511306"/>
+              <a:gd name="connsiteX12" fmla="*/ 2405743 w 7346605"/>
+              <a:gd name="connsiteY12" fmla="*/ 1511306 h 1511306"/>
+              <a:gd name="connsiteX13" fmla="*/ 1333411 w 7346605"/>
+              <a:gd name="connsiteY13" fmla="*/ 1511306 h 1511306"/>
+              <a:gd name="connsiteX14" fmla="*/ 1219208 w 7346605"/>
+              <a:gd name="connsiteY14" fmla="*/ 1511306 h 1511306"/>
+              <a:gd name="connsiteX15" fmla="*/ 1209568 w 7346605"/>
+              <a:gd name="connsiteY15" fmla="*/ 1511306 h 1511306"/>
+              <a:gd name="connsiteX16" fmla="*/ 239486 w 7346605"/>
+              <a:gd name="connsiteY16" fmla="*/ 1511306 h 1511306"/>
+              <a:gd name="connsiteX17" fmla="*/ 0 w 7346605"/>
+              <a:gd name="connsiteY17" fmla="*/ 1511306 h 1511306"/>
             </a:gdLst>
             <a:ahLst/>
             <a:cxnLst>
@@ -22120,163 +23722,88 @@
               <a:cxn ang="0">
                 <a:pos x="connsiteX12" y="connsiteY12"/>
               </a:cxn>
+              <a:cxn ang="0">
+                <a:pos x="connsiteX13" y="connsiteY13"/>
+              </a:cxn>
+              <a:cxn ang="0">
+                <a:pos x="connsiteX14" y="connsiteY14"/>
+              </a:cxn>
+              <a:cxn ang="0">
+                <a:pos x="connsiteX15" y="connsiteY15"/>
+              </a:cxn>
+              <a:cxn ang="0">
+                <a:pos x="connsiteX16" y="connsiteY16"/>
+              </a:cxn>
+              <a:cxn ang="0">
+                <a:pos x="connsiteX17" y="connsiteY17"/>
+              </a:cxn>
             </a:cxnLst>
             <a:rect l="l" t="t" r="r" b="b"/>
             <a:pathLst>
-              <a:path w="3474720" h="18288" fill="none" extrusionOk="0">
+              <a:path w="7346605" h="1511306">
                 <a:moveTo>
                   <a:pt x="0" y="0"/>
                 </a:moveTo>
-                <a:cubicBezTo>
-                  <a:pt x="224454" y="-14544"/>
-                  <a:pt x="495407" y="26540"/>
-                  <a:pt x="694944" y="0"/>
-                </a:cubicBezTo>
-                <a:cubicBezTo>
-                  <a:pt x="894481" y="-26540"/>
-                  <a:pt x="1130063" y="24713"/>
-                  <a:pt x="1355141" y="0"/>
-                </a:cubicBezTo>
-                <a:cubicBezTo>
-                  <a:pt x="1580219" y="-24713"/>
-                  <a:pt x="1820099" y="26695"/>
-                  <a:pt x="2015338" y="0"/>
-                </a:cubicBezTo>
-                <a:cubicBezTo>
-                  <a:pt x="2210577" y="-26695"/>
-                  <a:pt x="2402045" y="165"/>
-                  <a:pt x="2779776" y="0"/>
-                </a:cubicBezTo>
-                <a:cubicBezTo>
-                  <a:pt x="3157507" y="-165"/>
-                  <a:pt x="3286859" y="-15571"/>
-                  <a:pt x="3474720" y="0"/>
-                </a:cubicBezTo>
-                <a:cubicBezTo>
-                  <a:pt x="3474286" y="7551"/>
-                  <a:pt x="3474253" y="9822"/>
-                  <a:pt x="3474720" y="18288"/>
-                </a:cubicBezTo>
-                <a:cubicBezTo>
-                  <a:pt x="3233904" y="29845"/>
-                  <a:pt x="2945134" y="-5256"/>
-                  <a:pt x="2779776" y="18288"/>
-                </a:cubicBezTo>
-                <a:cubicBezTo>
-                  <a:pt x="2614418" y="41832"/>
-                  <a:pt x="2339768" y="22709"/>
-                  <a:pt x="2189074" y="18288"/>
-                </a:cubicBezTo>
-                <a:cubicBezTo>
-                  <a:pt x="2038380" y="13867"/>
-                  <a:pt x="1817434" y="-4947"/>
-                  <a:pt x="1528877" y="18288"/>
-                </a:cubicBezTo>
-                <a:cubicBezTo>
-                  <a:pt x="1240320" y="41523"/>
-                  <a:pt x="1042447" y="37198"/>
-                  <a:pt x="868680" y="18288"/>
-                </a:cubicBezTo>
-                <a:cubicBezTo>
-                  <a:pt x="694913" y="-622"/>
-                  <a:pt x="233232" y="44909"/>
-                  <a:pt x="0" y="18288"/>
-                </a:cubicBezTo>
-                <a:cubicBezTo>
-                  <a:pt x="60" y="11696"/>
-                  <a:pt x="66" y="3758"/>
-                  <a:pt x="0" y="0"/>
-                </a:cubicBezTo>
-                <a:close/>
-              </a:path>
-              <a:path w="3474720" h="18288" stroke="0" extrusionOk="0">
-                <a:moveTo>
-                  <a:pt x="0" y="0"/>
-                </a:moveTo>
-                <a:cubicBezTo>
-                  <a:pt x="202328" y="-14716"/>
-                  <a:pt x="332722" y="-11499"/>
-                  <a:pt x="625450" y="0"/>
-                </a:cubicBezTo>
-                <a:cubicBezTo>
-                  <a:pt x="918178" y="11499"/>
-                  <a:pt x="1096688" y="5123"/>
-                  <a:pt x="1389888" y="0"/>
-                </a:cubicBezTo>
-                <a:cubicBezTo>
-                  <a:pt x="1683088" y="-5123"/>
-                  <a:pt x="1835981" y="-14038"/>
-                  <a:pt x="1980590" y="0"/>
-                </a:cubicBezTo>
-                <a:cubicBezTo>
-                  <a:pt x="2125199" y="14038"/>
-                  <a:pt x="2396099" y="-7203"/>
-                  <a:pt x="2571293" y="0"/>
-                </a:cubicBezTo>
-                <a:cubicBezTo>
-                  <a:pt x="2746487" y="7203"/>
-                  <a:pt x="3041609" y="-12036"/>
-                  <a:pt x="3474720" y="0"/>
-                </a:cubicBezTo>
-                <a:cubicBezTo>
-                  <a:pt x="3474638" y="4406"/>
-                  <a:pt x="3474631" y="9982"/>
-                  <a:pt x="3474720" y="18288"/>
-                </a:cubicBezTo>
-                <a:cubicBezTo>
-                  <a:pt x="3324873" y="21876"/>
-                  <a:pt x="3136771" y="12587"/>
-                  <a:pt x="2814523" y="18288"/>
-                </a:cubicBezTo>
-                <a:cubicBezTo>
-                  <a:pt x="2492275" y="23989"/>
-                  <a:pt x="2294402" y="47111"/>
-                  <a:pt x="2154326" y="18288"/>
-                </a:cubicBezTo>
-                <a:cubicBezTo>
-                  <a:pt x="2014250" y="-10535"/>
-                  <a:pt x="1820317" y="33903"/>
-                  <a:pt x="1494130" y="18288"/>
-                </a:cubicBezTo>
-                <a:cubicBezTo>
-                  <a:pt x="1167943" y="2673"/>
-                  <a:pt x="948432" y="14868"/>
-                  <a:pt x="729691" y="18288"/>
-                </a:cubicBezTo>
-                <a:cubicBezTo>
-                  <a:pt x="510950" y="21708"/>
-                  <a:pt x="264032" y="24354"/>
-                  <a:pt x="0" y="18288"/>
-                </a:cubicBezTo>
-                <a:cubicBezTo>
-                  <a:pt x="189" y="14288"/>
-                  <a:pt x="-703" y="3747"/>
-                  <a:pt x="0" y="0"/>
-                </a:cubicBezTo>
+                <a:lnTo>
+                  <a:pt x="239486" y="0"/>
+                </a:lnTo>
+                <a:lnTo>
+                  <a:pt x="1209568" y="0"/>
+                </a:lnTo>
+                <a:lnTo>
+                  <a:pt x="2405743" y="0"/>
+                </a:lnTo>
+                <a:lnTo>
+                  <a:pt x="2405743" y="2544"/>
+                </a:lnTo>
+                <a:lnTo>
+                  <a:pt x="2801131" y="2544"/>
+                </a:lnTo>
+                <a:lnTo>
+                  <a:pt x="2801131" y="0"/>
+                </a:lnTo>
+                <a:lnTo>
+                  <a:pt x="7346605" y="0"/>
+                </a:lnTo>
+                <a:lnTo>
+                  <a:pt x="6648988" y="1511301"/>
+                </a:lnTo>
+                <a:lnTo>
+                  <a:pt x="2801132" y="1511301"/>
+                </a:lnTo>
+                <a:lnTo>
+                  <a:pt x="2801132" y="1511304"/>
+                </a:lnTo>
+                <a:lnTo>
+                  <a:pt x="2405743" y="1511304"/>
+                </a:lnTo>
+                <a:lnTo>
+                  <a:pt x="2405743" y="1511306"/>
+                </a:lnTo>
+                <a:lnTo>
+                  <a:pt x="1333411" y="1511306"/>
+                </a:lnTo>
+                <a:lnTo>
+                  <a:pt x="1219208" y="1511306"/>
+                </a:lnTo>
+                <a:lnTo>
+                  <a:pt x="1209568" y="1511306"/>
+                </a:lnTo>
+                <a:lnTo>
+                  <a:pt x="239486" y="1511306"/>
+                </a:lnTo>
+                <a:lnTo>
+                  <a:pt x="0" y="1511306"/>
+                </a:lnTo>
                 <a:close/>
               </a:path>
             </a:pathLst>
           </a:custGeom>
           <a:solidFill>
-            <a:schemeClr val="accent2"/>
+            <a:srgbClr val="D0CECE"/>
           </a:solidFill>
-          <a:ln w="44450" cap="rnd">
-            <a:solidFill>
-              <a:schemeClr val="accent2"/>
-            </a:solidFill>
-            <a:round/>
-            <a:extLst>
-              <a:ext uri="{C807C97D-BFC1-408E-A445-0C87EB9F89A2}">
-                <ask:lineSketchStyleProps xmlns:ask="http://schemas.microsoft.com/office/drawing/2018/sketchyshapes" sd="2863741219">
-                  <a:prstGeom prst="rect">
-                    <a:avLst/>
-                  </a:prstGeom>
-                  <ask:type>
-                    <ask:lineSketchFreehand/>
-                  </ask:type>
-                </ask:lineSketchStyleProps>
-              </a:ext>
-            </a:extLst>
+          <a:ln>
+            <a:noFill/>
           </a:ln>
         </p:spPr>
         <p:style>
@@ -22300,10 +23827,206 @@
           <a:lstStyle/>
           <a:p>
             <a:pPr algn="ctr"/>
-            <a:endParaRPr lang="en-US"/>
+            <a:endParaRPr lang="en-US">
+              <a:solidFill>
+                <a:schemeClr val="bg1">
+                  <a:lumMod val="95000"/>
+                </a:schemeClr>
+              </a:solidFill>
+            </a:endParaRPr>
           </a:p>
         </p:txBody>
       </p:sp>
+      <p:pic>
+        <p:nvPicPr>
+          <p:cNvPr id="6" name="Picture 5">
+            <a:extLst>
+              <a:ext uri="{FF2B5EF4-FFF2-40B4-BE49-F238E27FC236}">
+                <a16:creationId xmlns:a16="http://schemas.microsoft.com/office/drawing/2014/main" id="{49AD5D7C-48BD-447B-BC06-60739105A938}"/>
+              </a:ext>
+            </a:extLst>
+          </p:cNvPr>
+          <p:cNvPicPr>
+            <a:picLocks noChangeAspect="1"/>
+          </p:cNvPicPr>
+          <p:nvPr/>
+        </p:nvPicPr>
+        <p:blipFill rotWithShape="1">
+          <a:blip r:embed="rId3">
+            <a:extLst>
+              <a:ext uri="{28A0092B-C50C-407E-A947-70E740481C1C}">
+                <a14:useLocalDpi xmlns:a14="http://schemas.microsoft.com/office/drawing/2010/main" val="0"/>
+              </a:ext>
+            </a:extLst>
+          </a:blip>
+          <a:srcRect l="3157" r="7137" b="-6"/>
+          <a:stretch/>
+        </p:blipFill>
+        <p:spPr>
+          <a:xfrm>
+            <a:off x="841248" y="604158"/>
+            <a:ext cx="6049941" cy="4350110"/>
+          </a:xfrm>
+          <a:prstGeom prst="rect">
+            <a:avLst/>
+          </a:prstGeom>
+        </p:spPr>
+      </p:pic>
+      <p:sp>
+        <p:nvSpPr>
+          <p:cNvPr id="4" name="TextBox 3">
+            <a:extLst>
+              <a:ext uri="{FF2B5EF4-FFF2-40B4-BE49-F238E27FC236}">
+                <a16:creationId xmlns:a16="http://schemas.microsoft.com/office/drawing/2014/main" id="{03DDB894-502D-4473-8189-C7F7050B360F}"/>
+              </a:ext>
+            </a:extLst>
+          </p:cNvPr>
+          <p:cNvSpPr txBox="1"/>
+          <p:nvPr/>
+        </p:nvSpPr>
+        <p:spPr>
+          <a:xfrm>
+            <a:off x="7534655" y="601315"/>
+            <a:ext cx="3432809" cy="4384342"/>
+          </a:xfrm>
+          <a:prstGeom prst="rect">
+            <a:avLst/>
+          </a:prstGeom>
+        </p:spPr>
+        <p:txBody>
+          <a:bodyPr vert="horz" lIns="91440" tIns="45720" rIns="91440" bIns="45720" rtlCol="0" anchor="ctr">
+            <a:normAutofit/>
+          </a:bodyPr>
+          <a:lstStyle/>
+          <a:p>
+            <a:pPr defTabSz="914400">
+              <a:lnSpc>
+                <a:spcPct val="90000"/>
+              </a:lnSpc>
+              <a:spcAft>
+                <a:spcPts val="600"/>
+              </a:spcAft>
+            </a:pPr>
+            <a:r>
+              <a:rPr lang="en-US" sz="3200" dirty="0">
+                <a:latin typeface="+mj-lt"/>
+              </a:rPr>
+              <a:t>228 BCE</a:t>
+            </a:r>
+          </a:p>
+          <a:p>
+            <a:pPr marL="285750" indent="-228600" defTabSz="914400">
+              <a:lnSpc>
+                <a:spcPct val="90000"/>
+              </a:lnSpc>
+              <a:spcAft>
+                <a:spcPts val="600"/>
+              </a:spcAft>
+              <a:buFont typeface="Arial" panose="020B0604020202020204" pitchFamily="34" charset="0"/>
+              <a:buChar char="•"/>
+            </a:pPr>
+            <a:r>
+              <a:rPr lang="en-US" sz="2400" dirty="0"/>
+              <a:t>Attalus I Soter and his Galatian allies defeat Antiochus </a:t>
+            </a:r>
+            <a:r>
+              <a:rPr lang="en-US" sz="2400" dirty="0" err="1"/>
+              <a:t>Hierax</a:t>
+            </a:r>
+            <a:r>
+              <a:rPr lang="en-US" sz="2400" dirty="0"/>
+              <a:t> near Tarsus. Anatolia and Cilicia are divided between Attalus and his allies.</a:t>
+            </a:r>
+            <a:endParaRPr lang="en-US" sz="2400" b="1" dirty="0"/>
+          </a:p>
+        </p:txBody>
+      </p:sp>
+      <p:sp>
+        <p:nvSpPr>
+          <p:cNvPr id="2" name="TextBox 1">
+            <a:extLst>
+              <a:ext uri="{FF2B5EF4-FFF2-40B4-BE49-F238E27FC236}">
+                <a16:creationId xmlns:a16="http://schemas.microsoft.com/office/drawing/2014/main" id="{A03DE87A-4E3A-4B91-B52E-7BDCA16B67D4}"/>
+              </a:ext>
+            </a:extLst>
+          </p:cNvPr>
+          <p:cNvSpPr txBox="1"/>
+          <p:nvPr/>
+        </p:nvSpPr>
+        <p:spPr>
+          <a:xfrm>
+            <a:off x="7534655" y="601315"/>
+            <a:ext cx="3432809" cy="523220"/>
+          </a:xfrm>
+          <a:prstGeom prst="rect">
+            <a:avLst/>
+          </a:prstGeom>
+          <a:noFill/>
+        </p:spPr>
+        <p:txBody>
+          <a:bodyPr wrap="square" rtlCol="0">
+            <a:spAutoFit/>
+          </a:bodyPr>
+          <a:lstStyle/>
+          <a:p>
+            <a:pPr>
+              <a:spcAft>
+                <a:spcPts val="600"/>
+              </a:spcAft>
+            </a:pPr>
+            <a:r>
+              <a:rPr lang="en-US" sz="1400" dirty="0"/>
+              <a:t>*In Illyria, Rome has landed in Apollonia and now besieges the </a:t>
+            </a:r>
+            <a:r>
+              <a:rPr lang="en-US" sz="1400" dirty="0" err="1"/>
+              <a:t>Ardiaei</a:t>
+            </a:r>
+            <a:r>
+              <a:rPr lang="en-US" sz="1400" dirty="0"/>
+              <a:t> capital of Shkodra.</a:t>
+            </a:r>
+          </a:p>
+        </p:txBody>
+      </p:sp>
+    </p:spTree>
+    <p:extLst>
+      <p:ext uri="{BB962C8B-B14F-4D97-AF65-F5344CB8AC3E}">
+        <p14:creationId xmlns:p14="http://schemas.microsoft.com/office/powerpoint/2010/main" val="933647405"/>
+      </p:ext>
+    </p:extLst>
+  </p:cSld>
+  <p:clrMapOvr>
+    <a:masterClrMapping/>
+  </p:clrMapOvr>
+</p:sld>
+</file>
+
+<file path=ppt/slides/slide39.xml><?xml version="1.0" encoding="utf-8"?>
+<p:sld xmlns:a="http://schemas.openxmlformats.org/drawingml/2006/main" xmlns:r="http://schemas.openxmlformats.org/officeDocument/2006/relationships" xmlns:p="http://schemas.openxmlformats.org/presentationml/2006/main">
+  <p:cSld>
+    <p:bg>
+      <p:bgPr>
+        <a:solidFill>
+          <a:schemeClr val="bg1"/>
+        </a:solidFill>
+        <a:effectLst/>
+      </p:bgPr>
+    </p:bg>
+    <p:spTree>
+      <p:nvGrpSpPr>
+        <p:cNvPr id="1" name=""/>
+        <p:cNvGrpSpPr/>
+        <p:nvPr/>
+      </p:nvGrpSpPr>
+      <p:grpSpPr>
+        <a:xfrm>
+          <a:off x="0" y="0"/>
+          <a:ext cx="0" cy="0"/>
+          <a:chOff x="0" y="0"/>
+          <a:chExt cx="0" cy="0"/>
+        </a:xfrm>
+      </p:grpSpPr>
       <p:sp>
         <p:nvSpPr>
           <p:cNvPr id="4" name="TextBox 3">
@@ -22327,7 +24050,7 @@
         </p:spPr>
         <p:txBody>
           <a:bodyPr vert="horz" lIns="91440" tIns="45720" rIns="91440" bIns="45720" rtlCol="0">
-            <a:normAutofit fontScale="92500" lnSpcReduction="10000"/>
+            <a:normAutofit/>
           </a:bodyPr>
           <a:lstStyle/>
           <a:p>
@@ -22340,10 +24063,10 @@
               </a:spcAft>
             </a:pPr>
             <a:r>
-              <a:rPr lang="en-US" sz="3000" b="1" dirty="0">
+              <a:rPr lang="en-US" sz="2800" dirty="0">
                 <a:latin typeface="+mj-lt"/>
               </a:rPr>
-              <a:t>232 BCE</a:t>
+              <a:t>227 BCE</a:t>
             </a:r>
           </a:p>
           <a:p>
@@ -22358,8 +24081,8 @@
               <a:buChar char="•"/>
             </a:pPr>
             <a:r>
-              <a:rPr lang="en-US" sz="2400" b="1" dirty="0"/>
-              <a:t>Ashoka the Great is ambushed by Hindu fanatics and drowned in the Ganges River.</a:t>
+              <a:rPr lang="en-US" sz="2400" dirty="0"/>
+              <a:t>Queen Teuta of Illyria acknowledges Roman overlordship.</a:t>
             </a:r>
           </a:p>
           <a:p>
@@ -22374,18 +24097,19 @@
               <a:buChar char="•"/>
             </a:pPr>
             <a:r>
-              <a:rPr lang="en-US" sz="2400" b="1" dirty="0"/>
-              <a:t>The empire falls into chaos as several kings in central and southern India and all the Hellenic satraps in Sindhia declare independence. His son and heir Dasharatha struggles to restore order.</a:t>
-            </a:r>
+              <a:rPr lang="en-US" sz="2400" dirty="0"/>
+              <a:t>Illyria becomes a client kingdom of Rome.</a:t>
+            </a:r>
+            <a:endParaRPr lang="en-US" sz="2400" b="1" dirty="0"/>
           </a:p>
         </p:txBody>
       </p:sp>
       <p:pic>
         <p:nvPicPr>
-          <p:cNvPr id="3" name="Picture 2">
+          <p:cNvPr id="6" name="Picture 5">
             <a:extLst>
               <a:ext uri="{FF2B5EF4-FFF2-40B4-BE49-F238E27FC236}">
-                <a16:creationId xmlns:a16="http://schemas.microsoft.com/office/drawing/2014/main" id="{DF48942B-53F6-45ED-9B7A-D117C19EB58F}"/>
+                <a16:creationId xmlns:a16="http://schemas.microsoft.com/office/drawing/2014/main" id="{49AD5D7C-48BD-447B-BC06-60739105A938}"/>
               </a:ext>
             </a:extLst>
           </p:cNvPr>
@@ -22395,14 +24119,14 @@
           <p:nvPr/>
         </p:nvPicPr>
         <p:blipFill rotWithShape="1">
-          <a:blip r:embed="rId3">
+          <a:blip r:embed="rId4">
             <a:extLst>
               <a:ext uri="{28A0092B-C50C-407E-A947-70E740481C1C}">
                 <a14:useLocalDpi xmlns:a14="http://schemas.microsoft.com/office/drawing/2010/main" val="0"/>
               </a:ext>
             </a:extLst>
           </a:blip>
-          <a:srcRect r="11232" b="1"/>
+          <a:srcRect l="3396" r="3396"/>
           <a:stretch/>
         </p:blipFill>
         <p:spPr>
@@ -22527,15 +24251,67 @@
           </a:custGeom>
         </p:spPr>
       </p:pic>
+      <p:sp>
+        <p:nvSpPr>
+          <p:cNvPr id="3" name="TextBox 2">
+            <a:extLst>
+              <a:ext uri="{FF2B5EF4-FFF2-40B4-BE49-F238E27FC236}">
+                <a16:creationId xmlns:a16="http://schemas.microsoft.com/office/drawing/2014/main" id="{187B37F2-9363-4F15-B835-D0077C7DA057}"/>
+              </a:ext>
+            </a:extLst>
+          </p:cNvPr>
+          <p:cNvSpPr txBox="1"/>
+          <p:nvPr/>
+        </p:nvSpPr>
+        <p:spPr>
+          <a:xfrm>
+            <a:off x="640080" y="335660"/>
+            <a:ext cx="3474720" cy="2215991"/>
+          </a:xfrm>
+          <a:prstGeom prst="rect">
+            <a:avLst/>
+          </a:prstGeom>
+          <a:noFill/>
+        </p:spPr>
+        <p:txBody>
+          <a:bodyPr wrap="square" rtlCol="0">
+            <a:spAutoFit/>
+          </a:bodyPr>
+          <a:lstStyle/>
+          <a:p>
+            <a:r>
+              <a:rPr lang="en-US" sz="1600" dirty="0"/>
+              <a:t>* “Illyria” here refers to the Kingdom of the </a:t>
+            </a:r>
+            <a:r>
+              <a:rPr lang="en-US" sz="1600" dirty="0" err="1"/>
+              <a:t>Ardiaei</a:t>
+            </a:r>
+            <a:r>
+              <a:rPr lang="en-US" sz="1600" dirty="0"/>
+              <a:t>; the rest of the Dalmatian coast and inlands are still largely under Celtic and Venetic influence.</a:t>
+            </a:r>
+          </a:p>
+          <a:p>
+            <a:endParaRPr lang="en-US" sz="800" dirty="0"/>
+          </a:p>
+          <a:p>
+            <a:r>
+              <a:rPr lang="en-US" sz="1600" dirty="0"/>
+              <a:t>**Sardinia and Corsica were annexed by Rome around 237 BCE after their rebellion from Carthage during the Mercenary War.</a:t>
+            </a:r>
+          </a:p>
+        </p:txBody>
+      </p:sp>
     </p:spTree>
     <p:extLst>
       <p:ext uri="{BB962C8B-B14F-4D97-AF65-F5344CB8AC3E}">
-        <p14:creationId xmlns:p14="http://schemas.microsoft.com/office/powerpoint/2010/main" val="2404304302"/>
+        <p14:creationId xmlns:p14="http://schemas.microsoft.com/office/powerpoint/2010/main" val="2860521322"/>
       </p:ext>
     </p:extLst>
   </p:cSld>
   <p:clrMapOvr>
-    <a:masterClrMapping/>
+    <a:overrideClrMapping bg1="lt1" tx1="dk1" bg2="lt2" tx2="dk2" accent1="accent1" accent2="accent2" accent3="accent3" accent4="accent4" accent5="accent5" accent6="accent6" hlink="hlink" folHlink="folHlink"/>
   </p:clrMapOvr>
 </p:sld>
 </file>
@@ -22796,6 +24572,460 @@
     <p:extLst>
       <p:ext uri="{BB962C8B-B14F-4D97-AF65-F5344CB8AC3E}">
         <p14:creationId xmlns:p14="http://schemas.microsoft.com/office/powerpoint/2010/main" val="185023302"/>
+      </p:ext>
+    </p:extLst>
+  </p:cSld>
+  <p:clrMapOvr>
+    <a:masterClrMapping/>
+  </p:clrMapOvr>
+</p:sld>
+</file>
+
+<file path=ppt/slides/slide40.xml><?xml version="1.0" encoding="utf-8"?>
+<p:sld xmlns:a="http://schemas.openxmlformats.org/drawingml/2006/main" xmlns:r="http://schemas.openxmlformats.org/officeDocument/2006/relationships" xmlns:p="http://schemas.openxmlformats.org/presentationml/2006/main">
+  <p:cSld>
+    <p:bg>
+      <p:bgPr>
+        <a:solidFill>
+          <a:schemeClr val="bg1"/>
+        </a:solidFill>
+        <a:effectLst/>
+      </p:bgPr>
+    </p:bg>
+    <p:spTree>
+      <p:nvGrpSpPr>
+        <p:cNvPr id="1" name=""/>
+        <p:cNvGrpSpPr/>
+        <p:nvPr/>
+      </p:nvGrpSpPr>
+      <p:grpSpPr>
+        <a:xfrm>
+          <a:off x="0" y="0"/>
+          <a:ext cx="0" cy="0"/>
+          <a:chOff x="0" y="0"/>
+          <a:chExt cx="0" cy="0"/>
+        </a:xfrm>
+      </p:grpSpPr>
+      <p:sp useBgFill="1">
+        <p:nvSpPr>
+          <p:cNvPr id="107" name="Rectangle 106">
+            <a:extLst>
+              <a:ext uri="{FF2B5EF4-FFF2-40B4-BE49-F238E27FC236}">
+                <a16:creationId xmlns:a16="http://schemas.microsoft.com/office/drawing/2014/main" id="{38468727-63BE-4191-B4A6-C30C82C0E986}"/>
+              </a:ext>
+              <a:ext uri="{C183D7F6-B498-43B3-948B-1728B52AA6E4}">
+                <adec:decorative xmlns:adec="http://schemas.microsoft.com/office/drawing/2017/decorative" val="1"/>
+              </a:ext>
+            </a:extLst>
+          </p:cNvPr>
+          <p:cNvSpPr>
+            <a:spLocks noGrp="1" noRot="1" noChangeAspect="1" noMove="1" noResize="1" noEditPoints="1" noAdjustHandles="1" noChangeArrowheads="1" noChangeShapeType="1" noTextEdit="1"/>
+          </p:cNvSpPr>
+          <p:nvPr>
+            <p:extLst>
+              <p:ext uri="{386F3935-93C4-4BCD-93E2-E3B085C9AB24}">
+                <p16:designElem xmlns:p16="http://schemas.microsoft.com/office/powerpoint/2015/main" val="1"/>
+              </p:ext>
+            </p:extLst>
+          </p:nvPr>
+        </p:nvSpPr>
+        <p:spPr>
+          <a:xfrm>
+            <a:off x="0" y="0"/>
+            <a:ext cx="12192000" cy="6858000"/>
+          </a:xfrm>
+          <a:prstGeom prst="rect">
+            <a:avLst/>
+          </a:prstGeom>
+          <a:ln>
+            <a:noFill/>
+          </a:ln>
+        </p:spPr>
+        <p:style>
+          <a:lnRef idx="2">
+            <a:schemeClr val="accent1">
+              <a:shade val="50000"/>
+            </a:schemeClr>
+          </a:lnRef>
+          <a:fillRef idx="1">
+            <a:schemeClr val="accent1"/>
+          </a:fillRef>
+          <a:effectRef idx="0">
+            <a:schemeClr val="accent1"/>
+          </a:effectRef>
+          <a:fontRef idx="minor">
+            <a:schemeClr val="lt1"/>
+          </a:fontRef>
+        </p:style>
+        <p:txBody>
+          <a:bodyPr rtlCol="0" anchor="ctr"/>
+          <a:lstStyle/>
+          <a:p>
+            <a:pPr algn="ctr"/>
+            <a:endParaRPr lang="en-US"/>
+          </a:p>
+        </p:txBody>
+      </p:sp>
+      <p:sp>
+        <p:nvSpPr>
+          <p:cNvPr id="109" name="Rectangle 108">
+            <a:extLst>
+              <a:ext uri="{FF2B5EF4-FFF2-40B4-BE49-F238E27FC236}">
+                <a16:creationId xmlns:a16="http://schemas.microsoft.com/office/drawing/2014/main" id="{9D355BB6-1BB8-4828-B246-CFB31742D7B8}"/>
+              </a:ext>
+              <a:ext uri="{C183D7F6-B498-43B3-948B-1728B52AA6E4}">
+                <adec:decorative xmlns:adec="http://schemas.microsoft.com/office/drawing/2017/decorative" val="1"/>
+              </a:ext>
+            </a:extLst>
+          </p:cNvPr>
+          <p:cNvSpPr>
+            <a:spLocks noGrp="1" noRot="1" noChangeAspect="1" noMove="1" noResize="1" noEditPoints="1" noAdjustHandles="1" noChangeArrowheads="1" noChangeShapeType="1" noTextEdit="1"/>
+          </p:cNvSpPr>
+          <p:nvPr>
+            <p:extLst>
+              <p:ext uri="{386F3935-93C4-4BCD-93E2-E3B085C9AB24}">
+                <p16:designElem xmlns:p16="http://schemas.microsoft.com/office/powerpoint/2015/main" val="1"/>
+              </p:ext>
+            </p:extLst>
+          </p:nvPr>
+        </p:nvSpPr>
+        <p:spPr>
+          <a:xfrm>
+            <a:off x="0" y="1134839"/>
+            <a:ext cx="128016" cy="653903"/>
+          </a:xfrm>
+          <a:prstGeom prst="rect">
+            <a:avLst/>
+          </a:prstGeom>
+          <a:solidFill>
+            <a:schemeClr val="accent2"/>
+          </a:solidFill>
+          <a:ln>
+            <a:noFill/>
+          </a:ln>
+        </p:spPr>
+        <p:style>
+          <a:lnRef idx="2">
+            <a:schemeClr val="accent1">
+              <a:shade val="50000"/>
+            </a:schemeClr>
+          </a:lnRef>
+          <a:fillRef idx="1">
+            <a:schemeClr val="accent1"/>
+          </a:fillRef>
+          <a:effectRef idx="0">
+            <a:schemeClr val="accent1"/>
+          </a:effectRef>
+          <a:fontRef idx="minor">
+            <a:schemeClr val="lt1"/>
+          </a:fontRef>
+        </p:style>
+        <p:txBody>
+          <a:bodyPr rtlCol="0" anchor="ctr"/>
+          <a:lstStyle/>
+          <a:p>
+            <a:pPr algn="ctr"/>
+            <a:endParaRPr lang="en-US">
+              <a:solidFill>
+                <a:prstClr val="white"/>
+              </a:solidFill>
+              <a:latin typeface="Calibri" panose="020F0502020204030204"/>
+            </a:endParaRPr>
+          </a:p>
+        </p:txBody>
+      </p:sp>
+      <p:sp>
+        <p:nvSpPr>
+          <p:cNvPr id="111" name="Rectangle 110">
+            <a:extLst>
+              <a:ext uri="{FF2B5EF4-FFF2-40B4-BE49-F238E27FC236}">
+                <a16:creationId xmlns:a16="http://schemas.microsoft.com/office/drawing/2014/main" id="{CA52A9B9-B2B3-46F0-9D53-0EFF9905BF8F}"/>
+              </a:ext>
+              <a:ext uri="{C183D7F6-B498-43B3-948B-1728B52AA6E4}">
+                <adec:decorative xmlns:adec="http://schemas.microsoft.com/office/drawing/2017/decorative" val="1"/>
+              </a:ext>
+            </a:extLst>
+          </p:cNvPr>
+          <p:cNvSpPr>
+            <a:spLocks noGrp="1" noRot="1" noChangeAspect="1" noMove="1" noResize="1" noEditPoints="1" noAdjustHandles="1" noChangeArrowheads="1" noChangeShapeType="1" noTextEdit="1"/>
+          </p:cNvSpPr>
+          <p:nvPr>
+            <p:extLst>
+              <p:ext uri="{386F3935-93C4-4BCD-93E2-E3B085C9AB24}">
+                <p16:designElem xmlns:p16="http://schemas.microsoft.com/office/powerpoint/2015/main" val="1"/>
+              </p:ext>
+            </p:extLst>
+          </p:nvPr>
+        </p:nvSpPr>
+        <p:spPr>
+          <a:xfrm rot="5400000">
+            <a:off x="2245238" y="1452646"/>
+            <a:ext cx="1463040" cy="18288"/>
+          </a:xfrm>
+          <a:prstGeom prst="rect">
+            <a:avLst/>
+          </a:prstGeom>
+          <a:solidFill>
+            <a:srgbClr val="D5D5D5"/>
+          </a:solidFill>
+          <a:ln w="3175">
+            <a:noFill/>
+          </a:ln>
+          <a:effectLst/>
+        </p:spPr>
+        <p:style>
+          <a:lnRef idx="2">
+            <a:schemeClr val="accent1">
+              <a:shade val="50000"/>
+            </a:schemeClr>
+          </a:lnRef>
+          <a:fillRef idx="1">
+            <a:schemeClr val="accent1"/>
+          </a:fillRef>
+          <a:effectRef idx="0">
+            <a:schemeClr val="accent1"/>
+          </a:effectRef>
+          <a:fontRef idx="minor">
+            <a:schemeClr val="lt1"/>
+          </a:fontRef>
+        </p:style>
+        <p:txBody>
+          <a:bodyPr rtlCol="0" anchor="ctr"/>
+          <a:lstStyle/>
+          <a:p>
+            <a:pPr marL="0" marR="0" lvl="0" indent="0" algn="ctr" defTabSz="914400" rtl="0" eaLnBrk="1" fontAlgn="auto" latinLnBrk="0" hangingPunct="1">
+              <a:lnSpc>
+                <a:spcPct val="100000"/>
+              </a:lnSpc>
+              <a:spcBef>
+                <a:spcPts val="0"/>
+              </a:spcBef>
+              <a:spcAft>
+                <a:spcPts val="0"/>
+              </a:spcAft>
+              <a:buClrTx/>
+              <a:buSzTx/>
+              <a:buFontTx/>
+              <a:buNone/>
+              <a:tabLst/>
+              <a:defRPr/>
+            </a:pPr>
+            <a:endParaRPr kumimoji="0" lang="en-US" sz="1800" b="0" i="0" u="none" strike="noStrike" kern="1200" cap="none" spc="0" normalizeH="0" baseline="0" noProof="0">
+              <a:ln>
+                <a:noFill/>
+              </a:ln>
+              <a:solidFill>
+                <a:prstClr val="white"/>
+              </a:solidFill>
+              <a:effectLst/>
+              <a:uLnTx/>
+              <a:uFillTx/>
+              <a:latin typeface="Calibri" panose="020F0502020204030204"/>
+              <a:ea typeface="+mn-ea"/>
+              <a:cs typeface="+mn-cs"/>
+            </a:endParaRPr>
+          </a:p>
+        </p:txBody>
+      </p:sp>
+      <p:sp>
+        <p:nvSpPr>
+          <p:cNvPr id="4" name="TextBox 3">
+            <a:extLst>
+              <a:ext uri="{FF2B5EF4-FFF2-40B4-BE49-F238E27FC236}">
+                <a16:creationId xmlns:a16="http://schemas.microsoft.com/office/drawing/2014/main" id="{03DDB894-502D-4473-8189-C7F7050B360F}"/>
+              </a:ext>
+            </a:extLst>
+          </p:cNvPr>
+          <p:cNvSpPr txBox="1"/>
+          <p:nvPr/>
+        </p:nvSpPr>
+        <p:spPr>
+          <a:xfrm>
+            <a:off x="3157538" y="412454"/>
+            <a:ext cx="3243262" cy="2101850"/>
+          </a:xfrm>
+          <a:prstGeom prst="rect">
+            <a:avLst/>
+          </a:prstGeom>
+        </p:spPr>
+        <p:txBody>
+          <a:bodyPr vert="horz" lIns="91440" tIns="45720" rIns="91440" bIns="45720" rtlCol="0" anchor="ctr">
+            <a:normAutofit/>
+          </a:bodyPr>
+          <a:lstStyle/>
+          <a:p>
+            <a:pPr defTabSz="914400">
+              <a:lnSpc>
+                <a:spcPct val="90000"/>
+              </a:lnSpc>
+              <a:spcAft>
+                <a:spcPts val="600"/>
+              </a:spcAft>
+            </a:pPr>
+            <a:r>
+              <a:rPr lang="en-US" sz="2800" b="1" dirty="0">
+                <a:latin typeface="+mj-lt"/>
+              </a:rPr>
+              <a:t>225 BCE</a:t>
+            </a:r>
+          </a:p>
+          <a:p>
+            <a:pPr marL="285750" indent="-228600" defTabSz="914400">
+              <a:lnSpc>
+                <a:spcPct val="90000"/>
+              </a:lnSpc>
+              <a:spcAft>
+                <a:spcPts val="600"/>
+              </a:spcAft>
+              <a:buFont typeface="Arial" panose="020B0604020202020204" pitchFamily="34" charset="0"/>
+              <a:buChar char="•"/>
+            </a:pPr>
+            <a:r>
+              <a:rPr lang="en-US" sz="1600" b="1" dirty="0"/>
+              <a:t>A renewed Qin offensive led by Wang Ben into Yue territory results in the completion of the </a:t>
+            </a:r>
+            <a:r>
+              <a:rPr lang="en-US" sz="1600" b="1" dirty="0" err="1"/>
+              <a:t>Lingqu</a:t>
+            </a:r>
+            <a:r>
+              <a:rPr lang="en-US" sz="1600" b="1" dirty="0"/>
+              <a:t> Canal. Wang Ben is made King of </a:t>
+            </a:r>
+            <a:r>
+              <a:rPr lang="en-US" sz="1600" b="1" dirty="0" err="1"/>
+              <a:t>Lingling</a:t>
+            </a:r>
+            <a:r>
+              <a:rPr lang="en-US" sz="1600" b="1" dirty="0"/>
+              <a:t>, which is incorporated into the Qin Empire.</a:t>
+            </a:r>
+          </a:p>
+        </p:txBody>
+      </p:sp>
+      <p:pic>
+        <p:nvPicPr>
+          <p:cNvPr id="6" name="Picture 5">
+            <a:extLst>
+              <a:ext uri="{FF2B5EF4-FFF2-40B4-BE49-F238E27FC236}">
+                <a16:creationId xmlns:a16="http://schemas.microsoft.com/office/drawing/2014/main" id="{49AD5D7C-48BD-447B-BC06-60739105A938}"/>
+              </a:ext>
+            </a:extLst>
+          </p:cNvPr>
+          <p:cNvPicPr>
+            <a:picLocks noChangeAspect="1"/>
+          </p:cNvPicPr>
+          <p:nvPr/>
+        </p:nvPicPr>
+        <p:blipFill rotWithShape="1">
+          <a:blip r:embed="rId3">
+            <a:extLst>
+              <a:ext uri="{28A0092B-C50C-407E-A947-70E740481C1C}">
+                <a14:useLocalDpi xmlns:a14="http://schemas.microsoft.com/office/drawing/2010/main" val="0"/>
+              </a:ext>
+            </a:extLst>
+          </a:blip>
+          <a:srcRect t="14961" r="-4" b="17588"/>
+          <a:stretch/>
+        </p:blipFill>
+        <p:spPr>
+          <a:xfrm>
+            <a:off x="20" y="2959630"/>
+            <a:ext cx="6400781" cy="3898370"/>
+          </a:xfrm>
+          <a:prstGeom prst="rect">
+            <a:avLst/>
+          </a:prstGeom>
+        </p:spPr>
+      </p:pic>
+      <p:pic>
+        <p:nvPicPr>
+          <p:cNvPr id="8" name="Picture 7">
+            <a:extLst>
+              <a:ext uri="{FF2B5EF4-FFF2-40B4-BE49-F238E27FC236}">
+                <a16:creationId xmlns:a16="http://schemas.microsoft.com/office/drawing/2014/main" id="{26229E2D-1CAB-422C-BDCD-21FF6BBF4947}"/>
+              </a:ext>
+            </a:extLst>
+          </p:cNvPr>
+          <p:cNvPicPr>
+            <a:picLocks noChangeAspect="1"/>
+          </p:cNvPicPr>
+          <p:nvPr/>
+        </p:nvPicPr>
+        <p:blipFill rotWithShape="1">
+          <a:blip r:embed="rId4">
+            <a:extLst>
+              <a:ext uri="{28A0092B-C50C-407E-A947-70E740481C1C}">
+                <a14:useLocalDpi xmlns:a14="http://schemas.microsoft.com/office/drawing/2010/main" val="0"/>
+              </a:ext>
+            </a:extLst>
+          </a:blip>
+          <a:srcRect l="3836" r="9293" b="2"/>
+          <a:stretch/>
+        </p:blipFill>
+        <p:spPr>
+          <a:xfrm>
+            <a:off x="6591299" y="1"/>
+            <a:ext cx="5600701" cy="6857999"/>
+          </a:xfrm>
+          <a:prstGeom prst="rect">
+            <a:avLst/>
+          </a:prstGeom>
+        </p:spPr>
+      </p:pic>
+      <p:sp>
+        <p:nvSpPr>
+          <p:cNvPr id="2" name="TextBox 1">
+            <a:extLst>
+              <a:ext uri="{FF2B5EF4-FFF2-40B4-BE49-F238E27FC236}">
+                <a16:creationId xmlns:a16="http://schemas.microsoft.com/office/drawing/2014/main" id="{A03DE87A-4E3A-4B91-B52E-7BDCA16B67D4}"/>
+              </a:ext>
+            </a:extLst>
+          </p:cNvPr>
+          <p:cNvSpPr txBox="1"/>
+          <p:nvPr/>
+        </p:nvSpPr>
+        <p:spPr>
+          <a:xfrm>
+            <a:off x="382530" y="730269"/>
+            <a:ext cx="2594228" cy="1200329"/>
+          </a:xfrm>
+          <a:prstGeom prst="rect">
+            <a:avLst/>
+          </a:prstGeom>
+          <a:noFill/>
+        </p:spPr>
+        <p:txBody>
+          <a:bodyPr wrap="square" rtlCol="0">
+            <a:spAutoFit/>
+          </a:bodyPr>
+          <a:lstStyle/>
+          <a:p>
+            <a:pPr>
+              <a:spcAft>
+                <a:spcPts val="600"/>
+              </a:spcAft>
+            </a:pPr>
+            <a:r>
+              <a:rPr lang="en-US" sz="1200" dirty="0"/>
+              <a:t>*In Italy, a confederation of Gallic tribes crosses the Alps and pillages Roman settlements in Etruria. The Romans call on these </a:t>
+            </a:r>
+            <a:r>
+              <a:rPr lang="en-US" sz="1200" dirty="0" err="1"/>
+              <a:t>Gauls</a:t>
+            </a:r>
+            <a:r>
+              <a:rPr lang="en-US" sz="1200" dirty="0"/>
+              <a:t>’ historic enemies, the Veneti, and begin driving them towards the coast of Tuscany.</a:t>
+            </a:r>
+            <a:endParaRPr lang="en-US" sz="300" dirty="0"/>
+          </a:p>
+        </p:txBody>
+      </p:sp>
+    </p:spTree>
+    <p:extLst>
+      <p:ext uri="{BB962C8B-B14F-4D97-AF65-F5344CB8AC3E}">
+        <p14:creationId xmlns:p14="http://schemas.microsoft.com/office/powerpoint/2010/main" val="3280594485"/>
       </p:ext>
     </p:extLst>
   </p:cSld>
@@ -24943,4 +27173,47 @@
     </a:ext>
   </a:extLst>
 </a:theme>
+</file>
+
+<file path=ppt/theme/themeOverride1.xml><?xml version="1.0" encoding="utf-8"?>
+<a:themeOverride xmlns:a="http://schemas.openxmlformats.org/drawingml/2006/main">
+  <a:clrScheme name="Office Theme">
+    <a:dk1>
+      <a:sysClr val="windowText" lastClr="000000"/>
+    </a:dk1>
+    <a:lt1>
+      <a:sysClr val="window" lastClr="FFFFFF"/>
+    </a:lt1>
+    <a:dk2>
+      <a:srgbClr val="44546A"/>
+    </a:dk2>
+    <a:lt2>
+      <a:srgbClr val="E7E6E6"/>
+    </a:lt2>
+    <a:accent1>
+      <a:srgbClr val="4472C4"/>
+    </a:accent1>
+    <a:accent2>
+      <a:srgbClr val="ED7D31"/>
+    </a:accent2>
+    <a:accent3>
+      <a:srgbClr val="A5A5A5"/>
+    </a:accent3>
+    <a:accent4>
+      <a:srgbClr val="FFC000"/>
+    </a:accent4>
+    <a:accent5>
+      <a:srgbClr val="5B9BD5"/>
+    </a:accent5>
+    <a:accent6>
+      <a:srgbClr val="70AD47"/>
+    </a:accent6>
+    <a:hlink>
+      <a:srgbClr val="0563C1"/>
+    </a:hlink>
+    <a:folHlink>
+      <a:srgbClr val="954F72"/>
+    </a:folHlink>
+  </a:clrScheme>
+</a:themeOverride>
 </file>
--- a/Map Timeline.pptx
+++ b/Map Timeline.pptx
@@ -5,7 +5,7 @@
     <p:sldMasterId id="2147483660" r:id="rId1"/>
   </p:sldMasterIdLst>
   <p:notesMasterIdLst>
-    <p:notesMasterId r:id="rId42"/>
+    <p:notesMasterId r:id="rId49"/>
   </p:notesMasterIdLst>
   <p:sldIdLst>
     <p:sldId id="270" r:id="rId2"/>
@@ -48,6 +48,13 @@
     <p:sldId id="296" r:id="rId39"/>
     <p:sldId id="297" r:id="rId40"/>
     <p:sldId id="299" r:id="rId41"/>
+    <p:sldId id="300" r:id="rId42"/>
+    <p:sldId id="301" r:id="rId43"/>
+    <p:sldId id="302" r:id="rId44"/>
+    <p:sldId id="303" r:id="rId45"/>
+    <p:sldId id="304" r:id="rId46"/>
+    <p:sldId id="305" r:id="rId47"/>
+    <p:sldId id="306" r:id="rId48"/>
   </p:sldIdLst>
   <p:sldSz cx="12192000" cy="6858000"/>
   <p:notesSz cx="6858000" cy="9144000"/>
@@ -2908,7 +2915,7 @@
           <a:p>
             <a:fld id="{BEFD42AF-006F-46D7-B59B-3B047E7F57DC}" type="datetimeFigureOut">
               <a:rPr lang="en-US" smtClean="0"/>
-              <a:t>22-Aug-21</a:t>
+              <a:t>24-Aug-21</a:t>
             </a:fld>
             <a:endParaRPr lang="en-US"/>
           </a:p>
@@ -3259,6 +3266,342 @@
 </p:notes>
 </file>
 
+<file path=ppt/notesSlides/notesSlide10.xml><?xml version="1.0" encoding="utf-8"?>
+<p:notes xmlns:a="http://schemas.openxmlformats.org/drawingml/2006/main" xmlns:r="http://schemas.openxmlformats.org/officeDocument/2006/relationships" xmlns:p="http://schemas.openxmlformats.org/presentationml/2006/main">
+  <p:cSld>
+    <p:spTree>
+      <p:nvGrpSpPr>
+        <p:cNvPr id="1" name=""/>
+        <p:cNvGrpSpPr/>
+        <p:nvPr/>
+      </p:nvGrpSpPr>
+      <p:grpSpPr>
+        <a:xfrm>
+          <a:off x="0" y="0"/>
+          <a:ext cx="0" cy="0"/>
+          <a:chOff x="0" y="0"/>
+          <a:chExt cx="0" cy="0"/>
+        </a:xfrm>
+      </p:grpSpPr>
+      <p:sp>
+        <p:nvSpPr>
+          <p:cNvPr id="2" name="Slide Image Placeholder 1"/>
+          <p:cNvSpPr>
+            <a:spLocks noGrp="1" noRot="1" noChangeAspect="1"/>
+          </p:cNvSpPr>
+          <p:nvPr>
+            <p:ph type="sldImg"/>
+          </p:nvPr>
+        </p:nvSpPr>
+        <p:spPr/>
+      </p:sp>
+      <p:sp>
+        <p:nvSpPr>
+          <p:cNvPr id="3" name="Notes Placeholder 2"/>
+          <p:cNvSpPr>
+            <a:spLocks noGrp="1"/>
+          </p:cNvSpPr>
+          <p:nvPr>
+            <p:ph type="body" idx="1"/>
+          </p:nvPr>
+        </p:nvSpPr>
+        <p:spPr/>
+        <p:txBody>
+          <a:bodyPr/>
+          <a:lstStyle/>
+          <a:p>
+            <a:endParaRPr lang="en-US" dirty="0"/>
+          </a:p>
+        </p:txBody>
+      </p:sp>
+      <p:sp>
+        <p:nvSpPr>
+          <p:cNvPr id="4" name="Slide Number Placeholder 3"/>
+          <p:cNvSpPr>
+            <a:spLocks noGrp="1"/>
+          </p:cNvSpPr>
+          <p:nvPr>
+            <p:ph type="sldNum" sz="quarter" idx="5"/>
+          </p:nvPr>
+        </p:nvSpPr>
+        <p:spPr/>
+        <p:txBody>
+          <a:bodyPr/>
+          <a:lstStyle/>
+          <a:p>
+            <a:fld id="{F687679A-9FB6-43B6-864A-7FDC6149F2D5}" type="slidenum">
+              <a:rPr lang="en-US" smtClean="0"/>
+              <a:t>41</a:t>
+            </a:fld>
+            <a:endParaRPr lang="en-US"/>
+          </a:p>
+        </p:txBody>
+      </p:sp>
+    </p:spTree>
+    <p:extLst>
+      <p:ext uri="{BB962C8B-B14F-4D97-AF65-F5344CB8AC3E}">
+        <p14:creationId xmlns:p14="http://schemas.microsoft.com/office/powerpoint/2010/main" val="4282276525"/>
+      </p:ext>
+    </p:extLst>
+  </p:cSld>
+  <p:clrMapOvr>
+    <a:masterClrMapping/>
+  </p:clrMapOvr>
+</p:notes>
+</file>
+
+<file path=ppt/notesSlides/notesSlide11.xml><?xml version="1.0" encoding="utf-8"?>
+<p:notes xmlns:a="http://schemas.openxmlformats.org/drawingml/2006/main" xmlns:r="http://schemas.openxmlformats.org/officeDocument/2006/relationships" xmlns:p="http://schemas.openxmlformats.org/presentationml/2006/main">
+  <p:cSld>
+    <p:spTree>
+      <p:nvGrpSpPr>
+        <p:cNvPr id="1" name=""/>
+        <p:cNvGrpSpPr/>
+        <p:nvPr/>
+      </p:nvGrpSpPr>
+      <p:grpSpPr>
+        <a:xfrm>
+          <a:off x="0" y="0"/>
+          <a:ext cx="0" cy="0"/>
+          <a:chOff x="0" y="0"/>
+          <a:chExt cx="0" cy="0"/>
+        </a:xfrm>
+      </p:grpSpPr>
+      <p:sp>
+        <p:nvSpPr>
+          <p:cNvPr id="2" name="Slide Image Placeholder 1"/>
+          <p:cNvSpPr>
+            <a:spLocks noGrp="1" noRot="1" noChangeAspect="1"/>
+          </p:cNvSpPr>
+          <p:nvPr>
+            <p:ph type="sldImg"/>
+          </p:nvPr>
+        </p:nvSpPr>
+        <p:spPr/>
+      </p:sp>
+      <p:sp>
+        <p:nvSpPr>
+          <p:cNvPr id="3" name="Notes Placeholder 2"/>
+          <p:cNvSpPr>
+            <a:spLocks noGrp="1"/>
+          </p:cNvSpPr>
+          <p:nvPr>
+            <p:ph type="body" idx="1"/>
+          </p:nvPr>
+        </p:nvSpPr>
+        <p:spPr/>
+        <p:txBody>
+          <a:bodyPr/>
+          <a:lstStyle/>
+          <a:p>
+            <a:endParaRPr lang="en-US" dirty="0"/>
+          </a:p>
+        </p:txBody>
+      </p:sp>
+      <p:sp>
+        <p:nvSpPr>
+          <p:cNvPr id="4" name="Slide Number Placeholder 3"/>
+          <p:cNvSpPr>
+            <a:spLocks noGrp="1"/>
+          </p:cNvSpPr>
+          <p:nvPr>
+            <p:ph type="sldNum" sz="quarter" idx="5"/>
+          </p:nvPr>
+        </p:nvSpPr>
+        <p:spPr/>
+        <p:txBody>
+          <a:bodyPr/>
+          <a:lstStyle/>
+          <a:p>
+            <a:fld id="{F687679A-9FB6-43B6-864A-7FDC6149F2D5}" type="slidenum">
+              <a:rPr lang="en-US" smtClean="0"/>
+              <a:t>42</a:t>
+            </a:fld>
+            <a:endParaRPr lang="en-US"/>
+          </a:p>
+        </p:txBody>
+      </p:sp>
+    </p:spTree>
+    <p:extLst>
+      <p:ext uri="{BB962C8B-B14F-4D97-AF65-F5344CB8AC3E}">
+        <p14:creationId xmlns:p14="http://schemas.microsoft.com/office/powerpoint/2010/main" val="4155019967"/>
+      </p:ext>
+    </p:extLst>
+  </p:cSld>
+  <p:clrMapOvr>
+    <a:masterClrMapping/>
+  </p:clrMapOvr>
+</p:notes>
+</file>
+
+<file path=ppt/notesSlides/notesSlide12.xml><?xml version="1.0" encoding="utf-8"?>
+<p:notes xmlns:a="http://schemas.openxmlformats.org/drawingml/2006/main" xmlns:r="http://schemas.openxmlformats.org/officeDocument/2006/relationships" xmlns:p="http://schemas.openxmlformats.org/presentationml/2006/main">
+  <p:cSld>
+    <p:spTree>
+      <p:nvGrpSpPr>
+        <p:cNvPr id="1" name=""/>
+        <p:cNvGrpSpPr/>
+        <p:nvPr/>
+      </p:nvGrpSpPr>
+      <p:grpSpPr>
+        <a:xfrm>
+          <a:off x="0" y="0"/>
+          <a:ext cx="0" cy="0"/>
+          <a:chOff x="0" y="0"/>
+          <a:chExt cx="0" cy="0"/>
+        </a:xfrm>
+      </p:grpSpPr>
+      <p:sp>
+        <p:nvSpPr>
+          <p:cNvPr id="2" name="Slide Image Placeholder 1"/>
+          <p:cNvSpPr>
+            <a:spLocks noGrp="1" noRot="1" noChangeAspect="1"/>
+          </p:cNvSpPr>
+          <p:nvPr>
+            <p:ph type="sldImg"/>
+          </p:nvPr>
+        </p:nvSpPr>
+        <p:spPr/>
+      </p:sp>
+      <p:sp>
+        <p:nvSpPr>
+          <p:cNvPr id="3" name="Notes Placeholder 2"/>
+          <p:cNvSpPr>
+            <a:spLocks noGrp="1"/>
+          </p:cNvSpPr>
+          <p:nvPr>
+            <p:ph type="body" idx="1"/>
+          </p:nvPr>
+        </p:nvSpPr>
+        <p:spPr/>
+        <p:txBody>
+          <a:bodyPr/>
+          <a:lstStyle/>
+          <a:p>
+            <a:endParaRPr lang="en-US" dirty="0"/>
+          </a:p>
+        </p:txBody>
+      </p:sp>
+      <p:sp>
+        <p:nvSpPr>
+          <p:cNvPr id="4" name="Slide Number Placeholder 3"/>
+          <p:cNvSpPr>
+            <a:spLocks noGrp="1"/>
+          </p:cNvSpPr>
+          <p:nvPr>
+            <p:ph type="sldNum" sz="quarter" idx="5"/>
+          </p:nvPr>
+        </p:nvSpPr>
+        <p:spPr/>
+        <p:txBody>
+          <a:bodyPr/>
+          <a:lstStyle/>
+          <a:p>
+            <a:fld id="{F687679A-9FB6-43B6-864A-7FDC6149F2D5}" type="slidenum">
+              <a:rPr lang="en-US" smtClean="0"/>
+              <a:t>43</a:t>
+            </a:fld>
+            <a:endParaRPr lang="en-US"/>
+          </a:p>
+        </p:txBody>
+      </p:sp>
+    </p:spTree>
+    <p:extLst>
+      <p:ext uri="{BB962C8B-B14F-4D97-AF65-F5344CB8AC3E}">
+        <p14:creationId xmlns:p14="http://schemas.microsoft.com/office/powerpoint/2010/main" val="1974562578"/>
+      </p:ext>
+    </p:extLst>
+  </p:cSld>
+  <p:clrMapOvr>
+    <a:masterClrMapping/>
+  </p:clrMapOvr>
+</p:notes>
+</file>
+
+<file path=ppt/notesSlides/notesSlide13.xml><?xml version="1.0" encoding="utf-8"?>
+<p:notes xmlns:a="http://schemas.openxmlformats.org/drawingml/2006/main" xmlns:r="http://schemas.openxmlformats.org/officeDocument/2006/relationships" xmlns:p="http://schemas.openxmlformats.org/presentationml/2006/main">
+  <p:cSld>
+    <p:spTree>
+      <p:nvGrpSpPr>
+        <p:cNvPr id="1" name=""/>
+        <p:cNvGrpSpPr/>
+        <p:nvPr/>
+      </p:nvGrpSpPr>
+      <p:grpSpPr>
+        <a:xfrm>
+          <a:off x="0" y="0"/>
+          <a:ext cx="0" cy="0"/>
+          <a:chOff x="0" y="0"/>
+          <a:chExt cx="0" cy="0"/>
+        </a:xfrm>
+      </p:grpSpPr>
+      <p:sp>
+        <p:nvSpPr>
+          <p:cNvPr id="2" name="Slide Image Placeholder 1"/>
+          <p:cNvSpPr>
+            <a:spLocks noGrp="1" noRot="1" noChangeAspect="1"/>
+          </p:cNvSpPr>
+          <p:nvPr>
+            <p:ph type="sldImg"/>
+          </p:nvPr>
+        </p:nvSpPr>
+        <p:spPr/>
+      </p:sp>
+      <p:sp>
+        <p:nvSpPr>
+          <p:cNvPr id="3" name="Notes Placeholder 2"/>
+          <p:cNvSpPr>
+            <a:spLocks noGrp="1"/>
+          </p:cNvSpPr>
+          <p:nvPr>
+            <p:ph type="body" idx="1"/>
+          </p:nvPr>
+        </p:nvSpPr>
+        <p:spPr/>
+        <p:txBody>
+          <a:bodyPr/>
+          <a:lstStyle/>
+          <a:p>
+            <a:endParaRPr lang="en-US" dirty="0"/>
+          </a:p>
+        </p:txBody>
+      </p:sp>
+      <p:sp>
+        <p:nvSpPr>
+          <p:cNvPr id="4" name="Slide Number Placeholder 3"/>
+          <p:cNvSpPr>
+            <a:spLocks noGrp="1"/>
+          </p:cNvSpPr>
+          <p:nvPr>
+            <p:ph type="sldNum" sz="quarter" idx="5"/>
+          </p:nvPr>
+        </p:nvSpPr>
+        <p:spPr/>
+        <p:txBody>
+          <a:bodyPr/>
+          <a:lstStyle/>
+          <a:p>
+            <a:fld id="{F687679A-9FB6-43B6-864A-7FDC6149F2D5}" type="slidenum">
+              <a:rPr lang="en-US" smtClean="0"/>
+              <a:t>44</a:t>
+            </a:fld>
+            <a:endParaRPr lang="en-US"/>
+          </a:p>
+        </p:txBody>
+      </p:sp>
+    </p:spTree>
+    <p:extLst>
+      <p:ext uri="{BB962C8B-B14F-4D97-AF65-F5344CB8AC3E}">
+        <p14:creationId xmlns:p14="http://schemas.microsoft.com/office/powerpoint/2010/main" val="2846972934"/>
+      </p:ext>
+    </p:extLst>
+  </p:cSld>
+  <p:clrMapOvr>
+    <a:masterClrMapping/>
+  </p:clrMapOvr>
+</p:notes>
+</file>
+
 <file path=ppt/notesSlides/notesSlide2.xml><?xml version="1.0" encoding="utf-8"?>
 <p:notes xmlns:a="http://schemas.openxmlformats.org/drawingml/2006/main" xmlns:r="http://schemas.openxmlformats.org/officeDocument/2006/relationships" xmlns:p="http://schemas.openxmlformats.org/presentationml/2006/main">
   <p:cSld>
@@ -4062,7 +4405,7 @@
           <a:p>
             <a:fld id="{A4604AD4-558F-449A-A004-D90B40E68DCA}" type="datetimeFigureOut">
               <a:rPr lang="en-US" smtClean="0"/>
-              <a:t>22-Aug-21</a:t>
+              <a:t>24-Aug-21</a:t>
             </a:fld>
             <a:endParaRPr lang="en-US"/>
           </a:p>
@@ -4232,7 +4575,7 @@
           <a:p>
             <a:fld id="{A4604AD4-558F-449A-A004-D90B40E68DCA}" type="datetimeFigureOut">
               <a:rPr lang="en-US" smtClean="0"/>
-              <a:t>22-Aug-21</a:t>
+              <a:t>24-Aug-21</a:t>
             </a:fld>
             <a:endParaRPr lang="en-US"/>
           </a:p>
@@ -4412,7 +4755,7 @@
           <a:p>
             <a:fld id="{A4604AD4-558F-449A-A004-D90B40E68DCA}" type="datetimeFigureOut">
               <a:rPr lang="en-US" smtClean="0"/>
-              <a:t>22-Aug-21</a:t>
+              <a:t>24-Aug-21</a:t>
             </a:fld>
             <a:endParaRPr lang="en-US"/>
           </a:p>
@@ -4582,7 +4925,7 @@
           <a:p>
             <a:fld id="{A4604AD4-558F-449A-A004-D90B40E68DCA}" type="datetimeFigureOut">
               <a:rPr lang="en-US" smtClean="0"/>
-              <a:t>22-Aug-21</a:t>
+              <a:t>24-Aug-21</a:t>
             </a:fld>
             <a:endParaRPr lang="en-US"/>
           </a:p>
@@ -4828,7 +5171,7 @@
           <a:p>
             <a:fld id="{A4604AD4-558F-449A-A004-D90B40E68DCA}" type="datetimeFigureOut">
               <a:rPr lang="en-US" smtClean="0"/>
-              <a:t>22-Aug-21</a:t>
+              <a:t>24-Aug-21</a:t>
             </a:fld>
             <a:endParaRPr lang="en-US"/>
           </a:p>
@@ -5060,7 +5403,7 @@
           <a:p>
             <a:fld id="{A4604AD4-558F-449A-A004-D90B40E68DCA}" type="datetimeFigureOut">
               <a:rPr lang="en-US" smtClean="0"/>
-              <a:t>22-Aug-21</a:t>
+              <a:t>24-Aug-21</a:t>
             </a:fld>
             <a:endParaRPr lang="en-US"/>
           </a:p>
@@ -5427,7 +5770,7 @@
           <a:p>
             <a:fld id="{A4604AD4-558F-449A-A004-D90B40E68DCA}" type="datetimeFigureOut">
               <a:rPr lang="en-US" smtClean="0"/>
-              <a:t>22-Aug-21</a:t>
+              <a:t>24-Aug-21</a:t>
             </a:fld>
             <a:endParaRPr lang="en-US"/>
           </a:p>
@@ -5545,7 +5888,7 @@
           <a:p>
             <a:fld id="{A4604AD4-558F-449A-A004-D90B40E68DCA}" type="datetimeFigureOut">
               <a:rPr lang="en-US" smtClean="0"/>
-              <a:t>22-Aug-21</a:t>
+              <a:t>24-Aug-21</a:t>
             </a:fld>
             <a:endParaRPr lang="en-US"/>
           </a:p>
@@ -5640,7 +5983,7 @@
           <a:p>
             <a:fld id="{A4604AD4-558F-449A-A004-D90B40E68DCA}" type="datetimeFigureOut">
               <a:rPr lang="en-US" smtClean="0"/>
-              <a:t>22-Aug-21</a:t>
+              <a:t>24-Aug-21</a:t>
             </a:fld>
             <a:endParaRPr lang="en-US"/>
           </a:p>
@@ -5917,7 +6260,7 @@
           <a:p>
             <a:fld id="{A4604AD4-558F-449A-A004-D90B40E68DCA}" type="datetimeFigureOut">
               <a:rPr lang="en-US" smtClean="0"/>
-              <a:t>22-Aug-21</a:t>
+              <a:t>24-Aug-21</a:t>
             </a:fld>
             <a:endParaRPr lang="en-US"/>
           </a:p>
@@ -6174,7 +6517,7 @@
           <a:p>
             <a:fld id="{A4604AD4-558F-449A-A004-D90B40E68DCA}" type="datetimeFigureOut">
               <a:rPr lang="en-US" smtClean="0"/>
-              <a:t>22-Aug-21</a:t>
+              <a:t>24-Aug-21</a:t>
             </a:fld>
             <a:endParaRPr lang="en-US"/>
           </a:p>
@@ -6387,7 +6730,7 @@
           <a:p>
             <a:fld id="{A4604AD4-558F-449A-A004-D90B40E68DCA}" type="datetimeFigureOut">
               <a:rPr lang="en-US" smtClean="0"/>
-              <a:t>22-Aug-21</a:t>
+              <a:t>24-Aug-21</a:t>
             </a:fld>
             <a:endParaRPr lang="en-US"/>
           </a:p>
@@ -8291,7 +8634,23 @@
                   <a:schemeClr val="bg1"/>
                 </a:solidFill>
               </a:rPr>
-              <a:t>*Demetrius I has become King of Macedon by now.</a:t>
+              <a:t>*Demetrius I has become King of </a:t>
+            </a:r>
+            <a:r>
+              <a:rPr lang="en-US" sz="1400" dirty="0" err="1">
+                <a:solidFill>
+                  <a:schemeClr val="bg1"/>
+                </a:solidFill>
+              </a:rPr>
+              <a:t>Makedon</a:t>
+            </a:r>
+            <a:r>
+              <a:rPr lang="en-US" sz="1400" dirty="0">
+                <a:solidFill>
+                  <a:schemeClr val="bg1"/>
+                </a:solidFill>
+              </a:rPr>
+              <a:t> by now.</a:t>
             </a:r>
           </a:p>
         </p:txBody>
@@ -9029,7 +9388,23 @@
                   <a:schemeClr val="bg1"/>
                 </a:solidFill>
               </a:rPr>
-              <a:t>Pyrrhus defeats Demetrius I Poliorcetes and is proclaimed King of Macedon.</a:t>
+              <a:t>Pyrrhus defeats Demetrius I Poliorcetes and is proclaimed King of </a:t>
+            </a:r>
+            <a:r>
+              <a:rPr lang="en-US" sz="1700" dirty="0" err="1">
+                <a:solidFill>
+                  <a:schemeClr val="bg1"/>
+                </a:solidFill>
+              </a:rPr>
+              <a:t>Makedon</a:t>
+            </a:r>
+            <a:r>
+              <a:rPr lang="en-US" sz="1700" dirty="0">
+                <a:solidFill>
+                  <a:schemeClr val="bg1"/>
+                </a:solidFill>
+              </a:rPr>
+              <a:t>.</a:t>
             </a:r>
           </a:p>
         </p:txBody>
@@ -9400,7 +9775,23 @@
                   <a:schemeClr val="bg1"/>
                 </a:solidFill>
               </a:rPr>
-              <a:t>Pyrrhus is driven out of Macedon by Lysimachus with Dacian help.</a:t>
+              <a:t>Pyrrhus is driven out of </a:t>
+            </a:r>
+            <a:r>
+              <a:rPr lang="en-US" sz="1700" dirty="0" err="1">
+                <a:solidFill>
+                  <a:schemeClr val="bg1"/>
+                </a:solidFill>
+              </a:rPr>
+              <a:t>Makedon</a:t>
+            </a:r>
+            <a:r>
+              <a:rPr lang="en-US" sz="1700" dirty="0">
+                <a:solidFill>
+                  <a:schemeClr val="bg1"/>
+                </a:solidFill>
+              </a:rPr>
+              <a:t> by Lysimachus with Dacian help.</a:t>
             </a:r>
           </a:p>
         </p:txBody>
@@ -9751,7 +10142,23 @@
                   <a:schemeClr val="bg1"/>
                 </a:solidFill>
               </a:rPr>
-              <a:t>Antigonus, son of Demetrius I Poliorcetes becomes King of Macedon in name only as Lysimachus controls the Kingdom.</a:t>
+              <a:t>Antigonus, son of Demetrius I Poliorcetes becomes King of </a:t>
+            </a:r>
+            <a:r>
+              <a:rPr lang="en-US" sz="1700" dirty="0" err="1">
+                <a:solidFill>
+                  <a:schemeClr val="bg1"/>
+                </a:solidFill>
+              </a:rPr>
+              <a:t>Makedon</a:t>
+            </a:r>
+            <a:r>
+              <a:rPr lang="en-US" sz="1700" dirty="0">
+                <a:solidFill>
+                  <a:schemeClr val="bg1"/>
+                </a:solidFill>
+              </a:rPr>
+              <a:t> in name only as Lysimachus controls the Kingdom.</a:t>
             </a:r>
           </a:p>
           <a:p>
@@ -12063,23 +12470,7 @@
             </a:r>
             <a:r>
               <a:rPr lang="en-US" sz="1600" dirty="0"/>
-              <a:t>-Celtic War, following </a:t>
-            </a:r>
-            <a:r>
-              <a:rPr lang="en-US" sz="1600" dirty="0" err="1"/>
-              <a:t>Scordisci</a:t>
-            </a:r>
-            <a:r>
-              <a:rPr lang="en-US" sz="1600" dirty="0"/>
-              <a:t> invasion of Dacia. Defeated, Bolgios King of the </a:t>
-            </a:r>
-            <a:r>
-              <a:rPr lang="en-US" sz="1600" dirty="0" err="1"/>
-              <a:t>Scordisci</a:t>
-            </a:r>
-            <a:r>
-              <a:rPr lang="en-US" sz="1600" dirty="0"/>
-              <a:t> marries </a:t>
+              <a:t>-Celtic War, following Scordisci invasion of Dacia. Defeated, Bolgios King of the Scordisci marries </a:t>
             </a:r>
             <a:r>
               <a:rPr lang="en-US" sz="1600" dirty="0" err="1"/>
@@ -13027,7 +13418,7 @@
             </a:r>
             <a:r>
               <a:rPr lang="en-US" sz="2000" dirty="0"/>
-              <a:t> I is proclaimed King of the Hellenes, while Antigonus II Gonatas manages to regain the Macedonian throne.</a:t>
+              <a:t> I is proclaimed King of the Hellenes, while Antigonus II Gonatas manages to regain the Makedonian throne.</a:t>
             </a:r>
           </a:p>
           <a:p>
@@ -22226,15 +22617,7 @@
             </a:r>
             <a:r>
               <a:rPr lang="en-US" sz="1400" dirty="0"/>
-              <a:t> Pieria near </a:t>
-            </a:r>
-            <a:r>
-              <a:rPr lang="en-US" sz="1400" dirty="0" err="1"/>
-              <a:t>Antiocheia</a:t>
-            </a:r>
-            <a:r>
-              <a:rPr lang="en-US" sz="1400" dirty="0"/>
-              <a:t>. This will ultimately be the main cause of the Fourth Syrian War in 219 BCE.</a:t>
+              <a:t> Pieria near Antiocheia. This will ultimately be the main cause of the Fourth Syrian War in 219 BCE.</a:t>
             </a:r>
           </a:p>
         </p:txBody>
@@ -24266,7 +24649,7 @@
         <p:spPr>
           <a:xfrm>
             <a:off x="640080" y="335660"/>
-            <a:ext cx="3474720" cy="2215991"/>
+            <a:ext cx="3474720" cy="1708160"/>
           </a:xfrm>
           <a:prstGeom prst="rect">
             <a:avLst/>
@@ -24280,24 +24663,24 @@
           <a:lstStyle/>
           <a:p>
             <a:r>
-              <a:rPr lang="en-US" sz="1600" dirty="0"/>
+              <a:rPr lang="en-US" sz="1400" dirty="0"/>
               <a:t>* “Illyria” here refers to the Kingdom of the </a:t>
             </a:r>
             <a:r>
-              <a:rPr lang="en-US" sz="1600" dirty="0" err="1"/>
+              <a:rPr lang="en-US" sz="1400" dirty="0" err="1"/>
               <a:t>Ardiaei</a:t>
             </a:r>
             <a:r>
-              <a:rPr lang="en-US" sz="1600" dirty="0"/>
+              <a:rPr lang="en-US" sz="1400" dirty="0"/>
               <a:t>; the rest of the Dalmatian coast and inlands are still largely under Celtic and Venetic influence.</a:t>
             </a:r>
           </a:p>
           <a:p>
-            <a:endParaRPr lang="en-US" sz="800" dirty="0"/>
-          </a:p>
-          <a:p>
-            <a:r>
-              <a:rPr lang="en-US" sz="1600" dirty="0"/>
+            <a:endParaRPr lang="en-US" sz="700" dirty="0"/>
+          </a:p>
+          <a:p>
+            <a:r>
+              <a:rPr lang="en-US" sz="1400" dirty="0"/>
               <a:t>**Sardinia and Corsica were annexed by Rome around 237 BCE after their rebellion from Carthage during the Mercenary War.</a:t>
             </a:r>
           </a:p>
@@ -25035,6 +25418,2698 @@
 </p:sld>
 </file>
 
+<file path=ppt/slides/slide41.xml><?xml version="1.0" encoding="utf-8"?>
+<p:sld xmlns:a="http://schemas.openxmlformats.org/drawingml/2006/main" xmlns:r="http://schemas.openxmlformats.org/officeDocument/2006/relationships" xmlns:p="http://schemas.openxmlformats.org/presentationml/2006/main">
+  <p:cSld>
+    <p:bg>
+      <p:bgPr>
+        <a:solidFill>
+          <a:schemeClr val="bg1"/>
+        </a:solidFill>
+        <a:effectLst/>
+      </p:bgPr>
+    </p:bg>
+    <p:spTree>
+      <p:nvGrpSpPr>
+        <p:cNvPr id="1" name=""/>
+        <p:cNvGrpSpPr/>
+        <p:nvPr/>
+      </p:nvGrpSpPr>
+      <p:grpSpPr>
+        <a:xfrm>
+          <a:off x="0" y="0"/>
+          <a:ext cx="0" cy="0"/>
+          <a:chOff x="0" y="0"/>
+          <a:chExt cx="0" cy="0"/>
+        </a:xfrm>
+      </p:grpSpPr>
+      <p:sp>
+        <p:nvSpPr>
+          <p:cNvPr id="4" name="TextBox 3">
+            <a:extLst>
+              <a:ext uri="{FF2B5EF4-FFF2-40B4-BE49-F238E27FC236}">
+                <a16:creationId xmlns:a16="http://schemas.microsoft.com/office/drawing/2014/main" id="{03DDB894-502D-4473-8189-C7F7050B360F}"/>
+              </a:ext>
+            </a:extLst>
+          </p:cNvPr>
+          <p:cNvSpPr txBox="1"/>
+          <p:nvPr/>
+        </p:nvSpPr>
+        <p:spPr>
+          <a:xfrm>
+            <a:off x="648931" y="2438401"/>
+            <a:ext cx="3667036" cy="3779520"/>
+          </a:xfrm>
+          <a:prstGeom prst="rect">
+            <a:avLst/>
+          </a:prstGeom>
+        </p:spPr>
+        <p:txBody>
+          <a:bodyPr vert="horz" lIns="91440" tIns="45720" rIns="91440" bIns="45720" rtlCol="0">
+            <a:normAutofit/>
+          </a:bodyPr>
+          <a:lstStyle/>
+          <a:p>
+            <a:pPr defTabSz="914400">
+              <a:lnSpc>
+                <a:spcPct val="90000"/>
+              </a:lnSpc>
+              <a:spcAft>
+                <a:spcPts val="600"/>
+              </a:spcAft>
+            </a:pPr>
+            <a:r>
+              <a:rPr lang="en-US" sz="2800" dirty="0">
+                <a:latin typeface="+mj-lt"/>
+              </a:rPr>
+              <a:t>223 BCE</a:t>
+            </a:r>
+          </a:p>
+          <a:p>
+            <a:pPr marL="285750" indent="-228600" defTabSz="914400">
+              <a:lnSpc>
+                <a:spcPct val="90000"/>
+              </a:lnSpc>
+              <a:spcAft>
+                <a:spcPts val="600"/>
+              </a:spcAft>
+              <a:buFont typeface="Arial" panose="020B0604020202020204" pitchFamily="34" charset="0"/>
+              <a:buChar char="•"/>
+            </a:pPr>
+            <a:r>
+              <a:rPr lang="en-US" sz="2000" dirty="0"/>
+              <a:t>Euthydemus I, Satrap of Sogdiana rebels against his </a:t>
+            </a:r>
+            <a:r>
+              <a:rPr lang="en-US" sz="2000" dirty="0" err="1"/>
+              <a:t>Baktrian</a:t>
+            </a:r>
+            <a:r>
+              <a:rPr lang="en-US" sz="2000" dirty="0"/>
+              <a:t> overlord </a:t>
+            </a:r>
+            <a:r>
+              <a:rPr lang="en-US" sz="2000" dirty="0" err="1"/>
+              <a:t>Diodotus</a:t>
+            </a:r>
+            <a:r>
+              <a:rPr lang="en-US" sz="2000" dirty="0"/>
+              <a:t> II, founding a great Hellenistic kingdom centered around Marakanda. Part of his army is composed of </a:t>
+            </a:r>
+            <a:r>
+              <a:rPr lang="en-US" sz="2000" dirty="0" err="1"/>
+              <a:t>Helleno</a:t>
+            </a:r>
+            <a:r>
+              <a:rPr lang="en-US" sz="2000" dirty="0"/>
+              <a:t>-Zhao troops.</a:t>
+            </a:r>
+          </a:p>
+        </p:txBody>
+      </p:sp>
+      <p:sp>
+        <p:nvSpPr>
+          <p:cNvPr id="126" name="Rectangle 115">
+            <a:extLst>
+              <a:ext uri="{FF2B5EF4-FFF2-40B4-BE49-F238E27FC236}">
+                <a16:creationId xmlns:a16="http://schemas.microsoft.com/office/drawing/2014/main" id="{F2B38F72-8FC4-4001-8C67-FA6B86DEC767}"/>
+              </a:ext>
+              <a:ext uri="{C183D7F6-B498-43B3-948B-1728B52AA6E4}">
+                <adec:decorative xmlns:adec="http://schemas.microsoft.com/office/drawing/2017/decorative" val="1"/>
+              </a:ext>
+            </a:extLst>
+          </p:cNvPr>
+          <p:cNvSpPr>
+            <a:spLocks noGrp="1" noRot="1" noChangeAspect="1" noMove="1" noResize="1" noEditPoints="1" noAdjustHandles="1" noChangeArrowheads="1" noChangeShapeType="1" noTextEdit="1"/>
+          </p:cNvSpPr>
+          <p:nvPr>
+            <p:extLst>
+              <p:ext uri="{386F3935-93C4-4BCD-93E2-E3B085C9AB24}">
+                <p16:designElem xmlns:p16="http://schemas.microsoft.com/office/powerpoint/2015/main" val="1"/>
+              </p:ext>
+            </p:extLst>
+          </p:nvPr>
+        </p:nvSpPr>
+        <p:spPr>
+          <a:xfrm>
+            <a:off x="4636008" y="2"/>
+            <a:ext cx="7555992" cy="6857998"/>
+          </a:xfrm>
+          <a:prstGeom prst="rect">
+            <a:avLst/>
+          </a:prstGeom>
+          <a:solidFill>
+            <a:schemeClr val="tx1"/>
+          </a:solidFill>
+          <a:ln>
+            <a:noFill/>
+          </a:ln>
+        </p:spPr>
+        <p:style>
+          <a:lnRef idx="2">
+            <a:schemeClr val="accent1">
+              <a:shade val="50000"/>
+            </a:schemeClr>
+          </a:lnRef>
+          <a:fillRef idx="1">
+            <a:schemeClr val="accent1"/>
+          </a:fillRef>
+          <a:effectRef idx="0">
+            <a:schemeClr val="accent1"/>
+          </a:effectRef>
+          <a:fontRef idx="minor">
+            <a:schemeClr val="lt1"/>
+          </a:fontRef>
+        </p:style>
+        <p:txBody>
+          <a:bodyPr rtlCol="0" anchor="ctr"/>
+          <a:lstStyle/>
+          <a:p>
+            <a:pPr algn="ctr"/>
+            <a:endParaRPr lang="en-US"/>
+          </a:p>
+        </p:txBody>
+      </p:sp>
+      <p:pic>
+        <p:nvPicPr>
+          <p:cNvPr id="6" name="Picture 5">
+            <a:extLst>
+              <a:ext uri="{FF2B5EF4-FFF2-40B4-BE49-F238E27FC236}">
+                <a16:creationId xmlns:a16="http://schemas.microsoft.com/office/drawing/2014/main" id="{49AD5D7C-48BD-447B-BC06-60739105A938}"/>
+              </a:ext>
+            </a:extLst>
+          </p:cNvPr>
+          <p:cNvPicPr>
+            <a:picLocks noChangeAspect="1"/>
+          </p:cNvPicPr>
+          <p:nvPr/>
+        </p:nvPicPr>
+        <p:blipFill rotWithShape="1">
+          <a:blip r:embed="rId3">
+            <a:extLst>
+              <a:ext uri="{28A0092B-C50C-407E-A947-70E740481C1C}">
+                <a14:useLocalDpi xmlns:a14="http://schemas.microsoft.com/office/drawing/2010/main" val="0"/>
+              </a:ext>
+            </a:extLst>
+          </a:blip>
+          <a:srcRect t="1699" r="-7" b="569"/>
+          <a:stretch/>
+        </p:blipFill>
+        <p:spPr>
+          <a:xfrm>
+            <a:off x="5276088" y="640082"/>
+            <a:ext cx="6276250" cy="5577838"/>
+          </a:xfrm>
+          <a:prstGeom prst="rect">
+            <a:avLst/>
+          </a:prstGeom>
+          <a:effectLst/>
+        </p:spPr>
+      </p:pic>
+      <p:sp>
+        <p:nvSpPr>
+          <p:cNvPr id="2" name="TextBox 1">
+            <a:extLst>
+              <a:ext uri="{FF2B5EF4-FFF2-40B4-BE49-F238E27FC236}">
+                <a16:creationId xmlns:a16="http://schemas.microsoft.com/office/drawing/2014/main" id="{A03DE87A-4E3A-4B91-B52E-7BDCA16B67D4}"/>
+              </a:ext>
+            </a:extLst>
+          </p:cNvPr>
+          <p:cNvSpPr txBox="1"/>
+          <p:nvPr/>
+        </p:nvSpPr>
+        <p:spPr>
+          <a:xfrm>
+            <a:off x="648931" y="288480"/>
+            <a:ext cx="3471100" cy="1877437"/>
+          </a:xfrm>
+          <a:prstGeom prst="rect">
+            <a:avLst/>
+          </a:prstGeom>
+          <a:noFill/>
+        </p:spPr>
+        <p:txBody>
+          <a:bodyPr wrap="square" rtlCol="0">
+            <a:spAutoFit/>
+          </a:bodyPr>
+          <a:lstStyle/>
+          <a:p>
+            <a:pPr>
+              <a:spcAft>
+                <a:spcPts val="600"/>
+              </a:spcAft>
+            </a:pPr>
+            <a:r>
+              <a:rPr lang="en-US" sz="1100" dirty="0"/>
+              <a:t>*Historically, Euthydemus kills </a:t>
+            </a:r>
+            <a:r>
+              <a:rPr lang="en-US" sz="1100" dirty="0" err="1"/>
+              <a:t>Diodotus</a:t>
+            </a:r>
+            <a:r>
+              <a:rPr lang="en-US" sz="1100" dirty="0"/>
+              <a:t> II in 225 BCE and succeeds him to the </a:t>
+            </a:r>
+            <a:r>
+              <a:rPr lang="en-US" sz="1100" dirty="0" err="1"/>
+              <a:t>Baktrian</a:t>
+            </a:r>
+            <a:r>
+              <a:rPr lang="en-US" sz="1100" dirty="0"/>
+              <a:t> throne. Considering it is </a:t>
+            </a:r>
+            <a:r>
+              <a:rPr lang="en-US" sz="1100" dirty="0" err="1"/>
+              <a:t>Diodotus</a:t>
+            </a:r>
+            <a:r>
+              <a:rPr lang="en-US" sz="1100" dirty="0"/>
+              <a:t> III who invades Marakanda 40 years later, it’s safe to assume </a:t>
+            </a:r>
+            <a:r>
+              <a:rPr lang="en-US" sz="1100" dirty="0" err="1"/>
+              <a:t>Diodotus</a:t>
+            </a:r>
+            <a:r>
+              <a:rPr lang="en-US" sz="1100" dirty="0"/>
+              <a:t> II is still alive at this point and will probably die in battle against Euthydemus in the near future.</a:t>
+            </a:r>
+          </a:p>
+          <a:p>
+            <a:pPr>
+              <a:spcAft>
+                <a:spcPts val="600"/>
+              </a:spcAft>
+            </a:pPr>
+            <a:endParaRPr lang="en-US" sz="300" dirty="0"/>
+          </a:p>
+          <a:p>
+            <a:pPr>
+              <a:spcAft>
+                <a:spcPts val="600"/>
+              </a:spcAft>
+            </a:pPr>
+            <a:r>
+              <a:rPr lang="en-US" sz="1100" dirty="0"/>
+              <a:t>**Also, the Aral Sea didn’t dry up until the Soviet era, please disregard any previous images showing modern sea levels.</a:t>
+            </a:r>
+            <a:endParaRPr lang="en-US" sz="200" dirty="0"/>
+          </a:p>
+        </p:txBody>
+      </p:sp>
+    </p:spTree>
+    <p:extLst>
+      <p:ext uri="{BB962C8B-B14F-4D97-AF65-F5344CB8AC3E}">
+        <p14:creationId xmlns:p14="http://schemas.microsoft.com/office/powerpoint/2010/main" val="3624703193"/>
+      </p:ext>
+    </p:extLst>
+  </p:cSld>
+  <p:clrMapOvr>
+    <a:overrideClrMapping bg1="dk1" tx1="lt1" bg2="dk2" tx2="lt2" accent1="accent1" accent2="accent2" accent3="accent3" accent4="accent4" accent5="accent5" accent6="accent6" hlink="hlink" folHlink="folHlink"/>
+  </p:clrMapOvr>
+</p:sld>
+</file>
+
+<file path=ppt/slides/slide42.xml><?xml version="1.0" encoding="utf-8"?>
+<p:sld xmlns:a="http://schemas.openxmlformats.org/drawingml/2006/main" xmlns:r="http://schemas.openxmlformats.org/officeDocument/2006/relationships" xmlns:p="http://schemas.openxmlformats.org/presentationml/2006/main">
+  <p:cSld>
+    <p:bg>
+      <p:bgPr>
+        <a:solidFill>
+          <a:schemeClr val="bg1"/>
+        </a:solidFill>
+        <a:effectLst/>
+      </p:bgPr>
+    </p:bg>
+    <p:spTree>
+      <p:nvGrpSpPr>
+        <p:cNvPr id="1" name=""/>
+        <p:cNvGrpSpPr/>
+        <p:nvPr/>
+      </p:nvGrpSpPr>
+      <p:grpSpPr>
+        <a:xfrm>
+          <a:off x="0" y="0"/>
+          <a:ext cx="0" cy="0"/>
+          <a:chOff x="0" y="0"/>
+          <a:chExt cx="0" cy="0"/>
+        </a:xfrm>
+      </p:grpSpPr>
+      <p:pic>
+        <p:nvPicPr>
+          <p:cNvPr id="6" name="Picture 5">
+            <a:extLst>
+              <a:ext uri="{FF2B5EF4-FFF2-40B4-BE49-F238E27FC236}">
+                <a16:creationId xmlns:a16="http://schemas.microsoft.com/office/drawing/2014/main" id="{49AD5D7C-48BD-447B-BC06-60739105A938}"/>
+              </a:ext>
+            </a:extLst>
+          </p:cNvPr>
+          <p:cNvPicPr>
+            <a:picLocks noChangeAspect="1"/>
+          </p:cNvPicPr>
+          <p:nvPr/>
+        </p:nvPicPr>
+        <p:blipFill rotWithShape="1">
+          <a:blip r:embed="rId3">
+            <a:extLst>
+              <a:ext uri="{28A0092B-C50C-407E-A947-70E740481C1C}">
+                <a14:useLocalDpi xmlns:a14="http://schemas.microsoft.com/office/drawing/2010/main" val="0"/>
+              </a:ext>
+            </a:extLst>
+          </a:blip>
+          <a:srcRect r="8" b="755"/>
+          <a:stretch/>
+        </p:blipFill>
+        <p:spPr>
+          <a:xfrm>
+            <a:off x="915663" y="1286934"/>
+            <a:ext cx="6346794" cy="4259480"/>
+          </a:xfrm>
+          <a:prstGeom prst="rect">
+            <a:avLst/>
+          </a:prstGeom>
+        </p:spPr>
+      </p:pic>
+      <p:sp>
+        <p:nvSpPr>
+          <p:cNvPr id="135" name="Rectangle 73">
+            <a:extLst>
+              <a:ext uri="{FF2B5EF4-FFF2-40B4-BE49-F238E27FC236}">
+                <a16:creationId xmlns:a16="http://schemas.microsoft.com/office/drawing/2014/main" id="{F5493CFF-E43B-4B10-ACE1-C8A1246629EA}"/>
+              </a:ext>
+              <a:ext uri="{C183D7F6-B498-43B3-948B-1728B52AA6E4}">
+                <adec:decorative xmlns:adec="http://schemas.microsoft.com/office/drawing/2017/decorative" val="1"/>
+              </a:ext>
+            </a:extLst>
+          </p:cNvPr>
+          <p:cNvSpPr>
+            <a:spLocks noGrp="1" noRot="1" noChangeAspect="1" noMove="1" noResize="1" noEditPoints="1" noAdjustHandles="1" noChangeArrowheads="1" noChangeShapeType="1" noTextEdit="1"/>
+          </p:cNvSpPr>
+          <p:nvPr>
+            <p:extLst>
+              <p:ext uri="{386F3935-93C4-4BCD-93E2-E3B085C9AB24}">
+                <p16:designElem xmlns:p16="http://schemas.microsoft.com/office/powerpoint/2015/main" val="1"/>
+              </p:ext>
+            </p:extLst>
+          </p:nvPr>
+        </p:nvSpPr>
+        <p:spPr>
+          <a:xfrm>
+            <a:off x="8129873" y="0"/>
+            <a:ext cx="4062127" cy="6858000"/>
+          </a:xfrm>
+          <a:prstGeom prst="rect">
+            <a:avLst/>
+          </a:prstGeom>
+          <a:solidFill>
+            <a:schemeClr val="tx1">
+              <a:lumMod val="75000"/>
+              <a:lumOff val="25000"/>
+            </a:schemeClr>
+          </a:solidFill>
+          <a:ln>
+            <a:noFill/>
+          </a:ln>
+        </p:spPr>
+        <p:style>
+          <a:lnRef idx="2">
+            <a:schemeClr val="accent1">
+              <a:shade val="50000"/>
+            </a:schemeClr>
+          </a:lnRef>
+          <a:fillRef idx="1">
+            <a:schemeClr val="accent1"/>
+          </a:fillRef>
+          <a:effectRef idx="0">
+            <a:schemeClr val="accent1"/>
+          </a:effectRef>
+          <a:fontRef idx="minor">
+            <a:schemeClr val="lt1"/>
+          </a:fontRef>
+        </p:style>
+        <p:txBody>
+          <a:bodyPr rtlCol="0" anchor="ctr"/>
+          <a:lstStyle/>
+          <a:p>
+            <a:pPr marL="0" marR="0" lvl="0" indent="0" algn="ctr" defTabSz="914400" rtl="0" eaLnBrk="1" fontAlgn="auto" latinLnBrk="0" hangingPunct="1">
+              <a:lnSpc>
+                <a:spcPct val="100000"/>
+              </a:lnSpc>
+              <a:spcBef>
+                <a:spcPts val="0"/>
+              </a:spcBef>
+              <a:spcAft>
+                <a:spcPts val="0"/>
+              </a:spcAft>
+              <a:buClrTx/>
+              <a:buSzTx/>
+              <a:buFontTx/>
+              <a:buNone/>
+              <a:tabLst/>
+              <a:defRPr/>
+            </a:pPr>
+            <a:endParaRPr kumimoji="0" lang="en-US" sz="1800" b="0" i="0" u="none" strike="noStrike" kern="1200" cap="none" spc="0" normalizeH="0" baseline="0" noProof="0">
+              <a:ln>
+                <a:noFill/>
+              </a:ln>
+              <a:solidFill>
+                <a:prstClr val="white"/>
+              </a:solidFill>
+              <a:effectLst/>
+              <a:uLnTx/>
+              <a:uFillTx/>
+              <a:latin typeface="Calibri" panose="020F0502020204030204"/>
+              <a:ea typeface="+mn-ea"/>
+              <a:cs typeface="+mn-cs"/>
+            </a:endParaRPr>
+          </a:p>
+        </p:txBody>
+      </p:sp>
+      <p:sp>
+        <p:nvSpPr>
+          <p:cNvPr id="4" name="TextBox 3">
+            <a:extLst>
+              <a:ext uri="{FF2B5EF4-FFF2-40B4-BE49-F238E27FC236}">
+                <a16:creationId xmlns:a16="http://schemas.microsoft.com/office/drawing/2014/main" id="{03DDB894-502D-4473-8189-C7F7050B360F}"/>
+              </a:ext>
+            </a:extLst>
+          </p:cNvPr>
+          <p:cNvSpPr txBox="1"/>
+          <p:nvPr/>
+        </p:nvSpPr>
+        <p:spPr>
+          <a:xfrm>
+            <a:off x="8502649" y="1286935"/>
+            <a:ext cx="3045883" cy="4259480"/>
+          </a:xfrm>
+          <a:prstGeom prst="rect">
+            <a:avLst/>
+          </a:prstGeom>
+        </p:spPr>
+        <p:txBody>
+          <a:bodyPr vert="horz" lIns="91440" tIns="45720" rIns="91440" bIns="45720" rtlCol="0">
+            <a:normAutofit fontScale="92500" lnSpcReduction="20000"/>
+          </a:bodyPr>
+          <a:lstStyle/>
+          <a:p>
+            <a:pPr defTabSz="914400">
+              <a:lnSpc>
+                <a:spcPct val="90000"/>
+              </a:lnSpc>
+              <a:spcAft>
+                <a:spcPts val="600"/>
+              </a:spcAft>
+            </a:pPr>
+            <a:r>
+              <a:rPr lang="en-US" sz="3000" dirty="0">
+                <a:solidFill>
+                  <a:schemeClr val="bg1"/>
+                </a:solidFill>
+                <a:latin typeface="+mj-lt"/>
+              </a:rPr>
+              <a:t>222 BCE</a:t>
+            </a:r>
+          </a:p>
+          <a:p>
+            <a:pPr marL="285750" indent="-228600" defTabSz="914400">
+              <a:lnSpc>
+                <a:spcPct val="90000"/>
+              </a:lnSpc>
+              <a:spcAft>
+                <a:spcPts val="600"/>
+              </a:spcAft>
+              <a:buFont typeface="Arial" panose="020B0604020202020204" pitchFamily="34" charset="0"/>
+              <a:buChar char="•"/>
+            </a:pPr>
+            <a:r>
+              <a:rPr lang="en-US" sz="2400" dirty="0">
+                <a:solidFill>
+                  <a:schemeClr val="bg1"/>
+                </a:solidFill>
+              </a:rPr>
+              <a:t>Antigonus III of </a:t>
+            </a:r>
+            <a:r>
+              <a:rPr lang="en-US" sz="2400" dirty="0" err="1">
+                <a:solidFill>
+                  <a:schemeClr val="bg1"/>
+                </a:solidFill>
+              </a:rPr>
+              <a:t>Makedon</a:t>
+            </a:r>
+            <a:r>
+              <a:rPr lang="en-US" sz="2400" dirty="0">
+                <a:solidFill>
+                  <a:schemeClr val="bg1"/>
+                </a:solidFill>
+              </a:rPr>
+              <a:t> attacks Athens but is defeated by a Spartan-Athenian coalition in the Second Battle of Marathon.</a:t>
+            </a:r>
+          </a:p>
+          <a:p>
+            <a:pPr marL="285750" indent="-228600" defTabSz="914400">
+              <a:lnSpc>
+                <a:spcPct val="90000"/>
+              </a:lnSpc>
+              <a:spcAft>
+                <a:spcPts val="600"/>
+              </a:spcAft>
+              <a:buFont typeface="Arial" panose="020B0604020202020204" pitchFamily="34" charset="0"/>
+              <a:buChar char="•"/>
+            </a:pPr>
+            <a:r>
+              <a:rPr lang="en-US" sz="2400" dirty="0">
+                <a:solidFill>
+                  <a:schemeClr val="bg1"/>
+                </a:solidFill>
+              </a:rPr>
+              <a:t>Antiochus III marries Laodice the daughter of Mithridates II of Pontus and an alliance is formed against Pergamon and the Galatians.</a:t>
+            </a:r>
+          </a:p>
+        </p:txBody>
+      </p:sp>
+    </p:spTree>
+    <p:extLst>
+      <p:ext uri="{BB962C8B-B14F-4D97-AF65-F5344CB8AC3E}">
+        <p14:creationId xmlns:p14="http://schemas.microsoft.com/office/powerpoint/2010/main" val="3685578452"/>
+      </p:ext>
+    </p:extLst>
+  </p:cSld>
+  <p:clrMapOvr>
+    <a:masterClrMapping/>
+  </p:clrMapOvr>
+</p:sld>
+</file>
+
+<file path=ppt/slides/slide43.xml><?xml version="1.0" encoding="utf-8"?>
+<p:sld xmlns:a="http://schemas.openxmlformats.org/drawingml/2006/main" xmlns:r="http://schemas.openxmlformats.org/officeDocument/2006/relationships" xmlns:p="http://schemas.openxmlformats.org/presentationml/2006/main">
+  <p:cSld>
+    <p:bg>
+      <p:bgPr>
+        <a:solidFill>
+          <a:schemeClr val="bg1"/>
+        </a:solidFill>
+        <a:effectLst/>
+      </p:bgPr>
+    </p:bg>
+    <p:spTree>
+      <p:nvGrpSpPr>
+        <p:cNvPr id="1" name=""/>
+        <p:cNvGrpSpPr/>
+        <p:nvPr/>
+      </p:nvGrpSpPr>
+      <p:grpSpPr>
+        <a:xfrm>
+          <a:off x="0" y="0"/>
+          <a:ext cx="0" cy="0"/>
+          <a:chOff x="0" y="0"/>
+          <a:chExt cx="0" cy="0"/>
+        </a:xfrm>
+      </p:grpSpPr>
+      <p:sp useBgFill="1">
+        <p:nvSpPr>
+          <p:cNvPr id="145" name="Rectangle 144">
+            <a:extLst>
+              <a:ext uri="{FF2B5EF4-FFF2-40B4-BE49-F238E27FC236}">
+                <a16:creationId xmlns:a16="http://schemas.microsoft.com/office/drawing/2014/main" id="{38468727-63BE-4191-B4A6-C30C82C0E986}"/>
+              </a:ext>
+              <a:ext uri="{C183D7F6-B498-43B3-948B-1728B52AA6E4}">
+                <adec:decorative xmlns:adec="http://schemas.microsoft.com/office/drawing/2017/decorative" val="1"/>
+              </a:ext>
+            </a:extLst>
+          </p:cNvPr>
+          <p:cNvSpPr>
+            <a:spLocks noGrp="1" noRot="1" noChangeAspect="1" noMove="1" noResize="1" noEditPoints="1" noAdjustHandles="1" noChangeArrowheads="1" noChangeShapeType="1" noTextEdit="1"/>
+          </p:cNvSpPr>
+          <p:nvPr>
+            <p:extLst>
+              <p:ext uri="{386F3935-93C4-4BCD-93E2-E3B085C9AB24}">
+                <p16:designElem xmlns:p16="http://schemas.microsoft.com/office/powerpoint/2015/main" val="1"/>
+              </p:ext>
+            </p:extLst>
+          </p:nvPr>
+        </p:nvSpPr>
+        <p:spPr>
+          <a:xfrm>
+            <a:off x="0" y="0"/>
+            <a:ext cx="12192000" cy="6858000"/>
+          </a:xfrm>
+          <a:prstGeom prst="rect">
+            <a:avLst/>
+          </a:prstGeom>
+          <a:ln>
+            <a:noFill/>
+          </a:ln>
+        </p:spPr>
+        <p:style>
+          <a:lnRef idx="2">
+            <a:schemeClr val="accent1">
+              <a:shade val="50000"/>
+            </a:schemeClr>
+          </a:lnRef>
+          <a:fillRef idx="1">
+            <a:schemeClr val="accent1"/>
+          </a:fillRef>
+          <a:effectRef idx="0">
+            <a:schemeClr val="accent1"/>
+          </a:effectRef>
+          <a:fontRef idx="minor">
+            <a:schemeClr val="lt1"/>
+          </a:fontRef>
+        </p:style>
+        <p:txBody>
+          <a:bodyPr rtlCol="0" anchor="ctr"/>
+          <a:lstStyle/>
+          <a:p>
+            <a:pPr algn="ctr"/>
+            <a:endParaRPr lang="en-US"/>
+          </a:p>
+        </p:txBody>
+      </p:sp>
+      <p:sp>
+        <p:nvSpPr>
+          <p:cNvPr id="147" name="Rectangle 146">
+            <a:extLst>
+              <a:ext uri="{FF2B5EF4-FFF2-40B4-BE49-F238E27FC236}">
+                <a16:creationId xmlns:a16="http://schemas.microsoft.com/office/drawing/2014/main" id="{9D355BB6-1BB8-4828-B246-CFB31742D7B8}"/>
+              </a:ext>
+              <a:ext uri="{C183D7F6-B498-43B3-948B-1728B52AA6E4}">
+                <adec:decorative xmlns:adec="http://schemas.microsoft.com/office/drawing/2017/decorative" val="1"/>
+              </a:ext>
+            </a:extLst>
+          </p:cNvPr>
+          <p:cNvSpPr>
+            <a:spLocks noGrp="1" noRot="1" noChangeAspect="1" noMove="1" noResize="1" noEditPoints="1" noAdjustHandles="1" noChangeArrowheads="1" noChangeShapeType="1" noTextEdit="1"/>
+          </p:cNvSpPr>
+          <p:nvPr>
+            <p:extLst>
+              <p:ext uri="{386F3935-93C4-4BCD-93E2-E3B085C9AB24}">
+                <p16:designElem xmlns:p16="http://schemas.microsoft.com/office/powerpoint/2015/main" val="1"/>
+              </p:ext>
+            </p:extLst>
+          </p:nvPr>
+        </p:nvSpPr>
+        <p:spPr>
+          <a:xfrm>
+            <a:off x="0" y="1134839"/>
+            <a:ext cx="128016" cy="653903"/>
+          </a:xfrm>
+          <a:prstGeom prst="rect">
+            <a:avLst/>
+          </a:prstGeom>
+          <a:solidFill>
+            <a:schemeClr val="accent2"/>
+          </a:solidFill>
+          <a:ln>
+            <a:noFill/>
+          </a:ln>
+        </p:spPr>
+        <p:style>
+          <a:lnRef idx="2">
+            <a:schemeClr val="accent1">
+              <a:shade val="50000"/>
+            </a:schemeClr>
+          </a:lnRef>
+          <a:fillRef idx="1">
+            <a:schemeClr val="accent1"/>
+          </a:fillRef>
+          <a:effectRef idx="0">
+            <a:schemeClr val="accent1"/>
+          </a:effectRef>
+          <a:fontRef idx="minor">
+            <a:schemeClr val="lt1"/>
+          </a:fontRef>
+        </p:style>
+        <p:txBody>
+          <a:bodyPr rtlCol="0" anchor="ctr"/>
+          <a:lstStyle/>
+          <a:p>
+            <a:pPr algn="ctr"/>
+            <a:endParaRPr lang="en-US">
+              <a:solidFill>
+                <a:prstClr val="white"/>
+              </a:solidFill>
+              <a:latin typeface="Calibri" panose="020F0502020204030204"/>
+            </a:endParaRPr>
+          </a:p>
+        </p:txBody>
+      </p:sp>
+      <p:sp>
+        <p:nvSpPr>
+          <p:cNvPr id="149" name="Rectangle 148">
+            <a:extLst>
+              <a:ext uri="{FF2B5EF4-FFF2-40B4-BE49-F238E27FC236}">
+                <a16:creationId xmlns:a16="http://schemas.microsoft.com/office/drawing/2014/main" id="{CA52A9B9-B2B3-46F0-9D53-0EFF9905BF8F}"/>
+              </a:ext>
+              <a:ext uri="{C183D7F6-B498-43B3-948B-1728B52AA6E4}">
+                <adec:decorative xmlns:adec="http://schemas.microsoft.com/office/drawing/2017/decorative" val="1"/>
+              </a:ext>
+            </a:extLst>
+          </p:cNvPr>
+          <p:cNvSpPr>
+            <a:spLocks noGrp="1" noRot="1" noChangeAspect="1" noMove="1" noResize="1" noEditPoints="1" noAdjustHandles="1" noChangeArrowheads="1" noChangeShapeType="1" noTextEdit="1"/>
+          </p:cNvSpPr>
+          <p:nvPr>
+            <p:extLst>
+              <p:ext uri="{386F3935-93C4-4BCD-93E2-E3B085C9AB24}">
+                <p16:designElem xmlns:p16="http://schemas.microsoft.com/office/powerpoint/2015/main" val="1"/>
+              </p:ext>
+            </p:extLst>
+          </p:nvPr>
+        </p:nvSpPr>
+        <p:spPr>
+          <a:xfrm rot="5400000">
+            <a:off x="2245238" y="1452646"/>
+            <a:ext cx="1463040" cy="18288"/>
+          </a:xfrm>
+          <a:prstGeom prst="rect">
+            <a:avLst/>
+          </a:prstGeom>
+          <a:solidFill>
+            <a:srgbClr val="D5D5D5"/>
+          </a:solidFill>
+          <a:ln w="3175">
+            <a:noFill/>
+          </a:ln>
+          <a:effectLst/>
+        </p:spPr>
+        <p:style>
+          <a:lnRef idx="2">
+            <a:schemeClr val="accent1">
+              <a:shade val="50000"/>
+            </a:schemeClr>
+          </a:lnRef>
+          <a:fillRef idx="1">
+            <a:schemeClr val="accent1"/>
+          </a:fillRef>
+          <a:effectRef idx="0">
+            <a:schemeClr val="accent1"/>
+          </a:effectRef>
+          <a:fontRef idx="minor">
+            <a:schemeClr val="lt1"/>
+          </a:fontRef>
+        </p:style>
+        <p:txBody>
+          <a:bodyPr rtlCol="0" anchor="ctr"/>
+          <a:lstStyle/>
+          <a:p>
+            <a:pPr marL="0" marR="0" lvl="0" indent="0" algn="ctr" defTabSz="914400" rtl="0" eaLnBrk="1" fontAlgn="auto" latinLnBrk="0" hangingPunct="1">
+              <a:lnSpc>
+                <a:spcPct val="100000"/>
+              </a:lnSpc>
+              <a:spcBef>
+                <a:spcPts val="0"/>
+              </a:spcBef>
+              <a:spcAft>
+                <a:spcPts val="0"/>
+              </a:spcAft>
+              <a:buClrTx/>
+              <a:buSzTx/>
+              <a:buFontTx/>
+              <a:buNone/>
+              <a:tabLst/>
+              <a:defRPr/>
+            </a:pPr>
+            <a:endParaRPr kumimoji="0" lang="en-US" sz="1800" b="0" i="0" u="none" strike="noStrike" kern="1200" cap="none" spc="0" normalizeH="0" baseline="0" noProof="0">
+              <a:ln>
+                <a:noFill/>
+              </a:ln>
+              <a:solidFill>
+                <a:prstClr val="white"/>
+              </a:solidFill>
+              <a:effectLst/>
+              <a:uLnTx/>
+              <a:uFillTx/>
+              <a:latin typeface="Calibri" panose="020F0502020204030204"/>
+              <a:ea typeface="+mn-ea"/>
+              <a:cs typeface="+mn-cs"/>
+            </a:endParaRPr>
+          </a:p>
+        </p:txBody>
+      </p:sp>
+      <p:sp>
+        <p:nvSpPr>
+          <p:cNvPr id="4" name="TextBox 3">
+            <a:extLst>
+              <a:ext uri="{FF2B5EF4-FFF2-40B4-BE49-F238E27FC236}">
+                <a16:creationId xmlns:a16="http://schemas.microsoft.com/office/drawing/2014/main" id="{03DDB894-502D-4473-8189-C7F7050B360F}"/>
+              </a:ext>
+            </a:extLst>
+          </p:cNvPr>
+          <p:cNvSpPr txBox="1"/>
+          <p:nvPr/>
+        </p:nvSpPr>
+        <p:spPr>
+          <a:xfrm>
+            <a:off x="2985902" y="136719"/>
+            <a:ext cx="5269794" cy="2101850"/>
+          </a:xfrm>
+          <a:prstGeom prst="rect">
+            <a:avLst/>
+          </a:prstGeom>
+        </p:spPr>
+        <p:txBody>
+          <a:bodyPr vert="horz" lIns="91440" tIns="45720" rIns="91440" bIns="45720" rtlCol="0" anchor="ctr">
+            <a:normAutofit/>
+          </a:bodyPr>
+          <a:lstStyle/>
+          <a:p>
+            <a:pPr defTabSz="914400">
+              <a:lnSpc>
+                <a:spcPct val="90000"/>
+              </a:lnSpc>
+              <a:spcAft>
+                <a:spcPts val="600"/>
+              </a:spcAft>
+            </a:pPr>
+            <a:r>
+              <a:rPr lang="en-US" sz="2200" dirty="0">
+                <a:latin typeface="+mj-lt"/>
+              </a:rPr>
+              <a:t>219 BCE</a:t>
+            </a:r>
+          </a:p>
+          <a:p>
+            <a:pPr marL="285750" indent="-228600" defTabSz="914400">
+              <a:lnSpc>
+                <a:spcPct val="90000"/>
+              </a:lnSpc>
+              <a:spcAft>
+                <a:spcPts val="600"/>
+              </a:spcAft>
+              <a:buFont typeface="Arial" panose="020B0604020202020204" pitchFamily="34" charset="0"/>
+              <a:buChar char="•"/>
+            </a:pPr>
+            <a:r>
+              <a:rPr lang="en-US" sz="1500" dirty="0"/>
+              <a:t>Hannibal besieges </a:t>
+            </a:r>
+            <a:r>
+              <a:rPr lang="en-US" sz="1500" dirty="0" err="1"/>
+              <a:t>Saguntum</a:t>
+            </a:r>
+            <a:r>
+              <a:rPr lang="en-US" sz="1500" dirty="0"/>
+              <a:t>, an ally of Rome. Beginning of the Second Punic War.</a:t>
+            </a:r>
+          </a:p>
+          <a:p>
+            <a:pPr marL="285750" indent="-228600" defTabSz="914400">
+              <a:lnSpc>
+                <a:spcPct val="90000"/>
+              </a:lnSpc>
+              <a:spcAft>
+                <a:spcPts val="600"/>
+              </a:spcAft>
+              <a:buFont typeface="Arial" panose="020B0604020202020204" pitchFamily="34" charset="0"/>
+              <a:buChar char="•"/>
+            </a:pPr>
+            <a:r>
+              <a:rPr lang="en-US" sz="1500" b="1" dirty="0"/>
+              <a:t>Qin forces expand into Guangdong. </a:t>
+            </a:r>
+            <a:r>
+              <a:rPr lang="en-US" sz="1500" b="1" dirty="0" err="1"/>
+              <a:t>Nanhai</a:t>
+            </a:r>
+            <a:r>
+              <a:rPr lang="en-US" sz="1500" b="1" dirty="0"/>
+              <a:t> Commandery is established with its capital at the mouth of the Pearl River.</a:t>
+            </a:r>
+          </a:p>
+          <a:p>
+            <a:pPr marL="285750" indent="-228600" defTabSz="914400">
+              <a:lnSpc>
+                <a:spcPct val="90000"/>
+              </a:lnSpc>
+              <a:spcAft>
+                <a:spcPts val="600"/>
+              </a:spcAft>
+              <a:buFont typeface="Arial" panose="020B0604020202020204" pitchFamily="34" charset="0"/>
+              <a:buChar char="•"/>
+            </a:pPr>
+            <a:r>
+              <a:rPr lang="en-US" sz="1500" b="1" dirty="0"/>
+              <a:t>Qin Shi Huang appoints his general Zhao </a:t>
+            </a:r>
+            <a:r>
+              <a:rPr lang="en-US" sz="1500" b="1" dirty="0" err="1"/>
+              <a:t>Tuo</a:t>
+            </a:r>
+            <a:r>
+              <a:rPr lang="en-US" sz="1500" b="1" dirty="0"/>
+              <a:t> as magistrate for the region.</a:t>
+            </a:r>
+          </a:p>
+        </p:txBody>
+      </p:sp>
+      <p:pic>
+        <p:nvPicPr>
+          <p:cNvPr id="5" name="Picture 4" descr="Map&#10;&#10;Description automatically generated">
+            <a:extLst>
+              <a:ext uri="{FF2B5EF4-FFF2-40B4-BE49-F238E27FC236}">
+                <a16:creationId xmlns:a16="http://schemas.microsoft.com/office/drawing/2014/main" id="{0E732F39-7F4D-44E6-A82F-189F5EC6791A}"/>
+              </a:ext>
+            </a:extLst>
+          </p:cNvPr>
+          <p:cNvPicPr>
+            <a:picLocks noChangeAspect="1"/>
+          </p:cNvPicPr>
+          <p:nvPr/>
+        </p:nvPicPr>
+        <p:blipFill rotWithShape="1">
+          <a:blip r:embed="rId3"/>
+          <a:srcRect l="2437" r="5205" b="-1"/>
+          <a:stretch/>
+        </p:blipFill>
+        <p:spPr>
+          <a:xfrm>
+            <a:off x="20" y="2283828"/>
+            <a:ext cx="7510389" cy="4574172"/>
+          </a:xfrm>
+          <a:prstGeom prst="rect">
+            <a:avLst/>
+          </a:prstGeom>
+        </p:spPr>
+      </p:pic>
+      <p:pic>
+        <p:nvPicPr>
+          <p:cNvPr id="6" name="Picture 5">
+            <a:extLst>
+              <a:ext uri="{FF2B5EF4-FFF2-40B4-BE49-F238E27FC236}">
+                <a16:creationId xmlns:a16="http://schemas.microsoft.com/office/drawing/2014/main" id="{49AD5D7C-48BD-447B-BC06-60739105A938}"/>
+              </a:ext>
+            </a:extLst>
+          </p:cNvPr>
+          <p:cNvPicPr>
+            <a:picLocks noChangeAspect="1"/>
+          </p:cNvPicPr>
+          <p:nvPr/>
+        </p:nvPicPr>
+        <p:blipFill rotWithShape="1">
+          <a:blip r:embed="rId4">
+            <a:extLst>
+              <a:ext uri="{28A0092B-C50C-407E-A947-70E740481C1C}">
+                <a14:useLocalDpi xmlns:a14="http://schemas.microsoft.com/office/drawing/2010/main" val="0"/>
+              </a:ext>
+            </a:extLst>
+          </a:blip>
+          <a:srcRect l="5486" r="20326" b="-6"/>
+          <a:stretch/>
+        </p:blipFill>
+        <p:spPr>
+          <a:xfrm>
+            <a:off x="9240399" y="1"/>
+            <a:ext cx="2951602" cy="3614205"/>
+          </a:xfrm>
+          <a:prstGeom prst="rect">
+            <a:avLst/>
+          </a:prstGeom>
+        </p:spPr>
+      </p:pic>
+      <p:sp>
+        <p:nvSpPr>
+          <p:cNvPr id="2" name="TextBox 1">
+            <a:extLst>
+              <a:ext uri="{FF2B5EF4-FFF2-40B4-BE49-F238E27FC236}">
+                <a16:creationId xmlns:a16="http://schemas.microsoft.com/office/drawing/2014/main" id="{B15E8B6A-D673-4F7E-AC1F-A790C07AF0FD}"/>
+              </a:ext>
+            </a:extLst>
+          </p:cNvPr>
+          <p:cNvSpPr txBox="1"/>
+          <p:nvPr/>
+        </p:nvSpPr>
+        <p:spPr>
+          <a:xfrm>
+            <a:off x="7585686" y="3737496"/>
+            <a:ext cx="4631406" cy="2800767"/>
+          </a:xfrm>
+          <a:prstGeom prst="rect">
+            <a:avLst/>
+          </a:prstGeom>
+          <a:noFill/>
+        </p:spPr>
+        <p:txBody>
+          <a:bodyPr wrap="square" numCol="1" rtlCol="0">
+            <a:spAutoFit/>
+          </a:bodyPr>
+          <a:lstStyle/>
+          <a:p>
+            <a:pPr>
+              <a:spcAft>
+                <a:spcPts val="600"/>
+              </a:spcAft>
+            </a:pPr>
+            <a:r>
+              <a:rPr lang="en-US" sz="1200" dirty="0"/>
+              <a:t>*Ptolemy III Euergetes has been succeeded by Ptolemy IV, who is under complete influence of his regent </a:t>
+            </a:r>
+            <a:r>
+              <a:rPr lang="en-US" sz="1200" dirty="0" err="1"/>
+              <a:t>Sosibus</a:t>
+            </a:r>
+            <a:r>
+              <a:rPr lang="en-US" sz="1200" dirty="0"/>
+              <a:t>. Many of his own family are executed under his orders. He also marries his sister Arsinoe III.</a:t>
+            </a:r>
+            <a:endParaRPr lang="en-US" sz="800" dirty="0"/>
+          </a:p>
+          <a:p>
+            <a:pPr>
+              <a:spcAft>
+                <a:spcPts val="600"/>
+              </a:spcAft>
+            </a:pPr>
+            <a:r>
+              <a:rPr lang="en-US" sz="1200" dirty="0"/>
+              <a:t>**Antigonus III died in battle against the Illyrians and is succeeded by his cousin Philip V.</a:t>
+            </a:r>
+            <a:endParaRPr lang="en-US" sz="800" dirty="0"/>
+          </a:p>
+          <a:p>
+            <a:pPr>
+              <a:spcAft>
+                <a:spcPts val="600"/>
+              </a:spcAft>
+            </a:pPr>
+            <a:r>
+              <a:rPr lang="en-US" sz="1200" dirty="0"/>
+              <a:t>***Illyrians attack Roman settlements in Greece, triggering the Second Illyrian War. Rome’s interference here is the main cause of the First Makedonian War.</a:t>
+            </a:r>
+            <a:endParaRPr lang="en-US" sz="800" dirty="0"/>
+          </a:p>
+          <a:p>
+            <a:pPr>
+              <a:spcAft>
+                <a:spcPts val="600"/>
+              </a:spcAft>
+            </a:pPr>
+            <a:r>
+              <a:rPr lang="en-US" sz="1200" dirty="0"/>
+              <a:t>****Rome completes the conquest of the Veneti, leaving Liguria the only part of the Italian peninsula not under Roman control.</a:t>
+            </a:r>
+            <a:endParaRPr lang="en-US" sz="800" dirty="0"/>
+          </a:p>
+          <a:p>
+            <a:pPr>
+              <a:spcAft>
+                <a:spcPts val="600"/>
+              </a:spcAft>
+            </a:pPr>
+            <a:r>
+              <a:rPr lang="en-US" sz="1200" dirty="0"/>
+              <a:t>*****Antiochus III has successfully put down revolts in Mesopotamia and now turns his attention to Ptolemy IV’s lands in Syria. Beginning of the Fourth Syrian War.</a:t>
+            </a:r>
+          </a:p>
+        </p:txBody>
+      </p:sp>
+    </p:spTree>
+    <p:extLst>
+      <p:ext uri="{BB962C8B-B14F-4D97-AF65-F5344CB8AC3E}">
+        <p14:creationId xmlns:p14="http://schemas.microsoft.com/office/powerpoint/2010/main" val="1313335371"/>
+      </p:ext>
+    </p:extLst>
+  </p:cSld>
+  <p:clrMapOvr>
+    <a:masterClrMapping/>
+  </p:clrMapOvr>
+</p:sld>
+</file>
+
+<file path=ppt/slides/slide44.xml><?xml version="1.0" encoding="utf-8"?>
+<p:sld xmlns:a="http://schemas.openxmlformats.org/drawingml/2006/main" xmlns:r="http://schemas.openxmlformats.org/officeDocument/2006/relationships" xmlns:p="http://schemas.openxmlformats.org/presentationml/2006/main">
+  <p:cSld>
+    <p:bg>
+      <p:bgPr>
+        <a:solidFill>
+          <a:schemeClr val="bg1"/>
+        </a:solidFill>
+        <a:effectLst/>
+      </p:bgPr>
+    </p:bg>
+    <p:spTree>
+      <p:nvGrpSpPr>
+        <p:cNvPr id="1" name=""/>
+        <p:cNvGrpSpPr/>
+        <p:nvPr/>
+      </p:nvGrpSpPr>
+      <p:grpSpPr>
+        <a:xfrm>
+          <a:off x="0" y="0"/>
+          <a:ext cx="0" cy="0"/>
+          <a:chOff x="0" y="0"/>
+          <a:chExt cx="0" cy="0"/>
+        </a:xfrm>
+      </p:grpSpPr>
+      <p:sp useBgFill="1">
+        <p:nvSpPr>
+          <p:cNvPr id="107" name="Rectangle 106">
+            <a:extLst>
+              <a:ext uri="{FF2B5EF4-FFF2-40B4-BE49-F238E27FC236}">
+                <a16:creationId xmlns:a16="http://schemas.microsoft.com/office/drawing/2014/main" id="{38468727-63BE-4191-B4A6-C30C82C0E986}"/>
+              </a:ext>
+              <a:ext uri="{C183D7F6-B498-43B3-948B-1728B52AA6E4}">
+                <adec:decorative xmlns:adec="http://schemas.microsoft.com/office/drawing/2017/decorative" val="1"/>
+              </a:ext>
+            </a:extLst>
+          </p:cNvPr>
+          <p:cNvSpPr>
+            <a:spLocks noGrp="1" noRot="1" noChangeAspect="1" noMove="1" noResize="1" noEditPoints="1" noAdjustHandles="1" noChangeArrowheads="1" noChangeShapeType="1" noTextEdit="1"/>
+          </p:cNvSpPr>
+          <p:nvPr>
+            <p:extLst>
+              <p:ext uri="{386F3935-93C4-4BCD-93E2-E3B085C9AB24}">
+                <p16:designElem xmlns:p16="http://schemas.microsoft.com/office/powerpoint/2015/main" val="1"/>
+              </p:ext>
+            </p:extLst>
+          </p:nvPr>
+        </p:nvSpPr>
+        <p:spPr>
+          <a:xfrm>
+            <a:off x="0" y="0"/>
+            <a:ext cx="12192000" cy="6858000"/>
+          </a:xfrm>
+          <a:prstGeom prst="rect">
+            <a:avLst/>
+          </a:prstGeom>
+          <a:ln>
+            <a:noFill/>
+          </a:ln>
+        </p:spPr>
+        <p:style>
+          <a:lnRef idx="2">
+            <a:schemeClr val="accent1">
+              <a:shade val="50000"/>
+            </a:schemeClr>
+          </a:lnRef>
+          <a:fillRef idx="1">
+            <a:schemeClr val="accent1"/>
+          </a:fillRef>
+          <a:effectRef idx="0">
+            <a:schemeClr val="accent1"/>
+          </a:effectRef>
+          <a:fontRef idx="minor">
+            <a:schemeClr val="lt1"/>
+          </a:fontRef>
+        </p:style>
+        <p:txBody>
+          <a:bodyPr rtlCol="0" anchor="ctr"/>
+          <a:lstStyle/>
+          <a:p>
+            <a:pPr algn="ctr"/>
+            <a:endParaRPr lang="en-US"/>
+          </a:p>
+        </p:txBody>
+      </p:sp>
+      <p:sp>
+        <p:nvSpPr>
+          <p:cNvPr id="109" name="Rectangle 108">
+            <a:extLst>
+              <a:ext uri="{FF2B5EF4-FFF2-40B4-BE49-F238E27FC236}">
+                <a16:creationId xmlns:a16="http://schemas.microsoft.com/office/drawing/2014/main" id="{9D355BB6-1BB8-4828-B246-CFB31742D7B8}"/>
+              </a:ext>
+              <a:ext uri="{C183D7F6-B498-43B3-948B-1728B52AA6E4}">
+                <adec:decorative xmlns:adec="http://schemas.microsoft.com/office/drawing/2017/decorative" val="1"/>
+              </a:ext>
+            </a:extLst>
+          </p:cNvPr>
+          <p:cNvSpPr>
+            <a:spLocks noGrp="1" noRot="1" noChangeAspect="1" noMove="1" noResize="1" noEditPoints="1" noAdjustHandles="1" noChangeArrowheads="1" noChangeShapeType="1" noTextEdit="1"/>
+          </p:cNvSpPr>
+          <p:nvPr>
+            <p:extLst>
+              <p:ext uri="{386F3935-93C4-4BCD-93E2-E3B085C9AB24}">
+                <p16:designElem xmlns:p16="http://schemas.microsoft.com/office/powerpoint/2015/main" val="1"/>
+              </p:ext>
+            </p:extLst>
+          </p:nvPr>
+        </p:nvSpPr>
+        <p:spPr>
+          <a:xfrm>
+            <a:off x="0" y="1134839"/>
+            <a:ext cx="128016" cy="653903"/>
+          </a:xfrm>
+          <a:prstGeom prst="rect">
+            <a:avLst/>
+          </a:prstGeom>
+          <a:solidFill>
+            <a:schemeClr val="accent2"/>
+          </a:solidFill>
+          <a:ln>
+            <a:noFill/>
+          </a:ln>
+        </p:spPr>
+        <p:style>
+          <a:lnRef idx="2">
+            <a:schemeClr val="accent1">
+              <a:shade val="50000"/>
+            </a:schemeClr>
+          </a:lnRef>
+          <a:fillRef idx="1">
+            <a:schemeClr val="accent1"/>
+          </a:fillRef>
+          <a:effectRef idx="0">
+            <a:schemeClr val="accent1"/>
+          </a:effectRef>
+          <a:fontRef idx="minor">
+            <a:schemeClr val="lt1"/>
+          </a:fontRef>
+        </p:style>
+        <p:txBody>
+          <a:bodyPr rtlCol="0" anchor="ctr"/>
+          <a:lstStyle/>
+          <a:p>
+            <a:pPr algn="ctr"/>
+            <a:endParaRPr lang="en-US">
+              <a:solidFill>
+                <a:prstClr val="white"/>
+              </a:solidFill>
+              <a:latin typeface="Calibri" panose="020F0502020204030204"/>
+            </a:endParaRPr>
+          </a:p>
+        </p:txBody>
+      </p:sp>
+      <p:sp>
+        <p:nvSpPr>
+          <p:cNvPr id="111" name="Rectangle 110">
+            <a:extLst>
+              <a:ext uri="{FF2B5EF4-FFF2-40B4-BE49-F238E27FC236}">
+                <a16:creationId xmlns:a16="http://schemas.microsoft.com/office/drawing/2014/main" id="{CA52A9B9-B2B3-46F0-9D53-0EFF9905BF8F}"/>
+              </a:ext>
+              <a:ext uri="{C183D7F6-B498-43B3-948B-1728B52AA6E4}">
+                <adec:decorative xmlns:adec="http://schemas.microsoft.com/office/drawing/2017/decorative" val="1"/>
+              </a:ext>
+            </a:extLst>
+          </p:cNvPr>
+          <p:cNvSpPr>
+            <a:spLocks noGrp="1" noRot="1" noChangeAspect="1" noMove="1" noResize="1" noEditPoints="1" noAdjustHandles="1" noChangeArrowheads="1" noChangeShapeType="1" noTextEdit="1"/>
+          </p:cNvSpPr>
+          <p:nvPr>
+            <p:extLst>
+              <p:ext uri="{386F3935-93C4-4BCD-93E2-E3B085C9AB24}">
+                <p16:designElem xmlns:p16="http://schemas.microsoft.com/office/powerpoint/2015/main" val="1"/>
+              </p:ext>
+            </p:extLst>
+          </p:nvPr>
+        </p:nvSpPr>
+        <p:spPr>
+          <a:xfrm rot="5400000">
+            <a:off x="2245238" y="1452646"/>
+            <a:ext cx="1463040" cy="18288"/>
+          </a:xfrm>
+          <a:prstGeom prst="rect">
+            <a:avLst/>
+          </a:prstGeom>
+          <a:solidFill>
+            <a:srgbClr val="D5D5D5"/>
+          </a:solidFill>
+          <a:ln w="3175">
+            <a:noFill/>
+          </a:ln>
+          <a:effectLst/>
+        </p:spPr>
+        <p:style>
+          <a:lnRef idx="2">
+            <a:schemeClr val="accent1">
+              <a:shade val="50000"/>
+            </a:schemeClr>
+          </a:lnRef>
+          <a:fillRef idx="1">
+            <a:schemeClr val="accent1"/>
+          </a:fillRef>
+          <a:effectRef idx="0">
+            <a:schemeClr val="accent1"/>
+          </a:effectRef>
+          <a:fontRef idx="minor">
+            <a:schemeClr val="lt1"/>
+          </a:fontRef>
+        </p:style>
+        <p:txBody>
+          <a:bodyPr rtlCol="0" anchor="ctr"/>
+          <a:lstStyle/>
+          <a:p>
+            <a:pPr marL="0" marR="0" lvl="0" indent="0" algn="ctr" defTabSz="914400" rtl="0" eaLnBrk="1" fontAlgn="auto" latinLnBrk="0" hangingPunct="1">
+              <a:lnSpc>
+                <a:spcPct val="100000"/>
+              </a:lnSpc>
+              <a:spcBef>
+                <a:spcPts val="0"/>
+              </a:spcBef>
+              <a:spcAft>
+                <a:spcPts val="0"/>
+              </a:spcAft>
+              <a:buClrTx/>
+              <a:buSzTx/>
+              <a:buFontTx/>
+              <a:buNone/>
+              <a:tabLst/>
+              <a:defRPr/>
+            </a:pPr>
+            <a:endParaRPr kumimoji="0" lang="en-US" sz="1800" b="0" i="0" u="none" strike="noStrike" kern="1200" cap="none" spc="0" normalizeH="0" baseline="0" noProof="0">
+              <a:ln>
+                <a:noFill/>
+              </a:ln>
+              <a:solidFill>
+                <a:prstClr val="white"/>
+              </a:solidFill>
+              <a:effectLst/>
+              <a:uLnTx/>
+              <a:uFillTx/>
+              <a:latin typeface="Calibri" panose="020F0502020204030204"/>
+              <a:ea typeface="+mn-ea"/>
+              <a:cs typeface="+mn-cs"/>
+            </a:endParaRPr>
+          </a:p>
+        </p:txBody>
+      </p:sp>
+      <p:sp>
+        <p:nvSpPr>
+          <p:cNvPr id="4" name="TextBox 3">
+            <a:extLst>
+              <a:ext uri="{FF2B5EF4-FFF2-40B4-BE49-F238E27FC236}">
+                <a16:creationId xmlns:a16="http://schemas.microsoft.com/office/drawing/2014/main" id="{03DDB894-502D-4473-8189-C7F7050B360F}"/>
+              </a:ext>
+            </a:extLst>
+          </p:cNvPr>
+          <p:cNvSpPr txBox="1"/>
+          <p:nvPr/>
+        </p:nvSpPr>
+        <p:spPr>
+          <a:xfrm>
+            <a:off x="3157538" y="412454"/>
+            <a:ext cx="3243262" cy="2101850"/>
+          </a:xfrm>
+          <a:prstGeom prst="rect">
+            <a:avLst/>
+          </a:prstGeom>
+        </p:spPr>
+        <p:txBody>
+          <a:bodyPr vert="horz" lIns="91440" tIns="45720" rIns="91440" bIns="45720" rtlCol="0" anchor="ctr">
+            <a:normAutofit/>
+          </a:bodyPr>
+          <a:lstStyle/>
+          <a:p>
+            <a:pPr defTabSz="914400">
+              <a:lnSpc>
+                <a:spcPct val="90000"/>
+              </a:lnSpc>
+              <a:spcAft>
+                <a:spcPts val="600"/>
+              </a:spcAft>
+            </a:pPr>
+            <a:r>
+              <a:rPr lang="en-US" sz="2800" b="1" dirty="0">
+                <a:latin typeface="+mj-lt"/>
+              </a:rPr>
+              <a:t>218 BCE</a:t>
+            </a:r>
+          </a:p>
+          <a:p>
+            <a:pPr marL="285750" indent="-228600" defTabSz="914400">
+              <a:lnSpc>
+                <a:spcPct val="90000"/>
+              </a:lnSpc>
+              <a:spcAft>
+                <a:spcPts val="600"/>
+              </a:spcAft>
+              <a:buFont typeface="Arial" panose="020B0604020202020204" pitchFamily="34" charset="0"/>
+              <a:buChar char="•"/>
+            </a:pPr>
+            <a:r>
+              <a:rPr lang="en-US" sz="1600" b="1" dirty="0"/>
+              <a:t>Qin Shi Huang orders the reconstruction of the Great Wall, surpassing the former in size.</a:t>
+            </a:r>
+          </a:p>
+        </p:txBody>
+      </p:sp>
+      <p:pic>
+        <p:nvPicPr>
+          <p:cNvPr id="6" name="Picture 5">
+            <a:extLst>
+              <a:ext uri="{FF2B5EF4-FFF2-40B4-BE49-F238E27FC236}">
+                <a16:creationId xmlns:a16="http://schemas.microsoft.com/office/drawing/2014/main" id="{49AD5D7C-48BD-447B-BC06-60739105A938}"/>
+              </a:ext>
+            </a:extLst>
+          </p:cNvPr>
+          <p:cNvPicPr>
+            <a:picLocks noChangeAspect="1"/>
+          </p:cNvPicPr>
+          <p:nvPr/>
+        </p:nvPicPr>
+        <p:blipFill rotWithShape="1">
+          <a:blip r:embed="rId3">
+            <a:extLst>
+              <a:ext uri="{28A0092B-C50C-407E-A947-70E740481C1C}">
+                <a14:useLocalDpi xmlns:a14="http://schemas.microsoft.com/office/drawing/2010/main" val="0"/>
+              </a:ext>
+            </a:extLst>
+          </a:blip>
+          <a:srcRect t="1550" b="1550"/>
+          <a:stretch/>
+        </p:blipFill>
+        <p:spPr>
+          <a:xfrm>
+            <a:off x="20" y="2959630"/>
+            <a:ext cx="6400781" cy="3898370"/>
+          </a:xfrm>
+          <a:prstGeom prst="rect">
+            <a:avLst/>
+          </a:prstGeom>
+        </p:spPr>
+      </p:pic>
+      <p:pic>
+        <p:nvPicPr>
+          <p:cNvPr id="8" name="Picture 7">
+            <a:extLst>
+              <a:ext uri="{FF2B5EF4-FFF2-40B4-BE49-F238E27FC236}">
+                <a16:creationId xmlns:a16="http://schemas.microsoft.com/office/drawing/2014/main" id="{26229E2D-1CAB-422C-BDCD-21FF6BBF4947}"/>
+              </a:ext>
+            </a:extLst>
+          </p:cNvPr>
+          <p:cNvPicPr>
+            <a:picLocks noChangeAspect="1"/>
+          </p:cNvPicPr>
+          <p:nvPr/>
+        </p:nvPicPr>
+        <p:blipFill rotWithShape="1">
+          <a:blip r:embed="rId4">
+            <a:extLst>
+              <a:ext uri="{28A0092B-C50C-407E-A947-70E740481C1C}">
+                <a14:useLocalDpi xmlns:a14="http://schemas.microsoft.com/office/drawing/2010/main" val="0"/>
+              </a:ext>
+            </a:extLst>
+          </a:blip>
+          <a:srcRect t="2042" b="2042"/>
+          <a:stretch/>
+        </p:blipFill>
+        <p:spPr>
+          <a:xfrm>
+            <a:off x="6591299" y="1"/>
+            <a:ext cx="5600701" cy="6857999"/>
+          </a:xfrm>
+          <a:prstGeom prst="rect">
+            <a:avLst/>
+          </a:prstGeom>
+        </p:spPr>
+      </p:pic>
+      <p:sp>
+        <p:nvSpPr>
+          <p:cNvPr id="2" name="TextBox 1">
+            <a:extLst>
+              <a:ext uri="{FF2B5EF4-FFF2-40B4-BE49-F238E27FC236}">
+                <a16:creationId xmlns:a16="http://schemas.microsoft.com/office/drawing/2014/main" id="{A03DE87A-4E3A-4B91-B52E-7BDCA16B67D4}"/>
+              </a:ext>
+            </a:extLst>
+          </p:cNvPr>
+          <p:cNvSpPr txBox="1"/>
+          <p:nvPr/>
+        </p:nvSpPr>
+        <p:spPr>
+          <a:xfrm>
+            <a:off x="382530" y="730269"/>
+            <a:ext cx="2594228" cy="1384995"/>
+          </a:xfrm>
+          <a:prstGeom prst="rect">
+            <a:avLst/>
+          </a:prstGeom>
+          <a:noFill/>
+        </p:spPr>
+        <p:txBody>
+          <a:bodyPr wrap="square" rtlCol="0">
+            <a:spAutoFit/>
+          </a:bodyPr>
+          <a:lstStyle/>
+          <a:p>
+            <a:pPr>
+              <a:spcAft>
+                <a:spcPts val="600"/>
+              </a:spcAft>
+            </a:pPr>
+            <a:r>
+              <a:rPr lang="en-US" sz="1200" dirty="0"/>
+              <a:t>*This is also when Hannibal’s legendary crossing of the Alps occurs, with 40,000 troops and 50 elephants attempting the trip. The same year (in winter no less) they arrive in the Po Valley and defeat the Romans at the Battle of the </a:t>
+            </a:r>
+            <a:r>
+              <a:rPr lang="en-US" sz="1200" dirty="0" err="1"/>
+              <a:t>Trebia</a:t>
+            </a:r>
+            <a:r>
+              <a:rPr lang="en-US" sz="1200" dirty="0"/>
+              <a:t>.</a:t>
+            </a:r>
+            <a:endParaRPr lang="en-US" sz="300" dirty="0"/>
+          </a:p>
+        </p:txBody>
+      </p:sp>
+    </p:spTree>
+    <p:extLst>
+      <p:ext uri="{BB962C8B-B14F-4D97-AF65-F5344CB8AC3E}">
+        <p14:creationId xmlns:p14="http://schemas.microsoft.com/office/powerpoint/2010/main" val="103099478"/>
+      </p:ext>
+    </p:extLst>
+  </p:cSld>
+  <p:clrMapOvr>
+    <a:masterClrMapping/>
+  </p:clrMapOvr>
+</p:sld>
+</file>
+
+<file path=ppt/slides/slide45.xml><?xml version="1.0" encoding="utf-8"?>
+<p:sld xmlns:a="http://schemas.openxmlformats.org/drawingml/2006/main" xmlns:r="http://schemas.openxmlformats.org/officeDocument/2006/relationships" xmlns:p="http://schemas.openxmlformats.org/presentationml/2006/main">
+  <p:cSld>
+    <p:bg>
+      <p:bgPr>
+        <a:solidFill>
+          <a:schemeClr val="bg1"/>
+        </a:solidFill>
+        <a:effectLst/>
+      </p:bgPr>
+    </p:bg>
+    <p:spTree>
+      <p:nvGrpSpPr>
+        <p:cNvPr id="1" name=""/>
+        <p:cNvGrpSpPr/>
+        <p:nvPr/>
+      </p:nvGrpSpPr>
+      <p:grpSpPr>
+        <a:xfrm>
+          <a:off x="0" y="0"/>
+          <a:ext cx="0" cy="0"/>
+          <a:chOff x="0" y="0"/>
+          <a:chExt cx="0" cy="0"/>
+        </a:xfrm>
+      </p:grpSpPr>
+      <p:sp>
+        <p:nvSpPr>
+          <p:cNvPr id="4" name="TextBox 3">
+            <a:extLst>
+              <a:ext uri="{FF2B5EF4-FFF2-40B4-BE49-F238E27FC236}">
+                <a16:creationId xmlns:a16="http://schemas.microsoft.com/office/drawing/2014/main" id="{03DDB894-502D-4473-8189-C7F7050B360F}"/>
+              </a:ext>
+            </a:extLst>
+          </p:cNvPr>
+          <p:cNvSpPr txBox="1"/>
+          <p:nvPr/>
+        </p:nvSpPr>
+        <p:spPr>
+          <a:xfrm>
+            <a:off x="640080" y="2872899"/>
+            <a:ext cx="4243589" cy="3320668"/>
+          </a:xfrm>
+          <a:prstGeom prst="rect">
+            <a:avLst/>
+          </a:prstGeom>
+        </p:spPr>
+        <p:txBody>
+          <a:bodyPr vert="horz" lIns="91440" tIns="45720" rIns="91440" bIns="45720" rtlCol="0">
+            <a:normAutofit/>
+          </a:bodyPr>
+          <a:lstStyle/>
+          <a:p>
+            <a:pPr>
+              <a:lnSpc>
+                <a:spcPct val="90000"/>
+              </a:lnSpc>
+              <a:spcAft>
+                <a:spcPts val="600"/>
+              </a:spcAft>
+            </a:pPr>
+            <a:r>
+              <a:rPr lang="en-US" sz="2800" dirty="0">
+                <a:latin typeface="+mj-lt"/>
+              </a:rPr>
+              <a:t>216 BCE</a:t>
+            </a:r>
+          </a:p>
+          <a:p>
+            <a:pPr marL="285750" indent="-228600">
+              <a:lnSpc>
+                <a:spcPct val="90000"/>
+              </a:lnSpc>
+              <a:spcAft>
+                <a:spcPts val="600"/>
+              </a:spcAft>
+              <a:buFont typeface="Arial" panose="020B0604020202020204" pitchFamily="34" charset="0"/>
+              <a:buChar char="•"/>
+            </a:pPr>
+            <a:r>
+              <a:rPr lang="en-US" sz="1900" dirty="0"/>
+              <a:t>Philip V of </a:t>
+            </a:r>
+            <a:r>
+              <a:rPr lang="en-US" sz="1900" dirty="0" err="1"/>
+              <a:t>Makedon</a:t>
+            </a:r>
+            <a:r>
+              <a:rPr lang="en-US" sz="1900" dirty="0"/>
+              <a:t> invades the Roman client state of Illyria. Beginning of the First Makedonian War.</a:t>
+            </a:r>
+          </a:p>
+          <a:p>
+            <a:pPr marL="285750" indent="-228600">
+              <a:lnSpc>
+                <a:spcPct val="90000"/>
+              </a:lnSpc>
+              <a:spcAft>
+                <a:spcPts val="600"/>
+              </a:spcAft>
+              <a:buFont typeface="Arial" panose="020B0604020202020204" pitchFamily="34" charset="0"/>
+              <a:buChar char="•"/>
+            </a:pPr>
+            <a:r>
+              <a:rPr lang="en-US" sz="1900" dirty="0"/>
+              <a:t>Hannibal defeats the Romans at Cannae.</a:t>
+            </a:r>
+          </a:p>
+        </p:txBody>
+      </p:sp>
+      <p:pic>
+        <p:nvPicPr>
+          <p:cNvPr id="3" name="Picture 2">
+            <a:extLst>
+              <a:ext uri="{FF2B5EF4-FFF2-40B4-BE49-F238E27FC236}">
+                <a16:creationId xmlns:a16="http://schemas.microsoft.com/office/drawing/2014/main" id="{DF48942B-53F6-45ED-9B7A-D117C19EB58F}"/>
+              </a:ext>
+            </a:extLst>
+          </p:cNvPr>
+          <p:cNvPicPr>
+            <a:picLocks noChangeAspect="1"/>
+          </p:cNvPicPr>
+          <p:nvPr/>
+        </p:nvPicPr>
+        <p:blipFill rotWithShape="1">
+          <a:blip r:embed="rId2">
+            <a:extLst>
+              <a:ext uri="{28A0092B-C50C-407E-A947-70E740481C1C}">
+                <a14:useLocalDpi xmlns:a14="http://schemas.microsoft.com/office/drawing/2010/main" val="0"/>
+              </a:ext>
+            </a:extLst>
+          </a:blip>
+          <a:srcRect l="9662" r="9662"/>
+          <a:stretch/>
+        </p:blipFill>
+        <p:spPr>
+          <a:xfrm>
+            <a:off x="5311702" y="10"/>
+            <a:ext cx="6878775" cy="6857990"/>
+          </a:xfrm>
+          <a:custGeom>
+            <a:avLst/>
+            <a:gdLst/>
+            <a:ahLst/>
+            <a:cxnLst/>
+            <a:rect l="l" t="t" r="r" b="b"/>
+            <a:pathLst>
+              <a:path w="6878775" h="6858000">
+                <a:moveTo>
+                  <a:pt x="1102973" y="0"/>
+                </a:moveTo>
+                <a:lnTo>
+                  <a:pt x="1160688" y="0"/>
+                </a:lnTo>
+                <a:lnTo>
+                  <a:pt x="983189" y="331786"/>
+                </a:lnTo>
+                <a:cubicBezTo>
+                  <a:pt x="914866" y="469145"/>
+                  <a:pt x="850355" y="608712"/>
+                  <a:pt x="789261" y="750263"/>
+                </a:cubicBezTo>
+                <a:cubicBezTo>
+                  <a:pt x="774307" y="784928"/>
+                  <a:pt x="759992" y="819849"/>
+                  <a:pt x="745295" y="854514"/>
+                </a:cubicBezTo>
+                <a:cubicBezTo>
+                  <a:pt x="756682" y="845393"/>
+                  <a:pt x="765489" y="833492"/>
+                  <a:pt x="770857" y="819975"/>
+                </a:cubicBezTo>
+                <a:cubicBezTo>
+                  <a:pt x="879943" y="589569"/>
+                  <a:pt x="999605" y="365513"/>
+                  <a:pt x="1131329" y="148742"/>
+                </a:cubicBezTo>
+                <a:lnTo>
+                  <a:pt x="1227589" y="0"/>
+                </a:lnTo>
+                <a:lnTo>
+                  <a:pt x="6878775" y="0"/>
+                </a:lnTo>
+                <a:lnTo>
+                  <a:pt x="6878775" y="6858000"/>
+                </a:lnTo>
+                <a:lnTo>
+                  <a:pt x="713521" y="6858000"/>
+                </a:lnTo>
+                <a:lnTo>
+                  <a:pt x="625642" y="6670527"/>
+                </a:lnTo>
+                <a:cubicBezTo>
+                  <a:pt x="507232" y="6398531"/>
+                  <a:pt x="403083" y="6118381"/>
+                  <a:pt x="312785" y="5830359"/>
+                </a:cubicBezTo>
+                <a:cubicBezTo>
+                  <a:pt x="278149" y="5719759"/>
+                  <a:pt x="248879" y="5607635"/>
+                  <a:pt x="212198" y="5480401"/>
+                </a:cubicBezTo>
+                <a:cubicBezTo>
+                  <a:pt x="212208" y="5491601"/>
+                  <a:pt x="212803" y="5502788"/>
+                  <a:pt x="213988" y="5513923"/>
+                </a:cubicBezTo>
+                <a:cubicBezTo>
+                  <a:pt x="264089" y="5723695"/>
+                  <a:pt x="307290" y="5935370"/>
+                  <a:pt x="365826" y="6142729"/>
+                </a:cubicBezTo>
+                <a:cubicBezTo>
+                  <a:pt x="433152" y="6380817"/>
+                  <a:pt x="510068" y="6614016"/>
+                  <a:pt x="597975" y="6841549"/>
+                </a:cubicBezTo>
+                <a:lnTo>
+                  <a:pt x="604824" y="6858000"/>
+                </a:lnTo>
+                <a:lnTo>
+                  <a:pt x="552056" y="6858000"/>
+                </a:lnTo>
+                <a:lnTo>
+                  <a:pt x="539576" y="6828295"/>
+                </a:lnTo>
+                <a:cubicBezTo>
+                  <a:pt x="380597" y="6414594"/>
+                  <a:pt x="260223" y="5988893"/>
+                  <a:pt x="171555" y="5552906"/>
+                </a:cubicBezTo>
+                <a:cubicBezTo>
+                  <a:pt x="91163" y="5157998"/>
+                  <a:pt x="43746" y="4758899"/>
+                  <a:pt x="12305" y="4357388"/>
+                </a:cubicBezTo>
+                <a:cubicBezTo>
+                  <a:pt x="-14281" y="4013908"/>
+                  <a:pt x="4507" y="3672965"/>
+                  <a:pt x="46684" y="3331516"/>
+                </a:cubicBezTo>
+                <a:cubicBezTo>
+                  <a:pt x="127203" y="2664286"/>
+                  <a:pt x="277819" y="2007265"/>
+                  <a:pt x="496065" y="1371196"/>
+                </a:cubicBezTo>
+                <a:cubicBezTo>
+                  <a:pt x="636273" y="966066"/>
+                  <a:pt x="800445" y="573253"/>
+                  <a:pt x="995723" y="196614"/>
+                </a:cubicBezTo>
+                <a:close/>
+              </a:path>
+            </a:pathLst>
+          </a:custGeom>
+        </p:spPr>
+      </p:pic>
+    </p:spTree>
+    <p:extLst>
+      <p:ext uri="{BB962C8B-B14F-4D97-AF65-F5344CB8AC3E}">
+        <p14:creationId xmlns:p14="http://schemas.microsoft.com/office/powerpoint/2010/main" val="3924841865"/>
+      </p:ext>
+    </p:extLst>
+  </p:cSld>
+  <p:clrMapOvr>
+    <a:masterClrMapping/>
+  </p:clrMapOvr>
+</p:sld>
+</file>
+
+<file path=ppt/slides/slide46.xml><?xml version="1.0" encoding="utf-8"?>
+<p:sld xmlns:a="http://schemas.openxmlformats.org/drawingml/2006/main" xmlns:r="http://schemas.openxmlformats.org/officeDocument/2006/relationships" xmlns:p="http://schemas.openxmlformats.org/presentationml/2006/main">
+  <p:cSld>
+    <p:bg>
+      <p:bgPr>
+        <a:solidFill>
+          <a:schemeClr val="bg1"/>
+        </a:solidFill>
+        <a:effectLst/>
+      </p:bgPr>
+    </p:bg>
+    <p:spTree>
+      <p:nvGrpSpPr>
+        <p:cNvPr id="1" name=""/>
+        <p:cNvGrpSpPr/>
+        <p:nvPr/>
+      </p:nvGrpSpPr>
+      <p:grpSpPr>
+        <a:xfrm>
+          <a:off x="0" y="0"/>
+          <a:ext cx="0" cy="0"/>
+          <a:chOff x="0" y="0"/>
+          <a:chExt cx="0" cy="0"/>
+        </a:xfrm>
+      </p:grpSpPr>
+      <p:sp>
+        <p:nvSpPr>
+          <p:cNvPr id="18" name="Rectangle 17">
+            <a:extLst>
+              <a:ext uri="{FF2B5EF4-FFF2-40B4-BE49-F238E27FC236}">
+                <a16:creationId xmlns:a16="http://schemas.microsoft.com/office/drawing/2014/main" id="{5E52985E-2553-471E-82AA-5ED7A329890A}"/>
+              </a:ext>
+              <a:ext uri="{C183D7F6-B498-43B3-948B-1728B52AA6E4}">
+                <adec:decorative xmlns:adec="http://schemas.microsoft.com/office/drawing/2017/decorative" val="1"/>
+              </a:ext>
+            </a:extLst>
+          </p:cNvPr>
+          <p:cNvSpPr>
+            <a:spLocks noGrp="1" noRot="1" noChangeAspect="1" noMove="1" noResize="1" noEditPoints="1" noAdjustHandles="1" noChangeArrowheads="1" noChangeShapeType="1" noTextEdit="1"/>
+          </p:cNvSpPr>
+          <p:nvPr>
+            <p:extLst>
+              <p:ext uri="{386F3935-93C4-4BCD-93E2-E3B085C9AB24}">
+                <p16:designElem xmlns:p16="http://schemas.microsoft.com/office/powerpoint/2015/main" val="1"/>
+              </p:ext>
+            </p:extLst>
+          </p:nvPr>
+        </p:nvSpPr>
+        <p:spPr bwMode="ltGray">
+          <a:xfrm>
+            <a:off x="393308" y="352931"/>
+            <a:ext cx="11438793" cy="1844256"/>
+          </a:xfrm>
+          <a:prstGeom prst="rect">
+            <a:avLst/>
+          </a:prstGeom>
+          <a:solidFill>
+            <a:schemeClr val="tx1">
+              <a:lumMod val="75000"/>
+              <a:lumOff val="25000"/>
+            </a:schemeClr>
+          </a:solidFill>
+          <a:ln w="127000" cap="sq" cmpd="thinThick">
+            <a:solidFill>
+              <a:schemeClr val="tx1">
+                <a:lumMod val="75000"/>
+                <a:lumOff val="25000"/>
+              </a:schemeClr>
+            </a:solidFill>
+          </a:ln>
+        </p:spPr>
+        <p:style>
+          <a:lnRef idx="2">
+            <a:schemeClr val="accent1">
+              <a:shade val="50000"/>
+            </a:schemeClr>
+          </a:lnRef>
+          <a:fillRef idx="1">
+            <a:schemeClr val="accent1"/>
+          </a:fillRef>
+          <a:effectRef idx="0">
+            <a:schemeClr val="accent1"/>
+          </a:effectRef>
+          <a:fontRef idx="minor">
+            <a:schemeClr val="lt1"/>
+          </a:fontRef>
+        </p:style>
+        <p:txBody>
+          <a:bodyPr rtlCol="0" anchor="ctr"/>
+          <a:lstStyle/>
+          <a:p>
+            <a:pPr marL="0" marR="0" lvl="0" indent="0" algn="ctr" defTabSz="914400" rtl="0" eaLnBrk="1" fontAlgn="auto" latinLnBrk="0" hangingPunct="1">
+              <a:lnSpc>
+                <a:spcPct val="100000"/>
+              </a:lnSpc>
+              <a:spcBef>
+                <a:spcPts val="0"/>
+              </a:spcBef>
+              <a:spcAft>
+                <a:spcPts val="0"/>
+              </a:spcAft>
+              <a:buClrTx/>
+              <a:buSzTx/>
+              <a:buFontTx/>
+              <a:buNone/>
+              <a:tabLst/>
+              <a:defRPr/>
+            </a:pPr>
+            <a:endParaRPr kumimoji="0" lang="en-US" sz="1800" b="0" i="0" u="none" strike="noStrike" kern="1200" cap="none" spc="0" normalizeH="0" baseline="0" noProof="0">
+              <a:ln>
+                <a:noFill/>
+              </a:ln>
+              <a:solidFill>
+                <a:prstClr val="white"/>
+              </a:solidFill>
+              <a:effectLst/>
+              <a:uLnTx/>
+              <a:uFillTx/>
+              <a:latin typeface="Calibri" panose="020F0502020204030204"/>
+              <a:ea typeface="+mn-ea"/>
+              <a:cs typeface="+mn-cs"/>
+            </a:endParaRPr>
+          </a:p>
+        </p:txBody>
+      </p:sp>
+      <p:cxnSp>
+        <p:nvCxnSpPr>
+          <p:cNvPr id="20" name="Straight Connector 19">
+            <a:extLst>
+              <a:ext uri="{FF2B5EF4-FFF2-40B4-BE49-F238E27FC236}">
+                <a16:creationId xmlns:a16="http://schemas.microsoft.com/office/drawing/2014/main" id="{DAE3ABC6-4042-4293-A7DF-F01181363B7E}"/>
+              </a:ext>
+              <a:ext uri="{C183D7F6-B498-43B3-948B-1728B52AA6E4}">
+                <adec:decorative xmlns:adec="http://schemas.microsoft.com/office/drawing/2017/decorative" val="1"/>
+              </a:ext>
+            </a:extLst>
+          </p:cNvPr>
+          <p:cNvCxnSpPr>
+            <a:cxnSpLocks noGrp="1" noRot="1" noChangeAspect="1" noMove="1" noResize="1" noEditPoints="1" noAdjustHandles="1" noChangeArrowheads="1" noChangeShapeType="1"/>
+          </p:cNvCxnSpPr>
+          <p:nvPr>
+            <p:extLst>
+              <p:ext uri="{386F3935-93C4-4BCD-93E2-E3B085C9AB24}">
+                <p16:designElem xmlns:p16="http://schemas.microsoft.com/office/powerpoint/2015/main" val="1"/>
+              </p:ext>
+            </p:extLst>
+          </p:nvPr>
+        </p:nvCxnSpPr>
+        <p:spPr>
+          <a:xfrm flipV="1">
+            <a:off x="4739873" y="580963"/>
+            <a:ext cx="0" cy="1371600"/>
+          </a:xfrm>
+          <a:prstGeom prst="line">
+            <a:avLst/>
+          </a:prstGeom>
+          <a:ln w="19050">
+            <a:solidFill>
+              <a:schemeClr val="bg1">
+                <a:alpha val="75000"/>
+              </a:schemeClr>
+            </a:solidFill>
+          </a:ln>
+        </p:spPr>
+        <p:style>
+          <a:lnRef idx="1">
+            <a:schemeClr val="accent1"/>
+          </a:lnRef>
+          <a:fillRef idx="0">
+            <a:schemeClr val="accent1"/>
+          </a:fillRef>
+          <a:effectRef idx="0">
+            <a:schemeClr val="accent1"/>
+          </a:effectRef>
+          <a:fontRef idx="minor">
+            <a:schemeClr val="tx1"/>
+          </a:fontRef>
+        </p:style>
+      </p:cxnSp>
+      <p:sp>
+        <p:nvSpPr>
+          <p:cNvPr id="4" name="TextBox 3">
+            <a:extLst>
+              <a:ext uri="{FF2B5EF4-FFF2-40B4-BE49-F238E27FC236}">
+                <a16:creationId xmlns:a16="http://schemas.microsoft.com/office/drawing/2014/main" id="{03DDB894-502D-4473-8189-C7F7050B360F}"/>
+              </a:ext>
+            </a:extLst>
+          </p:cNvPr>
+          <p:cNvSpPr txBox="1"/>
+          <p:nvPr/>
+        </p:nvSpPr>
+        <p:spPr>
+          <a:xfrm>
+            <a:off x="4945336" y="506727"/>
+            <a:ext cx="6609921" cy="1526741"/>
+          </a:xfrm>
+          <a:prstGeom prst="rect">
+            <a:avLst/>
+          </a:prstGeom>
+        </p:spPr>
+        <p:txBody>
+          <a:bodyPr vert="horz" lIns="91440" tIns="45720" rIns="91440" bIns="45720" rtlCol="0" anchor="ctr">
+            <a:normAutofit fontScale="92500" lnSpcReduction="10000"/>
+          </a:bodyPr>
+          <a:lstStyle/>
+          <a:p>
+            <a:pPr defTabSz="914400">
+              <a:lnSpc>
+                <a:spcPct val="90000"/>
+              </a:lnSpc>
+              <a:spcAft>
+                <a:spcPts val="600"/>
+              </a:spcAft>
+            </a:pPr>
+            <a:r>
+              <a:rPr lang="en-US" dirty="0">
+                <a:solidFill>
+                  <a:schemeClr val="bg1"/>
+                </a:solidFill>
+                <a:latin typeface="+mj-lt"/>
+              </a:rPr>
+              <a:t>215 BCE</a:t>
+            </a:r>
+          </a:p>
+          <a:p>
+            <a:pPr marL="285750" indent="-228600" defTabSz="914400">
+              <a:lnSpc>
+                <a:spcPct val="90000"/>
+              </a:lnSpc>
+              <a:spcAft>
+                <a:spcPts val="600"/>
+              </a:spcAft>
+              <a:buFont typeface="Arial" panose="020B0604020202020204" pitchFamily="34" charset="0"/>
+              <a:buChar char="•"/>
+            </a:pPr>
+            <a:r>
+              <a:rPr lang="en-US" sz="1400" dirty="0">
+                <a:solidFill>
+                  <a:schemeClr val="bg1"/>
+                </a:solidFill>
+              </a:rPr>
+              <a:t>Attalus I Soter of Pergamon occupies Antiocheia. Antiochus III sues for peace and acknowledges Attalus's conquests and regains Antiocheia in the following peace treaty.</a:t>
+            </a:r>
+          </a:p>
+          <a:p>
+            <a:pPr marL="285750" indent="-228600" defTabSz="914400">
+              <a:lnSpc>
+                <a:spcPct val="90000"/>
+              </a:lnSpc>
+              <a:spcAft>
+                <a:spcPts val="600"/>
+              </a:spcAft>
+              <a:buFont typeface="Arial" panose="020B0604020202020204" pitchFamily="34" charset="0"/>
+              <a:buChar char="•"/>
+            </a:pPr>
+            <a:r>
+              <a:rPr lang="en-US" sz="1400" dirty="0">
+                <a:solidFill>
+                  <a:schemeClr val="bg1"/>
+                </a:solidFill>
+              </a:rPr>
+              <a:t>Philip V, with the help of his Dacian and Scordisci allies defeats a Roman army near Apollonia in Illyria.</a:t>
+            </a:r>
+          </a:p>
+          <a:p>
+            <a:pPr marL="285750" indent="-228600" defTabSz="914400">
+              <a:lnSpc>
+                <a:spcPct val="90000"/>
+              </a:lnSpc>
+              <a:spcAft>
+                <a:spcPts val="600"/>
+              </a:spcAft>
+              <a:buFont typeface="Arial" panose="020B0604020202020204" pitchFamily="34" charset="0"/>
+              <a:buChar char="•"/>
+            </a:pPr>
+            <a:r>
+              <a:rPr lang="en-US" sz="1400" b="1" dirty="0">
+                <a:solidFill>
+                  <a:schemeClr val="bg1"/>
+                </a:solidFill>
+              </a:rPr>
+              <a:t>A Qin army drives the Xiongnu from the Ordos Plateau. The refugees cross the Yellow River and move northward, reorganizing with other Xiongnu tribes in the area.</a:t>
+            </a:r>
+          </a:p>
+        </p:txBody>
+      </p:sp>
+      <p:pic>
+        <p:nvPicPr>
+          <p:cNvPr id="3" name="Picture 2">
+            <a:extLst>
+              <a:ext uri="{FF2B5EF4-FFF2-40B4-BE49-F238E27FC236}">
+                <a16:creationId xmlns:a16="http://schemas.microsoft.com/office/drawing/2014/main" id="{DF48942B-53F6-45ED-9B7A-D117C19EB58F}"/>
+              </a:ext>
+            </a:extLst>
+          </p:cNvPr>
+          <p:cNvPicPr>
+            <a:picLocks noChangeAspect="1"/>
+          </p:cNvPicPr>
+          <p:nvPr/>
+        </p:nvPicPr>
+        <p:blipFill rotWithShape="1">
+          <a:blip r:embed="rId2">
+            <a:extLst>
+              <a:ext uri="{28A0092B-C50C-407E-A947-70E740481C1C}">
+                <a14:useLocalDpi xmlns:a14="http://schemas.microsoft.com/office/drawing/2010/main" val="0"/>
+              </a:ext>
+            </a:extLst>
+          </a:blip>
+          <a:srcRect r="2188" b="-2"/>
+          <a:stretch/>
+        </p:blipFill>
+        <p:spPr>
+          <a:xfrm>
+            <a:off x="393308" y="2425219"/>
+            <a:ext cx="6464574" cy="3851817"/>
+          </a:xfrm>
+          <a:prstGeom prst="rect">
+            <a:avLst/>
+          </a:prstGeom>
+        </p:spPr>
+      </p:pic>
+      <p:pic>
+        <p:nvPicPr>
+          <p:cNvPr id="6" name="Picture 5" descr="Map&#10;&#10;Description automatically generated">
+            <a:extLst>
+              <a:ext uri="{FF2B5EF4-FFF2-40B4-BE49-F238E27FC236}">
+                <a16:creationId xmlns:a16="http://schemas.microsoft.com/office/drawing/2014/main" id="{C0FFFBF3-7603-421B-99F7-CFAECA78C7E8}"/>
+              </a:ext>
+            </a:extLst>
+          </p:cNvPr>
+          <p:cNvPicPr>
+            <a:picLocks noChangeAspect="1"/>
+          </p:cNvPicPr>
+          <p:nvPr/>
+        </p:nvPicPr>
+        <p:blipFill rotWithShape="1">
+          <a:blip r:embed="rId3"/>
+          <a:srcRect t="2966" r="-1" b="11461"/>
+          <a:stretch/>
+        </p:blipFill>
+        <p:spPr>
+          <a:xfrm>
+            <a:off x="7305615" y="2527997"/>
+            <a:ext cx="3439197" cy="3749040"/>
+          </a:xfrm>
+          <a:prstGeom prst="rect">
+            <a:avLst/>
+          </a:prstGeom>
+        </p:spPr>
+      </p:pic>
+      <p:sp>
+        <p:nvSpPr>
+          <p:cNvPr id="2" name="TextBox 1">
+            <a:extLst>
+              <a:ext uri="{FF2B5EF4-FFF2-40B4-BE49-F238E27FC236}">
+                <a16:creationId xmlns:a16="http://schemas.microsoft.com/office/drawing/2014/main" id="{08DF4E36-293C-4C5F-8845-199169158310}"/>
+              </a:ext>
+            </a:extLst>
+          </p:cNvPr>
+          <p:cNvSpPr txBox="1"/>
+          <p:nvPr/>
+        </p:nvSpPr>
+        <p:spPr>
+          <a:xfrm>
+            <a:off x="484362" y="376773"/>
+            <a:ext cx="3958994" cy="1723549"/>
+          </a:xfrm>
+          <a:prstGeom prst="rect">
+            <a:avLst/>
+          </a:prstGeom>
+          <a:noFill/>
+        </p:spPr>
+        <p:txBody>
+          <a:bodyPr wrap="square" rtlCol="0">
+            <a:spAutoFit/>
+          </a:bodyPr>
+          <a:lstStyle/>
+          <a:p>
+            <a:pPr>
+              <a:spcAft>
+                <a:spcPts val="600"/>
+              </a:spcAft>
+            </a:pPr>
+            <a:r>
+              <a:rPr lang="en-US" sz="1200" dirty="0">
+                <a:solidFill>
+                  <a:schemeClr val="bg1">
+                    <a:lumMod val="95000"/>
+                  </a:schemeClr>
+                </a:solidFill>
+              </a:rPr>
+              <a:t>*At this time, Hannibal and Philip V have also made an alliance, although Hannibal reserves the right to make peace with Rome at any time in exchange for Makedonian sovereignty over Illyria as part of the negotiations.</a:t>
+            </a:r>
+          </a:p>
+          <a:p>
+            <a:pPr>
+              <a:spcAft>
+                <a:spcPts val="600"/>
+              </a:spcAft>
+            </a:pPr>
+            <a:r>
+              <a:rPr lang="en-US" sz="1200" dirty="0">
+                <a:solidFill>
+                  <a:schemeClr val="bg1">
+                    <a:lumMod val="95000"/>
+                  </a:schemeClr>
+                </a:solidFill>
+              </a:rPr>
+              <a:t>**The Xiongnu will eventually consolidate into a confederation led by Modu Chanyu in 209 BCE.</a:t>
+            </a:r>
+          </a:p>
+          <a:p>
+            <a:pPr>
+              <a:spcAft>
+                <a:spcPts val="600"/>
+              </a:spcAft>
+            </a:pPr>
+            <a:r>
+              <a:rPr lang="en-US" sz="1200" dirty="0">
+                <a:solidFill>
+                  <a:schemeClr val="bg1">
+                    <a:lumMod val="95000"/>
+                  </a:schemeClr>
+                </a:solidFill>
+              </a:rPr>
+              <a:t>***Qin Shi Huang constructs the Terracotta Army in Chang’an.</a:t>
+            </a:r>
+          </a:p>
+        </p:txBody>
+      </p:sp>
+    </p:spTree>
+    <p:extLst>
+      <p:ext uri="{BB962C8B-B14F-4D97-AF65-F5344CB8AC3E}">
+        <p14:creationId xmlns:p14="http://schemas.microsoft.com/office/powerpoint/2010/main" val="3252481195"/>
+      </p:ext>
+    </p:extLst>
+  </p:cSld>
+  <p:clrMapOvr>
+    <a:masterClrMapping/>
+  </p:clrMapOvr>
+</p:sld>
+</file>
+
+<file path=ppt/slides/slide47.xml><?xml version="1.0" encoding="utf-8"?>
+<p:sld xmlns:a="http://schemas.openxmlformats.org/drawingml/2006/main" xmlns:r="http://schemas.openxmlformats.org/officeDocument/2006/relationships" xmlns:p="http://schemas.openxmlformats.org/presentationml/2006/main">
+  <p:cSld>
+    <p:bg>
+      <p:bgPr>
+        <a:solidFill>
+          <a:schemeClr val="bg1"/>
+        </a:solidFill>
+        <a:effectLst/>
+      </p:bgPr>
+    </p:bg>
+    <p:spTree>
+      <p:nvGrpSpPr>
+        <p:cNvPr id="1" name=""/>
+        <p:cNvGrpSpPr/>
+        <p:nvPr/>
+      </p:nvGrpSpPr>
+      <p:grpSpPr>
+        <a:xfrm>
+          <a:off x="0" y="0"/>
+          <a:ext cx="0" cy="0"/>
+          <a:chOff x="0" y="0"/>
+          <a:chExt cx="0" cy="0"/>
+        </a:xfrm>
+      </p:grpSpPr>
+      <p:pic>
+        <p:nvPicPr>
+          <p:cNvPr id="3" name="Picture 2">
+            <a:extLst>
+              <a:ext uri="{FF2B5EF4-FFF2-40B4-BE49-F238E27FC236}">
+                <a16:creationId xmlns:a16="http://schemas.microsoft.com/office/drawing/2014/main" id="{DF48942B-53F6-45ED-9B7A-D117C19EB58F}"/>
+              </a:ext>
+            </a:extLst>
+          </p:cNvPr>
+          <p:cNvPicPr>
+            <a:picLocks noChangeAspect="1"/>
+          </p:cNvPicPr>
+          <p:nvPr/>
+        </p:nvPicPr>
+        <p:blipFill rotWithShape="1">
+          <a:blip r:embed="rId2">
+            <a:extLst>
+              <a:ext uri="{28A0092B-C50C-407E-A947-70E740481C1C}">
+                <a14:useLocalDpi xmlns:a14="http://schemas.microsoft.com/office/drawing/2010/main" val="0"/>
+              </a:ext>
+            </a:extLst>
+          </a:blip>
+          <a:srcRect l="889" r="-1" b="-1"/>
+          <a:stretch/>
+        </p:blipFill>
+        <p:spPr>
+          <a:xfrm>
+            <a:off x="-1" y="10"/>
+            <a:ext cx="12192000" cy="6857990"/>
+          </a:xfrm>
+          <a:prstGeom prst="rect">
+            <a:avLst/>
+          </a:prstGeom>
+        </p:spPr>
+      </p:pic>
+      <p:sp>
+        <p:nvSpPr>
+          <p:cNvPr id="84" name="Freeform 5">
+            <a:extLst>
+              <a:ext uri="{FF2B5EF4-FFF2-40B4-BE49-F238E27FC236}">
+                <a16:creationId xmlns:a16="http://schemas.microsoft.com/office/drawing/2014/main" id="{3CD9DF72-87A3-404E-A828-84CBF11A8303}"/>
+              </a:ext>
+              <a:ext uri="{C183D7F6-B498-43B3-948B-1728B52AA6E4}">
+                <adec:decorative xmlns:adec="http://schemas.microsoft.com/office/drawing/2017/decorative" val="1"/>
+              </a:ext>
+            </a:extLst>
+          </p:cNvPr>
+          <p:cNvSpPr>
+            <a:spLocks noGrp="1" noRot="1" noChangeAspect="1" noMove="1" noResize="1" noEditPoints="1" noAdjustHandles="1" noChangeArrowheads="1" noChangeShapeType="1" noTextEdit="1"/>
+          </p:cNvSpPr>
+          <p:nvPr>
+            <p:extLst>
+              <p:ext uri="{386F3935-93C4-4BCD-93E2-E3B085C9AB24}">
+                <p16:designElem xmlns:p16="http://schemas.microsoft.com/office/powerpoint/2015/main" val="1"/>
+              </p:ext>
+            </p:extLst>
+          </p:nvPr>
+        </p:nvSpPr>
+        <p:spPr bwMode="grayWhite">
+          <a:xfrm flipH="1">
+            <a:off x="0" y="998175"/>
+            <a:ext cx="6017172" cy="5859825"/>
+          </a:xfrm>
+          <a:custGeom>
+            <a:avLst/>
+            <a:gdLst>
+              <a:gd name="T0" fmla="*/ 1333 w 1333"/>
+              <a:gd name="T1" fmla="*/ 1031 h 1298"/>
+              <a:gd name="T2" fmla="*/ 1333 w 1333"/>
+              <a:gd name="T3" fmla="*/ 380 h 1298"/>
+              <a:gd name="T4" fmla="*/ 706 w 1333"/>
+              <a:gd name="T5" fmla="*/ 0 h 1298"/>
+              <a:gd name="T6" fmla="*/ 0 w 1333"/>
+              <a:gd name="T7" fmla="*/ 706 h 1298"/>
+              <a:gd name="T8" fmla="*/ 323 w 1333"/>
+              <a:gd name="T9" fmla="*/ 1298 h 1298"/>
+              <a:gd name="T10" fmla="*/ 1090 w 1333"/>
+              <a:gd name="T11" fmla="*/ 1298 h 1298"/>
+              <a:gd name="T12" fmla="*/ 1333 w 1333"/>
+              <a:gd name="T13" fmla="*/ 1031 h 1298"/>
+            </a:gdLst>
+            <a:ahLst/>
+            <a:cxnLst>
+              <a:cxn ang="0">
+                <a:pos x="T0" y="T1"/>
+              </a:cxn>
+              <a:cxn ang="0">
+                <a:pos x="T2" y="T3"/>
+              </a:cxn>
+              <a:cxn ang="0">
+                <a:pos x="T4" y="T5"/>
+              </a:cxn>
+              <a:cxn ang="0">
+                <a:pos x="T6" y="T7"/>
+              </a:cxn>
+              <a:cxn ang="0">
+                <a:pos x="T8" y="T9"/>
+              </a:cxn>
+              <a:cxn ang="0">
+                <a:pos x="T10" y="T11"/>
+              </a:cxn>
+              <a:cxn ang="0">
+                <a:pos x="T12" y="T13"/>
+              </a:cxn>
+            </a:cxnLst>
+            <a:rect l="0" t="0" r="r" b="b"/>
+            <a:pathLst>
+              <a:path w="1333" h="1298">
+                <a:moveTo>
+                  <a:pt x="1333" y="1031"/>
+                </a:moveTo>
+                <a:cubicBezTo>
+                  <a:pt x="1333" y="380"/>
+                  <a:pt x="1333" y="380"/>
+                  <a:pt x="1333" y="380"/>
+                </a:cubicBezTo>
+                <a:cubicBezTo>
+                  <a:pt x="1215" y="154"/>
+                  <a:pt x="979" y="0"/>
+                  <a:pt x="706" y="0"/>
+                </a:cubicBezTo>
+                <a:cubicBezTo>
+                  <a:pt x="317" y="0"/>
+                  <a:pt x="0" y="316"/>
+                  <a:pt x="0" y="706"/>
+                </a:cubicBezTo>
+                <a:cubicBezTo>
+                  <a:pt x="0" y="954"/>
+                  <a:pt x="129" y="1172"/>
+                  <a:pt x="323" y="1298"/>
+                </a:cubicBezTo>
+                <a:cubicBezTo>
+                  <a:pt x="1090" y="1298"/>
+                  <a:pt x="1090" y="1298"/>
+                  <a:pt x="1090" y="1298"/>
+                </a:cubicBezTo>
+                <a:cubicBezTo>
+                  <a:pt x="1193" y="1232"/>
+                  <a:pt x="1276" y="1140"/>
+                  <a:pt x="1333" y="1031"/>
+                </a:cubicBezTo>
+                <a:close/>
+              </a:path>
+            </a:pathLst>
+          </a:custGeom>
+          <a:solidFill>
+            <a:schemeClr val="bg1">
+              <a:alpha val="75000"/>
+            </a:schemeClr>
+          </a:solidFill>
+          <a:ln w="50800" cap="sq" cmpd="dbl">
+            <a:noFill/>
+            <a:miter lim="800000"/>
+          </a:ln>
+          <a:effectLst/>
+        </p:spPr>
+        <p:txBody>
+          <a:bodyPr vert="horz" lIns="91440" tIns="45720" rIns="91440" bIns="45720" rtlCol="0" anchor="t">
+            <a:normAutofit/>
+          </a:bodyPr>
+          <a:lstStyle/>
+          <a:p>
+            <a:pPr algn="ctr">
+              <a:spcAft>
+                <a:spcPts val="1000"/>
+              </a:spcAft>
+              <a:buClr>
+                <a:schemeClr val="tx1"/>
+              </a:buClr>
+              <a:buSzPct val="100000"/>
+              <a:buFont typeface="Arial"/>
+              <a:buNone/>
+            </a:pPr>
+            <a:endParaRPr lang="en-US" sz="1600" cap="all"/>
+          </a:p>
+        </p:txBody>
+      </p:sp>
+      <p:cxnSp>
+        <p:nvCxnSpPr>
+          <p:cNvPr id="86" name="Straight Connector 85">
+            <a:extLst>
+              <a:ext uri="{FF2B5EF4-FFF2-40B4-BE49-F238E27FC236}">
+                <a16:creationId xmlns:a16="http://schemas.microsoft.com/office/drawing/2014/main" id="{20E3A342-4D61-4E3F-AF90-1AB42AEB96CC}"/>
+              </a:ext>
+              <a:ext uri="{C183D7F6-B498-43B3-948B-1728B52AA6E4}">
+                <adec:decorative xmlns:adec="http://schemas.microsoft.com/office/drawing/2017/decorative" val="1"/>
+              </a:ext>
+            </a:extLst>
+          </p:cNvPr>
+          <p:cNvCxnSpPr>
+            <a:cxnSpLocks noGrp="1" noRot="1" noChangeAspect="1" noMove="1" noResize="1" noEditPoints="1" noAdjustHandles="1" noChangeArrowheads="1" noChangeShapeType="1"/>
+          </p:cNvCxnSpPr>
+          <p:nvPr>
+            <p:extLst>
+              <p:ext uri="{386F3935-93C4-4BCD-93E2-E3B085C9AB24}">
+                <p16:designElem xmlns:p16="http://schemas.microsoft.com/office/powerpoint/2015/main" val="1"/>
+              </p:ext>
+            </p:extLst>
+          </p:nvPr>
+        </p:nvCxnSpPr>
+        <p:spPr>
+          <a:xfrm>
+            <a:off x="2287051" y="3337139"/>
+            <a:ext cx="935420" cy="0"/>
+          </a:xfrm>
+          <a:prstGeom prst="line">
+            <a:avLst/>
+          </a:prstGeom>
+          <a:ln w="25400" cap="sq">
+            <a:solidFill>
+              <a:schemeClr val="tx1">
+                <a:lumMod val="85000"/>
+                <a:lumOff val="15000"/>
+              </a:schemeClr>
+            </a:solidFill>
+            <a:bevel/>
+          </a:ln>
+        </p:spPr>
+        <p:style>
+          <a:lnRef idx="1">
+            <a:schemeClr val="accent1"/>
+          </a:lnRef>
+          <a:fillRef idx="0">
+            <a:schemeClr val="accent1"/>
+          </a:fillRef>
+          <a:effectRef idx="0">
+            <a:schemeClr val="accent1"/>
+          </a:effectRef>
+          <a:fontRef idx="minor">
+            <a:schemeClr val="tx1"/>
+          </a:fontRef>
+        </p:style>
+      </p:cxnSp>
+      <p:sp>
+        <p:nvSpPr>
+          <p:cNvPr id="4" name="TextBox 3">
+            <a:extLst>
+              <a:ext uri="{FF2B5EF4-FFF2-40B4-BE49-F238E27FC236}">
+                <a16:creationId xmlns:a16="http://schemas.microsoft.com/office/drawing/2014/main" id="{03DDB894-502D-4473-8189-C7F7050B360F}"/>
+              </a:ext>
+            </a:extLst>
+          </p:cNvPr>
+          <p:cNvSpPr txBox="1"/>
+          <p:nvPr/>
+        </p:nvSpPr>
+        <p:spPr>
+          <a:xfrm>
+            <a:off x="525516" y="3417573"/>
+            <a:ext cx="4593021" cy="2619839"/>
+          </a:xfrm>
+          <a:prstGeom prst="rect">
+            <a:avLst/>
+          </a:prstGeom>
+        </p:spPr>
+        <p:txBody>
+          <a:bodyPr vert="horz" lIns="91440" tIns="45720" rIns="91440" bIns="45720" rtlCol="0" anchor="ctr">
+            <a:normAutofit/>
+          </a:bodyPr>
+          <a:lstStyle/>
+          <a:p>
+            <a:pPr defTabSz="914400">
+              <a:lnSpc>
+                <a:spcPct val="90000"/>
+              </a:lnSpc>
+              <a:spcAft>
+                <a:spcPts val="600"/>
+              </a:spcAft>
+            </a:pPr>
+            <a:r>
+              <a:rPr lang="en-US" sz="2400" dirty="0">
+                <a:latin typeface="+mj-lt"/>
+              </a:rPr>
+              <a:t>213 BCE</a:t>
+            </a:r>
+          </a:p>
+          <a:p>
+            <a:pPr marL="285750" indent="-228600" defTabSz="914400">
+              <a:lnSpc>
+                <a:spcPct val="90000"/>
+              </a:lnSpc>
+              <a:spcAft>
+                <a:spcPts val="600"/>
+              </a:spcAft>
+              <a:buFont typeface="Arial" panose="020B0604020202020204" pitchFamily="34" charset="0"/>
+              <a:buChar char="•"/>
+            </a:pPr>
+            <a:r>
+              <a:rPr lang="en-US" sz="1500" dirty="0"/>
+              <a:t>Qin Shi Huang orders all Confucian writings destroyed.</a:t>
+            </a:r>
+            <a:r>
+              <a:rPr lang="en-US" sz="1500" b="1" dirty="0"/>
+              <a:t> Beginning of Legalist era in China, marked by absolute power invested in the head of state and the widespread persecution of scholars.</a:t>
+            </a:r>
+          </a:p>
+          <a:p>
+            <a:pPr marL="285750" indent="-228600" defTabSz="914400">
+              <a:lnSpc>
+                <a:spcPct val="90000"/>
+              </a:lnSpc>
+              <a:spcAft>
+                <a:spcPts val="600"/>
+              </a:spcAft>
+              <a:buFont typeface="Arial" panose="020B0604020202020204" pitchFamily="34" charset="0"/>
+              <a:buChar char="•"/>
+            </a:pPr>
+            <a:r>
+              <a:rPr lang="en-US" sz="1500" dirty="0"/>
+              <a:t>Renewed Chinese emigration to Hellenistic Central Asia as Confucian scholars find refuge in Marakanda.</a:t>
+            </a:r>
+          </a:p>
+          <a:p>
+            <a:pPr marL="285750" indent="-228600" defTabSz="914400">
+              <a:lnSpc>
+                <a:spcPct val="90000"/>
+              </a:lnSpc>
+              <a:spcAft>
+                <a:spcPts val="600"/>
+              </a:spcAft>
+              <a:buFont typeface="Arial" panose="020B0604020202020204" pitchFamily="34" charset="0"/>
+              <a:buChar char="•"/>
+            </a:pPr>
+            <a:r>
+              <a:rPr lang="en-US" sz="1500" b="1" dirty="0"/>
+              <a:t>Qin forces conquer the </a:t>
+            </a:r>
+            <a:r>
+              <a:rPr lang="en-US" sz="1500" b="1" dirty="0" err="1"/>
+              <a:t>Luoyue</a:t>
+            </a:r>
+            <a:r>
+              <a:rPr lang="en-US" sz="1500" b="1" dirty="0"/>
+              <a:t> kingdoms around the Red River Delta. Zhao </a:t>
+            </a:r>
+            <a:r>
+              <a:rPr lang="en-US" sz="1500" b="1" dirty="0" err="1"/>
+              <a:t>Tuo</a:t>
+            </a:r>
+            <a:r>
+              <a:rPr lang="en-US" sz="1500" b="1" dirty="0"/>
+              <a:t> is appointed King of Lingnan by Qin Shi Huang.</a:t>
+            </a:r>
+          </a:p>
+        </p:txBody>
+      </p:sp>
+      <p:sp>
+        <p:nvSpPr>
+          <p:cNvPr id="2" name="TextBox 1">
+            <a:extLst>
+              <a:ext uri="{FF2B5EF4-FFF2-40B4-BE49-F238E27FC236}">
+                <a16:creationId xmlns:a16="http://schemas.microsoft.com/office/drawing/2014/main" id="{26E65231-2333-4800-800F-E518C1D77385}"/>
+              </a:ext>
+            </a:extLst>
+          </p:cNvPr>
+          <p:cNvSpPr txBox="1"/>
+          <p:nvPr/>
+        </p:nvSpPr>
+        <p:spPr>
+          <a:xfrm>
+            <a:off x="922932" y="6114053"/>
+            <a:ext cx="4171308" cy="276999"/>
+          </a:xfrm>
+          <a:prstGeom prst="rect">
+            <a:avLst/>
+          </a:prstGeom>
+          <a:noFill/>
+        </p:spPr>
+        <p:txBody>
+          <a:bodyPr wrap="square" rtlCol="0">
+            <a:spAutoFit/>
+          </a:bodyPr>
+          <a:lstStyle/>
+          <a:p>
+            <a:pPr>
+              <a:spcAft>
+                <a:spcPts val="600"/>
+              </a:spcAft>
+            </a:pPr>
+            <a:r>
+              <a:rPr lang="en-US" sz="1200" dirty="0"/>
+              <a:t>*The city of Panyu is founded near the mouth of the Pearl River.</a:t>
+            </a:r>
+          </a:p>
+        </p:txBody>
+      </p:sp>
+    </p:spTree>
+    <p:extLst>
+      <p:ext uri="{BB962C8B-B14F-4D97-AF65-F5344CB8AC3E}">
+        <p14:creationId xmlns:p14="http://schemas.microsoft.com/office/powerpoint/2010/main" val="1228087197"/>
+      </p:ext>
+    </p:extLst>
+  </p:cSld>
+  <p:clrMapOvr>
+    <a:masterClrMapping/>
+  </p:clrMapOvr>
+</p:sld>
+</file>
+
 <file path=ppt/slides/slide5.xml><?xml version="1.0" encoding="utf-8"?>
 <p:sld xmlns:a="http://schemas.openxmlformats.org/drawingml/2006/main" xmlns:r="http://schemas.openxmlformats.org/officeDocument/2006/relationships" xmlns:p="http://schemas.openxmlformats.org/presentationml/2006/main">
   <p:cSld>
@@ -25123,7 +28198,15 @@
             </a:r>
             <a:r>
               <a:rPr lang="en-US" sz="1900" dirty="0"/>
-              <a:t> and Ptolemy I Soter defeat Demetrius I Poliorcetes of Macedon in the Battle of Gaza.</a:t>
+              <a:t> and Ptolemy I Soter defeat Demetrius I Poliorcetes of </a:t>
+            </a:r>
+            <a:r>
+              <a:rPr lang="en-US" sz="1900" dirty="0" err="1"/>
+              <a:t>Makedon</a:t>
+            </a:r>
+            <a:r>
+              <a:rPr lang="en-US" sz="1900" dirty="0"/>
+              <a:t> in the Battle of Gaza.</a:t>
             </a:r>
           </a:p>
           <a:p>
@@ -26312,23 +29395,7 @@
                   <a:schemeClr val="bg1"/>
                 </a:solidFill>
               </a:rPr>
-              <a:t>Founding of </a:t>
-            </a:r>
-            <a:r>
-              <a:rPr lang="en-US" sz="1700" dirty="0" err="1">
-                <a:solidFill>
-                  <a:schemeClr val="bg1"/>
-                </a:solidFill>
-              </a:rPr>
-              <a:t>Antiocheia</a:t>
-            </a:r>
-            <a:r>
-              <a:rPr lang="en-US" sz="1700" dirty="0">
-                <a:solidFill>
-                  <a:schemeClr val="bg1"/>
-                </a:solidFill>
-              </a:rPr>
-              <a:t> by Seleukos I </a:t>
+              <a:t>Founding of Antiocheia by Seleukos I </a:t>
             </a:r>
             <a:r>
               <a:rPr lang="en-US" sz="1700" dirty="0" err="1">
